--- a/Texture.pptx
+++ b/Texture.pptx
@@ -104,6 +104,11 @@
       </a:defRPr>
     </a:lvl9pPr>
   </p:defaultTextStyle>
+  <p:extLst>
+    <p:ext uri="{EFAFB233-063F-42B5-8137-9DF3F51BA10A}">
+      <p15:sldGuideLst xmlns:p15="http://schemas.microsoft.com/office/powerpoint/2012/main"/>
+    </p:ext>
+  </p:extLst>
 </p:presentation>
 </file>
 
@@ -254,7 +259,7 @@
           <a:p>
             <a:fld id="{4F39CA0E-E24C-46B9-BDEB-00D69BD4C068}" type="datetimeFigureOut">
               <a:rPr lang="fr-FR" smtClean="0"/>
-              <a:t>01/07/2021</a:t>
+              <a:t>05/07/2021</a:t>
             </a:fld>
             <a:endParaRPr lang="fr-FR"/>
           </a:p>
@@ -452,7 +457,7 @@
           <a:p>
             <a:fld id="{4F39CA0E-E24C-46B9-BDEB-00D69BD4C068}" type="datetimeFigureOut">
               <a:rPr lang="fr-FR" smtClean="0"/>
-              <a:t>01/07/2021</a:t>
+              <a:t>05/07/2021</a:t>
             </a:fld>
             <a:endParaRPr lang="fr-FR"/>
           </a:p>
@@ -660,7 +665,7 @@
           <a:p>
             <a:fld id="{4F39CA0E-E24C-46B9-BDEB-00D69BD4C068}" type="datetimeFigureOut">
               <a:rPr lang="fr-FR" smtClean="0"/>
-              <a:t>01/07/2021</a:t>
+              <a:t>05/07/2021</a:t>
             </a:fld>
             <a:endParaRPr lang="fr-FR"/>
           </a:p>
@@ -858,7 +863,7 @@
           <a:p>
             <a:fld id="{4F39CA0E-E24C-46B9-BDEB-00D69BD4C068}" type="datetimeFigureOut">
               <a:rPr lang="fr-FR" smtClean="0"/>
-              <a:t>01/07/2021</a:t>
+              <a:t>05/07/2021</a:t>
             </a:fld>
             <a:endParaRPr lang="fr-FR"/>
           </a:p>
@@ -1133,7 +1138,7 @@
           <a:p>
             <a:fld id="{4F39CA0E-E24C-46B9-BDEB-00D69BD4C068}" type="datetimeFigureOut">
               <a:rPr lang="fr-FR" smtClean="0"/>
-              <a:t>01/07/2021</a:t>
+              <a:t>05/07/2021</a:t>
             </a:fld>
             <a:endParaRPr lang="fr-FR"/>
           </a:p>
@@ -1398,7 +1403,7 @@
           <a:p>
             <a:fld id="{4F39CA0E-E24C-46B9-BDEB-00D69BD4C068}" type="datetimeFigureOut">
               <a:rPr lang="fr-FR" smtClean="0"/>
-              <a:t>01/07/2021</a:t>
+              <a:t>05/07/2021</a:t>
             </a:fld>
             <a:endParaRPr lang="fr-FR"/>
           </a:p>
@@ -1810,7 +1815,7 @@
           <a:p>
             <a:fld id="{4F39CA0E-E24C-46B9-BDEB-00D69BD4C068}" type="datetimeFigureOut">
               <a:rPr lang="fr-FR" smtClean="0"/>
-              <a:t>01/07/2021</a:t>
+              <a:t>05/07/2021</a:t>
             </a:fld>
             <a:endParaRPr lang="fr-FR"/>
           </a:p>
@@ -1951,7 +1956,7 @@
           <a:p>
             <a:fld id="{4F39CA0E-E24C-46B9-BDEB-00D69BD4C068}" type="datetimeFigureOut">
               <a:rPr lang="fr-FR" smtClean="0"/>
-              <a:t>01/07/2021</a:t>
+              <a:t>05/07/2021</a:t>
             </a:fld>
             <a:endParaRPr lang="fr-FR"/>
           </a:p>
@@ -2064,7 +2069,7 @@
           <a:p>
             <a:fld id="{4F39CA0E-E24C-46B9-BDEB-00D69BD4C068}" type="datetimeFigureOut">
               <a:rPr lang="fr-FR" smtClean="0"/>
-              <a:t>01/07/2021</a:t>
+              <a:t>05/07/2021</a:t>
             </a:fld>
             <a:endParaRPr lang="fr-FR"/>
           </a:p>
@@ -2375,7 +2380,7 @@
           <a:p>
             <a:fld id="{4F39CA0E-E24C-46B9-BDEB-00D69BD4C068}" type="datetimeFigureOut">
               <a:rPr lang="fr-FR" smtClean="0"/>
-              <a:t>01/07/2021</a:t>
+              <a:t>05/07/2021</a:t>
             </a:fld>
             <a:endParaRPr lang="fr-FR"/>
           </a:p>
@@ -2663,7 +2668,7 @@
           <a:p>
             <a:fld id="{4F39CA0E-E24C-46B9-BDEB-00D69BD4C068}" type="datetimeFigureOut">
               <a:rPr lang="fr-FR" smtClean="0"/>
-              <a:t>01/07/2021</a:t>
+              <a:t>05/07/2021</a:t>
             </a:fld>
             <a:endParaRPr lang="fr-FR"/>
           </a:p>
@@ -2904,7 +2909,7 @@
           <a:p>
             <a:fld id="{4F39CA0E-E24C-46B9-BDEB-00D69BD4C068}" type="datetimeFigureOut">
               <a:rPr lang="fr-FR" smtClean="0"/>
-              <a:t>01/07/2021</a:t>
+              <a:t>05/07/2021</a:t>
             </a:fld>
             <a:endParaRPr lang="fr-FR"/>
           </a:p>
@@ -3829,6 +3834,135 @@
           </p:txBody>
         </p:sp>
       </p:grpSp>
+      <p:grpSp>
+        <p:nvGrpSpPr>
+          <p:cNvPr id="3" name="Groupe 2">
+            <a:extLst>
+              <a:ext uri="{FF2B5EF4-FFF2-40B4-BE49-F238E27FC236}">
+                <a16:creationId xmlns:a16="http://schemas.microsoft.com/office/drawing/2014/main" id="{1D0ED6C8-2C09-405E-9575-AE2B72D00E3A}"/>
+              </a:ext>
+            </a:extLst>
+          </p:cNvPr>
+          <p:cNvGrpSpPr/>
+          <p:nvPr/>
+        </p:nvGrpSpPr>
+        <p:grpSpPr>
+          <a:xfrm>
+            <a:off x="3096985" y="4288079"/>
+            <a:ext cx="1743891" cy="1743891"/>
+            <a:chOff x="3096985" y="4288079"/>
+            <a:chExt cx="1743891" cy="1743891"/>
+          </a:xfrm>
+        </p:grpSpPr>
+        <p:sp>
+          <p:nvSpPr>
+            <p:cNvPr id="17" name="Rectangle 16">
+              <a:extLst>
+                <a:ext uri="{FF2B5EF4-FFF2-40B4-BE49-F238E27FC236}">
+                  <a16:creationId xmlns:a16="http://schemas.microsoft.com/office/drawing/2014/main" id="{7DF91B8B-C4EE-4E73-ACF7-7984CF7EB4D1}"/>
+                </a:ext>
+              </a:extLst>
+            </p:cNvPr>
+            <p:cNvSpPr/>
+            <p:nvPr/>
+          </p:nvSpPr>
+          <p:spPr>
+            <a:xfrm>
+              <a:off x="3096985" y="4288079"/>
+              <a:ext cx="1743891" cy="1743891"/>
+            </a:xfrm>
+            <a:prstGeom prst="rect">
+              <a:avLst/>
+            </a:prstGeom>
+            <a:solidFill>
+              <a:schemeClr val="tx1"/>
+            </a:solidFill>
+            <a:ln>
+              <a:noFill/>
+            </a:ln>
+          </p:spPr>
+          <p:style>
+            <a:lnRef idx="2">
+              <a:schemeClr val="accent1">
+                <a:shade val="50000"/>
+              </a:schemeClr>
+            </a:lnRef>
+            <a:fillRef idx="1">
+              <a:schemeClr val="accent1"/>
+            </a:fillRef>
+            <a:effectRef idx="0">
+              <a:schemeClr val="accent1"/>
+            </a:effectRef>
+            <a:fontRef idx="minor">
+              <a:schemeClr val="lt1"/>
+            </a:fontRef>
+          </p:style>
+          <p:txBody>
+            <a:bodyPr rtlCol="0" anchor="ctr"/>
+            <a:lstStyle/>
+            <a:p>
+              <a:pPr algn="ctr"/>
+              <a:endParaRPr lang="fr-FR"/>
+            </a:p>
+          </p:txBody>
+        </p:sp>
+        <p:sp>
+          <p:nvSpPr>
+            <p:cNvPr id="2" name="Croix 1">
+              <a:extLst>
+                <a:ext uri="{FF2B5EF4-FFF2-40B4-BE49-F238E27FC236}">
+                  <a16:creationId xmlns:a16="http://schemas.microsoft.com/office/drawing/2014/main" id="{F15A5F12-D792-4110-A119-15FDA94ECF70}"/>
+                </a:ext>
+              </a:extLst>
+            </p:cNvPr>
+            <p:cNvSpPr/>
+            <p:nvPr/>
+          </p:nvSpPr>
+          <p:spPr>
+            <a:xfrm>
+              <a:off x="3717442" y="4907601"/>
+              <a:ext cx="502977" cy="504846"/>
+            </a:xfrm>
+            <a:prstGeom prst="plus">
+              <a:avLst>
+                <a:gd name="adj" fmla="val 39622"/>
+              </a:avLst>
+            </a:prstGeom>
+            <a:solidFill>
+              <a:schemeClr val="bg1"/>
+            </a:solidFill>
+            <a:ln>
+              <a:solidFill>
+                <a:schemeClr val="bg1"/>
+              </a:solidFill>
+            </a:ln>
+          </p:spPr>
+          <p:style>
+            <a:lnRef idx="2">
+              <a:schemeClr val="accent1">
+                <a:shade val="50000"/>
+              </a:schemeClr>
+            </a:lnRef>
+            <a:fillRef idx="1">
+              <a:schemeClr val="accent1"/>
+            </a:fillRef>
+            <a:effectRef idx="0">
+              <a:schemeClr val="accent1"/>
+            </a:effectRef>
+            <a:fontRef idx="minor">
+              <a:schemeClr val="lt1"/>
+            </a:fontRef>
+          </p:style>
+          <p:txBody>
+            <a:bodyPr rtlCol="0" anchor="ctr"/>
+            <a:lstStyle/>
+            <a:p>
+              <a:pPr algn="ctr"/>
+              <a:endParaRPr lang="fr-FR"/>
+            </a:p>
+          </p:txBody>
+        </p:sp>
+      </p:grpSp>
     </p:spTree>
     <p:extLst>
       <p:ext uri="{BB962C8B-B14F-4D97-AF65-F5344CB8AC3E}">

--- a/Texture.pptx
+++ b/Texture.pptx
@@ -6,6 +6,8 @@
   </p:sldMasterIdLst>
   <p:sldIdLst>
     <p:sldId id="256" r:id="rId2"/>
+    <p:sldId id="257" r:id="rId3"/>
+    <p:sldId id="258" r:id="rId4"/>
   </p:sldIdLst>
   <p:sldSz cx="12192000" cy="6858000"/>
   <p:notesSz cx="6858000" cy="9144000"/>
@@ -259,7 +261,7 @@
           <a:p>
             <a:fld id="{4F39CA0E-E24C-46B9-BDEB-00D69BD4C068}" type="datetimeFigureOut">
               <a:rPr lang="fr-FR" smtClean="0"/>
-              <a:t>05/07/2021</a:t>
+              <a:t>08/07/2021</a:t>
             </a:fld>
             <a:endParaRPr lang="fr-FR"/>
           </a:p>
@@ -457,7 +459,7 @@
           <a:p>
             <a:fld id="{4F39CA0E-E24C-46B9-BDEB-00D69BD4C068}" type="datetimeFigureOut">
               <a:rPr lang="fr-FR" smtClean="0"/>
-              <a:t>05/07/2021</a:t>
+              <a:t>08/07/2021</a:t>
             </a:fld>
             <a:endParaRPr lang="fr-FR"/>
           </a:p>
@@ -665,7 +667,7 @@
           <a:p>
             <a:fld id="{4F39CA0E-E24C-46B9-BDEB-00D69BD4C068}" type="datetimeFigureOut">
               <a:rPr lang="fr-FR" smtClean="0"/>
-              <a:t>05/07/2021</a:t>
+              <a:t>08/07/2021</a:t>
             </a:fld>
             <a:endParaRPr lang="fr-FR"/>
           </a:p>
@@ -863,7 +865,7 @@
           <a:p>
             <a:fld id="{4F39CA0E-E24C-46B9-BDEB-00D69BD4C068}" type="datetimeFigureOut">
               <a:rPr lang="fr-FR" smtClean="0"/>
-              <a:t>05/07/2021</a:t>
+              <a:t>08/07/2021</a:t>
             </a:fld>
             <a:endParaRPr lang="fr-FR"/>
           </a:p>
@@ -1138,7 +1140,7 @@
           <a:p>
             <a:fld id="{4F39CA0E-E24C-46B9-BDEB-00D69BD4C068}" type="datetimeFigureOut">
               <a:rPr lang="fr-FR" smtClean="0"/>
-              <a:t>05/07/2021</a:t>
+              <a:t>08/07/2021</a:t>
             </a:fld>
             <a:endParaRPr lang="fr-FR"/>
           </a:p>
@@ -1403,7 +1405,7 @@
           <a:p>
             <a:fld id="{4F39CA0E-E24C-46B9-BDEB-00D69BD4C068}" type="datetimeFigureOut">
               <a:rPr lang="fr-FR" smtClean="0"/>
-              <a:t>05/07/2021</a:t>
+              <a:t>08/07/2021</a:t>
             </a:fld>
             <a:endParaRPr lang="fr-FR"/>
           </a:p>
@@ -1815,7 +1817,7 @@
           <a:p>
             <a:fld id="{4F39CA0E-E24C-46B9-BDEB-00D69BD4C068}" type="datetimeFigureOut">
               <a:rPr lang="fr-FR" smtClean="0"/>
-              <a:t>05/07/2021</a:t>
+              <a:t>08/07/2021</a:t>
             </a:fld>
             <a:endParaRPr lang="fr-FR"/>
           </a:p>
@@ -1956,7 +1958,7 @@
           <a:p>
             <a:fld id="{4F39CA0E-E24C-46B9-BDEB-00D69BD4C068}" type="datetimeFigureOut">
               <a:rPr lang="fr-FR" smtClean="0"/>
-              <a:t>05/07/2021</a:t>
+              <a:t>08/07/2021</a:t>
             </a:fld>
             <a:endParaRPr lang="fr-FR"/>
           </a:p>
@@ -2069,7 +2071,7 @@
           <a:p>
             <a:fld id="{4F39CA0E-E24C-46B9-BDEB-00D69BD4C068}" type="datetimeFigureOut">
               <a:rPr lang="fr-FR" smtClean="0"/>
-              <a:t>05/07/2021</a:t>
+              <a:t>08/07/2021</a:t>
             </a:fld>
             <a:endParaRPr lang="fr-FR"/>
           </a:p>
@@ -2380,7 +2382,7 @@
           <a:p>
             <a:fld id="{4F39CA0E-E24C-46B9-BDEB-00D69BD4C068}" type="datetimeFigureOut">
               <a:rPr lang="fr-FR" smtClean="0"/>
-              <a:t>05/07/2021</a:t>
+              <a:t>08/07/2021</a:t>
             </a:fld>
             <a:endParaRPr lang="fr-FR"/>
           </a:p>
@@ -2668,7 +2670,7 @@
           <a:p>
             <a:fld id="{4F39CA0E-E24C-46B9-BDEB-00D69BD4C068}" type="datetimeFigureOut">
               <a:rPr lang="fr-FR" smtClean="0"/>
-              <a:t>05/07/2021</a:t>
+              <a:t>08/07/2021</a:t>
             </a:fld>
             <a:endParaRPr lang="fr-FR"/>
           </a:p>
@@ -2909,7 +2911,7 @@
           <a:p>
             <a:fld id="{4F39CA0E-E24C-46B9-BDEB-00D69BD4C068}" type="datetimeFigureOut">
               <a:rPr lang="fr-FR" smtClean="0"/>
-              <a:t>05/07/2021</a:t>
+              <a:t>08/07/2021</a:t>
             </a:fld>
             <a:endParaRPr lang="fr-FR"/>
           </a:p>
@@ -3588,7 +3590,7 @@
         </p:nvGrpSpPr>
         <p:grpSpPr>
           <a:xfrm>
-            <a:off x="4290060" y="2123999"/>
+            <a:off x="4418511" y="2123998"/>
             <a:ext cx="1743891" cy="1743891"/>
             <a:chOff x="4290060" y="2123999"/>
             <a:chExt cx="1743891" cy="1743891"/>
@@ -3963,10 +3965,586 @@
           </p:txBody>
         </p:sp>
       </p:grpSp>
+      <p:sp>
+        <p:nvSpPr>
+          <p:cNvPr id="22" name="Cercle : creux 21">
+            <a:extLst>
+              <a:ext uri="{FF2B5EF4-FFF2-40B4-BE49-F238E27FC236}">
+                <a16:creationId xmlns:a16="http://schemas.microsoft.com/office/drawing/2014/main" id="{AC8301E3-772C-4B16-9100-1981FD9B1B6D}"/>
+              </a:ext>
+            </a:extLst>
+          </p:cNvPr>
+          <p:cNvSpPr/>
+          <p:nvPr/>
+        </p:nvSpPr>
+        <p:spPr>
+          <a:xfrm>
+            <a:off x="6418217" y="2157743"/>
+            <a:ext cx="1676400" cy="1676400"/>
+          </a:xfrm>
+          <a:prstGeom prst="donut">
+            <a:avLst>
+              <a:gd name="adj" fmla="val 7230"/>
+            </a:avLst>
+          </a:prstGeom>
+          <a:solidFill>
+            <a:schemeClr val="bg1"/>
+          </a:solidFill>
+          <a:ln>
+            <a:noFill/>
+          </a:ln>
+        </p:spPr>
+        <p:style>
+          <a:lnRef idx="2">
+            <a:schemeClr val="accent1">
+              <a:shade val="50000"/>
+            </a:schemeClr>
+          </a:lnRef>
+          <a:fillRef idx="1">
+            <a:schemeClr val="accent1"/>
+          </a:fillRef>
+          <a:effectRef idx="0">
+            <a:schemeClr val="accent1"/>
+          </a:effectRef>
+          <a:fontRef idx="minor">
+            <a:schemeClr val="lt1"/>
+          </a:fontRef>
+        </p:style>
+        <p:txBody>
+          <a:bodyPr rtlCol="0" anchor="ctr"/>
+          <a:lstStyle/>
+          <a:p>
+            <a:pPr algn="ctr"/>
+            <a:endParaRPr lang="fr-FR">
+              <a:solidFill>
+                <a:schemeClr val="tx1"/>
+              </a:solidFill>
+            </a:endParaRPr>
+          </a:p>
+        </p:txBody>
+      </p:sp>
     </p:spTree>
     <p:extLst>
       <p:ext uri="{BB962C8B-B14F-4D97-AF65-F5344CB8AC3E}">
         <p14:creationId xmlns:p14="http://schemas.microsoft.com/office/powerpoint/2010/main" val="4122987937"/>
+      </p:ext>
+    </p:extLst>
+  </p:cSld>
+  <p:clrMapOvr>
+    <a:masterClrMapping/>
+  </p:clrMapOvr>
+</p:sld>
+</file>
+
+<file path=ppt/slides/slide2.xml><?xml version="1.0" encoding="utf-8"?>
+<p:sld xmlns:a="http://schemas.openxmlformats.org/drawingml/2006/main" xmlns:r="http://schemas.openxmlformats.org/officeDocument/2006/relationships" xmlns:p="http://schemas.openxmlformats.org/presentationml/2006/main">
+  <p:cSld>
+    <p:spTree>
+      <p:nvGrpSpPr>
+        <p:cNvPr id="1" name=""/>
+        <p:cNvGrpSpPr/>
+        <p:nvPr/>
+      </p:nvGrpSpPr>
+      <p:grpSpPr>
+        <a:xfrm>
+          <a:off x="0" y="0"/>
+          <a:ext cx="0" cy="0"/>
+          <a:chOff x="0" y="0"/>
+          <a:chExt cx="0" cy="0"/>
+        </a:xfrm>
+      </p:grpSpPr>
+      <p:grpSp>
+        <p:nvGrpSpPr>
+          <p:cNvPr id="10" name="Groupe 9">
+            <a:extLst>
+              <a:ext uri="{FF2B5EF4-FFF2-40B4-BE49-F238E27FC236}">
+                <a16:creationId xmlns:a16="http://schemas.microsoft.com/office/drawing/2014/main" id="{F3050895-A9E2-4EB4-A570-2EDA05854F14}"/>
+              </a:ext>
+            </a:extLst>
+          </p:cNvPr>
+          <p:cNvGrpSpPr/>
+          <p:nvPr/>
+        </p:nvGrpSpPr>
+        <p:grpSpPr>
+          <a:xfrm>
+            <a:off x="325120" y="1123601"/>
+            <a:ext cx="3014797" cy="3014797"/>
+            <a:chOff x="3779520" y="1336961"/>
+            <a:chExt cx="3014797" cy="3014797"/>
+          </a:xfrm>
+        </p:grpSpPr>
+        <p:sp>
+          <p:nvSpPr>
+            <p:cNvPr id="9" name="Rectangle 8">
+              <a:extLst>
+                <a:ext uri="{FF2B5EF4-FFF2-40B4-BE49-F238E27FC236}">
+                  <a16:creationId xmlns:a16="http://schemas.microsoft.com/office/drawing/2014/main" id="{2B3C6E84-1485-4990-94F7-238F9340706A}"/>
+                </a:ext>
+              </a:extLst>
+            </p:cNvPr>
+            <p:cNvSpPr/>
+            <p:nvPr/>
+          </p:nvSpPr>
+          <p:spPr>
+            <a:xfrm>
+              <a:off x="3779520" y="1336961"/>
+              <a:ext cx="3014797" cy="3014797"/>
+            </a:xfrm>
+            <a:prstGeom prst="rect">
+              <a:avLst/>
+            </a:prstGeom>
+            <a:noFill/>
+            <a:ln>
+              <a:noFill/>
+            </a:ln>
+          </p:spPr>
+          <p:style>
+            <a:lnRef idx="2">
+              <a:schemeClr val="accent1">
+                <a:shade val="50000"/>
+              </a:schemeClr>
+            </a:lnRef>
+            <a:fillRef idx="1">
+              <a:schemeClr val="accent1"/>
+            </a:fillRef>
+            <a:effectRef idx="0">
+              <a:schemeClr val="accent1"/>
+            </a:effectRef>
+            <a:fontRef idx="minor">
+              <a:schemeClr val="lt1"/>
+            </a:fontRef>
+          </p:style>
+          <p:txBody>
+            <a:bodyPr rtlCol="0" anchor="ctr"/>
+            <a:lstStyle/>
+            <a:p>
+              <a:pPr algn="ctr"/>
+              <a:endParaRPr lang="fr-FR"/>
+            </a:p>
+          </p:txBody>
+        </p:sp>
+        <p:sp>
+          <p:nvSpPr>
+            <p:cNvPr id="4" name="Cercle : creux 3">
+              <a:extLst>
+                <a:ext uri="{FF2B5EF4-FFF2-40B4-BE49-F238E27FC236}">
+                  <a16:creationId xmlns:a16="http://schemas.microsoft.com/office/drawing/2014/main" id="{CDD19ADD-D8A5-4109-8B5F-E30D9052D9B2}"/>
+                </a:ext>
+              </a:extLst>
+            </p:cNvPr>
+            <p:cNvSpPr/>
+            <p:nvPr/>
+          </p:nvSpPr>
+          <p:spPr>
+            <a:xfrm>
+              <a:off x="4448718" y="2006159"/>
+              <a:ext cx="1676400" cy="1676400"/>
+            </a:xfrm>
+            <a:prstGeom prst="donut">
+              <a:avLst>
+                <a:gd name="adj" fmla="val 7230"/>
+              </a:avLst>
+            </a:prstGeom>
+            <a:solidFill>
+              <a:schemeClr val="tx1"/>
+            </a:solidFill>
+            <a:ln w="28575">
+              <a:noFill/>
+            </a:ln>
+          </p:spPr>
+          <p:style>
+            <a:lnRef idx="2">
+              <a:schemeClr val="accent1">
+                <a:shade val="50000"/>
+              </a:schemeClr>
+            </a:lnRef>
+            <a:fillRef idx="1">
+              <a:schemeClr val="accent1"/>
+            </a:fillRef>
+            <a:effectRef idx="0">
+              <a:schemeClr val="accent1"/>
+            </a:effectRef>
+            <a:fontRef idx="minor">
+              <a:schemeClr val="lt1"/>
+            </a:fontRef>
+          </p:style>
+          <p:txBody>
+            <a:bodyPr rtlCol="0" anchor="ctr"/>
+            <a:lstStyle/>
+            <a:p>
+              <a:pPr algn="ctr"/>
+              <a:endParaRPr lang="fr-FR" dirty="0">
+                <a:solidFill>
+                  <a:schemeClr val="tx1"/>
+                </a:solidFill>
+              </a:endParaRPr>
+            </a:p>
+          </p:txBody>
+        </p:sp>
+      </p:grpSp>
+      <p:sp>
+        <p:nvSpPr>
+          <p:cNvPr id="7" name="Rectangle 6">
+            <a:extLst>
+              <a:ext uri="{FF2B5EF4-FFF2-40B4-BE49-F238E27FC236}">
+                <a16:creationId xmlns:a16="http://schemas.microsoft.com/office/drawing/2014/main" id="{18131312-7FDB-40C0-B08A-20472EC95847}"/>
+              </a:ext>
+            </a:extLst>
+          </p:cNvPr>
+          <p:cNvSpPr/>
+          <p:nvPr/>
+        </p:nvSpPr>
+        <p:spPr>
+          <a:xfrm>
+            <a:off x="1668092" y="2090252"/>
+            <a:ext cx="1743891" cy="1743891"/>
+          </a:xfrm>
+          <a:prstGeom prst="rect">
+            <a:avLst/>
+          </a:prstGeom>
+          <a:noFill/>
+          <a:ln>
+            <a:noFill/>
+          </a:ln>
+        </p:spPr>
+        <p:style>
+          <a:lnRef idx="2">
+            <a:schemeClr val="accent1">
+              <a:shade val="50000"/>
+            </a:schemeClr>
+          </a:lnRef>
+          <a:fillRef idx="1">
+            <a:schemeClr val="accent1"/>
+          </a:fillRef>
+          <a:effectRef idx="0">
+            <a:schemeClr val="accent1"/>
+          </a:effectRef>
+          <a:fontRef idx="minor">
+            <a:schemeClr val="lt1"/>
+          </a:fontRef>
+        </p:style>
+        <p:txBody>
+          <a:bodyPr rtlCol="0" anchor="ctr"/>
+          <a:lstStyle/>
+          <a:p>
+            <a:pPr algn="ctr"/>
+            <a:endParaRPr lang="fr-FR"/>
+          </a:p>
+        </p:txBody>
+      </p:sp>
+      <p:sp>
+        <p:nvSpPr>
+          <p:cNvPr id="12" name="Rectangle 11">
+            <a:extLst>
+              <a:ext uri="{FF2B5EF4-FFF2-40B4-BE49-F238E27FC236}">
+                <a16:creationId xmlns:a16="http://schemas.microsoft.com/office/drawing/2014/main" id="{606402D2-579D-427B-9423-52DDB9025559}"/>
+              </a:ext>
+            </a:extLst>
+          </p:cNvPr>
+          <p:cNvSpPr/>
+          <p:nvPr/>
+        </p:nvSpPr>
+        <p:spPr>
+          <a:xfrm>
+            <a:off x="3870960" y="1123601"/>
+            <a:ext cx="3014797" cy="3014797"/>
+          </a:xfrm>
+          <a:prstGeom prst="rect">
+            <a:avLst/>
+          </a:prstGeom>
+          <a:noFill/>
+          <a:ln>
+            <a:noFill/>
+          </a:ln>
+        </p:spPr>
+        <p:style>
+          <a:lnRef idx="2">
+            <a:schemeClr val="accent1">
+              <a:shade val="50000"/>
+            </a:schemeClr>
+          </a:lnRef>
+          <a:fillRef idx="1">
+            <a:schemeClr val="accent1"/>
+          </a:fillRef>
+          <a:effectRef idx="0">
+            <a:schemeClr val="accent1"/>
+          </a:effectRef>
+          <a:fontRef idx="minor">
+            <a:schemeClr val="lt1"/>
+          </a:fontRef>
+        </p:style>
+        <p:txBody>
+          <a:bodyPr rtlCol="0" anchor="ctr"/>
+          <a:lstStyle/>
+          <a:p>
+            <a:pPr algn="ctr"/>
+            <a:endParaRPr lang="fr-FR"/>
+          </a:p>
+        </p:txBody>
+      </p:sp>
+      <p:sp>
+        <p:nvSpPr>
+          <p:cNvPr id="18" name="Rectangle 17">
+            <a:extLst>
+              <a:ext uri="{FF2B5EF4-FFF2-40B4-BE49-F238E27FC236}">
+                <a16:creationId xmlns:a16="http://schemas.microsoft.com/office/drawing/2014/main" id="{F4285677-95B0-44FF-88A6-B2358CC7F1A0}"/>
+              </a:ext>
+            </a:extLst>
+          </p:cNvPr>
+          <p:cNvSpPr/>
+          <p:nvPr/>
+        </p:nvSpPr>
+        <p:spPr>
+          <a:xfrm>
+            <a:off x="2491923" y="686721"/>
+            <a:ext cx="3014797" cy="3014797"/>
+          </a:xfrm>
+          <a:prstGeom prst="rect">
+            <a:avLst/>
+          </a:prstGeom>
+          <a:noFill/>
+          <a:ln>
+            <a:noFill/>
+          </a:ln>
+        </p:spPr>
+        <p:style>
+          <a:lnRef idx="2">
+            <a:schemeClr val="accent1">
+              <a:shade val="50000"/>
+            </a:schemeClr>
+          </a:lnRef>
+          <a:fillRef idx="1">
+            <a:schemeClr val="accent1"/>
+          </a:fillRef>
+          <a:effectRef idx="0">
+            <a:schemeClr val="accent1"/>
+          </a:effectRef>
+          <a:fontRef idx="minor">
+            <a:schemeClr val="lt1"/>
+          </a:fontRef>
+        </p:style>
+        <p:txBody>
+          <a:bodyPr rtlCol="0" anchor="ctr"/>
+          <a:lstStyle/>
+          <a:p>
+            <a:pPr algn="ctr"/>
+            <a:endParaRPr lang="fr-FR"/>
+          </a:p>
+        </p:txBody>
+      </p:sp>
+      <p:grpSp>
+        <p:nvGrpSpPr>
+          <p:cNvPr id="25" name="Groupe 24">
+            <a:extLst>
+              <a:ext uri="{FF2B5EF4-FFF2-40B4-BE49-F238E27FC236}">
+                <a16:creationId xmlns:a16="http://schemas.microsoft.com/office/drawing/2014/main" id="{5DD6BAA2-5309-468D-8760-2827F13A16A4}"/>
+              </a:ext>
+            </a:extLst>
+          </p:cNvPr>
+          <p:cNvGrpSpPr/>
+          <p:nvPr/>
+        </p:nvGrpSpPr>
+        <p:grpSpPr>
+          <a:xfrm>
+            <a:off x="4085757" y="1595572"/>
+            <a:ext cx="3174732" cy="3174732"/>
+            <a:chOff x="4085757" y="1595572"/>
+            <a:chExt cx="3174732" cy="3174732"/>
+          </a:xfrm>
+        </p:grpSpPr>
+        <p:sp>
+          <p:nvSpPr>
+            <p:cNvPr id="23" name="Rectangle 22">
+              <a:extLst>
+                <a:ext uri="{FF2B5EF4-FFF2-40B4-BE49-F238E27FC236}">
+                  <a16:creationId xmlns:a16="http://schemas.microsoft.com/office/drawing/2014/main" id="{04070378-0759-45CE-B523-A318950D91EB}"/>
+                </a:ext>
+              </a:extLst>
+            </p:cNvPr>
+            <p:cNvSpPr/>
+            <p:nvPr/>
+          </p:nvSpPr>
+          <p:spPr>
+            <a:xfrm>
+              <a:off x="4085757" y="1595572"/>
+              <a:ext cx="3174732" cy="3174732"/>
+            </a:xfrm>
+            <a:prstGeom prst="rect">
+              <a:avLst/>
+            </a:prstGeom>
+            <a:noFill/>
+            <a:ln>
+              <a:noFill/>
+            </a:ln>
+          </p:spPr>
+          <p:style>
+            <a:lnRef idx="2">
+              <a:schemeClr val="accent1">
+                <a:shade val="50000"/>
+              </a:schemeClr>
+            </a:lnRef>
+            <a:fillRef idx="1">
+              <a:schemeClr val="accent1"/>
+            </a:fillRef>
+            <a:effectRef idx="0">
+              <a:schemeClr val="accent1"/>
+            </a:effectRef>
+            <a:fontRef idx="minor">
+              <a:schemeClr val="lt1"/>
+            </a:fontRef>
+          </p:style>
+          <p:txBody>
+            <a:bodyPr rtlCol="0" anchor="ctr"/>
+            <a:lstStyle/>
+            <a:p>
+              <a:pPr algn="ctr"/>
+              <a:endParaRPr lang="fr-FR"/>
+            </a:p>
+          </p:txBody>
+        </p:sp>
+        <p:sp>
+          <p:nvSpPr>
+            <p:cNvPr id="21" name="Ellipse 20">
+              <a:extLst>
+                <a:ext uri="{FF2B5EF4-FFF2-40B4-BE49-F238E27FC236}">
+                  <a16:creationId xmlns:a16="http://schemas.microsoft.com/office/drawing/2014/main" id="{C438287D-C490-4C64-8C14-E9E1345E943D}"/>
+                </a:ext>
+              </a:extLst>
+            </p:cNvPr>
+            <p:cNvSpPr/>
+            <p:nvPr/>
+          </p:nvSpPr>
+          <p:spPr>
+            <a:xfrm>
+              <a:off x="5289363" y="2799178"/>
+              <a:ext cx="767521" cy="767521"/>
+            </a:xfrm>
+            <a:prstGeom prst="ellipse">
+              <a:avLst/>
+            </a:prstGeom>
+            <a:solidFill>
+              <a:schemeClr val="tx1"/>
+            </a:solidFill>
+            <a:ln>
+              <a:solidFill>
+                <a:schemeClr val="tx1"/>
+              </a:solidFill>
+            </a:ln>
+          </p:spPr>
+          <p:style>
+            <a:lnRef idx="2">
+              <a:schemeClr val="accent1">
+                <a:shade val="50000"/>
+              </a:schemeClr>
+            </a:lnRef>
+            <a:fillRef idx="1">
+              <a:schemeClr val="accent1"/>
+            </a:fillRef>
+            <a:effectRef idx="0">
+              <a:schemeClr val="accent1"/>
+            </a:effectRef>
+            <a:fontRef idx="minor">
+              <a:schemeClr val="lt1"/>
+            </a:fontRef>
+          </p:style>
+          <p:txBody>
+            <a:bodyPr rtlCol="0" anchor="ctr"/>
+            <a:lstStyle/>
+            <a:p>
+              <a:pPr algn="ctr"/>
+              <a:endParaRPr lang="fr-FR"/>
+            </a:p>
+          </p:txBody>
+        </p:sp>
+        <p:sp>
+          <p:nvSpPr>
+            <p:cNvPr id="22" name="Rectangle 21">
+              <a:extLst>
+                <a:ext uri="{FF2B5EF4-FFF2-40B4-BE49-F238E27FC236}">
+                  <a16:creationId xmlns:a16="http://schemas.microsoft.com/office/drawing/2014/main" id="{57F330A7-5107-4343-A376-304489AFC2C6}"/>
+                </a:ext>
+              </a:extLst>
+            </p:cNvPr>
+            <p:cNvSpPr/>
+            <p:nvPr/>
+          </p:nvSpPr>
+          <p:spPr>
+            <a:xfrm rot="16200000">
+              <a:off x="4918457" y="2337459"/>
+              <a:ext cx="1521778" cy="169177"/>
+            </a:xfrm>
+            <a:prstGeom prst="rect">
+              <a:avLst/>
+            </a:prstGeom>
+            <a:solidFill>
+              <a:schemeClr val="tx1"/>
+            </a:solidFill>
+            <a:ln>
+              <a:solidFill>
+                <a:schemeClr val="tx1"/>
+              </a:solidFill>
+            </a:ln>
+          </p:spPr>
+          <p:style>
+            <a:lnRef idx="2">
+              <a:schemeClr val="accent1">
+                <a:shade val="50000"/>
+              </a:schemeClr>
+            </a:lnRef>
+            <a:fillRef idx="1">
+              <a:schemeClr val="accent1"/>
+            </a:fillRef>
+            <a:effectRef idx="0">
+              <a:schemeClr val="accent1"/>
+            </a:effectRef>
+            <a:fontRef idx="minor">
+              <a:schemeClr val="lt1"/>
+            </a:fontRef>
+          </p:style>
+          <p:txBody>
+            <a:bodyPr rtlCol="0" anchor="ctr"/>
+            <a:lstStyle/>
+            <a:p>
+              <a:pPr algn="ctr"/>
+              <a:endParaRPr lang="fr-FR"/>
+            </a:p>
+          </p:txBody>
+        </p:sp>
+      </p:grpSp>
+    </p:spTree>
+    <p:extLst>
+      <p:ext uri="{BB962C8B-B14F-4D97-AF65-F5344CB8AC3E}">
+        <p14:creationId xmlns:p14="http://schemas.microsoft.com/office/powerpoint/2010/main" val="1411919251"/>
+      </p:ext>
+    </p:extLst>
+  </p:cSld>
+  <p:clrMapOvr>
+    <a:masterClrMapping/>
+  </p:clrMapOvr>
+</p:sld>
+</file>
+
+<file path=ppt/slides/slide3.xml><?xml version="1.0" encoding="utf-8"?>
+<p:sld xmlns:a="http://schemas.openxmlformats.org/drawingml/2006/main" xmlns:r="http://schemas.openxmlformats.org/officeDocument/2006/relationships" xmlns:p="http://schemas.openxmlformats.org/presentationml/2006/main">
+  <p:cSld>
+    <p:spTree>
+      <p:nvGrpSpPr>
+        <p:cNvPr id="1" name=""/>
+        <p:cNvGrpSpPr/>
+        <p:nvPr/>
+      </p:nvGrpSpPr>
+      <p:grpSpPr>
+        <a:xfrm>
+          <a:off x="0" y="0"/>
+          <a:ext cx="0" cy="0"/>
+          <a:chOff x="0" y="0"/>
+          <a:chExt cx="0" cy="0"/>
+        </a:xfrm>
+      </p:grpSpPr>
+    </p:spTree>
+    <p:extLst>
+      <p:ext uri="{BB962C8B-B14F-4D97-AF65-F5344CB8AC3E}">
+        <p14:creationId xmlns:p14="http://schemas.microsoft.com/office/powerpoint/2010/main" val="2297619306"/>
       </p:ext>
     </p:extLst>
   </p:cSld>

--- a/Texture.pptx
+++ b/Texture.pptx
@@ -261,7 +261,7 @@
           <a:p>
             <a:fld id="{4F39CA0E-E24C-46B9-BDEB-00D69BD4C068}" type="datetimeFigureOut">
               <a:rPr lang="fr-FR" smtClean="0"/>
-              <a:t>08/07/2021</a:t>
+              <a:t>12/07/2021</a:t>
             </a:fld>
             <a:endParaRPr lang="fr-FR"/>
           </a:p>
@@ -459,7 +459,7 @@
           <a:p>
             <a:fld id="{4F39CA0E-E24C-46B9-BDEB-00D69BD4C068}" type="datetimeFigureOut">
               <a:rPr lang="fr-FR" smtClean="0"/>
-              <a:t>08/07/2021</a:t>
+              <a:t>12/07/2021</a:t>
             </a:fld>
             <a:endParaRPr lang="fr-FR"/>
           </a:p>
@@ -667,7 +667,7 @@
           <a:p>
             <a:fld id="{4F39CA0E-E24C-46B9-BDEB-00D69BD4C068}" type="datetimeFigureOut">
               <a:rPr lang="fr-FR" smtClean="0"/>
-              <a:t>08/07/2021</a:t>
+              <a:t>12/07/2021</a:t>
             </a:fld>
             <a:endParaRPr lang="fr-FR"/>
           </a:p>
@@ -865,7 +865,7 @@
           <a:p>
             <a:fld id="{4F39CA0E-E24C-46B9-BDEB-00D69BD4C068}" type="datetimeFigureOut">
               <a:rPr lang="fr-FR" smtClean="0"/>
-              <a:t>08/07/2021</a:t>
+              <a:t>12/07/2021</a:t>
             </a:fld>
             <a:endParaRPr lang="fr-FR"/>
           </a:p>
@@ -1140,7 +1140,7 @@
           <a:p>
             <a:fld id="{4F39CA0E-E24C-46B9-BDEB-00D69BD4C068}" type="datetimeFigureOut">
               <a:rPr lang="fr-FR" smtClean="0"/>
-              <a:t>08/07/2021</a:t>
+              <a:t>12/07/2021</a:t>
             </a:fld>
             <a:endParaRPr lang="fr-FR"/>
           </a:p>
@@ -1405,7 +1405,7 @@
           <a:p>
             <a:fld id="{4F39CA0E-E24C-46B9-BDEB-00D69BD4C068}" type="datetimeFigureOut">
               <a:rPr lang="fr-FR" smtClean="0"/>
-              <a:t>08/07/2021</a:t>
+              <a:t>12/07/2021</a:t>
             </a:fld>
             <a:endParaRPr lang="fr-FR"/>
           </a:p>
@@ -1817,7 +1817,7 @@
           <a:p>
             <a:fld id="{4F39CA0E-E24C-46B9-BDEB-00D69BD4C068}" type="datetimeFigureOut">
               <a:rPr lang="fr-FR" smtClean="0"/>
-              <a:t>08/07/2021</a:t>
+              <a:t>12/07/2021</a:t>
             </a:fld>
             <a:endParaRPr lang="fr-FR"/>
           </a:p>
@@ -1958,7 +1958,7 @@
           <a:p>
             <a:fld id="{4F39CA0E-E24C-46B9-BDEB-00D69BD4C068}" type="datetimeFigureOut">
               <a:rPr lang="fr-FR" smtClean="0"/>
-              <a:t>08/07/2021</a:t>
+              <a:t>12/07/2021</a:t>
             </a:fld>
             <a:endParaRPr lang="fr-FR"/>
           </a:p>
@@ -2071,7 +2071,7 @@
           <a:p>
             <a:fld id="{4F39CA0E-E24C-46B9-BDEB-00D69BD4C068}" type="datetimeFigureOut">
               <a:rPr lang="fr-FR" smtClean="0"/>
-              <a:t>08/07/2021</a:t>
+              <a:t>12/07/2021</a:t>
             </a:fld>
             <a:endParaRPr lang="fr-FR"/>
           </a:p>
@@ -2382,7 +2382,7 @@
           <a:p>
             <a:fld id="{4F39CA0E-E24C-46B9-BDEB-00D69BD4C068}" type="datetimeFigureOut">
               <a:rPr lang="fr-FR" smtClean="0"/>
-              <a:t>08/07/2021</a:t>
+              <a:t>12/07/2021</a:t>
             </a:fld>
             <a:endParaRPr lang="fr-FR"/>
           </a:p>
@@ -2670,7 +2670,7 @@
           <a:p>
             <a:fld id="{4F39CA0E-E24C-46B9-BDEB-00D69BD4C068}" type="datetimeFigureOut">
               <a:rPr lang="fr-FR" smtClean="0"/>
-              <a:t>08/07/2021</a:t>
+              <a:t>12/07/2021</a:t>
             </a:fld>
             <a:endParaRPr lang="fr-FR"/>
           </a:p>
@@ -2911,7 +2911,7 @@
           <a:p>
             <a:fld id="{4F39CA0E-E24C-46B9-BDEB-00D69BD4C068}" type="datetimeFigureOut">
               <a:rPr lang="fr-FR" smtClean="0"/>
-              <a:t>08/07/2021</a:t>
+              <a:t>12/07/2021</a:t>
             </a:fld>
             <a:endParaRPr lang="fr-FR"/>
           </a:p>
@@ -4023,6 +4023,274 @@
           </a:p>
         </p:txBody>
       </p:sp>
+      <p:grpSp>
+        <p:nvGrpSpPr>
+          <p:cNvPr id="7" name="Groupe 6">
+            <a:extLst>
+              <a:ext uri="{FF2B5EF4-FFF2-40B4-BE49-F238E27FC236}">
+                <a16:creationId xmlns:a16="http://schemas.microsoft.com/office/drawing/2014/main" id="{C6645D7C-448C-4394-BC2F-1EDC341BA372}"/>
+              </a:ext>
+            </a:extLst>
+          </p:cNvPr>
+          <p:cNvGrpSpPr/>
+          <p:nvPr/>
+        </p:nvGrpSpPr>
+        <p:grpSpPr>
+          <a:xfrm>
+            <a:off x="7633063" y="1825405"/>
+            <a:ext cx="1743891" cy="1770525"/>
+            <a:chOff x="7633063" y="1825405"/>
+            <a:chExt cx="1743891" cy="1770525"/>
+          </a:xfrm>
+        </p:grpSpPr>
+        <p:sp>
+          <p:nvSpPr>
+            <p:cNvPr id="20" name="Rectangle 19">
+              <a:extLst>
+                <a:ext uri="{FF2B5EF4-FFF2-40B4-BE49-F238E27FC236}">
+                  <a16:creationId xmlns:a16="http://schemas.microsoft.com/office/drawing/2014/main" id="{17812E6C-DE00-4507-9869-056BB89BB293}"/>
+                </a:ext>
+              </a:extLst>
+            </p:cNvPr>
+            <p:cNvSpPr/>
+            <p:nvPr/>
+          </p:nvSpPr>
+          <p:spPr>
+            <a:xfrm>
+              <a:off x="7633063" y="1825405"/>
+              <a:ext cx="1743891" cy="1743891"/>
+            </a:xfrm>
+            <a:prstGeom prst="rect">
+              <a:avLst/>
+            </a:prstGeom>
+            <a:solidFill>
+              <a:schemeClr val="tx1"/>
+            </a:solidFill>
+            <a:ln>
+              <a:noFill/>
+            </a:ln>
+          </p:spPr>
+          <p:style>
+            <a:lnRef idx="2">
+              <a:schemeClr val="accent1">
+                <a:shade val="50000"/>
+              </a:schemeClr>
+            </a:lnRef>
+            <a:fillRef idx="1">
+              <a:schemeClr val="accent1"/>
+            </a:fillRef>
+            <a:effectRef idx="0">
+              <a:schemeClr val="accent1"/>
+            </a:effectRef>
+            <a:fontRef idx="minor">
+              <a:schemeClr val="lt1"/>
+            </a:fontRef>
+          </p:style>
+          <p:txBody>
+            <a:bodyPr rtlCol="0" anchor="ctr"/>
+            <a:lstStyle/>
+            <a:p>
+              <a:pPr algn="ctr"/>
+              <a:endParaRPr lang="fr-FR"/>
+            </a:p>
+          </p:txBody>
+        </p:sp>
+        <p:sp>
+          <p:nvSpPr>
+            <p:cNvPr id="5" name="Arc plein 4">
+              <a:extLst>
+                <a:ext uri="{FF2B5EF4-FFF2-40B4-BE49-F238E27FC236}">
+                  <a16:creationId xmlns:a16="http://schemas.microsoft.com/office/drawing/2014/main" id="{C9FD861D-D847-4243-88F3-2EC04337A1E6}"/>
+                </a:ext>
+              </a:extLst>
+            </p:cNvPr>
+            <p:cNvSpPr/>
+            <p:nvPr/>
+          </p:nvSpPr>
+          <p:spPr>
+            <a:xfrm rot="18900000">
+              <a:off x="7651568" y="1852039"/>
+              <a:ext cx="1725385" cy="1743891"/>
+            </a:xfrm>
+            <a:prstGeom prst="blockArc">
+              <a:avLst>
+                <a:gd name="adj1" fmla="val 16175223"/>
+                <a:gd name="adj2" fmla="val 21596368"/>
+                <a:gd name="adj3" fmla="val 7789"/>
+              </a:avLst>
+            </a:prstGeom>
+            <a:solidFill>
+              <a:schemeClr val="bg1"/>
+            </a:solidFill>
+            <a:ln>
+              <a:solidFill>
+                <a:schemeClr val="bg1"/>
+              </a:solidFill>
+            </a:ln>
+          </p:spPr>
+          <p:style>
+            <a:lnRef idx="2">
+              <a:schemeClr val="accent1">
+                <a:shade val="50000"/>
+              </a:schemeClr>
+            </a:lnRef>
+            <a:fillRef idx="1">
+              <a:schemeClr val="accent1"/>
+            </a:fillRef>
+            <a:effectRef idx="0">
+              <a:schemeClr val="accent1"/>
+            </a:effectRef>
+            <a:fontRef idx="minor">
+              <a:schemeClr val="lt1"/>
+            </a:fontRef>
+          </p:style>
+          <p:txBody>
+            <a:bodyPr rtlCol="0" anchor="ctr"/>
+            <a:lstStyle/>
+            <a:p>
+              <a:pPr algn="ctr"/>
+              <a:endParaRPr lang="fr-FR">
+                <a:solidFill>
+                  <a:schemeClr val="tx1"/>
+                </a:solidFill>
+              </a:endParaRPr>
+            </a:p>
+          </p:txBody>
+        </p:sp>
+      </p:grpSp>
+      <p:grpSp>
+        <p:nvGrpSpPr>
+          <p:cNvPr id="28" name="Groupe 27">
+            <a:extLst>
+              <a:ext uri="{FF2B5EF4-FFF2-40B4-BE49-F238E27FC236}">
+                <a16:creationId xmlns:a16="http://schemas.microsoft.com/office/drawing/2014/main" id="{50552FA2-4BF1-49C4-B784-6F723D5D4315}"/>
+              </a:ext>
+            </a:extLst>
+          </p:cNvPr>
+          <p:cNvGrpSpPr/>
+          <p:nvPr/>
+        </p:nvGrpSpPr>
+        <p:grpSpPr>
+          <a:xfrm>
+            <a:off x="9766307" y="1727869"/>
+            <a:ext cx="1743891" cy="1770525"/>
+            <a:chOff x="7633063" y="1825405"/>
+            <a:chExt cx="1743891" cy="1770525"/>
+          </a:xfrm>
+        </p:grpSpPr>
+        <p:sp>
+          <p:nvSpPr>
+            <p:cNvPr id="29" name="Rectangle 28">
+              <a:extLst>
+                <a:ext uri="{FF2B5EF4-FFF2-40B4-BE49-F238E27FC236}">
+                  <a16:creationId xmlns:a16="http://schemas.microsoft.com/office/drawing/2014/main" id="{1C42EEDB-7952-4BC3-B4F2-EF2A5C9FA804}"/>
+                </a:ext>
+              </a:extLst>
+            </p:cNvPr>
+            <p:cNvSpPr/>
+            <p:nvPr/>
+          </p:nvSpPr>
+          <p:spPr>
+            <a:xfrm>
+              <a:off x="7633063" y="1825405"/>
+              <a:ext cx="1743891" cy="1743891"/>
+            </a:xfrm>
+            <a:prstGeom prst="rect">
+              <a:avLst/>
+            </a:prstGeom>
+            <a:noFill/>
+            <a:ln>
+              <a:noFill/>
+            </a:ln>
+          </p:spPr>
+          <p:style>
+            <a:lnRef idx="2">
+              <a:schemeClr val="accent1">
+                <a:shade val="50000"/>
+              </a:schemeClr>
+            </a:lnRef>
+            <a:fillRef idx="1">
+              <a:schemeClr val="accent1"/>
+            </a:fillRef>
+            <a:effectRef idx="0">
+              <a:schemeClr val="accent1"/>
+            </a:effectRef>
+            <a:fontRef idx="minor">
+              <a:schemeClr val="lt1"/>
+            </a:fontRef>
+          </p:style>
+          <p:txBody>
+            <a:bodyPr rtlCol="0" anchor="ctr"/>
+            <a:lstStyle/>
+            <a:p>
+              <a:pPr algn="ctr"/>
+              <a:endParaRPr lang="fr-FR"/>
+            </a:p>
+          </p:txBody>
+        </p:sp>
+        <p:sp>
+          <p:nvSpPr>
+            <p:cNvPr id="30" name="Arc plein 29">
+              <a:extLst>
+                <a:ext uri="{FF2B5EF4-FFF2-40B4-BE49-F238E27FC236}">
+                  <a16:creationId xmlns:a16="http://schemas.microsoft.com/office/drawing/2014/main" id="{70A61873-FEE8-46B3-8AF8-C86BFD8E17CE}"/>
+                </a:ext>
+              </a:extLst>
+            </p:cNvPr>
+            <p:cNvSpPr/>
+            <p:nvPr/>
+          </p:nvSpPr>
+          <p:spPr>
+            <a:xfrm rot="18900000">
+              <a:off x="7651568" y="1852039"/>
+              <a:ext cx="1725385" cy="1743891"/>
+            </a:xfrm>
+            <a:prstGeom prst="blockArc">
+              <a:avLst>
+                <a:gd name="adj1" fmla="val 16175223"/>
+                <a:gd name="adj2" fmla="val 21596368"/>
+                <a:gd name="adj3" fmla="val 7789"/>
+              </a:avLst>
+            </a:prstGeom>
+            <a:solidFill>
+              <a:schemeClr val="bg1"/>
+            </a:solidFill>
+            <a:ln>
+              <a:solidFill>
+                <a:schemeClr val="bg1"/>
+              </a:solidFill>
+            </a:ln>
+          </p:spPr>
+          <p:style>
+            <a:lnRef idx="2">
+              <a:schemeClr val="accent1">
+                <a:shade val="50000"/>
+              </a:schemeClr>
+            </a:lnRef>
+            <a:fillRef idx="1">
+              <a:schemeClr val="accent1"/>
+            </a:fillRef>
+            <a:effectRef idx="0">
+              <a:schemeClr val="accent1"/>
+            </a:effectRef>
+            <a:fontRef idx="minor">
+              <a:schemeClr val="lt1"/>
+            </a:fontRef>
+          </p:style>
+          <p:txBody>
+            <a:bodyPr rtlCol="0" anchor="ctr"/>
+            <a:lstStyle/>
+            <a:p>
+              <a:pPr algn="ctr"/>
+              <a:endParaRPr lang="fr-FR">
+                <a:solidFill>
+                  <a:schemeClr val="tx1"/>
+                </a:solidFill>
+              </a:endParaRPr>
+            </a:p>
+          </p:txBody>
+        </p:sp>
+      </p:grpSp>
     </p:spTree>
     <p:extLst>
       <p:ext uri="{BB962C8B-B14F-4D97-AF65-F5344CB8AC3E}">

--- a/Texture.pptx
+++ b/Texture.pptx
@@ -114,6 +114,18 @@
 </p:presentation>
 </file>
 
+<file path=ppt/commentAuthors.xml><?xml version="1.0" encoding="utf-8"?>
+<p:cmAuthorLst xmlns:a="http://schemas.openxmlformats.org/drawingml/2006/main" xmlns:r="http://schemas.openxmlformats.org/officeDocument/2006/relationships" xmlns:p="http://schemas.openxmlformats.org/presentationml/2006/main">
+  <p:cmAuthor id="1" name="Maxime DANIEL" initials="MD" lastIdx="2" clrIdx="0">
+    <p:extLst>
+      <p:ext uri="{19B8F6BF-5375-455C-9EA6-DF929625EA0E}">
+        <p15:presenceInfo xmlns:p15="http://schemas.microsoft.com/office/powerpoint/2012/main" userId="Maxime DANIEL" providerId="None"/>
+      </p:ext>
+    </p:extLst>
+  </p:cmAuthor>
+</p:cmAuthorLst>
+</file>
+
 <file path=ppt/slideLayouts/slideLayout1.xml><?xml version="1.0" encoding="utf-8"?>
 <p:sldLayout xmlns:a="http://schemas.openxmlformats.org/drawingml/2006/main" xmlns:r="http://schemas.openxmlformats.org/officeDocument/2006/relationships" xmlns:p="http://schemas.openxmlformats.org/presentationml/2006/main" type="title" preserve="1">
   <p:cSld name="Diapositive de titre">
@@ -261,7 +273,7 @@
           <a:p>
             <a:fld id="{4F39CA0E-E24C-46B9-BDEB-00D69BD4C068}" type="datetimeFigureOut">
               <a:rPr lang="fr-FR" smtClean="0"/>
-              <a:t>12/07/2021</a:t>
+              <a:t>19/07/2021</a:t>
             </a:fld>
             <a:endParaRPr lang="fr-FR"/>
           </a:p>
@@ -459,7 +471,7 @@
           <a:p>
             <a:fld id="{4F39CA0E-E24C-46B9-BDEB-00D69BD4C068}" type="datetimeFigureOut">
               <a:rPr lang="fr-FR" smtClean="0"/>
-              <a:t>12/07/2021</a:t>
+              <a:t>19/07/2021</a:t>
             </a:fld>
             <a:endParaRPr lang="fr-FR"/>
           </a:p>
@@ -667,7 +679,7 @@
           <a:p>
             <a:fld id="{4F39CA0E-E24C-46B9-BDEB-00D69BD4C068}" type="datetimeFigureOut">
               <a:rPr lang="fr-FR" smtClean="0"/>
-              <a:t>12/07/2021</a:t>
+              <a:t>19/07/2021</a:t>
             </a:fld>
             <a:endParaRPr lang="fr-FR"/>
           </a:p>
@@ -865,7 +877,7 @@
           <a:p>
             <a:fld id="{4F39CA0E-E24C-46B9-BDEB-00D69BD4C068}" type="datetimeFigureOut">
               <a:rPr lang="fr-FR" smtClean="0"/>
-              <a:t>12/07/2021</a:t>
+              <a:t>19/07/2021</a:t>
             </a:fld>
             <a:endParaRPr lang="fr-FR"/>
           </a:p>
@@ -1140,7 +1152,7 @@
           <a:p>
             <a:fld id="{4F39CA0E-E24C-46B9-BDEB-00D69BD4C068}" type="datetimeFigureOut">
               <a:rPr lang="fr-FR" smtClean="0"/>
-              <a:t>12/07/2021</a:t>
+              <a:t>19/07/2021</a:t>
             </a:fld>
             <a:endParaRPr lang="fr-FR"/>
           </a:p>
@@ -1405,7 +1417,7 @@
           <a:p>
             <a:fld id="{4F39CA0E-E24C-46B9-BDEB-00D69BD4C068}" type="datetimeFigureOut">
               <a:rPr lang="fr-FR" smtClean="0"/>
-              <a:t>12/07/2021</a:t>
+              <a:t>19/07/2021</a:t>
             </a:fld>
             <a:endParaRPr lang="fr-FR"/>
           </a:p>
@@ -1817,7 +1829,7 @@
           <a:p>
             <a:fld id="{4F39CA0E-E24C-46B9-BDEB-00D69BD4C068}" type="datetimeFigureOut">
               <a:rPr lang="fr-FR" smtClean="0"/>
-              <a:t>12/07/2021</a:t>
+              <a:t>19/07/2021</a:t>
             </a:fld>
             <a:endParaRPr lang="fr-FR"/>
           </a:p>
@@ -1958,7 +1970,7 @@
           <a:p>
             <a:fld id="{4F39CA0E-E24C-46B9-BDEB-00D69BD4C068}" type="datetimeFigureOut">
               <a:rPr lang="fr-FR" smtClean="0"/>
-              <a:t>12/07/2021</a:t>
+              <a:t>19/07/2021</a:t>
             </a:fld>
             <a:endParaRPr lang="fr-FR"/>
           </a:p>
@@ -2071,7 +2083,7 @@
           <a:p>
             <a:fld id="{4F39CA0E-E24C-46B9-BDEB-00D69BD4C068}" type="datetimeFigureOut">
               <a:rPr lang="fr-FR" smtClean="0"/>
-              <a:t>12/07/2021</a:t>
+              <a:t>19/07/2021</a:t>
             </a:fld>
             <a:endParaRPr lang="fr-FR"/>
           </a:p>
@@ -2382,7 +2394,7 @@
           <a:p>
             <a:fld id="{4F39CA0E-E24C-46B9-BDEB-00D69BD4C068}" type="datetimeFigureOut">
               <a:rPr lang="fr-FR" smtClean="0"/>
-              <a:t>12/07/2021</a:t>
+              <a:t>19/07/2021</a:t>
             </a:fld>
             <a:endParaRPr lang="fr-FR"/>
           </a:p>
@@ -2670,7 +2682,7 @@
           <a:p>
             <a:fld id="{4F39CA0E-E24C-46B9-BDEB-00D69BD4C068}" type="datetimeFigureOut">
               <a:rPr lang="fr-FR" smtClean="0"/>
-              <a:t>12/07/2021</a:t>
+              <a:t>19/07/2021</a:t>
             </a:fld>
             <a:endParaRPr lang="fr-FR"/>
           </a:p>
@@ -2911,7 +2923,7 @@
           <a:p>
             <a:fld id="{4F39CA0E-E24C-46B9-BDEB-00D69BD4C068}" type="datetimeFigureOut">
               <a:rPr lang="fr-FR" smtClean="0"/>
-              <a:t>12/07/2021</a:t>
+              <a:t>19/07/2021</a:t>
             </a:fld>
             <a:endParaRPr lang="fr-FR"/>
           </a:p>
@@ -3979,7 +3991,7 @@
         </p:nvSpPr>
         <p:spPr>
           <a:xfrm>
-            <a:off x="6418217" y="2157743"/>
+            <a:off x="9169037" y="5639"/>
             <a:ext cx="1676400" cy="1676400"/>
           </a:xfrm>
           <a:prstGeom prst="donut">
@@ -4025,10 +4037,10 @@
       </p:sp>
       <p:grpSp>
         <p:nvGrpSpPr>
-          <p:cNvPr id="7" name="Groupe 6">
-            <a:extLst>
-              <a:ext uri="{FF2B5EF4-FFF2-40B4-BE49-F238E27FC236}">
-                <a16:creationId xmlns:a16="http://schemas.microsoft.com/office/drawing/2014/main" id="{C6645D7C-448C-4394-BC2F-1EDC341BA372}"/>
+          <p:cNvPr id="39" name="Groupe 38">
+            <a:extLst>
+              <a:ext uri="{FF2B5EF4-FFF2-40B4-BE49-F238E27FC236}">
+                <a16:creationId xmlns:a16="http://schemas.microsoft.com/office/drawing/2014/main" id="{FF1AC687-868E-4664-ADCD-B74ED04E32BC}"/>
               </a:ext>
             </a:extLst>
           </p:cNvPr>
@@ -4037,10 +4049,10 @@
         </p:nvGrpSpPr>
         <p:grpSpPr>
           <a:xfrm>
-            <a:off x="7633063" y="1825405"/>
-            <a:ext cx="1743891" cy="1770525"/>
-            <a:chOff x="7633063" y="1825405"/>
-            <a:chExt cx="1743891" cy="1770525"/>
+            <a:off x="7619429" y="1802182"/>
+            <a:ext cx="1743891" cy="1743891"/>
+            <a:chOff x="7619429" y="1802182"/>
+            <a:chExt cx="1743891" cy="1743891"/>
           </a:xfrm>
         </p:grpSpPr>
         <p:sp>
@@ -4057,7 +4069,224 @@
           </p:nvSpPr>
           <p:spPr>
             <a:xfrm>
-              <a:off x="7633063" y="1825405"/>
+              <a:off x="7619429" y="1802182"/>
+              <a:ext cx="1743891" cy="1743891"/>
+            </a:xfrm>
+            <a:prstGeom prst="rect">
+              <a:avLst/>
+            </a:prstGeom>
+            <a:solidFill>
+              <a:schemeClr val="tx1"/>
+            </a:solidFill>
+            <a:ln>
+              <a:noFill/>
+            </a:ln>
+          </p:spPr>
+          <p:style>
+            <a:lnRef idx="2">
+              <a:schemeClr val="accent1">
+                <a:shade val="50000"/>
+              </a:schemeClr>
+            </a:lnRef>
+            <a:fillRef idx="1">
+              <a:schemeClr val="accent1"/>
+            </a:fillRef>
+            <a:effectRef idx="0">
+              <a:schemeClr val="accent1"/>
+            </a:effectRef>
+            <a:fontRef idx="minor">
+              <a:schemeClr val="lt1"/>
+            </a:fontRef>
+          </p:style>
+          <p:txBody>
+            <a:bodyPr rtlCol="0" anchor="ctr"/>
+            <a:lstStyle/>
+            <a:p>
+              <a:endParaRPr lang="fr-FR" dirty="0"/>
+            </a:p>
+          </p:txBody>
+        </p:sp>
+        <p:grpSp>
+          <p:nvGrpSpPr>
+            <p:cNvPr id="32" name="Groupe 31">
+              <a:extLst>
+                <a:ext uri="{FF2B5EF4-FFF2-40B4-BE49-F238E27FC236}">
+                  <a16:creationId xmlns:a16="http://schemas.microsoft.com/office/drawing/2014/main" id="{7C566C96-472E-4030-A589-153981674718}"/>
+                </a:ext>
+              </a:extLst>
+            </p:cNvPr>
+            <p:cNvGrpSpPr/>
+            <p:nvPr/>
+          </p:nvGrpSpPr>
+          <p:grpSpPr>
+            <a:xfrm rot="20202325">
+              <a:off x="7670809" y="1853562"/>
+              <a:ext cx="1641131" cy="1641131"/>
+              <a:chOff x="3315960" y="2422047"/>
+              <a:chExt cx="914400" cy="914400"/>
+            </a:xfrm>
+          </p:grpSpPr>
+          <p:sp>
+            <p:nvSpPr>
+              <p:cNvPr id="33" name="Arc plein 32">
+                <a:extLst>
+                  <a:ext uri="{FF2B5EF4-FFF2-40B4-BE49-F238E27FC236}">
+                    <a16:creationId xmlns:a16="http://schemas.microsoft.com/office/drawing/2014/main" id="{75F95A52-525B-4AFC-B3AD-E5825A13C921}"/>
+                  </a:ext>
+                </a:extLst>
+              </p:cNvPr>
+              <p:cNvSpPr/>
+              <p:nvPr/>
+            </p:nvSpPr>
+            <p:spPr>
+              <a:xfrm>
+                <a:off x="3315960" y="2422047"/>
+                <a:ext cx="914400" cy="914400"/>
+              </a:xfrm>
+              <a:prstGeom prst="blockArc">
+                <a:avLst>
+                  <a:gd name="adj1" fmla="val 16200170"/>
+                  <a:gd name="adj2" fmla="val 16195232"/>
+                  <a:gd name="adj3" fmla="val 9944"/>
+                </a:avLst>
+              </a:prstGeom>
+              <a:solidFill>
+                <a:schemeClr val="bg1"/>
+              </a:solidFill>
+              <a:ln>
+                <a:solidFill>
+                  <a:schemeClr val="tx1"/>
+                </a:solidFill>
+              </a:ln>
+            </p:spPr>
+            <p:style>
+              <a:lnRef idx="2">
+                <a:schemeClr val="accent1">
+                  <a:shade val="50000"/>
+                </a:schemeClr>
+              </a:lnRef>
+              <a:fillRef idx="1">
+                <a:schemeClr val="accent1"/>
+              </a:fillRef>
+              <a:effectRef idx="0">
+                <a:schemeClr val="accent1"/>
+              </a:effectRef>
+              <a:fontRef idx="minor">
+                <a:schemeClr val="lt1"/>
+              </a:fontRef>
+            </p:style>
+            <p:txBody>
+              <a:bodyPr rtlCol="0" anchor="ctr"/>
+              <a:lstStyle/>
+              <a:p>
+                <a:pPr algn="ctr"/>
+                <a:endParaRPr lang="fr-FR">
+                  <a:solidFill>
+                    <a:schemeClr val="tx1"/>
+                  </a:solidFill>
+                </a:endParaRPr>
+              </a:p>
+            </p:txBody>
+          </p:sp>
+          <p:sp>
+            <p:nvSpPr>
+              <p:cNvPr id="34" name="Arc plein 33">
+                <a:extLst>
+                  <a:ext uri="{FF2B5EF4-FFF2-40B4-BE49-F238E27FC236}">
+                    <a16:creationId xmlns:a16="http://schemas.microsoft.com/office/drawing/2014/main" id="{B71FA8E6-B304-484C-9A89-AE0D507C5AA5}"/>
+                  </a:ext>
+                </a:extLst>
+              </p:cNvPr>
+              <p:cNvSpPr/>
+              <p:nvPr/>
+            </p:nvSpPr>
+            <p:spPr>
+              <a:xfrm>
+                <a:off x="3315960" y="2422047"/>
+                <a:ext cx="914400" cy="914400"/>
+              </a:xfrm>
+              <a:prstGeom prst="blockArc">
+                <a:avLst>
+                  <a:gd name="adj1" fmla="val 18988370"/>
+                  <a:gd name="adj2" fmla="val 16195232"/>
+                  <a:gd name="adj3" fmla="val 9944"/>
+                </a:avLst>
+              </a:prstGeom>
+              <a:solidFill>
+                <a:schemeClr val="tx1"/>
+              </a:solidFill>
+              <a:ln>
+                <a:solidFill>
+                  <a:schemeClr val="tx1"/>
+                </a:solidFill>
+              </a:ln>
+            </p:spPr>
+            <p:style>
+              <a:lnRef idx="2">
+                <a:schemeClr val="accent1">
+                  <a:shade val="50000"/>
+                </a:schemeClr>
+              </a:lnRef>
+              <a:fillRef idx="1">
+                <a:schemeClr val="accent1"/>
+              </a:fillRef>
+              <a:effectRef idx="0">
+                <a:schemeClr val="accent1"/>
+              </a:effectRef>
+              <a:fontRef idx="minor">
+                <a:schemeClr val="lt1"/>
+              </a:fontRef>
+            </p:style>
+            <p:txBody>
+              <a:bodyPr rtlCol="0" anchor="ctr"/>
+              <a:lstStyle/>
+              <a:p>
+                <a:pPr algn="ctr"/>
+                <a:endParaRPr lang="fr-FR">
+                  <a:solidFill>
+                    <a:schemeClr val="tx1"/>
+                  </a:solidFill>
+                </a:endParaRPr>
+              </a:p>
+            </p:txBody>
+          </p:sp>
+        </p:grpSp>
+      </p:grpSp>
+      <p:grpSp>
+        <p:nvGrpSpPr>
+          <p:cNvPr id="45" name="Groupe 44">
+            <a:extLst>
+              <a:ext uri="{FF2B5EF4-FFF2-40B4-BE49-F238E27FC236}">
+                <a16:creationId xmlns:a16="http://schemas.microsoft.com/office/drawing/2014/main" id="{A3DB4B29-0C56-4E20-9FB6-04FD3BAD1B3D}"/>
+              </a:ext>
+            </a:extLst>
+          </p:cNvPr>
+          <p:cNvGrpSpPr/>
+          <p:nvPr/>
+        </p:nvGrpSpPr>
+        <p:grpSpPr>
+          <a:xfrm>
+            <a:off x="6091592" y="4395936"/>
+            <a:ext cx="1743891" cy="1743891"/>
+            <a:chOff x="4290060" y="2123999"/>
+            <a:chExt cx="1743891" cy="1743891"/>
+          </a:xfrm>
+        </p:grpSpPr>
+        <p:sp>
+          <p:nvSpPr>
+            <p:cNvPr id="46" name="Rectangle 45">
+              <a:extLst>
+                <a:ext uri="{FF2B5EF4-FFF2-40B4-BE49-F238E27FC236}">
+                  <a16:creationId xmlns:a16="http://schemas.microsoft.com/office/drawing/2014/main" id="{B426C115-E939-4F56-BF55-7646D614AD55}"/>
+                </a:ext>
+              </a:extLst>
+            </p:cNvPr>
+            <p:cNvSpPr/>
+            <p:nvPr/>
+          </p:nvSpPr>
+          <p:spPr>
+            <a:xfrm>
+              <a:off x="4290060" y="2123999"/>
               <a:ext cx="1743891" cy="1743891"/>
             </a:xfrm>
             <a:prstGeom prst="rect">
@@ -4097,10 +4326,10 @@
         </p:sp>
         <p:sp>
           <p:nvSpPr>
-            <p:cNvPr id="5" name="Arc plein 4">
+            <p:cNvPr id="47" name="Cercle : creux 46">
               <a:extLst>
                 <a:ext uri="{FF2B5EF4-FFF2-40B4-BE49-F238E27FC236}">
-                  <a16:creationId xmlns:a16="http://schemas.microsoft.com/office/drawing/2014/main" id="{C9FD861D-D847-4243-88F3-2EC04337A1E6}"/>
+                  <a16:creationId xmlns:a16="http://schemas.microsoft.com/office/drawing/2014/main" id="{9DCFBD84-A65B-4286-8203-BBDC980F8FB9}"/>
                 </a:ext>
               </a:extLst>
             </p:cNvPr>
@@ -4108,304 +4337,8 @@
             <p:nvPr/>
           </p:nvSpPr>
           <p:spPr>
-            <a:xfrm rot="18900000">
-              <a:off x="7651568" y="1852039"/>
-              <a:ext cx="1725385" cy="1743891"/>
-            </a:xfrm>
-            <a:prstGeom prst="blockArc">
-              <a:avLst>
-                <a:gd name="adj1" fmla="val 16175223"/>
-                <a:gd name="adj2" fmla="val 21596368"/>
-                <a:gd name="adj3" fmla="val 7789"/>
-              </a:avLst>
-            </a:prstGeom>
-            <a:solidFill>
-              <a:schemeClr val="bg1"/>
-            </a:solidFill>
-            <a:ln>
-              <a:solidFill>
-                <a:schemeClr val="bg1"/>
-              </a:solidFill>
-            </a:ln>
-          </p:spPr>
-          <p:style>
-            <a:lnRef idx="2">
-              <a:schemeClr val="accent1">
-                <a:shade val="50000"/>
-              </a:schemeClr>
-            </a:lnRef>
-            <a:fillRef idx="1">
-              <a:schemeClr val="accent1"/>
-            </a:fillRef>
-            <a:effectRef idx="0">
-              <a:schemeClr val="accent1"/>
-            </a:effectRef>
-            <a:fontRef idx="minor">
-              <a:schemeClr val="lt1"/>
-            </a:fontRef>
-          </p:style>
-          <p:txBody>
-            <a:bodyPr rtlCol="0" anchor="ctr"/>
-            <a:lstStyle/>
-            <a:p>
-              <a:pPr algn="ctr"/>
-              <a:endParaRPr lang="fr-FR">
-                <a:solidFill>
-                  <a:schemeClr val="tx1"/>
-                </a:solidFill>
-              </a:endParaRPr>
-            </a:p>
-          </p:txBody>
-        </p:sp>
-      </p:grpSp>
-      <p:grpSp>
-        <p:nvGrpSpPr>
-          <p:cNvPr id="28" name="Groupe 27">
-            <a:extLst>
-              <a:ext uri="{FF2B5EF4-FFF2-40B4-BE49-F238E27FC236}">
-                <a16:creationId xmlns:a16="http://schemas.microsoft.com/office/drawing/2014/main" id="{50552FA2-4BF1-49C4-B784-6F723D5D4315}"/>
-              </a:ext>
-            </a:extLst>
-          </p:cNvPr>
-          <p:cNvGrpSpPr/>
-          <p:nvPr/>
-        </p:nvGrpSpPr>
-        <p:grpSpPr>
-          <a:xfrm>
-            <a:off x="9766307" y="1727869"/>
-            <a:ext cx="1743891" cy="1770525"/>
-            <a:chOff x="7633063" y="1825405"/>
-            <a:chExt cx="1743891" cy="1770525"/>
-          </a:xfrm>
-        </p:grpSpPr>
-        <p:sp>
-          <p:nvSpPr>
-            <p:cNvPr id="29" name="Rectangle 28">
-              <a:extLst>
-                <a:ext uri="{FF2B5EF4-FFF2-40B4-BE49-F238E27FC236}">
-                  <a16:creationId xmlns:a16="http://schemas.microsoft.com/office/drawing/2014/main" id="{1C42EEDB-7952-4BC3-B4F2-EF2A5C9FA804}"/>
-                </a:ext>
-              </a:extLst>
-            </p:cNvPr>
-            <p:cNvSpPr/>
-            <p:nvPr/>
-          </p:nvSpPr>
-          <p:spPr>
-            <a:xfrm>
-              <a:off x="7633063" y="1825405"/>
-              <a:ext cx="1743891" cy="1743891"/>
-            </a:xfrm>
-            <a:prstGeom prst="rect">
-              <a:avLst/>
-            </a:prstGeom>
-            <a:noFill/>
-            <a:ln>
-              <a:noFill/>
-            </a:ln>
-          </p:spPr>
-          <p:style>
-            <a:lnRef idx="2">
-              <a:schemeClr val="accent1">
-                <a:shade val="50000"/>
-              </a:schemeClr>
-            </a:lnRef>
-            <a:fillRef idx="1">
-              <a:schemeClr val="accent1"/>
-            </a:fillRef>
-            <a:effectRef idx="0">
-              <a:schemeClr val="accent1"/>
-            </a:effectRef>
-            <a:fontRef idx="minor">
-              <a:schemeClr val="lt1"/>
-            </a:fontRef>
-          </p:style>
-          <p:txBody>
-            <a:bodyPr rtlCol="0" anchor="ctr"/>
-            <a:lstStyle/>
-            <a:p>
-              <a:pPr algn="ctr"/>
-              <a:endParaRPr lang="fr-FR"/>
-            </a:p>
-          </p:txBody>
-        </p:sp>
-        <p:sp>
-          <p:nvSpPr>
-            <p:cNvPr id="30" name="Arc plein 29">
-              <a:extLst>
-                <a:ext uri="{FF2B5EF4-FFF2-40B4-BE49-F238E27FC236}">
-                  <a16:creationId xmlns:a16="http://schemas.microsoft.com/office/drawing/2014/main" id="{70A61873-FEE8-46B3-8AF8-C86BFD8E17CE}"/>
-                </a:ext>
-              </a:extLst>
-            </p:cNvPr>
-            <p:cNvSpPr/>
-            <p:nvPr/>
-          </p:nvSpPr>
-          <p:spPr>
-            <a:xfrm rot="18900000">
-              <a:off x="7651568" y="1852039"/>
-              <a:ext cx="1725385" cy="1743891"/>
-            </a:xfrm>
-            <a:prstGeom prst="blockArc">
-              <a:avLst>
-                <a:gd name="adj1" fmla="val 16175223"/>
-                <a:gd name="adj2" fmla="val 21596368"/>
-                <a:gd name="adj3" fmla="val 7789"/>
-              </a:avLst>
-            </a:prstGeom>
-            <a:solidFill>
-              <a:schemeClr val="bg1"/>
-            </a:solidFill>
-            <a:ln>
-              <a:solidFill>
-                <a:schemeClr val="bg1"/>
-              </a:solidFill>
-            </a:ln>
-          </p:spPr>
-          <p:style>
-            <a:lnRef idx="2">
-              <a:schemeClr val="accent1">
-                <a:shade val="50000"/>
-              </a:schemeClr>
-            </a:lnRef>
-            <a:fillRef idx="1">
-              <a:schemeClr val="accent1"/>
-            </a:fillRef>
-            <a:effectRef idx="0">
-              <a:schemeClr val="accent1"/>
-            </a:effectRef>
-            <a:fontRef idx="minor">
-              <a:schemeClr val="lt1"/>
-            </a:fontRef>
-          </p:style>
-          <p:txBody>
-            <a:bodyPr rtlCol="0" anchor="ctr"/>
-            <a:lstStyle/>
-            <a:p>
-              <a:pPr algn="ctr"/>
-              <a:endParaRPr lang="fr-FR">
-                <a:solidFill>
-                  <a:schemeClr val="tx1"/>
-                </a:solidFill>
-              </a:endParaRPr>
-            </a:p>
-          </p:txBody>
-        </p:sp>
-      </p:grpSp>
-    </p:spTree>
-    <p:extLst>
-      <p:ext uri="{BB962C8B-B14F-4D97-AF65-F5344CB8AC3E}">
-        <p14:creationId xmlns:p14="http://schemas.microsoft.com/office/powerpoint/2010/main" val="4122987937"/>
-      </p:ext>
-    </p:extLst>
-  </p:cSld>
-  <p:clrMapOvr>
-    <a:masterClrMapping/>
-  </p:clrMapOvr>
-</p:sld>
-</file>
-
-<file path=ppt/slides/slide2.xml><?xml version="1.0" encoding="utf-8"?>
-<p:sld xmlns:a="http://schemas.openxmlformats.org/drawingml/2006/main" xmlns:r="http://schemas.openxmlformats.org/officeDocument/2006/relationships" xmlns:p="http://schemas.openxmlformats.org/presentationml/2006/main">
-  <p:cSld>
-    <p:spTree>
-      <p:nvGrpSpPr>
-        <p:cNvPr id="1" name=""/>
-        <p:cNvGrpSpPr/>
-        <p:nvPr/>
-      </p:nvGrpSpPr>
-      <p:grpSpPr>
-        <a:xfrm>
-          <a:off x="0" y="0"/>
-          <a:ext cx="0" cy="0"/>
-          <a:chOff x="0" y="0"/>
-          <a:chExt cx="0" cy="0"/>
-        </a:xfrm>
-      </p:grpSpPr>
-      <p:grpSp>
-        <p:nvGrpSpPr>
-          <p:cNvPr id="10" name="Groupe 9">
-            <a:extLst>
-              <a:ext uri="{FF2B5EF4-FFF2-40B4-BE49-F238E27FC236}">
-                <a16:creationId xmlns:a16="http://schemas.microsoft.com/office/drawing/2014/main" id="{F3050895-A9E2-4EB4-A570-2EDA05854F14}"/>
-              </a:ext>
-            </a:extLst>
-          </p:cNvPr>
-          <p:cNvGrpSpPr/>
-          <p:nvPr/>
-        </p:nvGrpSpPr>
-        <p:grpSpPr>
-          <a:xfrm>
-            <a:off x="325120" y="1123601"/>
-            <a:ext cx="3014797" cy="3014797"/>
-            <a:chOff x="3779520" y="1336961"/>
-            <a:chExt cx="3014797" cy="3014797"/>
-          </a:xfrm>
-        </p:grpSpPr>
-        <p:sp>
-          <p:nvSpPr>
-            <p:cNvPr id="9" name="Rectangle 8">
-              <a:extLst>
-                <a:ext uri="{FF2B5EF4-FFF2-40B4-BE49-F238E27FC236}">
-                  <a16:creationId xmlns:a16="http://schemas.microsoft.com/office/drawing/2014/main" id="{2B3C6E84-1485-4990-94F7-238F9340706A}"/>
-                </a:ext>
-              </a:extLst>
-            </p:cNvPr>
-            <p:cNvSpPr/>
-            <p:nvPr/>
-          </p:nvSpPr>
-          <p:spPr>
-            <a:xfrm>
-              <a:off x="3779520" y="1336961"/>
-              <a:ext cx="3014797" cy="3014797"/>
-            </a:xfrm>
-            <a:prstGeom prst="rect">
-              <a:avLst/>
-            </a:prstGeom>
-            <a:noFill/>
-            <a:ln>
-              <a:noFill/>
-            </a:ln>
-          </p:spPr>
-          <p:style>
-            <a:lnRef idx="2">
-              <a:schemeClr val="accent1">
-                <a:shade val="50000"/>
-              </a:schemeClr>
-            </a:lnRef>
-            <a:fillRef idx="1">
-              <a:schemeClr val="accent1"/>
-            </a:fillRef>
-            <a:effectRef idx="0">
-              <a:schemeClr val="accent1"/>
-            </a:effectRef>
-            <a:fontRef idx="minor">
-              <a:schemeClr val="lt1"/>
-            </a:fontRef>
-          </p:style>
-          <p:txBody>
-            <a:bodyPr rtlCol="0" anchor="ctr"/>
-            <a:lstStyle/>
-            <a:p>
-              <a:pPr algn="ctr"/>
-              <a:endParaRPr lang="fr-FR"/>
-            </a:p>
-          </p:txBody>
-        </p:sp>
-        <p:sp>
-          <p:nvSpPr>
-            <p:cNvPr id="4" name="Cercle : creux 3">
-              <a:extLst>
-                <a:ext uri="{FF2B5EF4-FFF2-40B4-BE49-F238E27FC236}">
-                  <a16:creationId xmlns:a16="http://schemas.microsoft.com/office/drawing/2014/main" id="{CDD19ADD-D8A5-4109-8B5F-E30D9052D9B2}"/>
-                </a:ext>
-              </a:extLst>
-            </p:cNvPr>
-            <p:cNvSpPr/>
-            <p:nvPr/>
-          </p:nvSpPr>
-          <p:spPr>
-            <a:xfrm>
-              <a:off x="4448718" y="2006159"/>
+            <a:xfrm rot="2700000">
+              <a:off x="4323805" y="2157744"/>
               <a:ext cx="1676400" cy="1676400"/>
             </a:xfrm>
             <a:prstGeom prst="donut">
@@ -4413,10 +4346,30 @@
                 <a:gd name="adj" fmla="val 7230"/>
               </a:avLst>
             </a:prstGeom>
-            <a:solidFill>
-              <a:schemeClr val="tx1"/>
-            </a:solidFill>
-            <a:ln w="28575">
+            <a:gradFill flip="none" rotWithShape="1">
+              <a:gsLst>
+                <a:gs pos="75000">
+                  <a:schemeClr val="bg1">
+                    <a:lumMod val="50000"/>
+                  </a:schemeClr>
+                </a:gs>
+                <a:gs pos="70000">
+                  <a:schemeClr val="tx1">
+                    <a:lumMod val="75000"/>
+                    <a:lumOff val="25000"/>
+                  </a:schemeClr>
+                </a:gs>
+                <a:gs pos="65000">
+                  <a:schemeClr val="tx1"/>
+                </a:gs>
+                <a:gs pos="80000">
+                  <a:schemeClr val="bg1"/>
+                </a:gs>
+              </a:gsLst>
+              <a:lin ang="13500000" scaled="1"/>
+              <a:tileRect/>
+            </a:gradFill>
+            <a:ln>
               <a:noFill/>
             </a:ln>
           </p:spPr>
@@ -4450,6 +4403,857 @@
           </p:txBody>
         </p:sp>
       </p:grpSp>
+      <p:grpSp>
+        <p:nvGrpSpPr>
+          <p:cNvPr id="48" name="Groupe 47">
+            <a:extLst>
+              <a:ext uri="{FF2B5EF4-FFF2-40B4-BE49-F238E27FC236}">
+                <a16:creationId xmlns:a16="http://schemas.microsoft.com/office/drawing/2014/main" id="{A2651172-4F75-4AF8-9012-FFC9C7C54278}"/>
+              </a:ext>
+            </a:extLst>
+          </p:cNvPr>
+          <p:cNvGrpSpPr/>
+          <p:nvPr/>
+        </p:nvGrpSpPr>
+        <p:grpSpPr>
+          <a:xfrm>
+            <a:off x="9455849" y="4202482"/>
+            <a:ext cx="1743891" cy="1743891"/>
+            <a:chOff x="7619429" y="1802182"/>
+            <a:chExt cx="1743891" cy="1743891"/>
+          </a:xfrm>
+        </p:grpSpPr>
+        <p:sp>
+          <p:nvSpPr>
+            <p:cNvPr id="49" name="Rectangle 48">
+              <a:extLst>
+                <a:ext uri="{FF2B5EF4-FFF2-40B4-BE49-F238E27FC236}">
+                  <a16:creationId xmlns:a16="http://schemas.microsoft.com/office/drawing/2014/main" id="{C808C040-6616-45E2-B6D9-7890B195945E}"/>
+                </a:ext>
+              </a:extLst>
+            </p:cNvPr>
+            <p:cNvSpPr/>
+            <p:nvPr/>
+          </p:nvSpPr>
+          <p:spPr>
+            <a:xfrm>
+              <a:off x="7619429" y="1802182"/>
+              <a:ext cx="1743891" cy="1743891"/>
+            </a:xfrm>
+            <a:prstGeom prst="rect">
+              <a:avLst/>
+            </a:prstGeom>
+            <a:noFill/>
+            <a:ln>
+              <a:noFill/>
+            </a:ln>
+          </p:spPr>
+          <p:style>
+            <a:lnRef idx="2">
+              <a:schemeClr val="accent1">
+                <a:shade val="50000"/>
+              </a:schemeClr>
+            </a:lnRef>
+            <a:fillRef idx="1">
+              <a:schemeClr val="accent1"/>
+            </a:fillRef>
+            <a:effectRef idx="0">
+              <a:schemeClr val="accent1"/>
+            </a:effectRef>
+            <a:fontRef idx="minor">
+              <a:schemeClr val="lt1"/>
+            </a:fontRef>
+          </p:style>
+          <p:txBody>
+            <a:bodyPr rtlCol="0" anchor="ctr"/>
+            <a:lstStyle/>
+            <a:p>
+              <a:endParaRPr lang="fr-FR" dirty="0"/>
+            </a:p>
+          </p:txBody>
+        </p:sp>
+        <p:grpSp>
+          <p:nvGrpSpPr>
+            <p:cNvPr id="50" name="Groupe 49">
+              <a:extLst>
+                <a:ext uri="{FF2B5EF4-FFF2-40B4-BE49-F238E27FC236}">
+                  <a16:creationId xmlns:a16="http://schemas.microsoft.com/office/drawing/2014/main" id="{DE51BB15-ED6E-4346-A4C7-508CAD3075AC}"/>
+                </a:ext>
+              </a:extLst>
+            </p:cNvPr>
+            <p:cNvGrpSpPr/>
+            <p:nvPr/>
+          </p:nvGrpSpPr>
+          <p:grpSpPr>
+            <a:xfrm rot="20202325">
+              <a:off x="7670809" y="1853562"/>
+              <a:ext cx="1641131" cy="1641131"/>
+              <a:chOff x="3315960" y="2422047"/>
+              <a:chExt cx="914400" cy="914400"/>
+            </a:xfrm>
+          </p:grpSpPr>
+          <p:sp>
+            <p:nvSpPr>
+              <p:cNvPr id="51" name="Arc plein 50">
+                <a:extLst>
+                  <a:ext uri="{FF2B5EF4-FFF2-40B4-BE49-F238E27FC236}">
+                    <a16:creationId xmlns:a16="http://schemas.microsoft.com/office/drawing/2014/main" id="{81770770-1998-4C97-8DC9-3A6F1B29E3A8}"/>
+                  </a:ext>
+                </a:extLst>
+              </p:cNvPr>
+              <p:cNvSpPr/>
+              <p:nvPr/>
+            </p:nvSpPr>
+            <p:spPr>
+              <a:xfrm>
+                <a:off x="3315960" y="2422047"/>
+                <a:ext cx="914400" cy="914400"/>
+              </a:xfrm>
+              <a:prstGeom prst="blockArc">
+                <a:avLst>
+                  <a:gd name="adj1" fmla="val 16200170"/>
+                  <a:gd name="adj2" fmla="val 16195232"/>
+                  <a:gd name="adj3" fmla="val 9944"/>
+                </a:avLst>
+              </a:prstGeom>
+              <a:solidFill>
+                <a:schemeClr val="bg1"/>
+              </a:solidFill>
+              <a:ln>
+                <a:solidFill>
+                  <a:schemeClr val="tx1"/>
+                </a:solidFill>
+              </a:ln>
+            </p:spPr>
+            <p:style>
+              <a:lnRef idx="2">
+                <a:schemeClr val="accent1">
+                  <a:shade val="50000"/>
+                </a:schemeClr>
+              </a:lnRef>
+              <a:fillRef idx="1">
+                <a:schemeClr val="accent1"/>
+              </a:fillRef>
+              <a:effectRef idx="0">
+                <a:schemeClr val="accent1"/>
+              </a:effectRef>
+              <a:fontRef idx="minor">
+                <a:schemeClr val="lt1"/>
+              </a:fontRef>
+            </p:style>
+            <p:txBody>
+              <a:bodyPr rtlCol="0" anchor="ctr"/>
+              <a:lstStyle/>
+              <a:p>
+                <a:pPr algn="ctr"/>
+                <a:endParaRPr lang="fr-FR">
+                  <a:solidFill>
+                    <a:schemeClr val="tx1"/>
+                  </a:solidFill>
+                </a:endParaRPr>
+              </a:p>
+            </p:txBody>
+          </p:sp>
+          <p:sp>
+            <p:nvSpPr>
+              <p:cNvPr id="52" name="Arc plein 51">
+                <a:extLst>
+                  <a:ext uri="{FF2B5EF4-FFF2-40B4-BE49-F238E27FC236}">
+                    <a16:creationId xmlns:a16="http://schemas.microsoft.com/office/drawing/2014/main" id="{884E18F8-B5C0-46EE-BBBB-D2B0AC4689E4}"/>
+                  </a:ext>
+                </a:extLst>
+              </p:cNvPr>
+              <p:cNvSpPr/>
+              <p:nvPr/>
+            </p:nvSpPr>
+            <p:spPr>
+              <a:xfrm>
+                <a:off x="3315960" y="2422047"/>
+                <a:ext cx="914400" cy="914400"/>
+              </a:xfrm>
+              <a:prstGeom prst="blockArc">
+                <a:avLst>
+                  <a:gd name="adj1" fmla="val 18988370"/>
+                  <a:gd name="adj2" fmla="val 16195232"/>
+                  <a:gd name="adj3" fmla="val 9944"/>
+                </a:avLst>
+              </a:prstGeom>
+              <a:solidFill>
+                <a:schemeClr val="tx1"/>
+              </a:solidFill>
+              <a:ln>
+                <a:noFill/>
+              </a:ln>
+            </p:spPr>
+            <p:style>
+              <a:lnRef idx="2">
+                <a:schemeClr val="accent1">
+                  <a:shade val="50000"/>
+                </a:schemeClr>
+              </a:lnRef>
+              <a:fillRef idx="1">
+                <a:schemeClr val="accent1"/>
+              </a:fillRef>
+              <a:effectRef idx="0">
+                <a:schemeClr val="accent1"/>
+              </a:effectRef>
+              <a:fontRef idx="minor">
+                <a:schemeClr val="lt1"/>
+              </a:fontRef>
+            </p:style>
+            <p:txBody>
+              <a:bodyPr rtlCol="0" anchor="ctr"/>
+              <a:lstStyle/>
+              <a:p>
+                <a:pPr algn="ctr"/>
+                <a:endParaRPr lang="fr-FR">
+                  <a:solidFill>
+                    <a:schemeClr val="tx1"/>
+                  </a:solidFill>
+                </a:endParaRPr>
+              </a:p>
+            </p:txBody>
+          </p:sp>
+        </p:grpSp>
+      </p:grpSp>
+      <p:grpSp>
+        <p:nvGrpSpPr>
+          <p:cNvPr id="81" name="Groupe 80">
+            <a:extLst>
+              <a:ext uri="{FF2B5EF4-FFF2-40B4-BE49-F238E27FC236}">
+                <a16:creationId xmlns:a16="http://schemas.microsoft.com/office/drawing/2014/main" id="{72EDE69E-4FF5-4BDB-856C-5FCBCF609574}"/>
+              </a:ext>
+            </a:extLst>
+          </p:cNvPr>
+          <p:cNvGrpSpPr/>
+          <p:nvPr/>
+        </p:nvGrpSpPr>
+        <p:grpSpPr>
+          <a:xfrm>
+            <a:off x="5674796" y="640579"/>
+            <a:ext cx="1841517" cy="1843252"/>
+            <a:chOff x="5674796" y="640579"/>
+            <a:chExt cx="1841517" cy="1843252"/>
+          </a:xfrm>
+        </p:grpSpPr>
+        <p:grpSp>
+          <p:nvGrpSpPr>
+            <p:cNvPr id="72" name="Groupe 71">
+              <a:extLst>
+                <a:ext uri="{FF2B5EF4-FFF2-40B4-BE49-F238E27FC236}">
+                  <a16:creationId xmlns:a16="http://schemas.microsoft.com/office/drawing/2014/main" id="{99F99F3F-D4C4-4A93-B135-15AA05C2DC26}"/>
+                </a:ext>
+              </a:extLst>
+            </p:cNvPr>
+            <p:cNvGrpSpPr/>
+            <p:nvPr/>
+          </p:nvGrpSpPr>
+          <p:grpSpPr>
+            <a:xfrm>
+              <a:off x="5674796" y="640579"/>
+              <a:ext cx="1841517" cy="1843252"/>
+              <a:chOff x="5674796" y="640579"/>
+              <a:chExt cx="1841517" cy="1843252"/>
+            </a:xfrm>
+          </p:grpSpPr>
+          <p:sp>
+            <p:nvSpPr>
+              <p:cNvPr id="65" name="Rectangle 64">
+                <a:extLst>
+                  <a:ext uri="{FF2B5EF4-FFF2-40B4-BE49-F238E27FC236}">
+                    <a16:creationId xmlns:a16="http://schemas.microsoft.com/office/drawing/2014/main" id="{DF79882F-89B3-404C-B555-7288D570A6B2}"/>
+                  </a:ext>
+                </a:extLst>
+              </p:cNvPr>
+              <p:cNvSpPr/>
+              <p:nvPr/>
+            </p:nvSpPr>
+            <p:spPr>
+              <a:xfrm>
+                <a:off x="5674796" y="640579"/>
+                <a:ext cx="1841517" cy="1843252"/>
+              </a:xfrm>
+              <a:prstGeom prst="rect">
+                <a:avLst/>
+              </a:prstGeom>
+              <a:noFill/>
+              <a:ln>
+                <a:noFill/>
+              </a:ln>
+            </p:spPr>
+            <p:style>
+              <a:lnRef idx="2">
+                <a:schemeClr val="accent1">
+                  <a:shade val="50000"/>
+                </a:schemeClr>
+              </a:lnRef>
+              <a:fillRef idx="1">
+                <a:schemeClr val="accent1"/>
+              </a:fillRef>
+              <a:effectRef idx="0">
+                <a:schemeClr val="accent1"/>
+              </a:effectRef>
+              <a:fontRef idx="minor">
+                <a:schemeClr val="lt1"/>
+              </a:fontRef>
+            </p:style>
+            <p:txBody>
+              <a:bodyPr rtlCol="0" anchor="ctr"/>
+              <a:lstStyle/>
+              <a:p>
+                <a:endParaRPr lang="fr-FR" dirty="0"/>
+              </a:p>
+            </p:txBody>
+          </p:sp>
+          <p:grpSp>
+            <p:nvGrpSpPr>
+              <p:cNvPr id="71" name="Groupe 70">
+                <a:extLst>
+                  <a:ext uri="{FF2B5EF4-FFF2-40B4-BE49-F238E27FC236}">
+                    <a16:creationId xmlns:a16="http://schemas.microsoft.com/office/drawing/2014/main" id="{7B6CAD6E-3311-40C5-8B85-74993C320559}"/>
+                  </a:ext>
+                </a:extLst>
+              </p:cNvPr>
+              <p:cNvGrpSpPr/>
+              <p:nvPr/>
+            </p:nvGrpSpPr>
+            <p:grpSpPr>
+              <a:xfrm>
+                <a:off x="5676879" y="654342"/>
+                <a:ext cx="1837351" cy="1815726"/>
+                <a:chOff x="5678962" y="656675"/>
+                <a:chExt cx="1837351" cy="1815726"/>
+              </a:xfrm>
+            </p:grpSpPr>
+            <p:grpSp>
+              <p:nvGrpSpPr>
+                <p:cNvPr id="58" name="Groupe 57">
+                  <a:extLst>
+                    <a:ext uri="{FF2B5EF4-FFF2-40B4-BE49-F238E27FC236}">
+                      <a16:creationId xmlns:a16="http://schemas.microsoft.com/office/drawing/2014/main" id="{D9EBBC84-4E7E-45F8-93B2-3ECF125A12EF}"/>
+                    </a:ext>
+                  </a:extLst>
+                </p:cNvPr>
+                <p:cNvGrpSpPr/>
+                <p:nvPr/>
+              </p:nvGrpSpPr>
+              <p:grpSpPr>
+                <a:xfrm>
+                  <a:off x="5678962" y="656675"/>
+                  <a:ext cx="1810271" cy="1811061"/>
+                  <a:chOff x="5413492" y="464779"/>
+                  <a:chExt cx="1810271" cy="1811061"/>
+                </a:xfrm>
+              </p:grpSpPr>
+              <p:sp>
+                <p:nvSpPr>
+                  <p:cNvPr id="56" name="Arc plein 55">
+                    <a:extLst>
+                      <a:ext uri="{FF2B5EF4-FFF2-40B4-BE49-F238E27FC236}">
+                        <a16:creationId xmlns:a16="http://schemas.microsoft.com/office/drawing/2014/main" id="{6F994A9E-98F2-407C-BC45-4A44F4C06B13}"/>
+                      </a:ext>
+                    </a:extLst>
+                  </p:cNvPr>
+                  <p:cNvSpPr/>
+                  <p:nvPr/>
+                </p:nvSpPr>
+                <p:spPr>
+                  <a:xfrm rot="18900000">
+                    <a:off x="5413495" y="464779"/>
+                    <a:ext cx="1810268" cy="1810268"/>
+                  </a:xfrm>
+                  <a:prstGeom prst="blockArc">
+                    <a:avLst>
+                      <a:gd name="adj1" fmla="val 18949039"/>
+                      <a:gd name="adj2" fmla="val 56432"/>
+                      <a:gd name="adj3" fmla="val 10626"/>
+                    </a:avLst>
+                  </a:prstGeom>
+                  <a:solidFill>
+                    <a:schemeClr val="bg1"/>
+                  </a:solidFill>
+                  <a:ln>
+                    <a:noFill/>
+                  </a:ln>
+                </p:spPr>
+                <p:style>
+                  <a:lnRef idx="2">
+                    <a:schemeClr val="accent1">
+                      <a:shade val="50000"/>
+                    </a:schemeClr>
+                  </a:lnRef>
+                  <a:fillRef idx="1">
+                    <a:schemeClr val="accent1"/>
+                  </a:fillRef>
+                  <a:effectRef idx="0">
+                    <a:schemeClr val="accent1"/>
+                  </a:effectRef>
+                  <a:fontRef idx="minor">
+                    <a:schemeClr val="lt1"/>
+                  </a:fontRef>
+                </p:style>
+                <p:txBody>
+                  <a:bodyPr rtlCol="0" anchor="ctr"/>
+                  <a:lstStyle/>
+                  <a:p>
+                    <a:pPr algn="ctr"/>
+                    <a:endParaRPr lang="fr-FR">
+                      <a:solidFill>
+                        <a:schemeClr val="tx1"/>
+                      </a:solidFill>
+                    </a:endParaRPr>
+                  </a:p>
+                </p:txBody>
+              </p:sp>
+              <p:sp>
+                <p:nvSpPr>
+                  <p:cNvPr id="55" name="Arc plein 54">
+                    <a:extLst>
+                      <a:ext uri="{FF2B5EF4-FFF2-40B4-BE49-F238E27FC236}">
+                        <a16:creationId xmlns:a16="http://schemas.microsoft.com/office/drawing/2014/main" id="{2D5DD9D3-9D9E-4089-B732-5D3DD199E2B9}"/>
+                      </a:ext>
+                    </a:extLst>
+                  </p:cNvPr>
+                  <p:cNvSpPr/>
+                  <p:nvPr/>
+                </p:nvSpPr>
+                <p:spPr>
+                  <a:xfrm rot="19800000">
+                    <a:off x="5413494" y="465570"/>
+                    <a:ext cx="1810268" cy="1810268"/>
+                  </a:xfrm>
+                  <a:prstGeom prst="blockArc">
+                    <a:avLst>
+                      <a:gd name="adj1" fmla="val 18949039"/>
+                      <a:gd name="adj2" fmla="val 20799597"/>
+                      <a:gd name="adj3" fmla="val 10639"/>
+                    </a:avLst>
+                  </a:prstGeom>
+                  <a:solidFill>
+                    <a:schemeClr val="bg1">
+                      <a:lumMod val="75000"/>
+                    </a:schemeClr>
+                  </a:solidFill>
+                  <a:ln>
+                    <a:noFill/>
+                  </a:ln>
+                </p:spPr>
+                <p:style>
+                  <a:lnRef idx="2">
+                    <a:schemeClr val="accent1">
+                      <a:shade val="50000"/>
+                    </a:schemeClr>
+                  </a:lnRef>
+                  <a:fillRef idx="1">
+                    <a:schemeClr val="accent1"/>
+                  </a:fillRef>
+                  <a:effectRef idx="0">
+                    <a:schemeClr val="accent1"/>
+                  </a:effectRef>
+                  <a:fontRef idx="minor">
+                    <a:schemeClr val="lt1"/>
+                  </a:fontRef>
+                </p:style>
+                <p:txBody>
+                  <a:bodyPr rtlCol="0" anchor="ctr"/>
+                  <a:lstStyle/>
+                  <a:p>
+                    <a:pPr algn="ctr"/>
+                    <a:endParaRPr lang="fr-FR">
+                      <a:solidFill>
+                        <a:schemeClr val="tx1"/>
+                      </a:solidFill>
+                    </a:endParaRPr>
+                  </a:p>
+                </p:txBody>
+              </p:sp>
+              <p:sp>
+                <p:nvSpPr>
+                  <p:cNvPr id="54" name="Arc plein 53">
+                    <a:extLst>
+                      <a:ext uri="{FF2B5EF4-FFF2-40B4-BE49-F238E27FC236}">
+                        <a16:creationId xmlns:a16="http://schemas.microsoft.com/office/drawing/2014/main" id="{3F3ADD9C-5BCD-4677-93E1-DA65FDA5FF64}"/>
+                      </a:ext>
+                    </a:extLst>
+                  </p:cNvPr>
+                  <p:cNvSpPr/>
+                  <p:nvPr/>
+                </p:nvSpPr>
+                <p:spPr>
+                  <a:xfrm rot="20700000">
+                    <a:off x="5413492" y="465572"/>
+                    <a:ext cx="1810268" cy="1810268"/>
+                  </a:xfrm>
+                  <a:prstGeom prst="blockArc">
+                    <a:avLst>
+                      <a:gd name="adj1" fmla="val 18949039"/>
+                      <a:gd name="adj2" fmla="val 19908307"/>
+                      <a:gd name="adj3" fmla="val 10467"/>
+                    </a:avLst>
+                  </a:prstGeom>
+                  <a:solidFill>
+                    <a:schemeClr val="bg1">
+                      <a:lumMod val="50000"/>
+                    </a:schemeClr>
+                  </a:solidFill>
+                  <a:ln>
+                    <a:noFill/>
+                  </a:ln>
+                </p:spPr>
+                <p:style>
+                  <a:lnRef idx="2">
+                    <a:schemeClr val="accent1">
+                      <a:shade val="50000"/>
+                    </a:schemeClr>
+                  </a:lnRef>
+                  <a:fillRef idx="1">
+                    <a:schemeClr val="accent1"/>
+                  </a:fillRef>
+                  <a:effectRef idx="0">
+                    <a:schemeClr val="accent1"/>
+                  </a:effectRef>
+                  <a:fontRef idx="minor">
+                    <a:schemeClr val="lt1"/>
+                  </a:fontRef>
+                </p:style>
+                <p:txBody>
+                  <a:bodyPr rtlCol="0" anchor="ctr"/>
+                  <a:lstStyle/>
+                  <a:p>
+                    <a:pPr algn="ctr"/>
+                    <a:endParaRPr lang="fr-FR" dirty="0">
+                      <a:solidFill>
+                        <a:schemeClr val="tx1"/>
+                      </a:solidFill>
+                    </a:endParaRPr>
+                  </a:p>
+                </p:txBody>
+              </p:sp>
+            </p:grpSp>
+            <p:grpSp>
+              <p:nvGrpSpPr>
+                <p:cNvPr id="67" name="Groupe 66">
+                  <a:extLst>
+                    <a:ext uri="{FF2B5EF4-FFF2-40B4-BE49-F238E27FC236}">
+                      <a16:creationId xmlns:a16="http://schemas.microsoft.com/office/drawing/2014/main" id="{296EA1E0-2359-4AA4-A296-0B844E47505C}"/>
+                    </a:ext>
+                  </a:extLst>
+                </p:cNvPr>
+                <p:cNvGrpSpPr/>
+                <p:nvPr/>
+              </p:nvGrpSpPr>
+              <p:grpSpPr>
+                <a:xfrm flipH="1">
+                  <a:off x="5690010" y="661340"/>
+                  <a:ext cx="1826303" cy="1811061"/>
+                  <a:chOff x="5413492" y="464779"/>
+                  <a:chExt cx="1810271" cy="1811061"/>
+                </a:xfrm>
+              </p:grpSpPr>
+              <p:sp>
+                <p:nvSpPr>
+                  <p:cNvPr id="68" name="Arc plein 67">
+                    <a:extLst>
+                      <a:ext uri="{FF2B5EF4-FFF2-40B4-BE49-F238E27FC236}">
+                        <a16:creationId xmlns:a16="http://schemas.microsoft.com/office/drawing/2014/main" id="{9FEC8320-5119-46C9-A5B1-94F7BF68E965}"/>
+                      </a:ext>
+                    </a:extLst>
+                  </p:cNvPr>
+                  <p:cNvSpPr/>
+                  <p:nvPr/>
+                </p:nvSpPr>
+                <p:spPr>
+                  <a:xfrm rot="18900000">
+                    <a:off x="5413495" y="464779"/>
+                    <a:ext cx="1810268" cy="1810268"/>
+                  </a:xfrm>
+                  <a:prstGeom prst="blockArc">
+                    <a:avLst>
+                      <a:gd name="adj1" fmla="val 18949039"/>
+                      <a:gd name="adj2" fmla="val 56432"/>
+                      <a:gd name="adj3" fmla="val 10626"/>
+                    </a:avLst>
+                  </a:prstGeom>
+                  <a:solidFill>
+                    <a:schemeClr val="bg1"/>
+                  </a:solidFill>
+                  <a:ln>
+                    <a:noFill/>
+                  </a:ln>
+                </p:spPr>
+                <p:style>
+                  <a:lnRef idx="2">
+                    <a:schemeClr val="accent1">
+                      <a:shade val="50000"/>
+                    </a:schemeClr>
+                  </a:lnRef>
+                  <a:fillRef idx="1">
+                    <a:schemeClr val="accent1"/>
+                  </a:fillRef>
+                  <a:effectRef idx="0">
+                    <a:schemeClr val="accent1"/>
+                  </a:effectRef>
+                  <a:fontRef idx="minor">
+                    <a:schemeClr val="lt1"/>
+                  </a:fontRef>
+                </p:style>
+                <p:txBody>
+                  <a:bodyPr rtlCol="0" anchor="ctr"/>
+                  <a:lstStyle/>
+                  <a:p>
+                    <a:pPr algn="ctr"/>
+                    <a:endParaRPr lang="fr-FR">
+                      <a:solidFill>
+                        <a:schemeClr val="tx1"/>
+                      </a:solidFill>
+                    </a:endParaRPr>
+                  </a:p>
+                </p:txBody>
+              </p:sp>
+              <p:sp>
+                <p:nvSpPr>
+                  <p:cNvPr id="69" name="Arc plein 68">
+                    <a:extLst>
+                      <a:ext uri="{FF2B5EF4-FFF2-40B4-BE49-F238E27FC236}">
+                        <a16:creationId xmlns:a16="http://schemas.microsoft.com/office/drawing/2014/main" id="{B29C410A-1617-46CB-B87E-A8D1E064C99C}"/>
+                      </a:ext>
+                    </a:extLst>
+                  </p:cNvPr>
+                  <p:cNvSpPr/>
+                  <p:nvPr/>
+                </p:nvSpPr>
+                <p:spPr>
+                  <a:xfrm rot="19800000">
+                    <a:off x="5413494" y="465570"/>
+                    <a:ext cx="1810268" cy="1810268"/>
+                  </a:xfrm>
+                  <a:prstGeom prst="blockArc">
+                    <a:avLst>
+                      <a:gd name="adj1" fmla="val 18949039"/>
+                      <a:gd name="adj2" fmla="val 20799597"/>
+                      <a:gd name="adj3" fmla="val 10639"/>
+                    </a:avLst>
+                  </a:prstGeom>
+                  <a:solidFill>
+                    <a:schemeClr val="bg1">
+                      <a:lumMod val="75000"/>
+                    </a:schemeClr>
+                  </a:solidFill>
+                  <a:ln>
+                    <a:noFill/>
+                  </a:ln>
+                </p:spPr>
+                <p:style>
+                  <a:lnRef idx="2">
+                    <a:schemeClr val="accent1">
+                      <a:shade val="50000"/>
+                    </a:schemeClr>
+                  </a:lnRef>
+                  <a:fillRef idx="1">
+                    <a:schemeClr val="accent1"/>
+                  </a:fillRef>
+                  <a:effectRef idx="0">
+                    <a:schemeClr val="accent1"/>
+                  </a:effectRef>
+                  <a:fontRef idx="minor">
+                    <a:schemeClr val="lt1"/>
+                  </a:fontRef>
+                </p:style>
+                <p:txBody>
+                  <a:bodyPr rtlCol="0" anchor="ctr"/>
+                  <a:lstStyle/>
+                  <a:p>
+                    <a:pPr algn="ctr"/>
+                    <a:endParaRPr lang="fr-FR" dirty="0">
+                      <a:solidFill>
+                        <a:schemeClr val="tx1"/>
+                      </a:solidFill>
+                    </a:endParaRPr>
+                  </a:p>
+                </p:txBody>
+              </p:sp>
+              <p:sp>
+                <p:nvSpPr>
+                  <p:cNvPr id="70" name="Arc plein 69">
+                    <a:extLst>
+                      <a:ext uri="{FF2B5EF4-FFF2-40B4-BE49-F238E27FC236}">
+                        <a16:creationId xmlns:a16="http://schemas.microsoft.com/office/drawing/2014/main" id="{AA6A2BB2-5369-4237-A801-4C15F2F5ECE6}"/>
+                      </a:ext>
+                    </a:extLst>
+                  </p:cNvPr>
+                  <p:cNvSpPr/>
+                  <p:nvPr/>
+                </p:nvSpPr>
+                <p:spPr>
+                  <a:xfrm rot="20700000">
+                    <a:off x="5413492" y="465572"/>
+                    <a:ext cx="1810268" cy="1810268"/>
+                  </a:xfrm>
+                  <a:prstGeom prst="blockArc">
+                    <a:avLst>
+                      <a:gd name="adj1" fmla="val 18949039"/>
+                      <a:gd name="adj2" fmla="val 19908307"/>
+                      <a:gd name="adj3" fmla="val 10467"/>
+                    </a:avLst>
+                  </a:prstGeom>
+                  <a:solidFill>
+                    <a:schemeClr val="bg1">
+                      <a:lumMod val="50000"/>
+                    </a:schemeClr>
+                  </a:solidFill>
+                  <a:ln>
+                    <a:noFill/>
+                  </a:ln>
+                </p:spPr>
+                <p:style>
+                  <a:lnRef idx="2">
+                    <a:schemeClr val="accent1">
+                      <a:shade val="50000"/>
+                    </a:schemeClr>
+                  </a:lnRef>
+                  <a:fillRef idx="1">
+                    <a:schemeClr val="accent1"/>
+                  </a:fillRef>
+                  <a:effectRef idx="0">
+                    <a:schemeClr val="accent1"/>
+                  </a:effectRef>
+                  <a:fontRef idx="minor">
+                    <a:schemeClr val="lt1"/>
+                  </a:fontRef>
+                </p:style>
+                <p:txBody>
+                  <a:bodyPr rtlCol="0" anchor="ctr"/>
+                  <a:lstStyle/>
+                  <a:p>
+                    <a:pPr algn="ctr"/>
+                    <a:endParaRPr lang="fr-FR" dirty="0">
+                      <a:solidFill>
+                        <a:schemeClr val="tx1"/>
+                      </a:solidFill>
+                    </a:endParaRPr>
+                  </a:p>
+                </p:txBody>
+              </p:sp>
+            </p:grpSp>
+          </p:grpSp>
+        </p:grpSp>
+        <p:cxnSp>
+          <p:nvCxnSpPr>
+            <p:cNvPr id="74" name="Connecteur droit 73">
+              <a:extLst>
+                <a:ext uri="{FF2B5EF4-FFF2-40B4-BE49-F238E27FC236}">
+                  <a16:creationId xmlns:a16="http://schemas.microsoft.com/office/drawing/2014/main" id="{3DC8958C-010E-439F-A316-872B0DE5E0DC}"/>
+                </a:ext>
+              </a:extLst>
+            </p:cNvPr>
+            <p:cNvCxnSpPr>
+              <a:cxnSpLocks/>
+            </p:cNvCxnSpPr>
+            <p:nvPr/>
+          </p:nvCxnSpPr>
+          <p:spPr>
+            <a:xfrm>
+              <a:off x="6593555" y="741079"/>
+              <a:ext cx="0" cy="112361"/>
+            </a:xfrm>
+            <a:prstGeom prst="line">
+              <a:avLst/>
+            </a:prstGeom>
+            <a:ln w="19050">
+              <a:solidFill>
+                <a:schemeClr val="tx1"/>
+              </a:solidFill>
+            </a:ln>
+          </p:spPr>
+          <p:style>
+            <a:lnRef idx="1">
+              <a:schemeClr val="accent1"/>
+            </a:lnRef>
+            <a:fillRef idx="0">
+              <a:schemeClr val="accent1"/>
+            </a:fillRef>
+            <a:effectRef idx="0">
+              <a:schemeClr val="accent1"/>
+            </a:effectRef>
+            <a:fontRef idx="minor">
+              <a:schemeClr val="tx1"/>
+            </a:fontRef>
+          </p:style>
+        </p:cxnSp>
+        <p:cxnSp>
+          <p:nvCxnSpPr>
+            <p:cNvPr id="78" name="Connecteur droit 77">
+              <a:extLst>
+                <a:ext uri="{FF2B5EF4-FFF2-40B4-BE49-F238E27FC236}">
+                  <a16:creationId xmlns:a16="http://schemas.microsoft.com/office/drawing/2014/main" id="{8A6F5A1C-B081-44F4-BF23-B86E05532BD5}"/>
+                </a:ext>
+              </a:extLst>
+            </p:cNvPr>
+            <p:cNvCxnSpPr>
+              <a:cxnSpLocks/>
+            </p:cNvCxnSpPr>
+            <p:nvPr/>
+          </p:nvCxnSpPr>
+          <p:spPr>
+            <a:xfrm>
+              <a:off x="6593555" y="650104"/>
+              <a:ext cx="0" cy="112361"/>
+            </a:xfrm>
+            <a:prstGeom prst="line">
+              <a:avLst/>
+            </a:prstGeom>
+            <a:ln w="19050">
+              <a:solidFill>
+                <a:schemeClr val="tx1"/>
+              </a:solidFill>
+            </a:ln>
+          </p:spPr>
+          <p:style>
+            <a:lnRef idx="1">
+              <a:schemeClr val="accent1"/>
+            </a:lnRef>
+            <a:fillRef idx="0">
+              <a:schemeClr val="accent1"/>
+            </a:fillRef>
+            <a:effectRef idx="0">
+              <a:schemeClr val="accent1"/>
+            </a:effectRef>
+            <a:fontRef idx="minor">
+              <a:schemeClr val="tx1"/>
+            </a:fontRef>
+          </p:style>
+        </p:cxnSp>
+      </p:grpSp>
+    </p:spTree>
+    <p:extLst>
+      <p:ext uri="{BB962C8B-B14F-4D97-AF65-F5344CB8AC3E}">
+        <p14:creationId xmlns:p14="http://schemas.microsoft.com/office/powerpoint/2010/main" val="4122987937"/>
+      </p:ext>
+    </p:extLst>
+  </p:cSld>
+  <p:clrMapOvr>
+    <a:masterClrMapping/>
+  </p:clrMapOvr>
+</p:sld>
+</file>
+
+<file path=ppt/slides/slide2.xml><?xml version="1.0" encoding="utf-8"?>
+<p:sld xmlns:a="http://schemas.openxmlformats.org/drawingml/2006/main" xmlns:r="http://schemas.openxmlformats.org/officeDocument/2006/relationships" xmlns:p="http://schemas.openxmlformats.org/presentationml/2006/main">
+  <p:cSld>
+    <p:spTree>
+      <p:nvGrpSpPr>
+        <p:cNvPr id="1" name=""/>
+        <p:cNvGrpSpPr/>
+        <p:nvPr/>
+      </p:nvGrpSpPr>
+      <p:grpSpPr>
+        <a:xfrm>
+          <a:off x="0" y="0"/>
+          <a:ext cx="0" cy="0"/>
+          <a:chOff x="0" y="0"/>
+          <a:chExt cx="0" cy="0"/>
+        </a:xfrm>
+      </p:grpSpPr>
       <p:sp>
         <p:nvSpPr>
           <p:cNvPr id="7" name="Rectangle 6">
@@ -4775,6 +5579,209 @@
             <a:p>
               <a:pPr algn="ctr"/>
               <a:endParaRPr lang="fr-FR"/>
+            </a:p>
+          </p:txBody>
+        </p:sp>
+      </p:grpSp>
+      <p:sp>
+        <p:nvSpPr>
+          <p:cNvPr id="13" name="Cercle : creux 12">
+            <a:extLst>
+              <a:ext uri="{FF2B5EF4-FFF2-40B4-BE49-F238E27FC236}">
+                <a16:creationId xmlns:a16="http://schemas.microsoft.com/office/drawing/2014/main" id="{CCFD3332-4140-4D8F-9269-90956DF874FB}"/>
+              </a:ext>
+            </a:extLst>
+          </p:cNvPr>
+          <p:cNvSpPr/>
+          <p:nvPr/>
+        </p:nvSpPr>
+        <p:spPr>
+          <a:xfrm>
+            <a:off x="3701958" y="3390069"/>
+            <a:ext cx="1676400" cy="1676400"/>
+          </a:xfrm>
+          <a:prstGeom prst="donut">
+            <a:avLst>
+              <a:gd name="adj" fmla="val 7230"/>
+            </a:avLst>
+          </a:prstGeom>
+          <a:solidFill>
+            <a:schemeClr val="tx1"/>
+          </a:solidFill>
+          <a:ln w="28575">
+            <a:noFill/>
+          </a:ln>
+        </p:spPr>
+        <p:style>
+          <a:lnRef idx="2">
+            <a:schemeClr val="accent1">
+              <a:shade val="50000"/>
+            </a:schemeClr>
+          </a:lnRef>
+          <a:fillRef idx="1">
+            <a:schemeClr val="accent1"/>
+          </a:fillRef>
+          <a:effectRef idx="0">
+            <a:schemeClr val="accent1"/>
+          </a:effectRef>
+          <a:fontRef idx="minor">
+            <a:schemeClr val="lt1"/>
+          </a:fontRef>
+        </p:style>
+        <p:txBody>
+          <a:bodyPr rtlCol="0" anchor="ctr"/>
+          <a:lstStyle/>
+          <a:p>
+            <a:pPr algn="ctr"/>
+            <a:endParaRPr lang="fr-FR" dirty="0">
+              <a:solidFill>
+                <a:schemeClr val="tx1"/>
+              </a:solidFill>
+            </a:endParaRPr>
+          </a:p>
+        </p:txBody>
+      </p:sp>
+      <p:grpSp>
+        <p:nvGrpSpPr>
+          <p:cNvPr id="3" name="Groupe 2">
+            <a:extLst>
+              <a:ext uri="{FF2B5EF4-FFF2-40B4-BE49-F238E27FC236}">
+                <a16:creationId xmlns:a16="http://schemas.microsoft.com/office/drawing/2014/main" id="{30BA3626-1E81-41DE-8DBF-EA143D7F357F}"/>
+              </a:ext>
+            </a:extLst>
+          </p:cNvPr>
+          <p:cNvGrpSpPr/>
+          <p:nvPr/>
+        </p:nvGrpSpPr>
+        <p:grpSpPr>
+          <a:xfrm>
+            <a:off x="7260489" y="2090252"/>
+            <a:ext cx="914400" cy="914400"/>
+            <a:chOff x="3315960" y="2422047"/>
+            <a:chExt cx="914400" cy="914400"/>
+          </a:xfrm>
+        </p:grpSpPr>
+        <p:sp>
+          <p:nvSpPr>
+            <p:cNvPr id="14" name="Arc plein 13">
+              <a:extLst>
+                <a:ext uri="{FF2B5EF4-FFF2-40B4-BE49-F238E27FC236}">
+                  <a16:creationId xmlns:a16="http://schemas.microsoft.com/office/drawing/2014/main" id="{ECA5F816-21B9-428B-AAA5-67CC3D183853}"/>
+                </a:ext>
+              </a:extLst>
+            </p:cNvPr>
+            <p:cNvSpPr/>
+            <p:nvPr/>
+          </p:nvSpPr>
+          <p:spPr>
+            <a:xfrm>
+              <a:off x="3315960" y="2422047"/>
+              <a:ext cx="914400" cy="914400"/>
+            </a:xfrm>
+            <a:prstGeom prst="blockArc">
+              <a:avLst>
+                <a:gd name="adj1" fmla="val 16200170"/>
+                <a:gd name="adj2" fmla="val 16195232"/>
+                <a:gd name="adj3" fmla="val 9944"/>
+              </a:avLst>
+            </a:prstGeom>
+            <a:solidFill>
+              <a:schemeClr val="bg1"/>
+            </a:solidFill>
+            <a:ln>
+              <a:solidFill>
+                <a:schemeClr val="tx1"/>
+              </a:solidFill>
+            </a:ln>
+          </p:spPr>
+          <p:style>
+            <a:lnRef idx="2">
+              <a:schemeClr val="accent1">
+                <a:shade val="50000"/>
+              </a:schemeClr>
+            </a:lnRef>
+            <a:fillRef idx="1">
+              <a:schemeClr val="accent1"/>
+            </a:fillRef>
+            <a:effectRef idx="0">
+              <a:schemeClr val="accent1"/>
+            </a:effectRef>
+            <a:fontRef idx="minor">
+              <a:schemeClr val="lt1"/>
+            </a:fontRef>
+          </p:style>
+          <p:txBody>
+            <a:bodyPr rtlCol="0" anchor="ctr"/>
+            <a:lstStyle/>
+            <a:p>
+              <a:pPr algn="ctr"/>
+              <a:endParaRPr lang="fr-FR">
+                <a:solidFill>
+                  <a:schemeClr val="tx1"/>
+                </a:solidFill>
+              </a:endParaRPr>
+            </a:p>
+          </p:txBody>
+        </p:sp>
+        <p:sp>
+          <p:nvSpPr>
+            <p:cNvPr id="2" name="Arc plein 1">
+              <a:extLst>
+                <a:ext uri="{FF2B5EF4-FFF2-40B4-BE49-F238E27FC236}">
+                  <a16:creationId xmlns:a16="http://schemas.microsoft.com/office/drawing/2014/main" id="{5FDA8EB4-F3C2-4218-A9EA-A42F6B5ECBB5}"/>
+                </a:ext>
+              </a:extLst>
+            </p:cNvPr>
+            <p:cNvSpPr/>
+            <p:nvPr/>
+          </p:nvSpPr>
+          <p:spPr>
+            <a:xfrm>
+              <a:off x="3315960" y="2422047"/>
+              <a:ext cx="914400" cy="914400"/>
+            </a:xfrm>
+            <a:prstGeom prst="blockArc">
+              <a:avLst>
+                <a:gd name="adj1" fmla="val 18988370"/>
+                <a:gd name="adj2" fmla="val 16195232"/>
+                <a:gd name="adj3" fmla="val 9944"/>
+              </a:avLst>
+            </a:prstGeom>
+            <a:solidFill>
+              <a:schemeClr val="tx1"/>
+            </a:solidFill>
+            <a:ln>
+              <a:solidFill>
+                <a:schemeClr val="tx1"/>
+              </a:solidFill>
+            </a:ln>
+          </p:spPr>
+          <p:style>
+            <a:lnRef idx="2">
+              <a:schemeClr val="accent1">
+                <a:shade val="50000"/>
+              </a:schemeClr>
+            </a:lnRef>
+            <a:fillRef idx="1">
+              <a:schemeClr val="accent1"/>
+            </a:fillRef>
+            <a:effectRef idx="0">
+              <a:schemeClr val="accent1"/>
+            </a:effectRef>
+            <a:fontRef idx="minor">
+              <a:schemeClr val="lt1"/>
+            </a:fontRef>
+          </p:style>
+          <p:txBody>
+            <a:bodyPr rtlCol="0" anchor="ctr"/>
+            <a:lstStyle/>
+            <a:p>
+              <a:pPr algn="ctr"/>
+              <a:endParaRPr lang="fr-FR">
+                <a:solidFill>
+                  <a:schemeClr val="tx1"/>
+                </a:solidFill>
+              </a:endParaRPr>
             </a:p>
           </p:txBody>
         </p:sp>

--- a/Texture.pptx
+++ b/Texture.pptx
@@ -6,8 +6,10 @@
   </p:sldMasterIdLst>
   <p:sldIdLst>
     <p:sldId id="256" r:id="rId2"/>
-    <p:sldId id="257" r:id="rId3"/>
-    <p:sldId id="258" r:id="rId4"/>
+    <p:sldId id="260" r:id="rId3"/>
+    <p:sldId id="259" r:id="rId4"/>
+    <p:sldId id="257" r:id="rId5"/>
+    <p:sldId id="258" r:id="rId6"/>
   </p:sldIdLst>
   <p:sldSz cx="12192000" cy="6858000"/>
   <p:notesSz cx="6858000" cy="9144000"/>
@@ -273,7 +275,7 @@
           <a:p>
             <a:fld id="{4F39CA0E-E24C-46B9-BDEB-00D69BD4C068}" type="datetimeFigureOut">
               <a:rPr lang="fr-FR" smtClean="0"/>
-              <a:t>19/07/2021</a:t>
+              <a:t>26/07/2021</a:t>
             </a:fld>
             <a:endParaRPr lang="fr-FR"/>
           </a:p>
@@ -471,7 +473,7 @@
           <a:p>
             <a:fld id="{4F39CA0E-E24C-46B9-BDEB-00D69BD4C068}" type="datetimeFigureOut">
               <a:rPr lang="fr-FR" smtClean="0"/>
-              <a:t>19/07/2021</a:t>
+              <a:t>26/07/2021</a:t>
             </a:fld>
             <a:endParaRPr lang="fr-FR"/>
           </a:p>
@@ -679,7 +681,7 @@
           <a:p>
             <a:fld id="{4F39CA0E-E24C-46B9-BDEB-00D69BD4C068}" type="datetimeFigureOut">
               <a:rPr lang="fr-FR" smtClean="0"/>
-              <a:t>19/07/2021</a:t>
+              <a:t>26/07/2021</a:t>
             </a:fld>
             <a:endParaRPr lang="fr-FR"/>
           </a:p>
@@ -877,7 +879,7 @@
           <a:p>
             <a:fld id="{4F39CA0E-E24C-46B9-BDEB-00D69BD4C068}" type="datetimeFigureOut">
               <a:rPr lang="fr-FR" smtClean="0"/>
-              <a:t>19/07/2021</a:t>
+              <a:t>26/07/2021</a:t>
             </a:fld>
             <a:endParaRPr lang="fr-FR"/>
           </a:p>
@@ -1152,7 +1154,7 @@
           <a:p>
             <a:fld id="{4F39CA0E-E24C-46B9-BDEB-00D69BD4C068}" type="datetimeFigureOut">
               <a:rPr lang="fr-FR" smtClean="0"/>
-              <a:t>19/07/2021</a:t>
+              <a:t>26/07/2021</a:t>
             </a:fld>
             <a:endParaRPr lang="fr-FR"/>
           </a:p>
@@ -1417,7 +1419,7 @@
           <a:p>
             <a:fld id="{4F39CA0E-E24C-46B9-BDEB-00D69BD4C068}" type="datetimeFigureOut">
               <a:rPr lang="fr-FR" smtClean="0"/>
-              <a:t>19/07/2021</a:t>
+              <a:t>26/07/2021</a:t>
             </a:fld>
             <a:endParaRPr lang="fr-FR"/>
           </a:p>
@@ -1829,7 +1831,7 @@
           <a:p>
             <a:fld id="{4F39CA0E-E24C-46B9-BDEB-00D69BD4C068}" type="datetimeFigureOut">
               <a:rPr lang="fr-FR" smtClean="0"/>
-              <a:t>19/07/2021</a:t>
+              <a:t>26/07/2021</a:t>
             </a:fld>
             <a:endParaRPr lang="fr-FR"/>
           </a:p>
@@ -1970,7 +1972,7 @@
           <a:p>
             <a:fld id="{4F39CA0E-E24C-46B9-BDEB-00D69BD4C068}" type="datetimeFigureOut">
               <a:rPr lang="fr-FR" smtClean="0"/>
-              <a:t>19/07/2021</a:t>
+              <a:t>26/07/2021</a:t>
             </a:fld>
             <a:endParaRPr lang="fr-FR"/>
           </a:p>
@@ -2083,7 +2085,7 @@
           <a:p>
             <a:fld id="{4F39CA0E-E24C-46B9-BDEB-00D69BD4C068}" type="datetimeFigureOut">
               <a:rPr lang="fr-FR" smtClean="0"/>
-              <a:t>19/07/2021</a:t>
+              <a:t>26/07/2021</a:t>
             </a:fld>
             <a:endParaRPr lang="fr-FR"/>
           </a:p>
@@ -2394,7 +2396,7 @@
           <a:p>
             <a:fld id="{4F39CA0E-E24C-46B9-BDEB-00D69BD4C068}" type="datetimeFigureOut">
               <a:rPr lang="fr-FR" smtClean="0"/>
-              <a:t>19/07/2021</a:t>
+              <a:t>26/07/2021</a:t>
             </a:fld>
             <a:endParaRPr lang="fr-FR"/>
           </a:p>
@@ -2682,7 +2684,7 @@
           <a:p>
             <a:fld id="{4F39CA0E-E24C-46B9-BDEB-00D69BD4C068}" type="datetimeFigureOut">
               <a:rPr lang="fr-FR" smtClean="0"/>
-              <a:t>19/07/2021</a:t>
+              <a:t>26/07/2021</a:t>
             </a:fld>
             <a:endParaRPr lang="fr-FR"/>
           </a:p>
@@ -2923,7 +2925,7 @@
           <a:p>
             <a:fld id="{4F39CA0E-E24C-46B9-BDEB-00D69BD4C068}" type="datetimeFigureOut">
               <a:rPr lang="fr-FR" smtClean="0"/>
-              <a:t>19/07/2021</a:t>
+              <a:t>26/07/2021</a:t>
             </a:fld>
             <a:endParaRPr lang="fr-FR"/>
           </a:p>
@@ -3324,6 +3326,312 @@
 </file>
 
 <file path=ppt/slides/slide1.xml><?xml version="1.0" encoding="utf-8"?>
+<p:sld xmlns:a="http://schemas.openxmlformats.org/drawingml/2006/main" xmlns:r="http://schemas.openxmlformats.org/officeDocument/2006/relationships" xmlns:p="http://schemas.openxmlformats.org/presentationml/2006/main">
+  <p:cSld>
+    <p:spTree>
+      <p:nvGrpSpPr>
+        <p:cNvPr id="1" name=""/>
+        <p:cNvGrpSpPr/>
+        <p:nvPr/>
+      </p:nvGrpSpPr>
+      <p:grpSpPr>
+        <a:xfrm>
+          <a:off x="0" y="0"/>
+          <a:ext cx="0" cy="0"/>
+          <a:chOff x="0" y="0"/>
+          <a:chExt cx="0" cy="0"/>
+        </a:xfrm>
+      </p:grpSpPr>
+      <p:grpSp>
+        <p:nvGrpSpPr>
+          <p:cNvPr id="13" name="Groupe 12">
+            <a:extLst>
+              <a:ext uri="{FF2B5EF4-FFF2-40B4-BE49-F238E27FC236}">
+                <a16:creationId xmlns:a16="http://schemas.microsoft.com/office/drawing/2014/main" id="{246B2228-64E0-469B-9B8F-3E698BA5D3E2}"/>
+              </a:ext>
+            </a:extLst>
+          </p:cNvPr>
+          <p:cNvGrpSpPr/>
+          <p:nvPr/>
+        </p:nvGrpSpPr>
+        <p:grpSpPr>
+          <a:xfrm>
+            <a:off x="2426201" y="254762"/>
+            <a:ext cx="3600000" cy="3600000"/>
+            <a:chOff x="2426201" y="254762"/>
+            <a:chExt cx="3600000" cy="3600000"/>
+          </a:xfrm>
+        </p:grpSpPr>
+        <p:sp>
+          <p:nvSpPr>
+            <p:cNvPr id="5" name="Rectangle 4">
+              <a:extLst>
+                <a:ext uri="{FF2B5EF4-FFF2-40B4-BE49-F238E27FC236}">
+                  <a16:creationId xmlns:a16="http://schemas.microsoft.com/office/drawing/2014/main" id="{28BD533B-0F9A-4729-9C32-71BE87F5F14D}"/>
+                </a:ext>
+              </a:extLst>
+            </p:cNvPr>
+            <p:cNvSpPr/>
+            <p:nvPr/>
+          </p:nvSpPr>
+          <p:spPr>
+            <a:xfrm>
+              <a:off x="2426201" y="254762"/>
+              <a:ext cx="3600000" cy="3600000"/>
+            </a:xfrm>
+            <a:prstGeom prst="rect">
+              <a:avLst/>
+            </a:prstGeom>
+            <a:noFill/>
+            <a:ln>
+              <a:noFill/>
+            </a:ln>
+          </p:spPr>
+          <p:style>
+            <a:lnRef idx="2">
+              <a:schemeClr val="accent1">
+                <a:shade val="50000"/>
+              </a:schemeClr>
+            </a:lnRef>
+            <a:fillRef idx="1">
+              <a:schemeClr val="accent1"/>
+            </a:fillRef>
+            <a:effectRef idx="0">
+              <a:schemeClr val="accent1"/>
+            </a:effectRef>
+            <a:fontRef idx="minor">
+              <a:schemeClr val="lt1"/>
+            </a:fontRef>
+          </p:style>
+          <p:txBody>
+            <a:bodyPr rtlCol="0" anchor="ctr"/>
+            <a:lstStyle/>
+            <a:p>
+              <a:pPr algn="ctr"/>
+              <a:endParaRPr lang="fr-FR"/>
+            </a:p>
+          </p:txBody>
+        </p:sp>
+        <p:sp>
+          <p:nvSpPr>
+            <p:cNvPr id="7" name="Ellipse 6">
+              <a:extLst>
+                <a:ext uri="{FF2B5EF4-FFF2-40B4-BE49-F238E27FC236}">
+                  <a16:creationId xmlns:a16="http://schemas.microsoft.com/office/drawing/2014/main" id="{442CDAB6-25FB-4C60-B631-E98E53F42F2D}"/>
+                </a:ext>
+              </a:extLst>
+            </p:cNvPr>
+            <p:cNvSpPr/>
+            <p:nvPr/>
+          </p:nvSpPr>
+          <p:spPr>
+            <a:xfrm>
+              <a:off x="3686201" y="1514762"/>
+              <a:ext cx="1080001" cy="1080001"/>
+            </a:xfrm>
+            <a:prstGeom prst="ellipse">
+              <a:avLst/>
+            </a:prstGeom>
+            <a:noFill/>
+            <a:ln w="76200">
+              <a:solidFill>
+                <a:schemeClr val="bg1"/>
+              </a:solidFill>
+            </a:ln>
+          </p:spPr>
+          <p:style>
+            <a:lnRef idx="2">
+              <a:schemeClr val="accent1">
+                <a:shade val="50000"/>
+              </a:schemeClr>
+            </a:lnRef>
+            <a:fillRef idx="1">
+              <a:schemeClr val="accent1"/>
+            </a:fillRef>
+            <a:effectRef idx="0">
+              <a:schemeClr val="accent1"/>
+            </a:effectRef>
+            <a:fontRef idx="minor">
+              <a:schemeClr val="lt1"/>
+            </a:fontRef>
+          </p:style>
+          <p:txBody>
+            <a:bodyPr rtlCol="0" anchor="ctr"/>
+            <a:lstStyle/>
+            <a:p>
+              <a:pPr algn="ctr"/>
+              <a:endParaRPr lang="fr-FR"/>
+            </a:p>
+          </p:txBody>
+        </p:sp>
+      </p:grpSp>
+    </p:spTree>
+    <p:extLst>
+      <p:ext uri="{BB962C8B-B14F-4D97-AF65-F5344CB8AC3E}">
+        <p14:creationId xmlns:p14="http://schemas.microsoft.com/office/powerpoint/2010/main" val="4122987937"/>
+      </p:ext>
+    </p:extLst>
+  </p:cSld>
+  <p:clrMapOvr>
+    <a:masterClrMapping/>
+  </p:clrMapOvr>
+</p:sld>
+</file>
+
+<file path=ppt/slides/slide2.xml><?xml version="1.0" encoding="utf-8"?>
+<p:sld xmlns:a="http://schemas.openxmlformats.org/drawingml/2006/main" xmlns:r="http://schemas.openxmlformats.org/officeDocument/2006/relationships" xmlns:p="http://schemas.openxmlformats.org/presentationml/2006/main">
+  <p:cSld>
+    <p:spTree>
+      <p:nvGrpSpPr>
+        <p:cNvPr id="1" name=""/>
+        <p:cNvGrpSpPr/>
+        <p:nvPr/>
+      </p:nvGrpSpPr>
+      <p:grpSpPr>
+        <a:xfrm>
+          <a:off x="0" y="0"/>
+          <a:ext cx="0" cy="0"/>
+          <a:chOff x="0" y="0"/>
+          <a:chExt cx="0" cy="0"/>
+        </a:xfrm>
+      </p:grpSpPr>
+      <p:grpSp>
+        <p:nvGrpSpPr>
+          <p:cNvPr id="3" name="Groupe 2">
+            <a:extLst>
+              <a:ext uri="{FF2B5EF4-FFF2-40B4-BE49-F238E27FC236}">
+                <a16:creationId xmlns:a16="http://schemas.microsoft.com/office/drawing/2014/main" id="{57FCEABF-72AF-47FA-BF6E-7E2320FF9885}"/>
+              </a:ext>
+            </a:extLst>
+          </p:cNvPr>
+          <p:cNvGrpSpPr/>
+          <p:nvPr/>
+        </p:nvGrpSpPr>
+        <p:grpSpPr>
+          <a:xfrm>
+            <a:off x="2246201" y="74761"/>
+            <a:ext cx="3600000" cy="3600000"/>
+            <a:chOff x="2246201" y="74761"/>
+            <a:chExt cx="3600000" cy="3600000"/>
+          </a:xfrm>
+        </p:grpSpPr>
+        <p:sp>
+          <p:nvSpPr>
+            <p:cNvPr id="5" name="Rectangle 4">
+              <a:extLst>
+                <a:ext uri="{FF2B5EF4-FFF2-40B4-BE49-F238E27FC236}">
+                  <a16:creationId xmlns:a16="http://schemas.microsoft.com/office/drawing/2014/main" id="{28BD533B-0F9A-4729-9C32-71BE87F5F14D}"/>
+                </a:ext>
+              </a:extLst>
+            </p:cNvPr>
+            <p:cNvSpPr/>
+            <p:nvPr/>
+          </p:nvSpPr>
+          <p:spPr>
+            <a:xfrm>
+              <a:off x="2246201" y="74761"/>
+              <a:ext cx="3600000" cy="3600000"/>
+            </a:xfrm>
+            <a:prstGeom prst="rect">
+              <a:avLst/>
+            </a:prstGeom>
+            <a:noFill/>
+            <a:ln>
+              <a:noFill/>
+            </a:ln>
+          </p:spPr>
+          <p:style>
+            <a:lnRef idx="2">
+              <a:schemeClr val="accent1">
+                <a:shade val="50000"/>
+              </a:schemeClr>
+            </a:lnRef>
+            <a:fillRef idx="1">
+              <a:schemeClr val="accent1"/>
+            </a:fillRef>
+            <a:effectRef idx="0">
+              <a:schemeClr val="accent1"/>
+            </a:effectRef>
+            <a:fontRef idx="minor">
+              <a:schemeClr val="lt1"/>
+            </a:fontRef>
+          </p:style>
+          <p:txBody>
+            <a:bodyPr rtlCol="0" anchor="ctr"/>
+            <a:lstStyle/>
+            <a:p>
+              <a:pPr algn="ctr"/>
+              <a:endParaRPr lang="fr-FR"/>
+            </a:p>
+          </p:txBody>
+        </p:sp>
+        <p:sp>
+          <p:nvSpPr>
+            <p:cNvPr id="63" name="Ellipse 62">
+              <a:extLst>
+                <a:ext uri="{FF2B5EF4-FFF2-40B4-BE49-F238E27FC236}">
+                  <a16:creationId xmlns:a16="http://schemas.microsoft.com/office/drawing/2014/main" id="{47ADF913-0694-41F1-9455-A8FAC60214AE}"/>
+                </a:ext>
+              </a:extLst>
+            </p:cNvPr>
+            <p:cNvSpPr/>
+            <p:nvPr/>
+          </p:nvSpPr>
+          <p:spPr>
+            <a:xfrm>
+              <a:off x="3866201" y="1694761"/>
+              <a:ext cx="360000" cy="360000"/>
+            </a:xfrm>
+            <a:prstGeom prst="ellipse">
+              <a:avLst/>
+            </a:prstGeom>
+            <a:solidFill>
+              <a:schemeClr val="bg1"/>
+            </a:solidFill>
+            <a:ln w="38100">
+              <a:noFill/>
+            </a:ln>
+          </p:spPr>
+          <p:style>
+            <a:lnRef idx="2">
+              <a:schemeClr val="accent1">
+                <a:shade val="50000"/>
+              </a:schemeClr>
+            </a:lnRef>
+            <a:fillRef idx="1">
+              <a:schemeClr val="accent1"/>
+            </a:fillRef>
+            <a:effectRef idx="0">
+              <a:schemeClr val="accent1"/>
+            </a:effectRef>
+            <a:fontRef idx="minor">
+              <a:schemeClr val="lt1"/>
+            </a:fontRef>
+          </p:style>
+          <p:txBody>
+            <a:bodyPr rtlCol="0" anchor="ctr"/>
+            <a:lstStyle/>
+            <a:p>
+              <a:pPr algn="ctr"/>
+              <a:endParaRPr lang="fr-FR" dirty="0"/>
+            </a:p>
+          </p:txBody>
+        </p:sp>
+      </p:grpSp>
+    </p:spTree>
+    <p:extLst>
+      <p:ext uri="{BB962C8B-B14F-4D97-AF65-F5344CB8AC3E}">
+        <p14:creationId xmlns:p14="http://schemas.microsoft.com/office/powerpoint/2010/main" val="3244148125"/>
+      </p:ext>
+    </p:extLst>
+  </p:cSld>
+  <p:clrMapOvr>
+    <a:masterClrMapping/>
+  </p:clrMapOvr>
+</p:sld>
+</file>
+
+<file path=ppt/slides/slide3.xml><?xml version="1.0" encoding="utf-8"?>
 <p:sld xmlns:a="http://schemas.openxmlformats.org/drawingml/2006/main" xmlns:r="http://schemas.openxmlformats.org/officeDocument/2006/relationships" xmlns:p="http://schemas.openxmlformats.org/presentationml/2006/main">
   <p:cSld>
     <p:spTree>
@@ -5227,7 +5535,7 @@
     </p:spTree>
     <p:extLst>
       <p:ext uri="{BB962C8B-B14F-4D97-AF65-F5344CB8AC3E}">
-        <p14:creationId xmlns:p14="http://schemas.microsoft.com/office/powerpoint/2010/main" val="4122987937"/>
+        <p14:creationId xmlns:p14="http://schemas.microsoft.com/office/powerpoint/2010/main" val="3068740513"/>
       </p:ext>
     </p:extLst>
   </p:cSld>
@@ -5237,7 +5545,7 @@
 </p:sld>
 </file>
 
-<file path=ppt/slides/slide2.xml><?xml version="1.0" encoding="utf-8"?>
+<file path=ppt/slides/slide4.xml><?xml version="1.0" encoding="utf-8"?>
 <p:sld xmlns:a="http://schemas.openxmlformats.org/drawingml/2006/main" xmlns:r="http://schemas.openxmlformats.org/officeDocument/2006/relationships" xmlns:p="http://schemas.openxmlformats.org/presentationml/2006/main">
   <p:cSld>
     <p:spTree>
@@ -5799,7 +6107,7 @@
 </p:sld>
 </file>
 
-<file path=ppt/slides/slide3.xml><?xml version="1.0" encoding="utf-8"?>
+<file path=ppt/slides/slide5.xml><?xml version="1.0" encoding="utf-8"?>
 <p:sld xmlns:a="http://schemas.openxmlformats.org/drawingml/2006/main" xmlns:r="http://schemas.openxmlformats.org/officeDocument/2006/relationships" xmlns:p="http://schemas.openxmlformats.org/presentationml/2006/main">
   <p:cSld>
     <p:spTree>

--- a/Texture.pptx
+++ b/Texture.pptx
@@ -125,6 +125,13 @@
       </p:ext>
     </p:extLst>
   </p:cmAuthor>
+  <p:cmAuthor id="2" name="Maxime DANIEL" initials="MD [2]" lastIdx="1" clrIdx="1">
+    <p:extLst>
+      <p:ext uri="{19B8F6BF-5375-455C-9EA6-DF929625EA0E}">
+        <p15:presenceInfo xmlns:p15="http://schemas.microsoft.com/office/powerpoint/2012/main" userId="S::m.daniel@estia.fr::592bbd2f-4ac8-4f7d-a622-66a3b0015ed4" providerId="AD"/>
+      </p:ext>
+    </p:extLst>
+  </p:cmAuthor>
 </p:cmAuthorLst>
 </file>
 
@@ -275,7 +282,7 @@
           <a:p>
             <a:fld id="{4F39CA0E-E24C-46B9-BDEB-00D69BD4C068}" type="datetimeFigureOut">
               <a:rPr lang="fr-FR" smtClean="0"/>
-              <a:t>26/07/2021</a:t>
+              <a:t>29/07/2021</a:t>
             </a:fld>
             <a:endParaRPr lang="fr-FR"/>
           </a:p>
@@ -473,7 +480,7 @@
           <a:p>
             <a:fld id="{4F39CA0E-E24C-46B9-BDEB-00D69BD4C068}" type="datetimeFigureOut">
               <a:rPr lang="fr-FR" smtClean="0"/>
-              <a:t>26/07/2021</a:t>
+              <a:t>29/07/2021</a:t>
             </a:fld>
             <a:endParaRPr lang="fr-FR"/>
           </a:p>
@@ -681,7 +688,7 @@
           <a:p>
             <a:fld id="{4F39CA0E-E24C-46B9-BDEB-00D69BD4C068}" type="datetimeFigureOut">
               <a:rPr lang="fr-FR" smtClean="0"/>
-              <a:t>26/07/2021</a:t>
+              <a:t>29/07/2021</a:t>
             </a:fld>
             <a:endParaRPr lang="fr-FR"/>
           </a:p>
@@ -879,7 +886,7 @@
           <a:p>
             <a:fld id="{4F39CA0E-E24C-46B9-BDEB-00D69BD4C068}" type="datetimeFigureOut">
               <a:rPr lang="fr-FR" smtClean="0"/>
-              <a:t>26/07/2021</a:t>
+              <a:t>29/07/2021</a:t>
             </a:fld>
             <a:endParaRPr lang="fr-FR"/>
           </a:p>
@@ -1154,7 +1161,7 @@
           <a:p>
             <a:fld id="{4F39CA0E-E24C-46B9-BDEB-00D69BD4C068}" type="datetimeFigureOut">
               <a:rPr lang="fr-FR" smtClean="0"/>
-              <a:t>26/07/2021</a:t>
+              <a:t>29/07/2021</a:t>
             </a:fld>
             <a:endParaRPr lang="fr-FR"/>
           </a:p>
@@ -1419,7 +1426,7 @@
           <a:p>
             <a:fld id="{4F39CA0E-E24C-46B9-BDEB-00D69BD4C068}" type="datetimeFigureOut">
               <a:rPr lang="fr-FR" smtClean="0"/>
-              <a:t>26/07/2021</a:t>
+              <a:t>29/07/2021</a:t>
             </a:fld>
             <a:endParaRPr lang="fr-FR"/>
           </a:p>
@@ -1831,7 +1838,7 @@
           <a:p>
             <a:fld id="{4F39CA0E-E24C-46B9-BDEB-00D69BD4C068}" type="datetimeFigureOut">
               <a:rPr lang="fr-FR" smtClean="0"/>
-              <a:t>26/07/2021</a:t>
+              <a:t>29/07/2021</a:t>
             </a:fld>
             <a:endParaRPr lang="fr-FR"/>
           </a:p>
@@ -1972,7 +1979,7 @@
           <a:p>
             <a:fld id="{4F39CA0E-E24C-46B9-BDEB-00D69BD4C068}" type="datetimeFigureOut">
               <a:rPr lang="fr-FR" smtClean="0"/>
-              <a:t>26/07/2021</a:t>
+              <a:t>29/07/2021</a:t>
             </a:fld>
             <a:endParaRPr lang="fr-FR"/>
           </a:p>
@@ -2085,7 +2092,7 @@
           <a:p>
             <a:fld id="{4F39CA0E-E24C-46B9-BDEB-00D69BD4C068}" type="datetimeFigureOut">
               <a:rPr lang="fr-FR" smtClean="0"/>
-              <a:t>26/07/2021</a:t>
+              <a:t>29/07/2021</a:t>
             </a:fld>
             <a:endParaRPr lang="fr-FR"/>
           </a:p>
@@ -2396,7 +2403,7 @@
           <a:p>
             <a:fld id="{4F39CA0E-E24C-46B9-BDEB-00D69BD4C068}" type="datetimeFigureOut">
               <a:rPr lang="fr-FR" smtClean="0"/>
-              <a:t>26/07/2021</a:t>
+              <a:t>29/07/2021</a:t>
             </a:fld>
             <a:endParaRPr lang="fr-FR"/>
           </a:p>
@@ -2684,7 +2691,7 @@
           <a:p>
             <a:fld id="{4F39CA0E-E24C-46B9-BDEB-00D69BD4C068}" type="datetimeFigureOut">
               <a:rPr lang="fr-FR" smtClean="0"/>
-              <a:t>26/07/2021</a:t>
+              <a:t>29/07/2021</a:t>
             </a:fld>
             <a:endParaRPr lang="fr-FR"/>
           </a:p>
@@ -2925,7 +2932,7 @@
           <a:p>
             <a:fld id="{4F39CA0E-E24C-46B9-BDEB-00D69BD4C068}" type="datetimeFigureOut">
               <a:rPr lang="fr-FR" smtClean="0"/>
-              <a:t>26/07/2021</a:t>
+              <a:t>29/07/2021</a:t>
             </a:fld>
             <a:endParaRPr lang="fr-FR"/>
           </a:p>
@@ -4018,7 +4025,7 @@
             <a:lstStyle/>
             <a:p>
               <a:pPr algn="ctr"/>
-              <a:endParaRPr lang="fr-FR">
+              <a:endParaRPr lang="fr-FR" dirty="0">
                 <a:solidFill>
                   <a:schemeClr val="tx1"/>
                 </a:solidFill>
@@ -5532,6 +5539,583 @@
           </p:style>
         </p:cxnSp>
       </p:grpSp>
+      <p:sp>
+        <p:nvSpPr>
+          <p:cNvPr id="5" name="Triangle isocèle 4">
+            <a:extLst>
+              <a:ext uri="{FF2B5EF4-FFF2-40B4-BE49-F238E27FC236}">
+                <a16:creationId xmlns:a16="http://schemas.microsoft.com/office/drawing/2014/main" id="{996AB91B-2695-4C87-ABCF-8959E1E6F97A}"/>
+              </a:ext>
+            </a:extLst>
+          </p:cNvPr>
+          <p:cNvSpPr/>
+          <p:nvPr/>
+        </p:nvSpPr>
+        <p:spPr>
+          <a:xfrm rot="10800000">
+            <a:off x="1368891" y="99318"/>
+            <a:ext cx="1037785" cy="894642"/>
+          </a:xfrm>
+          <a:prstGeom prst="triangle">
+            <a:avLst/>
+          </a:prstGeom>
+          <a:ln>
+            <a:solidFill>
+              <a:schemeClr val="tx1"/>
+            </a:solidFill>
+          </a:ln>
+        </p:spPr>
+        <p:style>
+          <a:lnRef idx="2">
+            <a:schemeClr val="accent1">
+              <a:shade val="50000"/>
+            </a:schemeClr>
+          </a:lnRef>
+          <a:fillRef idx="1">
+            <a:schemeClr val="accent1"/>
+          </a:fillRef>
+          <a:effectRef idx="0">
+            <a:schemeClr val="accent1"/>
+          </a:effectRef>
+          <a:fontRef idx="minor">
+            <a:schemeClr val="lt1"/>
+          </a:fontRef>
+        </p:style>
+        <p:txBody>
+          <a:bodyPr rtlCol="0" anchor="ctr"/>
+          <a:lstStyle/>
+          <a:p>
+            <a:pPr algn="ctr"/>
+            <a:endParaRPr lang="fr-FR"/>
+          </a:p>
+        </p:txBody>
+      </p:sp>
+      <p:grpSp>
+        <p:nvGrpSpPr>
+          <p:cNvPr id="13" name="Groupe 12">
+            <a:extLst>
+              <a:ext uri="{FF2B5EF4-FFF2-40B4-BE49-F238E27FC236}">
+                <a16:creationId xmlns:a16="http://schemas.microsoft.com/office/drawing/2014/main" id="{0A6FEDF8-AD58-413D-8036-AE259781C653}"/>
+              </a:ext>
+            </a:extLst>
+          </p:cNvPr>
+          <p:cNvGrpSpPr/>
+          <p:nvPr/>
+        </p:nvGrpSpPr>
+        <p:grpSpPr>
+          <a:xfrm>
+            <a:off x="993731" y="93679"/>
+            <a:ext cx="1789284" cy="1789284"/>
+            <a:chOff x="993731" y="93679"/>
+            <a:chExt cx="1789284" cy="1789284"/>
+          </a:xfrm>
+        </p:grpSpPr>
+        <p:sp>
+          <p:nvSpPr>
+            <p:cNvPr id="7" name="Arc plein 6">
+              <a:extLst>
+                <a:ext uri="{FF2B5EF4-FFF2-40B4-BE49-F238E27FC236}">
+                  <a16:creationId xmlns:a16="http://schemas.microsoft.com/office/drawing/2014/main" id="{94D0876B-40D8-49DA-B8C5-19B712936B9D}"/>
+                </a:ext>
+              </a:extLst>
+            </p:cNvPr>
+            <p:cNvSpPr/>
+            <p:nvPr/>
+          </p:nvSpPr>
+          <p:spPr>
+            <a:xfrm rot="4500000">
+              <a:off x="993731" y="93679"/>
+              <a:ext cx="1789284" cy="1789284"/>
+            </a:xfrm>
+            <a:prstGeom prst="blockArc">
+              <a:avLst>
+                <a:gd name="adj1" fmla="val 10800000"/>
+                <a:gd name="adj2" fmla="val 12617836"/>
+                <a:gd name="adj3" fmla="val 9901"/>
+              </a:avLst>
+            </a:prstGeom>
+            <a:solidFill>
+              <a:schemeClr val="bg1"/>
+            </a:solidFill>
+            <a:ln>
+              <a:noFill/>
+            </a:ln>
+          </p:spPr>
+          <p:style>
+            <a:lnRef idx="2">
+              <a:schemeClr val="accent1">
+                <a:shade val="50000"/>
+              </a:schemeClr>
+            </a:lnRef>
+            <a:fillRef idx="1">
+              <a:schemeClr val="accent1"/>
+            </a:fillRef>
+            <a:effectRef idx="0">
+              <a:schemeClr val="accent1"/>
+            </a:effectRef>
+            <a:fontRef idx="minor">
+              <a:schemeClr val="lt1"/>
+            </a:fontRef>
+          </p:style>
+          <p:txBody>
+            <a:bodyPr rtlCol="0" anchor="ctr"/>
+            <a:lstStyle/>
+            <a:p>
+              <a:pPr algn="ctr"/>
+              <a:endParaRPr lang="fr-FR">
+                <a:solidFill>
+                  <a:schemeClr val="tx1"/>
+                </a:solidFill>
+              </a:endParaRPr>
+            </a:p>
+          </p:txBody>
+        </p:sp>
+        <p:sp>
+          <p:nvSpPr>
+            <p:cNvPr id="12" name="Rectangle 11">
+              <a:extLst>
+                <a:ext uri="{FF2B5EF4-FFF2-40B4-BE49-F238E27FC236}">
+                  <a16:creationId xmlns:a16="http://schemas.microsoft.com/office/drawing/2014/main" id="{7FD926BD-C732-4818-9F06-28048E1CBF56}"/>
+                </a:ext>
+              </a:extLst>
+            </p:cNvPr>
+            <p:cNvSpPr/>
+            <p:nvPr/>
+          </p:nvSpPr>
+          <p:spPr>
+            <a:xfrm>
+              <a:off x="993731" y="93679"/>
+              <a:ext cx="1789284" cy="1789284"/>
+            </a:xfrm>
+            <a:prstGeom prst="rect">
+              <a:avLst/>
+            </a:prstGeom>
+            <a:noFill/>
+            <a:ln>
+              <a:noFill/>
+            </a:ln>
+          </p:spPr>
+          <p:style>
+            <a:lnRef idx="2">
+              <a:schemeClr val="accent1">
+                <a:shade val="50000"/>
+              </a:schemeClr>
+            </a:lnRef>
+            <a:fillRef idx="1">
+              <a:schemeClr val="accent1"/>
+            </a:fillRef>
+            <a:effectRef idx="0">
+              <a:schemeClr val="accent1"/>
+            </a:effectRef>
+            <a:fontRef idx="minor">
+              <a:schemeClr val="lt1"/>
+            </a:fontRef>
+          </p:style>
+          <p:txBody>
+            <a:bodyPr rtlCol="0" anchor="ctr"/>
+            <a:lstStyle/>
+            <a:p>
+              <a:pPr algn="ctr"/>
+              <a:endParaRPr lang="fr-FR"/>
+            </a:p>
+          </p:txBody>
+        </p:sp>
+      </p:grpSp>
+      <p:grpSp>
+        <p:nvGrpSpPr>
+          <p:cNvPr id="53" name="Groupe 52">
+            <a:extLst>
+              <a:ext uri="{FF2B5EF4-FFF2-40B4-BE49-F238E27FC236}">
+                <a16:creationId xmlns:a16="http://schemas.microsoft.com/office/drawing/2014/main" id="{8B0C30B0-C288-4AA7-ACF9-2D967024754B}"/>
+              </a:ext>
+            </a:extLst>
+          </p:cNvPr>
+          <p:cNvGrpSpPr/>
+          <p:nvPr/>
+        </p:nvGrpSpPr>
+        <p:grpSpPr>
+          <a:xfrm>
+            <a:off x="9866533" y="182095"/>
+            <a:ext cx="1743891" cy="1743891"/>
+            <a:chOff x="4023360" y="2349335"/>
+            <a:chExt cx="1743891" cy="1743891"/>
+          </a:xfrm>
+        </p:grpSpPr>
+        <p:sp>
+          <p:nvSpPr>
+            <p:cNvPr id="57" name="Rectangle 56">
+              <a:extLst>
+                <a:ext uri="{FF2B5EF4-FFF2-40B4-BE49-F238E27FC236}">
+                  <a16:creationId xmlns:a16="http://schemas.microsoft.com/office/drawing/2014/main" id="{316CD1A3-D7B6-4C32-B087-D95F09262BA3}"/>
+                </a:ext>
+              </a:extLst>
+            </p:cNvPr>
+            <p:cNvSpPr/>
+            <p:nvPr/>
+          </p:nvSpPr>
+          <p:spPr>
+            <a:xfrm>
+              <a:off x="4023360" y="2349335"/>
+              <a:ext cx="1743891" cy="1743891"/>
+            </a:xfrm>
+            <a:prstGeom prst="rect">
+              <a:avLst/>
+            </a:prstGeom>
+            <a:noFill/>
+            <a:ln>
+              <a:noFill/>
+            </a:ln>
+          </p:spPr>
+          <p:style>
+            <a:lnRef idx="2">
+              <a:schemeClr val="accent1">
+                <a:shade val="50000"/>
+              </a:schemeClr>
+            </a:lnRef>
+            <a:fillRef idx="1">
+              <a:schemeClr val="accent1"/>
+            </a:fillRef>
+            <a:effectRef idx="0">
+              <a:schemeClr val="accent1"/>
+            </a:effectRef>
+            <a:fontRef idx="minor">
+              <a:schemeClr val="lt1"/>
+            </a:fontRef>
+          </p:style>
+          <p:txBody>
+            <a:bodyPr rtlCol="0" anchor="ctr"/>
+            <a:lstStyle/>
+            <a:p>
+              <a:pPr algn="ctr"/>
+              <a:endParaRPr lang="fr-FR"/>
+            </a:p>
+          </p:txBody>
+        </p:sp>
+        <p:sp>
+          <p:nvSpPr>
+            <p:cNvPr id="59" name="Ellipse 58">
+              <a:extLst>
+                <a:ext uri="{FF2B5EF4-FFF2-40B4-BE49-F238E27FC236}">
+                  <a16:creationId xmlns:a16="http://schemas.microsoft.com/office/drawing/2014/main" id="{0F7F20AA-1A44-43A4-A336-6358B8CA97FD}"/>
+                </a:ext>
+              </a:extLst>
+            </p:cNvPr>
+            <p:cNvSpPr/>
+            <p:nvPr/>
+          </p:nvSpPr>
+          <p:spPr>
+            <a:xfrm>
+              <a:off x="4057105" y="2383080"/>
+              <a:ext cx="1676400" cy="1676400"/>
+            </a:xfrm>
+            <a:prstGeom prst="ellipse">
+              <a:avLst/>
+            </a:prstGeom>
+            <a:solidFill>
+              <a:schemeClr val="bg1"/>
+            </a:solidFill>
+            <a:ln w="76200">
+              <a:solidFill>
+                <a:schemeClr val="tx1"/>
+              </a:solidFill>
+            </a:ln>
+          </p:spPr>
+          <p:style>
+            <a:lnRef idx="2">
+              <a:schemeClr val="accent1">
+                <a:shade val="50000"/>
+              </a:schemeClr>
+            </a:lnRef>
+            <a:fillRef idx="1">
+              <a:schemeClr val="accent1"/>
+            </a:fillRef>
+            <a:effectRef idx="0">
+              <a:schemeClr val="accent1"/>
+            </a:effectRef>
+            <a:fontRef idx="minor">
+              <a:schemeClr val="lt1"/>
+            </a:fontRef>
+          </p:style>
+          <p:txBody>
+            <a:bodyPr rtlCol="0" anchor="ctr"/>
+            <a:lstStyle/>
+            <a:p>
+              <a:pPr algn="ctr"/>
+              <a:endParaRPr lang="fr-FR"/>
+            </a:p>
+          </p:txBody>
+        </p:sp>
+      </p:grpSp>
+      <p:grpSp>
+        <p:nvGrpSpPr>
+          <p:cNvPr id="60" name="Groupe 59">
+            <a:extLst>
+              <a:ext uri="{FF2B5EF4-FFF2-40B4-BE49-F238E27FC236}">
+                <a16:creationId xmlns:a16="http://schemas.microsoft.com/office/drawing/2014/main" id="{B59BBCDF-3ECF-48B4-ACCB-89E8B7102021}"/>
+              </a:ext>
+            </a:extLst>
+          </p:cNvPr>
+          <p:cNvGrpSpPr/>
+          <p:nvPr/>
+        </p:nvGrpSpPr>
+        <p:grpSpPr>
+          <a:xfrm>
+            <a:off x="2099239" y="170013"/>
+            <a:ext cx="1743891" cy="1743891"/>
+            <a:chOff x="4023360" y="2349335"/>
+            <a:chExt cx="1743891" cy="1743891"/>
+          </a:xfrm>
+        </p:grpSpPr>
+        <p:sp>
+          <p:nvSpPr>
+            <p:cNvPr id="61" name="Rectangle 60">
+              <a:extLst>
+                <a:ext uri="{FF2B5EF4-FFF2-40B4-BE49-F238E27FC236}">
+                  <a16:creationId xmlns:a16="http://schemas.microsoft.com/office/drawing/2014/main" id="{0D71A87A-F4C6-49A7-80B3-032BBB9C87CE}"/>
+                </a:ext>
+              </a:extLst>
+            </p:cNvPr>
+            <p:cNvSpPr/>
+            <p:nvPr/>
+          </p:nvSpPr>
+          <p:spPr>
+            <a:xfrm>
+              <a:off x="4023360" y="2349335"/>
+              <a:ext cx="1743891" cy="1743891"/>
+            </a:xfrm>
+            <a:prstGeom prst="rect">
+              <a:avLst/>
+            </a:prstGeom>
+            <a:solidFill>
+              <a:schemeClr val="tx1"/>
+            </a:solidFill>
+            <a:ln>
+              <a:noFill/>
+            </a:ln>
+          </p:spPr>
+          <p:style>
+            <a:lnRef idx="2">
+              <a:schemeClr val="accent1">
+                <a:shade val="50000"/>
+              </a:schemeClr>
+            </a:lnRef>
+            <a:fillRef idx="1">
+              <a:schemeClr val="accent1"/>
+            </a:fillRef>
+            <a:effectRef idx="0">
+              <a:schemeClr val="accent1"/>
+            </a:effectRef>
+            <a:fontRef idx="minor">
+              <a:schemeClr val="lt1"/>
+            </a:fontRef>
+          </p:style>
+          <p:txBody>
+            <a:bodyPr rtlCol="0" anchor="ctr"/>
+            <a:lstStyle/>
+            <a:p>
+              <a:pPr algn="ctr"/>
+              <a:endParaRPr lang="fr-FR"/>
+            </a:p>
+          </p:txBody>
+        </p:sp>
+        <p:sp>
+          <p:nvSpPr>
+            <p:cNvPr id="62" name="Ellipse 61">
+              <a:extLst>
+                <a:ext uri="{FF2B5EF4-FFF2-40B4-BE49-F238E27FC236}">
+                  <a16:creationId xmlns:a16="http://schemas.microsoft.com/office/drawing/2014/main" id="{F920EE9C-9939-4CB1-A3C5-EB1C94DF415E}"/>
+                </a:ext>
+              </a:extLst>
+            </p:cNvPr>
+            <p:cNvSpPr/>
+            <p:nvPr/>
+          </p:nvSpPr>
+          <p:spPr>
+            <a:xfrm>
+              <a:off x="4057105" y="2383080"/>
+              <a:ext cx="1676400" cy="1676400"/>
+            </a:xfrm>
+            <a:prstGeom prst="ellipse">
+              <a:avLst/>
+            </a:prstGeom>
+            <a:gradFill flip="none" rotWithShape="1">
+              <a:gsLst>
+                <a:gs pos="0">
+                  <a:schemeClr val="tx1"/>
+                </a:gs>
+                <a:gs pos="100000">
+                  <a:schemeClr val="bg1"/>
+                </a:gs>
+              </a:gsLst>
+              <a:path path="circle">
+                <a:fillToRect l="50000" t="50000" r="50000" b="50000"/>
+              </a:path>
+              <a:tileRect/>
+            </a:gradFill>
+            <a:ln>
+              <a:noFill/>
+            </a:ln>
+          </p:spPr>
+          <p:style>
+            <a:lnRef idx="2">
+              <a:schemeClr val="accent1">
+                <a:shade val="50000"/>
+              </a:schemeClr>
+            </a:lnRef>
+            <a:fillRef idx="1">
+              <a:schemeClr val="accent1"/>
+            </a:fillRef>
+            <a:effectRef idx="0">
+              <a:schemeClr val="accent1"/>
+            </a:effectRef>
+            <a:fontRef idx="minor">
+              <a:schemeClr val="lt1"/>
+            </a:fontRef>
+          </p:style>
+          <p:txBody>
+            <a:bodyPr rtlCol="0" anchor="ctr"/>
+            <a:lstStyle/>
+            <a:p>
+              <a:pPr algn="ctr"/>
+              <a:endParaRPr lang="fr-FR"/>
+            </a:p>
+          </p:txBody>
+        </p:sp>
+      </p:grpSp>
+      <p:grpSp>
+        <p:nvGrpSpPr>
+          <p:cNvPr id="73" name="Groupe 72">
+            <a:extLst>
+              <a:ext uri="{FF2B5EF4-FFF2-40B4-BE49-F238E27FC236}">
+                <a16:creationId xmlns:a16="http://schemas.microsoft.com/office/drawing/2014/main" id="{82844EA5-F8F7-487D-8FE5-31D4839B8CCB}"/>
+              </a:ext>
+            </a:extLst>
+          </p:cNvPr>
+          <p:cNvGrpSpPr/>
+          <p:nvPr/>
+        </p:nvGrpSpPr>
+        <p:grpSpPr>
+          <a:xfrm>
+            <a:off x="3851727" y="-61852"/>
+            <a:ext cx="1743891" cy="1743891"/>
+            <a:chOff x="4023360" y="2349335"/>
+            <a:chExt cx="1743891" cy="1743891"/>
+          </a:xfrm>
+        </p:grpSpPr>
+        <p:sp>
+          <p:nvSpPr>
+            <p:cNvPr id="75" name="Rectangle 74">
+              <a:extLst>
+                <a:ext uri="{FF2B5EF4-FFF2-40B4-BE49-F238E27FC236}">
+                  <a16:creationId xmlns:a16="http://schemas.microsoft.com/office/drawing/2014/main" id="{99D1A65D-32E4-4534-98EC-9C98758CBC1E}"/>
+                </a:ext>
+              </a:extLst>
+            </p:cNvPr>
+            <p:cNvSpPr/>
+            <p:nvPr/>
+          </p:nvSpPr>
+          <p:spPr>
+            <a:xfrm>
+              <a:off x="4023360" y="2349335"/>
+              <a:ext cx="1743891" cy="1743891"/>
+            </a:xfrm>
+            <a:prstGeom prst="rect">
+              <a:avLst/>
+            </a:prstGeom>
+            <a:noFill/>
+            <a:ln>
+              <a:noFill/>
+            </a:ln>
+          </p:spPr>
+          <p:style>
+            <a:lnRef idx="2">
+              <a:schemeClr val="accent1">
+                <a:shade val="50000"/>
+              </a:schemeClr>
+            </a:lnRef>
+            <a:fillRef idx="1">
+              <a:schemeClr val="accent1"/>
+            </a:fillRef>
+            <a:effectRef idx="0">
+              <a:schemeClr val="accent1"/>
+            </a:effectRef>
+            <a:fontRef idx="minor">
+              <a:schemeClr val="lt1"/>
+            </a:fontRef>
+          </p:style>
+          <p:txBody>
+            <a:bodyPr rtlCol="0" anchor="ctr"/>
+            <a:lstStyle/>
+            <a:p>
+              <a:pPr algn="ctr"/>
+              <a:endParaRPr lang="fr-FR"/>
+            </a:p>
+          </p:txBody>
+        </p:sp>
+        <p:sp>
+          <p:nvSpPr>
+            <p:cNvPr id="76" name="Ellipse 75">
+              <a:extLst>
+                <a:ext uri="{FF2B5EF4-FFF2-40B4-BE49-F238E27FC236}">
+                  <a16:creationId xmlns:a16="http://schemas.microsoft.com/office/drawing/2014/main" id="{F8388F4B-E06A-4626-8760-53E82ED7609C}"/>
+                </a:ext>
+              </a:extLst>
+            </p:cNvPr>
+            <p:cNvSpPr/>
+            <p:nvPr/>
+          </p:nvSpPr>
+          <p:spPr>
+            <a:xfrm>
+              <a:off x="4057105" y="2383080"/>
+              <a:ext cx="1676400" cy="1676400"/>
+            </a:xfrm>
+            <a:prstGeom prst="ellipse">
+              <a:avLst/>
+            </a:prstGeom>
+            <a:gradFill flip="none" rotWithShape="1">
+              <a:gsLst>
+                <a:gs pos="0">
+                  <a:schemeClr val="tx1"/>
+                </a:gs>
+                <a:gs pos="100000">
+                  <a:schemeClr val="bg1"/>
+                </a:gs>
+              </a:gsLst>
+              <a:path path="circle">
+                <a:fillToRect l="50000" t="50000" r="50000" b="50000"/>
+              </a:path>
+              <a:tileRect/>
+            </a:gradFill>
+            <a:ln>
+              <a:noFill/>
+            </a:ln>
+          </p:spPr>
+          <p:style>
+            <a:lnRef idx="2">
+              <a:schemeClr val="accent1">
+                <a:shade val="50000"/>
+              </a:schemeClr>
+            </a:lnRef>
+            <a:fillRef idx="1">
+              <a:schemeClr val="accent1"/>
+            </a:fillRef>
+            <a:effectRef idx="0">
+              <a:schemeClr val="accent1"/>
+            </a:effectRef>
+            <a:fontRef idx="minor">
+              <a:schemeClr val="lt1"/>
+            </a:fontRef>
+          </p:style>
+          <p:txBody>
+            <a:bodyPr rtlCol="0" anchor="ctr"/>
+            <a:lstStyle/>
+            <a:p>
+              <a:pPr algn="ctr"/>
+              <a:endParaRPr lang="fr-FR"/>
+            </a:p>
+          </p:txBody>
+        </p:sp>
+      </p:grpSp>
     </p:spTree>
     <p:extLst>
       <p:ext uri="{BB962C8B-B14F-4D97-AF65-F5344CB8AC3E}">

--- a/Texture.pptx
+++ b/Texture.pptx
@@ -282,7 +282,7 @@
           <a:p>
             <a:fld id="{4F39CA0E-E24C-46B9-BDEB-00D69BD4C068}" type="datetimeFigureOut">
               <a:rPr lang="fr-FR" smtClean="0"/>
-              <a:t>29/07/2021</a:t>
+              <a:t>30/07/2021</a:t>
             </a:fld>
             <a:endParaRPr lang="fr-FR"/>
           </a:p>
@@ -480,7 +480,7 @@
           <a:p>
             <a:fld id="{4F39CA0E-E24C-46B9-BDEB-00D69BD4C068}" type="datetimeFigureOut">
               <a:rPr lang="fr-FR" smtClean="0"/>
-              <a:t>29/07/2021</a:t>
+              <a:t>30/07/2021</a:t>
             </a:fld>
             <a:endParaRPr lang="fr-FR"/>
           </a:p>
@@ -688,7 +688,7 @@
           <a:p>
             <a:fld id="{4F39CA0E-E24C-46B9-BDEB-00D69BD4C068}" type="datetimeFigureOut">
               <a:rPr lang="fr-FR" smtClean="0"/>
-              <a:t>29/07/2021</a:t>
+              <a:t>30/07/2021</a:t>
             </a:fld>
             <a:endParaRPr lang="fr-FR"/>
           </a:p>
@@ -886,7 +886,7 @@
           <a:p>
             <a:fld id="{4F39CA0E-E24C-46B9-BDEB-00D69BD4C068}" type="datetimeFigureOut">
               <a:rPr lang="fr-FR" smtClean="0"/>
-              <a:t>29/07/2021</a:t>
+              <a:t>30/07/2021</a:t>
             </a:fld>
             <a:endParaRPr lang="fr-FR"/>
           </a:p>
@@ -1161,7 +1161,7 @@
           <a:p>
             <a:fld id="{4F39CA0E-E24C-46B9-BDEB-00D69BD4C068}" type="datetimeFigureOut">
               <a:rPr lang="fr-FR" smtClean="0"/>
-              <a:t>29/07/2021</a:t>
+              <a:t>30/07/2021</a:t>
             </a:fld>
             <a:endParaRPr lang="fr-FR"/>
           </a:p>
@@ -1426,7 +1426,7 @@
           <a:p>
             <a:fld id="{4F39CA0E-E24C-46B9-BDEB-00D69BD4C068}" type="datetimeFigureOut">
               <a:rPr lang="fr-FR" smtClean="0"/>
-              <a:t>29/07/2021</a:t>
+              <a:t>30/07/2021</a:t>
             </a:fld>
             <a:endParaRPr lang="fr-FR"/>
           </a:p>
@@ -1838,7 +1838,7 @@
           <a:p>
             <a:fld id="{4F39CA0E-E24C-46B9-BDEB-00D69BD4C068}" type="datetimeFigureOut">
               <a:rPr lang="fr-FR" smtClean="0"/>
-              <a:t>29/07/2021</a:t>
+              <a:t>30/07/2021</a:t>
             </a:fld>
             <a:endParaRPr lang="fr-FR"/>
           </a:p>
@@ -1979,7 +1979,7 @@
           <a:p>
             <a:fld id="{4F39CA0E-E24C-46B9-BDEB-00D69BD4C068}" type="datetimeFigureOut">
               <a:rPr lang="fr-FR" smtClean="0"/>
-              <a:t>29/07/2021</a:t>
+              <a:t>30/07/2021</a:t>
             </a:fld>
             <a:endParaRPr lang="fr-FR"/>
           </a:p>
@@ -2092,7 +2092,7 @@
           <a:p>
             <a:fld id="{4F39CA0E-E24C-46B9-BDEB-00D69BD4C068}" type="datetimeFigureOut">
               <a:rPr lang="fr-FR" smtClean="0"/>
-              <a:t>29/07/2021</a:t>
+              <a:t>30/07/2021</a:t>
             </a:fld>
             <a:endParaRPr lang="fr-FR"/>
           </a:p>
@@ -2403,7 +2403,7 @@
           <a:p>
             <a:fld id="{4F39CA0E-E24C-46B9-BDEB-00D69BD4C068}" type="datetimeFigureOut">
               <a:rPr lang="fr-FR" smtClean="0"/>
-              <a:t>29/07/2021</a:t>
+              <a:t>30/07/2021</a:t>
             </a:fld>
             <a:endParaRPr lang="fr-FR"/>
           </a:p>
@@ -2691,7 +2691,7 @@
           <a:p>
             <a:fld id="{4F39CA0E-E24C-46B9-BDEB-00D69BD4C068}" type="datetimeFigureOut">
               <a:rPr lang="fr-FR" smtClean="0"/>
-              <a:t>29/07/2021</a:t>
+              <a:t>30/07/2021</a:t>
             </a:fld>
             <a:endParaRPr lang="fr-FR"/>
           </a:p>
@@ -2932,7 +2932,7 @@
           <a:p>
             <a:fld id="{4F39CA0E-E24C-46B9-BDEB-00D69BD4C068}" type="datetimeFigureOut">
               <a:rPr lang="fr-FR" smtClean="0"/>
-              <a:t>29/07/2021</a:t>
+              <a:t>30/07/2021</a:t>
             </a:fld>
             <a:endParaRPr lang="fr-FR"/>
           </a:p>
@@ -3621,6 +3621,164 @@
             <a:p>
               <a:pPr algn="ctr"/>
               <a:endParaRPr lang="fr-FR" dirty="0"/>
+            </a:p>
+          </p:txBody>
+        </p:sp>
+      </p:grpSp>
+      <p:grpSp>
+        <p:nvGrpSpPr>
+          <p:cNvPr id="6" name="Groupe 5">
+            <a:extLst>
+              <a:ext uri="{FF2B5EF4-FFF2-40B4-BE49-F238E27FC236}">
+                <a16:creationId xmlns:a16="http://schemas.microsoft.com/office/drawing/2014/main" id="{2922D14D-E890-44CF-94A2-7384443A7C14}"/>
+              </a:ext>
+            </a:extLst>
+          </p:cNvPr>
+          <p:cNvGrpSpPr/>
+          <p:nvPr/>
+        </p:nvGrpSpPr>
+        <p:grpSpPr>
+          <a:xfrm>
+            <a:off x="3851727" y="-61852"/>
+            <a:ext cx="1743891" cy="1743891"/>
+            <a:chOff x="4023360" y="2349335"/>
+            <a:chExt cx="1743891" cy="1743891"/>
+          </a:xfrm>
+        </p:grpSpPr>
+        <p:sp>
+          <p:nvSpPr>
+            <p:cNvPr id="7" name="Rectangle 6">
+              <a:extLst>
+                <a:ext uri="{FF2B5EF4-FFF2-40B4-BE49-F238E27FC236}">
+                  <a16:creationId xmlns:a16="http://schemas.microsoft.com/office/drawing/2014/main" id="{93B40F63-42C6-4D0C-A898-C247E934CD8C}"/>
+                </a:ext>
+              </a:extLst>
+            </p:cNvPr>
+            <p:cNvSpPr/>
+            <p:nvPr/>
+          </p:nvSpPr>
+          <p:spPr>
+            <a:xfrm>
+              <a:off x="4023360" y="2349335"/>
+              <a:ext cx="1743891" cy="1743891"/>
+            </a:xfrm>
+            <a:prstGeom prst="rect">
+              <a:avLst/>
+            </a:prstGeom>
+            <a:noFill/>
+            <a:ln>
+              <a:noFill/>
+            </a:ln>
+          </p:spPr>
+          <p:style>
+            <a:lnRef idx="2">
+              <a:schemeClr val="accent1">
+                <a:shade val="50000"/>
+              </a:schemeClr>
+            </a:lnRef>
+            <a:fillRef idx="1">
+              <a:schemeClr val="accent1"/>
+            </a:fillRef>
+            <a:effectRef idx="0">
+              <a:schemeClr val="accent1"/>
+            </a:effectRef>
+            <a:fontRef idx="minor">
+              <a:schemeClr val="lt1"/>
+            </a:fontRef>
+          </p:style>
+          <p:txBody>
+            <a:bodyPr rtlCol="0" anchor="ctr"/>
+            <a:lstStyle/>
+            <a:p>
+              <a:pPr algn="ctr"/>
+              <a:endParaRPr lang="fr-FR"/>
+            </a:p>
+          </p:txBody>
+        </p:sp>
+        <p:sp>
+          <p:nvSpPr>
+            <p:cNvPr id="8" name="Ellipse 7">
+              <a:extLst>
+                <a:ext uri="{FF2B5EF4-FFF2-40B4-BE49-F238E27FC236}">
+                  <a16:creationId xmlns:a16="http://schemas.microsoft.com/office/drawing/2014/main" id="{E2E0182E-C005-4975-B409-677831EF814E}"/>
+                </a:ext>
+              </a:extLst>
+            </p:cNvPr>
+            <p:cNvSpPr/>
+            <p:nvPr/>
+          </p:nvSpPr>
+          <p:spPr>
+            <a:xfrm>
+              <a:off x="4057105" y="2383080"/>
+              <a:ext cx="1676400" cy="1676400"/>
+            </a:xfrm>
+            <a:prstGeom prst="ellipse">
+              <a:avLst/>
+            </a:prstGeom>
+            <a:gradFill flip="none" rotWithShape="1">
+              <a:gsLst>
+                <a:gs pos="88000">
+                  <a:srgbClr val="E7E7E7"/>
+                </a:gs>
+                <a:gs pos="72000">
+                  <a:srgbClr val="DBDBDB"/>
+                </a:gs>
+                <a:gs pos="56000">
+                  <a:srgbClr val="D1D1D1"/>
+                </a:gs>
+                <a:gs pos="41000">
+                  <a:srgbClr val="C8C8C8"/>
+                </a:gs>
+                <a:gs pos="29000">
+                  <a:srgbClr val="BBBBBB"/>
+                </a:gs>
+                <a:gs pos="46000">
+                  <a:srgbClr val="B0B0B0"/>
+                </a:gs>
+                <a:gs pos="10000">
+                  <a:srgbClr val="797979"/>
+                </a:gs>
+                <a:gs pos="0">
+                  <a:srgbClr val="4E4E4E"/>
+                </a:gs>
+                <a:gs pos="0">
+                  <a:schemeClr val="tx1"/>
+                </a:gs>
+                <a:gs pos="100000">
+                  <a:schemeClr val="bg1"/>
+                </a:gs>
+              </a:gsLst>
+              <a:path path="circle">
+                <a:fillToRect l="50000" t="50000" r="50000" b="50000"/>
+              </a:path>
+              <a:tileRect/>
+            </a:gradFill>
+            <a:ln>
+              <a:noFill/>
+            </a:ln>
+          </p:spPr>
+          <p:style>
+            <a:lnRef idx="2">
+              <a:schemeClr val="accent1">
+                <a:shade val="50000"/>
+              </a:schemeClr>
+            </a:lnRef>
+            <a:fillRef idx="1">
+              <a:schemeClr val="accent1"/>
+            </a:fillRef>
+            <a:effectRef idx="0">
+              <a:schemeClr val="accent1"/>
+            </a:effectRef>
+            <a:fontRef idx="minor">
+              <a:schemeClr val="lt1"/>
+            </a:fontRef>
+          </p:style>
+          <p:txBody>
+            <a:bodyPr rtlCol="0" anchor="ctr"/>
+            <a:lstStyle/>
+            <a:p>
+              <a:pPr algn="ctr"/>
+              <a:endParaRPr lang="fr-FR"/>
             </a:p>
           </p:txBody>
         </p:sp>
@@ -6022,7 +6180,9 @@
             <a:prstGeom prst="rect">
               <a:avLst/>
             </a:prstGeom>
-            <a:noFill/>
+            <a:solidFill>
+              <a:schemeClr val="tx1"/>
+            </a:solidFill>
             <a:ln>
               <a:noFill/>
             </a:ln>
@@ -6074,6 +6234,151 @@
             </a:prstGeom>
             <a:gradFill flip="none" rotWithShape="1">
               <a:gsLst>
+                <a:gs pos="26000">
+                  <a:schemeClr val="tx1">
+                    <a:lumMod val="95000"/>
+                    <a:lumOff val="5000"/>
+                  </a:schemeClr>
+                </a:gs>
+                <a:gs pos="0">
+                  <a:schemeClr val="tx1"/>
+                </a:gs>
+                <a:gs pos="100000">
+                  <a:schemeClr val="bg1"/>
+                </a:gs>
+              </a:gsLst>
+              <a:path path="circle">
+                <a:fillToRect l="50000" t="50000" r="50000" b="50000"/>
+              </a:path>
+              <a:tileRect/>
+            </a:gradFill>
+            <a:ln>
+              <a:noFill/>
+            </a:ln>
+          </p:spPr>
+          <p:style>
+            <a:lnRef idx="2">
+              <a:schemeClr val="accent1">
+                <a:shade val="50000"/>
+              </a:schemeClr>
+            </a:lnRef>
+            <a:fillRef idx="1">
+              <a:schemeClr val="accent1"/>
+            </a:fillRef>
+            <a:effectRef idx="0">
+              <a:schemeClr val="accent1"/>
+            </a:effectRef>
+            <a:fontRef idx="minor">
+              <a:schemeClr val="lt1"/>
+            </a:fontRef>
+          </p:style>
+          <p:txBody>
+            <a:bodyPr rtlCol="0" anchor="ctr"/>
+            <a:lstStyle/>
+            <a:p>
+              <a:pPr algn="ctr"/>
+              <a:endParaRPr lang="fr-FR" dirty="0"/>
+            </a:p>
+          </p:txBody>
+        </p:sp>
+      </p:grpSp>
+      <p:grpSp>
+        <p:nvGrpSpPr>
+          <p:cNvPr id="63" name="Groupe 62">
+            <a:extLst>
+              <a:ext uri="{FF2B5EF4-FFF2-40B4-BE49-F238E27FC236}">
+                <a16:creationId xmlns:a16="http://schemas.microsoft.com/office/drawing/2014/main" id="{B13F51D5-CAA3-453A-B288-FFAC98A0CED7}"/>
+              </a:ext>
+            </a:extLst>
+          </p:cNvPr>
+          <p:cNvGrpSpPr/>
+          <p:nvPr/>
+        </p:nvGrpSpPr>
+        <p:grpSpPr>
+          <a:xfrm>
+            <a:off x="-20823" y="182095"/>
+            <a:ext cx="1743891" cy="1743891"/>
+            <a:chOff x="4023360" y="2349335"/>
+            <a:chExt cx="1743891" cy="1743891"/>
+          </a:xfrm>
+        </p:grpSpPr>
+        <p:sp>
+          <p:nvSpPr>
+            <p:cNvPr id="64" name="Rectangle 63">
+              <a:extLst>
+                <a:ext uri="{FF2B5EF4-FFF2-40B4-BE49-F238E27FC236}">
+                  <a16:creationId xmlns:a16="http://schemas.microsoft.com/office/drawing/2014/main" id="{883AB7BB-6DA1-44BB-A1AF-EF78E48E4412}"/>
+                </a:ext>
+              </a:extLst>
+            </p:cNvPr>
+            <p:cNvSpPr/>
+            <p:nvPr/>
+          </p:nvSpPr>
+          <p:spPr>
+            <a:xfrm>
+              <a:off x="4023360" y="2349335"/>
+              <a:ext cx="1743891" cy="1743891"/>
+            </a:xfrm>
+            <a:prstGeom prst="rect">
+              <a:avLst/>
+            </a:prstGeom>
+            <a:solidFill>
+              <a:schemeClr val="tx1"/>
+            </a:solidFill>
+            <a:ln>
+              <a:noFill/>
+            </a:ln>
+          </p:spPr>
+          <p:style>
+            <a:lnRef idx="2">
+              <a:schemeClr val="accent1">
+                <a:shade val="50000"/>
+              </a:schemeClr>
+            </a:lnRef>
+            <a:fillRef idx="1">
+              <a:schemeClr val="accent1"/>
+            </a:fillRef>
+            <a:effectRef idx="0">
+              <a:schemeClr val="accent1"/>
+            </a:effectRef>
+            <a:fontRef idx="minor">
+              <a:schemeClr val="lt1"/>
+            </a:fontRef>
+          </p:style>
+          <p:txBody>
+            <a:bodyPr rtlCol="0" anchor="ctr"/>
+            <a:lstStyle/>
+            <a:p>
+              <a:pPr algn="ctr"/>
+              <a:endParaRPr lang="fr-FR"/>
+            </a:p>
+          </p:txBody>
+        </p:sp>
+        <p:sp>
+          <p:nvSpPr>
+            <p:cNvPr id="66" name="Ellipse 65">
+              <a:extLst>
+                <a:ext uri="{FF2B5EF4-FFF2-40B4-BE49-F238E27FC236}">
+                  <a16:creationId xmlns:a16="http://schemas.microsoft.com/office/drawing/2014/main" id="{537B6622-7AB1-44AA-9969-80C1ED172A95}"/>
+                </a:ext>
+              </a:extLst>
+            </p:cNvPr>
+            <p:cNvSpPr/>
+            <p:nvPr/>
+          </p:nvSpPr>
+          <p:spPr>
+            <a:xfrm>
+              <a:off x="4057105" y="2383080"/>
+              <a:ext cx="1676400" cy="1676400"/>
+            </a:xfrm>
+            <a:prstGeom prst="ellipse">
+              <a:avLst/>
+            </a:prstGeom>
+            <a:gradFill flip="none" rotWithShape="1">
+              <a:gsLst>
+                <a:gs pos="65000">
+                  <a:schemeClr val="bg1"/>
+                </a:gs>
                 <a:gs pos="0">
                   <a:schemeClr val="tx1"/>
                 </a:gs>
@@ -6708,6 +7013,758 @@
           <a:chExt cx="0" cy="0"/>
         </a:xfrm>
       </p:grpSpPr>
+      <p:grpSp>
+        <p:nvGrpSpPr>
+          <p:cNvPr id="15" name="Groupe 14">
+            <a:extLst>
+              <a:ext uri="{FF2B5EF4-FFF2-40B4-BE49-F238E27FC236}">
+                <a16:creationId xmlns:a16="http://schemas.microsoft.com/office/drawing/2014/main" id="{A6789ED9-B6F8-4007-BDDD-D4F1EBFDBA5D}"/>
+              </a:ext>
+            </a:extLst>
+          </p:cNvPr>
+          <p:cNvGrpSpPr/>
+          <p:nvPr/>
+        </p:nvGrpSpPr>
+        <p:grpSpPr>
+          <a:xfrm>
+            <a:off x="4727021" y="1572150"/>
+            <a:ext cx="3636000" cy="3636000"/>
+            <a:chOff x="4727021" y="1572150"/>
+            <a:chExt cx="3636000" cy="3636000"/>
+          </a:xfrm>
+        </p:grpSpPr>
+        <p:sp>
+          <p:nvSpPr>
+            <p:cNvPr id="12" name="Rectangle 11">
+              <a:extLst>
+                <a:ext uri="{FF2B5EF4-FFF2-40B4-BE49-F238E27FC236}">
+                  <a16:creationId xmlns:a16="http://schemas.microsoft.com/office/drawing/2014/main" id="{AE23F33D-6F12-46DA-A35F-2A5F55400E61}"/>
+                </a:ext>
+              </a:extLst>
+            </p:cNvPr>
+            <p:cNvSpPr/>
+            <p:nvPr/>
+          </p:nvSpPr>
+          <p:spPr>
+            <a:xfrm>
+              <a:off x="4727021" y="1572150"/>
+              <a:ext cx="3636000" cy="3636000"/>
+            </a:xfrm>
+            <a:prstGeom prst="rect">
+              <a:avLst/>
+            </a:prstGeom>
+            <a:solidFill>
+              <a:schemeClr val="tx1"/>
+            </a:solidFill>
+            <a:ln>
+              <a:noFill/>
+            </a:ln>
+          </p:spPr>
+          <p:style>
+            <a:lnRef idx="2">
+              <a:schemeClr val="accent1">
+                <a:shade val="50000"/>
+              </a:schemeClr>
+            </a:lnRef>
+            <a:fillRef idx="1">
+              <a:schemeClr val="accent1"/>
+            </a:fillRef>
+            <a:effectRef idx="0">
+              <a:schemeClr val="accent1"/>
+            </a:effectRef>
+            <a:fontRef idx="minor">
+              <a:schemeClr val="lt1"/>
+            </a:fontRef>
+          </p:style>
+          <p:txBody>
+            <a:bodyPr rtlCol="0" anchor="ctr"/>
+            <a:lstStyle/>
+            <a:p>
+              <a:pPr algn="ctr"/>
+              <a:endParaRPr lang="fr-FR"/>
+            </a:p>
+          </p:txBody>
+        </p:sp>
+        <p:grpSp>
+          <p:nvGrpSpPr>
+            <p:cNvPr id="13" name="Groupe 12">
+              <a:extLst>
+                <a:ext uri="{FF2B5EF4-FFF2-40B4-BE49-F238E27FC236}">
+                  <a16:creationId xmlns:a16="http://schemas.microsoft.com/office/drawing/2014/main" id="{8BF2658D-D83E-4D9D-8E98-71981EB68DC7}"/>
+                </a:ext>
+              </a:extLst>
+            </p:cNvPr>
+            <p:cNvGrpSpPr/>
+            <p:nvPr/>
+          </p:nvGrpSpPr>
+          <p:grpSpPr>
+            <a:xfrm>
+              <a:off x="4745021" y="1590150"/>
+              <a:ext cx="3600000" cy="3600000"/>
+              <a:chOff x="6007940" y="2026124"/>
+              <a:chExt cx="3600000" cy="3600000"/>
+            </a:xfrm>
+          </p:grpSpPr>
+          <p:sp>
+            <p:nvSpPr>
+              <p:cNvPr id="11" name="Ellipse 10">
+                <a:extLst>
+                  <a:ext uri="{FF2B5EF4-FFF2-40B4-BE49-F238E27FC236}">
+                    <a16:creationId xmlns:a16="http://schemas.microsoft.com/office/drawing/2014/main" id="{DBC8B671-1A25-4777-A600-44AD431F89CD}"/>
+                  </a:ext>
+                </a:extLst>
+              </p:cNvPr>
+              <p:cNvSpPr/>
+              <p:nvPr/>
+            </p:nvSpPr>
+            <p:spPr>
+              <a:xfrm>
+                <a:off x="6007940" y="2026124"/>
+                <a:ext cx="3600000" cy="3600000"/>
+              </a:xfrm>
+              <a:prstGeom prst="ellipse">
+                <a:avLst/>
+              </a:prstGeom>
+              <a:solidFill>
+                <a:schemeClr val="bg1"/>
+              </a:solidFill>
+              <a:ln>
+                <a:noFill/>
+              </a:ln>
+            </p:spPr>
+            <p:style>
+              <a:lnRef idx="2">
+                <a:schemeClr val="accent1">
+                  <a:shade val="50000"/>
+                </a:schemeClr>
+              </a:lnRef>
+              <a:fillRef idx="1">
+                <a:schemeClr val="accent1"/>
+              </a:fillRef>
+              <a:effectRef idx="0">
+                <a:schemeClr val="accent1"/>
+              </a:effectRef>
+              <a:fontRef idx="minor">
+                <a:schemeClr val="lt1"/>
+              </a:fontRef>
+            </p:style>
+            <p:txBody>
+              <a:bodyPr rtlCol="0" anchor="ctr"/>
+              <a:lstStyle/>
+              <a:p>
+                <a:pPr algn="ctr"/>
+                <a:endParaRPr lang="fr-FR"/>
+              </a:p>
+            </p:txBody>
+          </p:sp>
+          <p:sp>
+            <p:nvSpPr>
+              <p:cNvPr id="10" name="Ellipse 9">
+                <a:extLst>
+                  <a:ext uri="{FF2B5EF4-FFF2-40B4-BE49-F238E27FC236}">
+                    <a16:creationId xmlns:a16="http://schemas.microsoft.com/office/drawing/2014/main" id="{2C5F0C84-5482-460C-B43A-C184BE99E216}"/>
+                  </a:ext>
+                </a:extLst>
+              </p:cNvPr>
+              <p:cNvSpPr/>
+              <p:nvPr/>
+            </p:nvSpPr>
+            <p:spPr>
+              <a:xfrm>
+                <a:off x="6187940" y="2206124"/>
+                <a:ext cx="3240000" cy="3240000"/>
+              </a:xfrm>
+              <a:prstGeom prst="ellipse">
+                <a:avLst/>
+              </a:prstGeom>
+              <a:solidFill>
+                <a:schemeClr val="bg1">
+                  <a:lumMod val="95000"/>
+                </a:schemeClr>
+              </a:solidFill>
+              <a:ln>
+                <a:noFill/>
+              </a:ln>
+            </p:spPr>
+            <p:style>
+              <a:lnRef idx="2">
+                <a:schemeClr val="accent1">
+                  <a:shade val="50000"/>
+                </a:schemeClr>
+              </a:lnRef>
+              <a:fillRef idx="1">
+                <a:schemeClr val="accent1"/>
+              </a:fillRef>
+              <a:effectRef idx="0">
+                <a:schemeClr val="accent1"/>
+              </a:effectRef>
+              <a:fontRef idx="minor">
+                <a:schemeClr val="lt1"/>
+              </a:fontRef>
+            </p:style>
+            <p:txBody>
+              <a:bodyPr rtlCol="0" anchor="ctr"/>
+              <a:lstStyle/>
+              <a:p>
+                <a:pPr algn="ctr"/>
+                <a:endParaRPr lang="fr-FR"/>
+              </a:p>
+            </p:txBody>
+          </p:sp>
+          <p:sp>
+            <p:nvSpPr>
+              <p:cNvPr id="9" name="Ellipse 8">
+                <a:extLst>
+                  <a:ext uri="{FF2B5EF4-FFF2-40B4-BE49-F238E27FC236}">
+                    <a16:creationId xmlns:a16="http://schemas.microsoft.com/office/drawing/2014/main" id="{913C6E18-6CBA-4EE1-A4D4-820D9DD9865F}"/>
+                  </a:ext>
+                </a:extLst>
+              </p:cNvPr>
+              <p:cNvSpPr/>
+              <p:nvPr/>
+            </p:nvSpPr>
+            <p:spPr>
+              <a:xfrm>
+                <a:off x="6367940" y="2386124"/>
+                <a:ext cx="2880000" cy="2880000"/>
+              </a:xfrm>
+              <a:prstGeom prst="ellipse">
+                <a:avLst/>
+              </a:prstGeom>
+              <a:solidFill>
+                <a:schemeClr val="bg1">
+                  <a:lumMod val="85000"/>
+                </a:schemeClr>
+              </a:solidFill>
+              <a:ln>
+                <a:noFill/>
+              </a:ln>
+            </p:spPr>
+            <p:style>
+              <a:lnRef idx="2">
+                <a:schemeClr val="accent1">
+                  <a:shade val="50000"/>
+                </a:schemeClr>
+              </a:lnRef>
+              <a:fillRef idx="1">
+                <a:schemeClr val="accent1"/>
+              </a:fillRef>
+              <a:effectRef idx="0">
+                <a:schemeClr val="accent1"/>
+              </a:effectRef>
+              <a:fontRef idx="minor">
+                <a:schemeClr val="lt1"/>
+              </a:fontRef>
+            </p:style>
+            <p:txBody>
+              <a:bodyPr rtlCol="0" anchor="ctr"/>
+              <a:lstStyle/>
+              <a:p>
+                <a:pPr algn="ctr"/>
+                <a:endParaRPr lang="fr-FR"/>
+              </a:p>
+            </p:txBody>
+          </p:sp>
+          <p:sp>
+            <p:nvSpPr>
+              <p:cNvPr id="8" name="Ellipse 7">
+                <a:extLst>
+                  <a:ext uri="{FF2B5EF4-FFF2-40B4-BE49-F238E27FC236}">
+                    <a16:creationId xmlns:a16="http://schemas.microsoft.com/office/drawing/2014/main" id="{01C3BB7F-B814-4C03-956F-9F7EC964AD87}"/>
+                  </a:ext>
+                </a:extLst>
+              </p:cNvPr>
+              <p:cNvSpPr/>
+              <p:nvPr/>
+            </p:nvSpPr>
+            <p:spPr>
+              <a:xfrm>
+                <a:off x="6547940" y="2566124"/>
+                <a:ext cx="2520000" cy="2520000"/>
+              </a:xfrm>
+              <a:prstGeom prst="ellipse">
+                <a:avLst/>
+              </a:prstGeom>
+              <a:solidFill>
+                <a:schemeClr val="bg1">
+                  <a:lumMod val="75000"/>
+                </a:schemeClr>
+              </a:solidFill>
+              <a:ln>
+                <a:noFill/>
+              </a:ln>
+            </p:spPr>
+            <p:style>
+              <a:lnRef idx="2">
+                <a:schemeClr val="accent1">
+                  <a:shade val="50000"/>
+                </a:schemeClr>
+              </a:lnRef>
+              <a:fillRef idx="1">
+                <a:schemeClr val="accent1"/>
+              </a:fillRef>
+              <a:effectRef idx="0">
+                <a:schemeClr val="accent1"/>
+              </a:effectRef>
+              <a:fontRef idx="minor">
+                <a:schemeClr val="lt1"/>
+              </a:fontRef>
+            </p:style>
+            <p:txBody>
+              <a:bodyPr rtlCol="0" anchor="ctr"/>
+              <a:lstStyle/>
+              <a:p>
+                <a:pPr algn="ctr"/>
+                <a:endParaRPr lang="fr-FR"/>
+              </a:p>
+            </p:txBody>
+          </p:sp>
+          <p:sp>
+            <p:nvSpPr>
+              <p:cNvPr id="7" name="Ellipse 6">
+                <a:extLst>
+                  <a:ext uri="{FF2B5EF4-FFF2-40B4-BE49-F238E27FC236}">
+                    <a16:creationId xmlns:a16="http://schemas.microsoft.com/office/drawing/2014/main" id="{550DF727-EEA3-4CB4-9BE0-DF7EA7757911}"/>
+                  </a:ext>
+                </a:extLst>
+              </p:cNvPr>
+              <p:cNvSpPr/>
+              <p:nvPr/>
+            </p:nvSpPr>
+            <p:spPr>
+              <a:xfrm>
+                <a:off x="6727940" y="2746124"/>
+                <a:ext cx="2160000" cy="2160000"/>
+              </a:xfrm>
+              <a:prstGeom prst="ellipse">
+                <a:avLst/>
+              </a:prstGeom>
+              <a:solidFill>
+                <a:schemeClr val="bg1">
+                  <a:lumMod val="65000"/>
+                </a:schemeClr>
+              </a:solidFill>
+              <a:ln>
+                <a:noFill/>
+              </a:ln>
+            </p:spPr>
+            <p:style>
+              <a:lnRef idx="2">
+                <a:schemeClr val="accent1">
+                  <a:shade val="50000"/>
+                </a:schemeClr>
+              </a:lnRef>
+              <a:fillRef idx="1">
+                <a:schemeClr val="accent1"/>
+              </a:fillRef>
+              <a:effectRef idx="0">
+                <a:schemeClr val="accent1"/>
+              </a:effectRef>
+              <a:fontRef idx="minor">
+                <a:schemeClr val="lt1"/>
+              </a:fontRef>
+            </p:style>
+            <p:txBody>
+              <a:bodyPr rtlCol="0" anchor="ctr"/>
+              <a:lstStyle/>
+              <a:p>
+                <a:pPr algn="ctr"/>
+                <a:endParaRPr lang="fr-FR"/>
+              </a:p>
+            </p:txBody>
+          </p:sp>
+          <p:sp>
+            <p:nvSpPr>
+              <p:cNvPr id="6" name="Ellipse 5">
+                <a:extLst>
+                  <a:ext uri="{FF2B5EF4-FFF2-40B4-BE49-F238E27FC236}">
+                    <a16:creationId xmlns:a16="http://schemas.microsoft.com/office/drawing/2014/main" id="{F2868239-5037-4C7E-8D88-F1193CA19BCA}"/>
+                  </a:ext>
+                </a:extLst>
+              </p:cNvPr>
+              <p:cNvSpPr/>
+              <p:nvPr/>
+            </p:nvSpPr>
+            <p:spPr>
+              <a:xfrm>
+                <a:off x="6907940" y="2926124"/>
+                <a:ext cx="1800000" cy="1800000"/>
+              </a:xfrm>
+              <a:prstGeom prst="ellipse">
+                <a:avLst/>
+              </a:prstGeom>
+              <a:solidFill>
+                <a:schemeClr val="tx1">
+                  <a:lumMod val="50000"/>
+                  <a:lumOff val="50000"/>
+                </a:schemeClr>
+              </a:solidFill>
+              <a:ln>
+                <a:noFill/>
+              </a:ln>
+            </p:spPr>
+            <p:style>
+              <a:lnRef idx="2">
+                <a:schemeClr val="accent1">
+                  <a:shade val="50000"/>
+                </a:schemeClr>
+              </a:lnRef>
+              <a:fillRef idx="1">
+                <a:schemeClr val="accent1"/>
+              </a:fillRef>
+              <a:effectRef idx="0">
+                <a:schemeClr val="accent1"/>
+              </a:effectRef>
+              <a:fontRef idx="minor">
+                <a:schemeClr val="lt1"/>
+              </a:fontRef>
+            </p:style>
+            <p:txBody>
+              <a:bodyPr rtlCol="0" anchor="ctr"/>
+              <a:lstStyle/>
+              <a:p>
+                <a:pPr algn="ctr"/>
+                <a:endParaRPr lang="fr-FR"/>
+              </a:p>
+            </p:txBody>
+          </p:sp>
+          <p:sp>
+            <p:nvSpPr>
+              <p:cNvPr id="5" name="Ellipse 4">
+                <a:extLst>
+                  <a:ext uri="{FF2B5EF4-FFF2-40B4-BE49-F238E27FC236}">
+                    <a16:creationId xmlns:a16="http://schemas.microsoft.com/office/drawing/2014/main" id="{74200F42-0D5C-4153-82F1-48FA5CEAF5D2}"/>
+                  </a:ext>
+                </a:extLst>
+              </p:cNvPr>
+              <p:cNvSpPr/>
+              <p:nvPr/>
+            </p:nvSpPr>
+            <p:spPr>
+              <a:xfrm>
+                <a:off x="7087940" y="3106124"/>
+                <a:ext cx="1440000" cy="1440000"/>
+              </a:xfrm>
+              <a:prstGeom prst="ellipse">
+                <a:avLst/>
+              </a:prstGeom>
+              <a:solidFill>
+                <a:schemeClr val="tx1">
+                  <a:lumMod val="65000"/>
+                  <a:lumOff val="35000"/>
+                </a:schemeClr>
+              </a:solidFill>
+              <a:ln>
+                <a:noFill/>
+              </a:ln>
+            </p:spPr>
+            <p:style>
+              <a:lnRef idx="2">
+                <a:schemeClr val="accent1">
+                  <a:shade val="50000"/>
+                </a:schemeClr>
+              </a:lnRef>
+              <a:fillRef idx="1">
+                <a:schemeClr val="accent1"/>
+              </a:fillRef>
+              <a:effectRef idx="0">
+                <a:schemeClr val="accent1"/>
+              </a:effectRef>
+              <a:fontRef idx="minor">
+                <a:schemeClr val="lt1"/>
+              </a:fontRef>
+            </p:style>
+            <p:txBody>
+              <a:bodyPr rtlCol="0" anchor="ctr"/>
+              <a:lstStyle/>
+              <a:p>
+                <a:pPr algn="ctr"/>
+                <a:endParaRPr lang="fr-FR"/>
+              </a:p>
+            </p:txBody>
+          </p:sp>
+          <p:sp>
+            <p:nvSpPr>
+              <p:cNvPr id="4" name="Ellipse 3">
+                <a:extLst>
+                  <a:ext uri="{FF2B5EF4-FFF2-40B4-BE49-F238E27FC236}">
+                    <a16:creationId xmlns:a16="http://schemas.microsoft.com/office/drawing/2014/main" id="{5652CB0D-9EA7-4308-9FE3-F91157BDAB3C}"/>
+                  </a:ext>
+                </a:extLst>
+              </p:cNvPr>
+              <p:cNvSpPr/>
+              <p:nvPr/>
+            </p:nvSpPr>
+            <p:spPr>
+              <a:xfrm>
+                <a:off x="7267940" y="3286124"/>
+                <a:ext cx="1080000" cy="1080000"/>
+              </a:xfrm>
+              <a:prstGeom prst="ellipse">
+                <a:avLst/>
+              </a:prstGeom>
+              <a:solidFill>
+                <a:schemeClr val="tx1">
+                  <a:lumMod val="75000"/>
+                  <a:lumOff val="25000"/>
+                </a:schemeClr>
+              </a:solidFill>
+              <a:ln>
+                <a:noFill/>
+              </a:ln>
+            </p:spPr>
+            <p:style>
+              <a:lnRef idx="2">
+                <a:schemeClr val="accent1">
+                  <a:shade val="50000"/>
+                </a:schemeClr>
+              </a:lnRef>
+              <a:fillRef idx="1">
+                <a:schemeClr val="accent1"/>
+              </a:fillRef>
+              <a:effectRef idx="0">
+                <a:schemeClr val="accent1"/>
+              </a:effectRef>
+              <a:fontRef idx="minor">
+                <a:schemeClr val="lt1"/>
+              </a:fontRef>
+            </p:style>
+            <p:txBody>
+              <a:bodyPr rtlCol="0" anchor="ctr"/>
+              <a:lstStyle/>
+              <a:p>
+                <a:pPr algn="ctr"/>
+                <a:endParaRPr lang="fr-FR"/>
+              </a:p>
+            </p:txBody>
+          </p:sp>
+          <p:sp>
+            <p:nvSpPr>
+              <p:cNvPr id="3" name="Ellipse 2">
+                <a:extLst>
+                  <a:ext uri="{FF2B5EF4-FFF2-40B4-BE49-F238E27FC236}">
+                    <a16:creationId xmlns:a16="http://schemas.microsoft.com/office/drawing/2014/main" id="{EEEDBD5E-5AD0-400D-82D8-EC827B67A320}"/>
+                  </a:ext>
+                </a:extLst>
+              </p:cNvPr>
+              <p:cNvSpPr/>
+              <p:nvPr/>
+            </p:nvSpPr>
+            <p:spPr>
+              <a:xfrm>
+                <a:off x="7447940" y="3466124"/>
+                <a:ext cx="720000" cy="720000"/>
+              </a:xfrm>
+              <a:prstGeom prst="ellipse">
+                <a:avLst/>
+              </a:prstGeom>
+              <a:solidFill>
+                <a:schemeClr val="tx1">
+                  <a:lumMod val="85000"/>
+                  <a:lumOff val="15000"/>
+                </a:schemeClr>
+              </a:solidFill>
+              <a:ln>
+                <a:noFill/>
+              </a:ln>
+            </p:spPr>
+            <p:style>
+              <a:lnRef idx="2">
+                <a:schemeClr val="accent1">
+                  <a:shade val="50000"/>
+                </a:schemeClr>
+              </a:lnRef>
+              <a:fillRef idx="1">
+                <a:schemeClr val="accent1"/>
+              </a:fillRef>
+              <a:effectRef idx="0">
+                <a:schemeClr val="accent1"/>
+              </a:effectRef>
+              <a:fontRef idx="minor">
+                <a:schemeClr val="lt1"/>
+              </a:fontRef>
+            </p:style>
+            <p:txBody>
+              <a:bodyPr rtlCol="0" anchor="ctr"/>
+              <a:lstStyle/>
+              <a:p>
+                <a:pPr algn="ctr"/>
+                <a:endParaRPr lang="fr-FR"/>
+              </a:p>
+            </p:txBody>
+          </p:sp>
+          <p:sp>
+            <p:nvSpPr>
+              <p:cNvPr id="2" name="Ellipse 1">
+                <a:extLst>
+                  <a:ext uri="{FF2B5EF4-FFF2-40B4-BE49-F238E27FC236}">
+                    <a16:creationId xmlns:a16="http://schemas.microsoft.com/office/drawing/2014/main" id="{ED2094FE-C153-4CC7-A4CC-CF09C2503C81}"/>
+                  </a:ext>
+                </a:extLst>
+              </p:cNvPr>
+              <p:cNvSpPr/>
+              <p:nvPr/>
+            </p:nvSpPr>
+            <p:spPr>
+              <a:xfrm>
+                <a:off x="7627940" y="3646124"/>
+                <a:ext cx="360000" cy="360000"/>
+              </a:xfrm>
+              <a:prstGeom prst="ellipse">
+                <a:avLst/>
+              </a:prstGeom>
+              <a:solidFill>
+                <a:schemeClr val="tx1"/>
+              </a:solidFill>
+              <a:ln>
+                <a:noFill/>
+              </a:ln>
+            </p:spPr>
+            <p:style>
+              <a:lnRef idx="2">
+                <a:schemeClr val="accent1">
+                  <a:shade val="50000"/>
+                </a:schemeClr>
+              </a:lnRef>
+              <a:fillRef idx="1">
+                <a:schemeClr val="accent1"/>
+              </a:fillRef>
+              <a:effectRef idx="0">
+                <a:schemeClr val="accent1"/>
+              </a:effectRef>
+              <a:fontRef idx="minor">
+                <a:schemeClr val="lt1"/>
+              </a:fontRef>
+            </p:style>
+            <p:txBody>
+              <a:bodyPr rtlCol="0" anchor="ctr"/>
+              <a:lstStyle/>
+              <a:p>
+                <a:pPr algn="ctr"/>
+                <a:endParaRPr lang="fr-FR"/>
+              </a:p>
+            </p:txBody>
+          </p:sp>
+        </p:grpSp>
+      </p:grpSp>
+      <p:sp>
+        <p:nvSpPr>
+          <p:cNvPr id="17" name="Rectangle 16">
+            <a:extLst>
+              <a:ext uri="{FF2B5EF4-FFF2-40B4-BE49-F238E27FC236}">
+                <a16:creationId xmlns:a16="http://schemas.microsoft.com/office/drawing/2014/main" id="{62336D2F-5B33-426B-A4AB-7EB03C41901E}"/>
+              </a:ext>
+            </a:extLst>
+          </p:cNvPr>
+          <p:cNvSpPr/>
+          <p:nvPr/>
+        </p:nvSpPr>
+        <p:spPr>
+          <a:xfrm>
+            <a:off x="1677134" y="1629000"/>
+            <a:ext cx="1800000" cy="1800000"/>
+          </a:xfrm>
+          <a:prstGeom prst="rect">
+            <a:avLst/>
+          </a:prstGeom>
+          <a:solidFill>
+            <a:schemeClr val="tx1"/>
+          </a:solidFill>
+          <a:ln>
+            <a:noFill/>
+          </a:ln>
+        </p:spPr>
+        <p:style>
+          <a:lnRef idx="2">
+            <a:schemeClr val="accent1">
+              <a:shade val="50000"/>
+            </a:schemeClr>
+          </a:lnRef>
+          <a:fillRef idx="1">
+            <a:schemeClr val="accent1"/>
+          </a:fillRef>
+          <a:effectRef idx="0">
+            <a:schemeClr val="accent1"/>
+          </a:effectRef>
+          <a:fontRef idx="minor">
+            <a:schemeClr val="lt1"/>
+          </a:fontRef>
+        </p:style>
+        <p:txBody>
+          <a:bodyPr rtlCol="0" anchor="ctr"/>
+          <a:lstStyle/>
+          <a:p>
+            <a:pPr algn="ctr"/>
+            <a:endParaRPr lang="fr-FR"/>
+          </a:p>
+        </p:txBody>
+      </p:sp>
+      <p:sp>
+        <p:nvSpPr>
+          <p:cNvPr id="18" name="Ellipse 17">
+            <a:extLst>
+              <a:ext uri="{FF2B5EF4-FFF2-40B4-BE49-F238E27FC236}">
+                <a16:creationId xmlns:a16="http://schemas.microsoft.com/office/drawing/2014/main" id="{0B8F4A86-851A-4B18-B6DA-A202A7D5A655}"/>
+              </a:ext>
+            </a:extLst>
+          </p:cNvPr>
+          <p:cNvSpPr/>
+          <p:nvPr/>
+        </p:nvSpPr>
+        <p:spPr>
+          <a:xfrm>
+            <a:off x="1857134" y="1723160"/>
+            <a:ext cx="1440000" cy="1440000"/>
+          </a:xfrm>
+          <a:prstGeom prst="ellipse">
+            <a:avLst/>
+          </a:prstGeom>
+          <a:gradFill flip="none" rotWithShape="1">
+            <a:gsLst>
+              <a:gs pos="60000">
+                <a:schemeClr val="bg1"/>
+              </a:gs>
+              <a:gs pos="0">
+                <a:schemeClr val="tx1"/>
+              </a:gs>
+              <a:gs pos="100000">
+                <a:schemeClr val="bg1"/>
+              </a:gs>
+            </a:gsLst>
+            <a:path path="circle">
+              <a:fillToRect l="50000" t="50000" r="50000" b="50000"/>
+            </a:path>
+            <a:tileRect/>
+          </a:gradFill>
+          <a:ln>
+            <a:noFill/>
+          </a:ln>
+        </p:spPr>
+        <p:style>
+          <a:lnRef idx="2">
+            <a:schemeClr val="accent1">
+              <a:shade val="50000"/>
+            </a:schemeClr>
+          </a:lnRef>
+          <a:fillRef idx="1">
+            <a:schemeClr val="accent1"/>
+          </a:fillRef>
+          <a:effectRef idx="0">
+            <a:schemeClr val="accent1"/>
+          </a:effectRef>
+          <a:fontRef idx="minor">
+            <a:schemeClr val="lt1"/>
+          </a:fontRef>
+        </p:style>
+        <p:txBody>
+          <a:bodyPr rtlCol="0" anchor="ctr"/>
+          <a:lstStyle/>
+          <a:p>
+            <a:pPr algn="ctr"/>
+            <a:endParaRPr lang="fr-FR"/>
+          </a:p>
+        </p:txBody>
+      </p:sp>
     </p:spTree>
     <p:extLst>
       <p:ext uri="{BB962C8B-B14F-4D97-AF65-F5344CB8AC3E}">

--- a/Texture.pptx
+++ b/Texture.pptx
@@ -225,7 +225,7 @@
           <a:p>
             <a:fld id="{9C6E8CA1-8768-4FFA-A312-B81E8CE2B072}" type="datetimeFigureOut">
               <a:rPr lang="fr-FR" smtClean="0"/>
-              <a:t>25/08/2021</a:t>
+              <a:t>02/09/2021</a:t>
             </a:fld>
             <a:endParaRPr lang="fr-FR"/>
           </a:p>
@@ -1143,7 +1143,7 @@
           <a:p>
             <a:fld id="{4F39CA0E-E24C-46B9-BDEB-00D69BD4C068}" type="datetimeFigureOut">
               <a:rPr lang="fr-FR" smtClean="0"/>
-              <a:t>25/08/2021</a:t>
+              <a:t>02/09/2021</a:t>
             </a:fld>
             <a:endParaRPr lang="fr-FR"/>
           </a:p>
@@ -1341,7 +1341,7 @@
           <a:p>
             <a:fld id="{4F39CA0E-E24C-46B9-BDEB-00D69BD4C068}" type="datetimeFigureOut">
               <a:rPr lang="fr-FR" smtClean="0"/>
-              <a:t>25/08/2021</a:t>
+              <a:t>02/09/2021</a:t>
             </a:fld>
             <a:endParaRPr lang="fr-FR"/>
           </a:p>
@@ -1549,7 +1549,7 @@
           <a:p>
             <a:fld id="{4F39CA0E-E24C-46B9-BDEB-00D69BD4C068}" type="datetimeFigureOut">
               <a:rPr lang="fr-FR" smtClean="0"/>
-              <a:t>25/08/2021</a:t>
+              <a:t>02/09/2021</a:t>
             </a:fld>
             <a:endParaRPr lang="fr-FR"/>
           </a:p>
@@ -1747,7 +1747,7 @@
           <a:p>
             <a:fld id="{4F39CA0E-E24C-46B9-BDEB-00D69BD4C068}" type="datetimeFigureOut">
               <a:rPr lang="fr-FR" smtClean="0"/>
-              <a:t>25/08/2021</a:t>
+              <a:t>02/09/2021</a:t>
             </a:fld>
             <a:endParaRPr lang="fr-FR"/>
           </a:p>
@@ -2022,7 +2022,7 @@
           <a:p>
             <a:fld id="{4F39CA0E-E24C-46B9-BDEB-00D69BD4C068}" type="datetimeFigureOut">
               <a:rPr lang="fr-FR" smtClean="0"/>
-              <a:t>25/08/2021</a:t>
+              <a:t>02/09/2021</a:t>
             </a:fld>
             <a:endParaRPr lang="fr-FR"/>
           </a:p>
@@ -2287,7 +2287,7 @@
           <a:p>
             <a:fld id="{4F39CA0E-E24C-46B9-BDEB-00D69BD4C068}" type="datetimeFigureOut">
               <a:rPr lang="fr-FR" smtClean="0"/>
-              <a:t>25/08/2021</a:t>
+              <a:t>02/09/2021</a:t>
             </a:fld>
             <a:endParaRPr lang="fr-FR"/>
           </a:p>
@@ -2699,7 +2699,7 @@
           <a:p>
             <a:fld id="{4F39CA0E-E24C-46B9-BDEB-00D69BD4C068}" type="datetimeFigureOut">
               <a:rPr lang="fr-FR" smtClean="0"/>
-              <a:t>25/08/2021</a:t>
+              <a:t>02/09/2021</a:t>
             </a:fld>
             <a:endParaRPr lang="fr-FR"/>
           </a:p>
@@ -2840,7 +2840,7 @@
           <a:p>
             <a:fld id="{4F39CA0E-E24C-46B9-BDEB-00D69BD4C068}" type="datetimeFigureOut">
               <a:rPr lang="fr-FR" smtClean="0"/>
-              <a:t>25/08/2021</a:t>
+              <a:t>02/09/2021</a:t>
             </a:fld>
             <a:endParaRPr lang="fr-FR"/>
           </a:p>
@@ -2953,7 +2953,7 @@
           <a:p>
             <a:fld id="{4F39CA0E-E24C-46B9-BDEB-00D69BD4C068}" type="datetimeFigureOut">
               <a:rPr lang="fr-FR" smtClean="0"/>
-              <a:t>25/08/2021</a:t>
+              <a:t>02/09/2021</a:t>
             </a:fld>
             <a:endParaRPr lang="fr-FR"/>
           </a:p>
@@ -3264,7 +3264,7 @@
           <a:p>
             <a:fld id="{4F39CA0E-E24C-46B9-BDEB-00D69BD4C068}" type="datetimeFigureOut">
               <a:rPr lang="fr-FR" smtClean="0"/>
-              <a:t>25/08/2021</a:t>
+              <a:t>02/09/2021</a:t>
             </a:fld>
             <a:endParaRPr lang="fr-FR"/>
           </a:p>
@@ -3552,7 +3552,7 @@
           <a:p>
             <a:fld id="{4F39CA0E-E24C-46B9-BDEB-00D69BD4C068}" type="datetimeFigureOut">
               <a:rPr lang="fr-FR" smtClean="0"/>
-              <a:t>25/08/2021</a:t>
+              <a:t>02/09/2021</a:t>
             </a:fld>
             <a:endParaRPr lang="fr-FR"/>
           </a:p>
@@ -3793,7 +3793,7 @@
           <a:p>
             <a:fld id="{4F39CA0E-E24C-46B9-BDEB-00D69BD4C068}" type="datetimeFigureOut">
               <a:rPr lang="fr-FR" smtClean="0"/>
-              <a:t>25/08/2021</a:t>
+              <a:t>02/09/2021</a:t>
             </a:fld>
             <a:endParaRPr lang="fr-FR"/>
           </a:p>
@@ -8106,6 +8106,60 @@
           <a:p>
             <a:pPr algn="ctr"/>
             <a:endParaRPr lang="fr-FR" dirty="0"/>
+          </a:p>
+        </p:txBody>
+      </p:sp>
+      <p:sp>
+        <p:nvSpPr>
+          <p:cNvPr id="3" name="Rectangle 2">
+            <a:extLst>
+              <a:ext uri="{FF2B5EF4-FFF2-40B4-BE49-F238E27FC236}">
+                <a16:creationId xmlns:a16="http://schemas.microsoft.com/office/drawing/2014/main" id="{5F0FC482-A374-4787-B82C-12B4F9F7754D}"/>
+              </a:ext>
+            </a:extLst>
+          </p:cNvPr>
+          <p:cNvSpPr/>
+          <p:nvPr/>
+        </p:nvSpPr>
+        <p:spPr>
+          <a:xfrm>
+            <a:off x="2634470" y="1679524"/>
+            <a:ext cx="3600000" cy="3600000"/>
+          </a:xfrm>
+          <a:prstGeom prst="rect">
+            <a:avLst/>
+          </a:prstGeom>
+          <a:solidFill>
+            <a:schemeClr val="bg1"/>
+          </a:solidFill>
+          <a:ln>
+            <a:solidFill>
+              <a:schemeClr val="bg1"/>
+            </a:solidFill>
+          </a:ln>
+        </p:spPr>
+        <p:style>
+          <a:lnRef idx="2">
+            <a:schemeClr val="accent1">
+              <a:shade val="50000"/>
+            </a:schemeClr>
+          </a:lnRef>
+          <a:fillRef idx="1">
+            <a:schemeClr val="accent1"/>
+          </a:fillRef>
+          <a:effectRef idx="0">
+            <a:schemeClr val="accent1"/>
+          </a:effectRef>
+          <a:fontRef idx="minor">
+            <a:schemeClr val="lt1"/>
+          </a:fontRef>
+        </p:style>
+        <p:txBody>
+          <a:bodyPr rtlCol="0" anchor="ctr"/>
+          <a:lstStyle/>
+          <a:p>
+            <a:pPr algn="ctr"/>
+            <a:endParaRPr lang="fr-FR"/>
           </a:p>
         </p:txBody>
       </p:sp>

--- a/Texture.pptx
+++ b/Texture.pptx
@@ -5,19 +5,20 @@
     <p:sldMasterId id="2147483648" r:id="rId1"/>
   </p:sldMasterIdLst>
   <p:notesMasterIdLst>
-    <p:notesMasterId r:id="rId12"/>
+    <p:notesMasterId r:id="rId13"/>
   </p:notesMasterIdLst>
   <p:sldIdLst>
     <p:sldId id="256" r:id="rId2"/>
-    <p:sldId id="260" r:id="rId3"/>
-    <p:sldId id="262" r:id="rId4"/>
-    <p:sldId id="263" r:id="rId5"/>
-    <p:sldId id="264" r:id="rId6"/>
-    <p:sldId id="265" r:id="rId7"/>
-    <p:sldId id="261" r:id="rId8"/>
-    <p:sldId id="259" r:id="rId9"/>
-    <p:sldId id="257" r:id="rId10"/>
-    <p:sldId id="258" r:id="rId11"/>
+    <p:sldId id="266" r:id="rId3"/>
+    <p:sldId id="260" r:id="rId4"/>
+    <p:sldId id="262" r:id="rId5"/>
+    <p:sldId id="263" r:id="rId6"/>
+    <p:sldId id="264" r:id="rId7"/>
+    <p:sldId id="265" r:id="rId8"/>
+    <p:sldId id="261" r:id="rId9"/>
+    <p:sldId id="259" r:id="rId10"/>
+    <p:sldId id="257" r:id="rId11"/>
+    <p:sldId id="258" r:id="rId12"/>
   </p:sldIdLst>
   <p:sldSz cx="12192000" cy="6858000"/>
   <p:notesSz cx="6858000" cy="9144000"/>
@@ -557,7 +558,7 @@
           <a:p>
             <a:fld id="{435F1C26-CBF0-4BC4-AF4B-2F89C1A23B5E}" type="slidenum">
               <a:rPr lang="fr-FR" smtClean="0"/>
-              <a:t>2</a:t>
+              <a:t>3</a:t>
             </a:fld>
             <a:endParaRPr lang="fr-FR"/>
           </a:p>
@@ -641,7 +642,7 @@
           <a:p>
             <a:fld id="{435F1C26-CBF0-4BC4-AF4B-2F89C1A23B5E}" type="slidenum">
               <a:rPr lang="fr-FR" smtClean="0"/>
-              <a:t>3</a:t>
+              <a:t>4</a:t>
             </a:fld>
             <a:endParaRPr lang="fr-FR"/>
           </a:p>
@@ -725,7 +726,7 @@
           <a:p>
             <a:fld id="{435F1C26-CBF0-4BC4-AF4B-2F89C1A23B5E}" type="slidenum">
               <a:rPr lang="fr-FR" smtClean="0"/>
-              <a:t>4</a:t>
+              <a:t>5</a:t>
             </a:fld>
             <a:endParaRPr lang="fr-FR"/>
           </a:p>
@@ -809,7 +810,7 @@
           <a:p>
             <a:fld id="{435F1C26-CBF0-4BC4-AF4B-2F89C1A23B5E}" type="slidenum">
               <a:rPr lang="fr-FR" smtClean="0"/>
-              <a:t>5</a:t>
+              <a:t>6</a:t>
             </a:fld>
             <a:endParaRPr lang="fr-FR"/>
           </a:p>
@@ -893,7 +894,7 @@
           <a:p>
             <a:fld id="{435F1C26-CBF0-4BC4-AF4B-2F89C1A23B5E}" type="slidenum">
               <a:rPr lang="fr-FR" smtClean="0"/>
-              <a:t>6</a:t>
+              <a:t>7</a:t>
             </a:fld>
             <a:endParaRPr lang="fr-FR"/>
           </a:p>
@@ -977,7 +978,7 @@
           <a:p>
             <a:fld id="{435F1C26-CBF0-4BC4-AF4B-2F89C1A23B5E}" type="slidenum">
               <a:rPr lang="fr-FR" smtClean="0"/>
-              <a:t>7</a:t>
+              <a:t>8</a:t>
             </a:fld>
             <a:endParaRPr lang="fr-FR"/>
           </a:p>
@@ -4212,6 +4213,7922 @@
       </p:grpSpPr>
       <p:sp>
         <p:nvSpPr>
+          <p:cNvPr id="85" name="Ellipse 84">
+            <a:extLst>
+              <a:ext uri="{FF2B5EF4-FFF2-40B4-BE49-F238E27FC236}">
+                <a16:creationId xmlns:a16="http://schemas.microsoft.com/office/drawing/2014/main" id="{90101E95-56CA-465A-B75D-EBAF7C3A5A70}"/>
+              </a:ext>
+            </a:extLst>
+          </p:cNvPr>
+          <p:cNvSpPr/>
+          <p:nvPr/>
+        </p:nvSpPr>
+        <p:spPr>
+          <a:xfrm>
+            <a:off x="3438233" y="123794"/>
+            <a:ext cx="1800000" cy="1800000"/>
+          </a:xfrm>
+          <a:prstGeom prst="ellipse">
+            <a:avLst/>
+          </a:prstGeom>
+          <a:solidFill>
+            <a:schemeClr val="bg1"/>
+          </a:solidFill>
+          <a:ln w="101600">
+            <a:noFill/>
+          </a:ln>
+        </p:spPr>
+        <p:style>
+          <a:lnRef idx="2">
+            <a:schemeClr val="accent1">
+              <a:shade val="50000"/>
+            </a:schemeClr>
+          </a:lnRef>
+          <a:fillRef idx="1">
+            <a:schemeClr val="accent1"/>
+          </a:fillRef>
+          <a:effectRef idx="0">
+            <a:schemeClr val="accent1"/>
+          </a:effectRef>
+          <a:fontRef idx="minor">
+            <a:schemeClr val="lt1"/>
+          </a:fontRef>
+        </p:style>
+        <p:txBody>
+          <a:bodyPr rtlCol="0" anchor="ctr"/>
+          <a:lstStyle/>
+          <a:p>
+            <a:pPr algn="ctr"/>
+            <a:endParaRPr lang="fr-FR" dirty="0"/>
+          </a:p>
+        </p:txBody>
+      </p:sp>
+      <p:sp>
+        <p:nvSpPr>
+          <p:cNvPr id="88" name="Cylindre 87">
+            <a:extLst>
+              <a:ext uri="{FF2B5EF4-FFF2-40B4-BE49-F238E27FC236}">
+                <a16:creationId xmlns:a16="http://schemas.microsoft.com/office/drawing/2014/main" id="{11AE6854-A1E9-4729-A2C8-B2439F237B1D}"/>
+              </a:ext>
+            </a:extLst>
+          </p:cNvPr>
+          <p:cNvSpPr/>
+          <p:nvPr/>
+        </p:nvSpPr>
+        <p:spPr>
+          <a:xfrm>
+            <a:off x="1839702" y="4824955"/>
+            <a:ext cx="322031" cy="252000"/>
+          </a:xfrm>
+          <a:prstGeom prst="can">
+            <a:avLst/>
+          </a:prstGeom>
+          <a:solidFill>
+            <a:schemeClr val="bg1"/>
+          </a:solidFill>
+          <a:ln w="19050">
+            <a:solidFill>
+              <a:schemeClr val="tx1"/>
+            </a:solidFill>
+          </a:ln>
+        </p:spPr>
+        <p:style>
+          <a:lnRef idx="2">
+            <a:schemeClr val="accent1">
+              <a:shade val="50000"/>
+            </a:schemeClr>
+          </a:lnRef>
+          <a:fillRef idx="1">
+            <a:schemeClr val="accent1"/>
+          </a:fillRef>
+          <a:effectRef idx="0">
+            <a:schemeClr val="accent1"/>
+          </a:effectRef>
+          <a:fontRef idx="minor">
+            <a:schemeClr val="lt1"/>
+          </a:fontRef>
+        </p:style>
+        <p:txBody>
+          <a:bodyPr rtlCol="0" anchor="ctr"/>
+          <a:lstStyle/>
+          <a:p>
+            <a:pPr algn="ctr"/>
+            <a:endParaRPr lang="fr-FR"/>
+          </a:p>
+        </p:txBody>
+      </p:sp>
+      <p:sp>
+        <p:nvSpPr>
+          <p:cNvPr id="89" name="Cylindre 88">
+            <a:extLst>
+              <a:ext uri="{FF2B5EF4-FFF2-40B4-BE49-F238E27FC236}">
+                <a16:creationId xmlns:a16="http://schemas.microsoft.com/office/drawing/2014/main" id="{A33232A6-FEF3-44D7-A4A5-E6603D445A9D}"/>
+              </a:ext>
+            </a:extLst>
+          </p:cNvPr>
+          <p:cNvSpPr/>
+          <p:nvPr/>
+        </p:nvSpPr>
+        <p:spPr>
+          <a:xfrm>
+            <a:off x="1839702" y="4908365"/>
+            <a:ext cx="322031" cy="168274"/>
+          </a:xfrm>
+          <a:prstGeom prst="can">
+            <a:avLst>
+              <a:gd name="adj" fmla="val 50000"/>
+            </a:avLst>
+          </a:prstGeom>
+          <a:solidFill>
+            <a:schemeClr val="tx1"/>
+          </a:solidFill>
+          <a:ln w="19050">
+            <a:solidFill>
+              <a:schemeClr val="tx1"/>
+            </a:solidFill>
+          </a:ln>
+        </p:spPr>
+        <p:style>
+          <a:lnRef idx="2">
+            <a:schemeClr val="accent1">
+              <a:shade val="50000"/>
+            </a:schemeClr>
+          </a:lnRef>
+          <a:fillRef idx="1">
+            <a:schemeClr val="accent1"/>
+          </a:fillRef>
+          <a:effectRef idx="0">
+            <a:schemeClr val="accent1"/>
+          </a:effectRef>
+          <a:fontRef idx="minor">
+            <a:schemeClr val="lt1"/>
+          </a:fontRef>
+        </p:style>
+        <p:txBody>
+          <a:bodyPr rtlCol="0" anchor="ctr"/>
+          <a:lstStyle/>
+          <a:p>
+            <a:pPr algn="ctr"/>
+            <a:endParaRPr lang="fr-FR"/>
+          </a:p>
+        </p:txBody>
+      </p:sp>
+      <p:sp>
+        <p:nvSpPr>
+          <p:cNvPr id="90" name="Flèche : droite 89">
+            <a:extLst>
+              <a:ext uri="{FF2B5EF4-FFF2-40B4-BE49-F238E27FC236}">
+                <a16:creationId xmlns:a16="http://schemas.microsoft.com/office/drawing/2014/main" id="{30ADE900-1990-491D-BE92-BD366E1C195A}"/>
+              </a:ext>
+            </a:extLst>
+          </p:cNvPr>
+          <p:cNvSpPr/>
+          <p:nvPr/>
+        </p:nvSpPr>
+        <p:spPr>
+          <a:xfrm rot="16200000">
+            <a:off x="1939325" y="4847246"/>
+            <a:ext cx="122782" cy="113762"/>
+          </a:xfrm>
+          <a:prstGeom prst="rightArrow">
+            <a:avLst>
+              <a:gd name="adj1" fmla="val 50000"/>
+              <a:gd name="adj2" fmla="val 58725"/>
+            </a:avLst>
+          </a:prstGeom>
+          <a:solidFill>
+            <a:srgbClr val="666666"/>
+          </a:solidFill>
+          <a:ln>
+            <a:noFill/>
+          </a:ln>
+        </p:spPr>
+        <p:style>
+          <a:lnRef idx="2">
+            <a:schemeClr val="accent1">
+              <a:shade val="50000"/>
+            </a:schemeClr>
+          </a:lnRef>
+          <a:fillRef idx="1">
+            <a:schemeClr val="accent1"/>
+          </a:fillRef>
+          <a:effectRef idx="0">
+            <a:schemeClr val="accent1"/>
+          </a:effectRef>
+          <a:fontRef idx="minor">
+            <a:schemeClr val="lt1"/>
+          </a:fontRef>
+        </p:style>
+        <p:txBody>
+          <a:bodyPr rtlCol="0" anchor="ctr"/>
+          <a:lstStyle/>
+          <a:p>
+            <a:pPr algn="ctr"/>
+            <a:endParaRPr lang="fr-FR"/>
+          </a:p>
+        </p:txBody>
+      </p:sp>
+      <p:sp>
+        <p:nvSpPr>
+          <p:cNvPr id="92" name="Cylindre 91">
+            <a:extLst>
+              <a:ext uri="{FF2B5EF4-FFF2-40B4-BE49-F238E27FC236}">
+                <a16:creationId xmlns:a16="http://schemas.microsoft.com/office/drawing/2014/main" id="{6423AA14-3696-401E-A3C9-6EA4BDE3FD87}"/>
+              </a:ext>
+            </a:extLst>
+          </p:cNvPr>
+          <p:cNvSpPr/>
+          <p:nvPr/>
+        </p:nvSpPr>
+        <p:spPr>
+          <a:xfrm>
+            <a:off x="2755247" y="4572639"/>
+            <a:ext cx="322031" cy="504000"/>
+          </a:xfrm>
+          <a:prstGeom prst="can">
+            <a:avLst/>
+          </a:prstGeom>
+          <a:solidFill>
+            <a:schemeClr val="bg1"/>
+          </a:solidFill>
+          <a:ln w="19050">
+            <a:solidFill>
+              <a:schemeClr val="tx1"/>
+            </a:solidFill>
+          </a:ln>
+        </p:spPr>
+        <p:style>
+          <a:lnRef idx="2">
+            <a:schemeClr val="accent1">
+              <a:shade val="50000"/>
+            </a:schemeClr>
+          </a:lnRef>
+          <a:fillRef idx="1">
+            <a:schemeClr val="accent1"/>
+          </a:fillRef>
+          <a:effectRef idx="0">
+            <a:schemeClr val="accent1"/>
+          </a:effectRef>
+          <a:fontRef idx="minor">
+            <a:schemeClr val="lt1"/>
+          </a:fontRef>
+        </p:style>
+        <p:txBody>
+          <a:bodyPr rtlCol="0" anchor="ctr"/>
+          <a:lstStyle/>
+          <a:p>
+            <a:pPr algn="ctr"/>
+            <a:endParaRPr lang="fr-FR"/>
+          </a:p>
+        </p:txBody>
+      </p:sp>
+      <p:sp>
+        <p:nvSpPr>
+          <p:cNvPr id="93" name="Cylindre 92">
+            <a:extLst>
+              <a:ext uri="{FF2B5EF4-FFF2-40B4-BE49-F238E27FC236}">
+                <a16:creationId xmlns:a16="http://schemas.microsoft.com/office/drawing/2014/main" id="{3A0BB0AA-ECC6-4F57-BB75-61BD9FA7DAC9}"/>
+              </a:ext>
+            </a:extLst>
+          </p:cNvPr>
+          <p:cNvSpPr/>
+          <p:nvPr/>
+        </p:nvSpPr>
+        <p:spPr>
+          <a:xfrm>
+            <a:off x="2753699" y="4908365"/>
+            <a:ext cx="322031" cy="168274"/>
+          </a:xfrm>
+          <a:prstGeom prst="can">
+            <a:avLst>
+              <a:gd name="adj" fmla="val 50000"/>
+            </a:avLst>
+          </a:prstGeom>
+          <a:solidFill>
+            <a:schemeClr val="tx1"/>
+          </a:solidFill>
+          <a:ln w="19050">
+            <a:solidFill>
+              <a:schemeClr val="tx1"/>
+            </a:solidFill>
+          </a:ln>
+        </p:spPr>
+        <p:style>
+          <a:lnRef idx="2">
+            <a:schemeClr val="accent1">
+              <a:shade val="50000"/>
+            </a:schemeClr>
+          </a:lnRef>
+          <a:fillRef idx="1">
+            <a:schemeClr val="accent1"/>
+          </a:fillRef>
+          <a:effectRef idx="0">
+            <a:schemeClr val="accent1"/>
+          </a:effectRef>
+          <a:fontRef idx="minor">
+            <a:schemeClr val="lt1"/>
+          </a:fontRef>
+        </p:style>
+        <p:txBody>
+          <a:bodyPr rtlCol="0" anchor="ctr"/>
+          <a:lstStyle/>
+          <a:p>
+            <a:pPr algn="ctr"/>
+            <a:endParaRPr lang="fr-FR"/>
+          </a:p>
+        </p:txBody>
+      </p:sp>
+      <p:sp>
+        <p:nvSpPr>
+          <p:cNvPr id="96" name="Flèche : droite 95">
+            <a:extLst>
+              <a:ext uri="{FF2B5EF4-FFF2-40B4-BE49-F238E27FC236}">
+                <a16:creationId xmlns:a16="http://schemas.microsoft.com/office/drawing/2014/main" id="{37095DE4-6550-45A7-81EC-7058FAA87B66}"/>
+              </a:ext>
+            </a:extLst>
+          </p:cNvPr>
+          <p:cNvSpPr/>
+          <p:nvPr/>
+        </p:nvSpPr>
+        <p:spPr>
+          <a:xfrm rot="16200000">
+            <a:off x="2767484" y="4761408"/>
+            <a:ext cx="294458" cy="113762"/>
+          </a:xfrm>
+          <a:prstGeom prst="rightArrow">
+            <a:avLst>
+              <a:gd name="adj1" fmla="val 50000"/>
+              <a:gd name="adj2" fmla="val 58725"/>
+            </a:avLst>
+          </a:prstGeom>
+          <a:solidFill>
+            <a:srgbClr val="666666"/>
+          </a:solidFill>
+          <a:ln>
+            <a:noFill/>
+          </a:ln>
+        </p:spPr>
+        <p:style>
+          <a:lnRef idx="2">
+            <a:schemeClr val="accent1">
+              <a:shade val="50000"/>
+            </a:schemeClr>
+          </a:lnRef>
+          <a:fillRef idx="1">
+            <a:schemeClr val="accent1"/>
+          </a:fillRef>
+          <a:effectRef idx="0">
+            <a:schemeClr val="accent1"/>
+          </a:effectRef>
+          <a:fontRef idx="minor">
+            <a:schemeClr val="lt1"/>
+          </a:fontRef>
+        </p:style>
+        <p:txBody>
+          <a:bodyPr rtlCol="0" anchor="ctr"/>
+          <a:lstStyle/>
+          <a:p>
+            <a:pPr algn="ctr"/>
+            <a:endParaRPr lang="fr-FR"/>
+          </a:p>
+        </p:txBody>
+      </p:sp>
+      <p:sp>
+        <p:nvSpPr>
+          <p:cNvPr id="97" name="Cylindre 96">
+            <a:extLst>
+              <a:ext uri="{FF2B5EF4-FFF2-40B4-BE49-F238E27FC236}">
+                <a16:creationId xmlns:a16="http://schemas.microsoft.com/office/drawing/2014/main" id="{78253576-868A-4C25-A9BF-874AD9238987}"/>
+              </a:ext>
+            </a:extLst>
+          </p:cNvPr>
+          <p:cNvSpPr/>
+          <p:nvPr/>
+        </p:nvSpPr>
+        <p:spPr>
+          <a:xfrm>
+            <a:off x="2295153" y="4698639"/>
+            <a:ext cx="322031" cy="378000"/>
+          </a:xfrm>
+          <a:prstGeom prst="can">
+            <a:avLst/>
+          </a:prstGeom>
+          <a:solidFill>
+            <a:schemeClr val="bg1"/>
+          </a:solidFill>
+          <a:ln w="19050">
+            <a:solidFill>
+              <a:schemeClr val="tx1"/>
+            </a:solidFill>
+          </a:ln>
+        </p:spPr>
+        <p:style>
+          <a:lnRef idx="2">
+            <a:schemeClr val="accent1">
+              <a:shade val="50000"/>
+            </a:schemeClr>
+          </a:lnRef>
+          <a:fillRef idx="1">
+            <a:schemeClr val="accent1"/>
+          </a:fillRef>
+          <a:effectRef idx="0">
+            <a:schemeClr val="accent1"/>
+          </a:effectRef>
+          <a:fontRef idx="minor">
+            <a:schemeClr val="lt1"/>
+          </a:fontRef>
+        </p:style>
+        <p:txBody>
+          <a:bodyPr rtlCol="0" anchor="ctr"/>
+          <a:lstStyle/>
+          <a:p>
+            <a:pPr algn="ctr"/>
+            <a:endParaRPr lang="fr-FR"/>
+          </a:p>
+        </p:txBody>
+      </p:sp>
+      <p:sp>
+        <p:nvSpPr>
+          <p:cNvPr id="98" name="Cylindre 97">
+            <a:extLst>
+              <a:ext uri="{FF2B5EF4-FFF2-40B4-BE49-F238E27FC236}">
+                <a16:creationId xmlns:a16="http://schemas.microsoft.com/office/drawing/2014/main" id="{597B25B7-276C-4327-B60B-8B333A1B61B8}"/>
+              </a:ext>
+            </a:extLst>
+          </p:cNvPr>
+          <p:cNvSpPr/>
+          <p:nvPr/>
+        </p:nvSpPr>
+        <p:spPr>
+          <a:xfrm>
+            <a:off x="2295153" y="4908365"/>
+            <a:ext cx="322031" cy="168274"/>
+          </a:xfrm>
+          <a:prstGeom prst="can">
+            <a:avLst>
+              <a:gd name="adj" fmla="val 50000"/>
+            </a:avLst>
+          </a:prstGeom>
+          <a:solidFill>
+            <a:schemeClr val="tx1"/>
+          </a:solidFill>
+          <a:ln w="19050">
+            <a:solidFill>
+              <a:schemeClr val="tx1"/>
+            </a:solidFill>
+          </a:ln>
+        </p:spPr>
+        <p:style>
+          <a:lnRef idx="2">
+            <a:schemeClr val="accent1">
+              <a:shade val="50000"/>
+            </a:schemeClr>
+          </a:lnRef>
+          <a:fillRef idx="1">
+            <a:schemeClr val="accent1"/>
+          </a:fillRef>
+          <a:effectRef idx="0">
+            <a:schemeClr val="accent1"/>
+          </a:effectRef>
+          <a:fontRef idx="minor">
+            <a:schemeClr val="lt1"/>
+          </a:fontRef>
+        </p:style>
+        <p:txBody>
+          <a:bodyPr rtlCol="0" anchor="ctr"/>
+          <a:lstStyle/>
+          <a:p>
+            <a:pPr algn="ctr"/>
+            <a:endParaRPr lang="fr-FR"/>
+          </a:p>
+        </p:txBody>
+      </p:sp>
+      <p:sp>
+        <p:nvSpPr>
+          <p:cNvPr id="106" name="Flèche : droite 105">
+            <a:extLst>
+              <a:ext uri="{FF2B5EF4-FFF2-40B4-BE49-F238E27FC236}">
+                <a16:creationId xmlns:a16="http://schemas.microsoft.com/office/drawing/2014/main" id="{B7E59AAA-2C13-4454-A98F-18CD59B67E4F}"/>
+              </a:ext>
+            </a:extLst>
+          </p:cNvPr>
+          <p:cNvSpPr/>
+          <p:nvPr/>
+        </p:nvSpPr>
+        <p:spPr>
+          <a:xfrm rot="16200000">
+            <a:off x="2372030" y="4824499"/>
+            <a:ext cx="168274" cy="113762"/>
+          </a:xfrm>
+          <a:prstGeom prst="rightArrow">
+            <a:avLst>
+              <a:gd name="adj1" fmla="val 50000"/>
+              <a:gd name="adj2" fmla="val 58725"/>
+            </a:avLst>
+          </a:prstGeom>
+          <a:solidFill>
+            <a:srgbClr val="666666"/>
+          </a:solidFill>
+          <a:ln>
+            <a:noFill/>
+          </a:ln>
+        </p:spPr>
+        <p:style>
+          <a:lnRef idx="2">
+            <a:schemeClr val="accent1">
+              <a:shade val="50000"/>
+            </a:schemeClr>
+          </a:lnRef>
+          <a:fillRef idx="1">
+            <a:schemeClr val="accent1"/>
+          </a:fillRef>
+          <a:effectRef idx="0">
+            <a:schemeClr val="accent1"/>
+          </a:effectRef>
+          <a:fontRef idx="minor">
+            <a:schemeClr val="lt1"/>
+          </a:fontRef>
+        </p:style>
+        <p:txBody>
+          <a:bodyPr rtlCol="0" anchor="ctr"/>
+          <a:lstStyle/>
+          <a:p>
+            <a:pPr algn="ctr"/>
+            <a:endParaRPr lang="fr-FR"/>
+          </a:p>
+        </p:txBody>
+      </p:sp>
+      <p:sp>
+        <p:nvSpPr>
+          <p:cNvPr id="107" name="Cylindre 106">
+            <a:extLst>
+              <a:ext uri="{FF2B5EF4-FFF2-40B4-BE49-F238E27FC236}">
+                <a16:creationId xmlns:a16="http://schemas.microsoft.com/office/drawing/2014/main" id="{965AABE9-0929-47B4-B561-7AA2D70F4E32}"/>
+              </a:ext>
+            </a:extLst>
+          </p:cNvPr>
+          <p:cNvSpPr/>
+          <p:nvPr/>
+        </p:nvSpPr>
+        <p:spPr>
+          <a:xfrm>
+            <a:off x="3220338" y="4440647"/>
+            <a:ext cx="322031" cy="630000"/>
+          </a:xfrm>
+          <a:prstGeom prst="can">
+            <a:avLst/>
+          </a:prstGeom>
+          <a:solidFill>
+            <a:schemeClr val="bg1"/>
+          </a:solidFill>
+          <a:ln w="19050">
+            <a:solidFill>
+              <a:schemeClr val="tx1"/>
+            </a:solidFill>
+          </a:ln>
+        </p:spPr>
+        <p:style>
+          <a:lnRef idx="2">
+            <a:schemeClr val="accent1">
+              <a:shade val="50000"/>
+            </a:schemeClr>
+          </a:lnRef>
+          <a:fillRef idx="1">
+            <a:schemeClr val="accent1"/>
+          </a:fillRef>
+          <a:effectRef idx="0">
+            <a:schemeClr val="accent1"/>
+          </a:effectRef>
+          <a:fontRef idx="minor">
+            <a:schemeClr val="lt1"/>
+          </a:fontRef>
+        </p:style>
+        <p:txBody>
+          <a:bodyPr rtlCol="0" anchor="ctr"/>
+          <a:lstStyle/>
+          <a:p>
+            <a:pPr algn="ctr"/>
+            <a:endParaRPr lang="fr-FR"/>
+          </a:p>
+        </p:txBody>
+      </p:sp>
+      <p:sp>
+        <p:nvSpPr>
+          <p:cNvPr id="114" name="Cylindre 113">
+            <a:extLst>
+              <a:ext uri="{FF2B5EF4-FFF2-40B4-BE49-F238E27FC236}">
+                <a16:creationId xmlns:a16="http://schemas.microsoft.com/office/drawing/2014/main" id="{6FE0A46F-F5B1-4C92-BC99-A55E6C03576D}"/>
+              </a:ext>
+            </a:extLst>
+          </p:cNvPr>
+          <p:cNvSpPr/>
+          <p:nvPr/>
+        </p:nvSpPr>
+        <p:spPr>
+          <a:xfrm>
+            <a:off x="3220338" y="4902373"/>
+            <a:ext cx="322031" cy="168274"/>
+          </a:xfrm>
+          <a:prstGeom prst="can">
+            <a:avLst>
+              <a:gd name="adj" fmla="val 50000"/>
+            </a:avLst>
+          </a:prstGeom>
+          <a:solidFill>
+            <a:schemeClr val="tx1"/>
+          </a:solidFill>
+          <a:ln w="19050">
+            <a:solidFill>
+              <a:schemeClr val="tx1"/>
+            </a:solidFill>
+          </a:ln>
+        </p:spPr>
+        <p:style>
+          <a:lnRef idx="2">
+            <a:schemeClr val="accent1">
+              <a:shade val="50000"/>
+            </a:schemeClr>
+          </a:lnRef>
+          <a:fillRef idx="1">
+            <a:schemeClr val="accent1"/>
+          </a:fillRef>
+          <a:effectRef idx="0">
+            <a:schemeClr val="accent1"/>
+          </a:effectRef>
+          <a:fontRef idx="minor">
+            <a:schemeClr val="lt1"/>
+          </a:fontRef>
+        </p:style>
+        <p:txBody>
+          <a:bodyPr rtlCol="0" anchor="ctr"/>
+          <a:lstStyle/>
+          <a:p>
+            <a:pPr algn="ctr"/>
+            <a:endParaRPr lang="fr-FR"/>
+          </a:p>
+        </p:txBody>
+      </p:sp>
+      <p:sp>
+        <p:nvSpPr>
+          <p:cNvPr id="119" name="Flèche : droite 118">
+            <a:extLst>
+              <a:ext uri="{FF2B5EF4-FFF2-40B4-BE49-F238E27FC236}">
+                <a16:creationId xmlns:a16="http://schemas.microsoft.com/office/drawing/2014/main" id="{B3A1B13C-551D-4C79-BEFE-A80530C94E3D}"/>
+              </a:ext>
+            </a:extLst>
+          </p:cNvPr>
+          <p:cNvSpPr/>
+          <p:nvPr/>
+        </p:nvSpPr>
+        <p:spPr>
+          <a:xfrm rot="16200000">
+            <a:off x="3172349" y="4693642"/>
+            <a:ext cx="418006" cy="113762"/>
+          </a:xfrm>
+          <a:prstGeom prst="rightArrow">
+            <a:avLst>
+              <a:gd name="adj1" fmla="val 50000"/>
+              <a:gd name="adj2" fmla="val 58725"/>
+            </a:avLst>
+          </a:prstGeom>
+          <a:solidFill>
+            <a:srgbClr val="666666"/>
+          </a:solidFill>
+          <a:ln>
+            <a:noFill/>
+          </a:ln>
+        </p:spPr>
+        <p:style>
+          <a:lnRef idx="2">
+            <a:schemeClr val="accent1">
+              <a:shade val="50000"/>
+            </a:schemeClr>
+          </a:lnRef>
+          <a:fillRef idx="1">
+            <a:schemeClr val="accent1"/>
+          </a:fillRef>
+          <a:effectRef idx="0">
+            <a:schemeClr val="accent1"/>
+          </a:effectRef>
+          <a:fontRef idx="minor">
+            <a:schemeClr val="lt1"/>
+          </a:fontRef>
+        </p:style>
+        <p:txBody>
+          <a:bodyPr rtlCol="0" anchor="ctr"/>
+          <a:lstStyle/>
+          <a:p>
+            <a:pPr algn="ctr"/>
+            <a:endParaRPr lang="fr-FR"/>
+          </a:p>
+        </p:txBody>
+      </p:sp>
+      <p:grpSp>
+        <p:nvGrpSpPr>
+          <p:cNvPr id="122" name="Groupe 121">
+            <a:extLst>
+              <a:ext uri="{FF2B5EF4-FFF2-40B4-BE49-F238E27FC236}">
+                <a16:creationId xmlns:a16="http://schemas.microsoft.com/office/drawing/2014/main" id="{F5BF7E35-1EA2-435B-B860-403CC20F4788}"/>
+              </a:ext>
+            </a:extLst>
+          </p:cNvPr>
+          <p:cNvGrpSpPr/>
+          <p:nvPr/>
+        </p:nvGrpSpPr>
+        <p:grpSpPr>
+          <a:xfrm>
+            <a:off x="3707228" y="4328386"/>
+            <a:ext cx="322031" cy="738585"/>
+            <a:chOff x="3479275" y="3989881"/>
+            <a:chExt cx="322031" cy="738585"/>
+          </a:xfrm>
+        </p:grpSpPr>
+        <p:sp>
+          <p:nvSpPr>
+            <p:cNvPr id="123" name="Cylindre 122">
+              <a:extLst>
+                <a:ext uri="{FF2B5EF4-FFF2-40B4-BE49-F238E27FC236}">
+                  <a16:creationId xmlns:a16="http://schemas.microsoft.com/office/drawing/2014/main" id="{B017FF42-97C4-4F1A-A366-ADCD4496B51B}"/>
+                </a:ext>
+              </a:extLst>
+            </p:cNvPr>
+            <p:cNvSpPr/>
+            <p:nvPr/>
+          </p:nvSpPr>
+          <p:spPr>
+            <a:xfrm>
+              <a:off x="3479275" y="3989881"/>
+              <a:ext cx="322031" cy="734400"/>
+            </a:xfrm>
+            <a:prstGeom prst="can">
+              <a:avLst/>
+            </a:prstGeom>
+            <a:solidFill>
+              <a:schemeClr val="bg1"/>
+            </a:solidFill>
+            <a:ln w="19050">
+              <a:solidFill>
+                <a:schemeClr val="tx1"/>
+              </a:solidFill>
+            </a:ln>
+          </p:spPr>
+          <p:style>
+            <a:lnRef idx="2">
+              <a:schemeClr val="accent1">
+                <a:shade val="50000"/>
+              </a:schemeClr>
+            </a:lnRef>
+            <a:fillRef idx="1">
+              <a:schemeClr val="accent1"/>
+            </a:fillRef>
+            <a:effectRef idx="0">
+              <a:schemeClr val="accent1"/>
+            </a:effectRef>
+            <a:fontRef idx="minor">
+              <a:schemeClr val="lt1"/>
+            </a:fontRef>
+          </p:style>
+          <p:txBody>
+            <a:bodyPr rtlCol="0" anchor="ctr"/>
+            <a:lstStyle/>
+            <a:p>
+              <a:pPr algn="ctr"/>
+              <a:endParaRPr lang="fr-FR"/>
+            </a:p>
+          </p:txBody>
+        </p:sp>
+        <p:sp>
+          <p:nvSpPr>
+            <p:cNvPr id="128" name="Cylindre 127">
+              <a:extLst>
+                <a:ext uri="{FF2B5EF4-FFF2-40B4-BE49-F238E27FC236}">
+                  <a16:creationId xmlns:a16="http://schemas.microsoft.com/office/drawing/2014/main" id="{37763AE3-B83A-4B5F-A559-B44C65D34898}"/>
+                </a:ext>
+              </a:extLst>
+            </p:cNvPr>
+            <p:cNvSpPr/>
+            <p:nvPr/>
+          </p:nvSpPr>
+          <p:spPr>
+            <a:xfrm>
+              <a:off x="3479275" y="4560192"/>
+              <a:ext cx="322031" cy="168274"/>
+            </a:xfrm>
+            <a:prstGeom prst="can">
+              <a:avLst>
+                <a:gd name="adj" fmla="val 50000"/>
+              </a:avLst>
+            </a:prstGeom>
+            <a:solidFill>
+              <a:schemeClr val="tx1"/>
+            </a:solidFill>
+            <a:ln w="19050">
+              <a:solidFill>
+                <a:schemeClr val="tx1"/>
+              </a:solidFill>
+            </a:ln>
+          </p:spPr>
+          <p:style>
+            <a:lnRef idx="2">
+              <a:schemeClr val="accent1">
+                <a:shade val="50000"/>
+              </a:schemeClr>
+            </a:lnRef>
+            <a:fillRef idx="1">
+              <a:schemeClr val="accent1"/>
+            </a:fillRef>
+            <a:effectRef idx="0">
+              <a:schemeClr val="accent1"/>
+            </a:effectRef>
+            <a:fontRef idx="minor">
+              <a:schemeClr val="lt1"/>
+            </a:fontRef>
+          </p:style>
+          <p:txBody>
+            <a:bodyPr rtlCol="0" anchor="ctr"/>
+            <a:lstStyle/>
+            <a:p>
+              <a:pPr algn="ctr"/>
+              <a:endParaRPr lang="fr-FR"/>
+            </a:p>
+          </p:txBody>
+        </p:sp>
+        <p:sp>
+          <p:nvSpPr>
+            <p:cNvPr id="129" name="Flèche : droite 128">
+              <a:extLst>
+                <a:ext uri="{FF2B5EF4-FFF2-40B4-BE49-F238E27FC236}">
+                  <a16:creationId xmlns:a16="http://schemas.microsoft.com/office/drawing/2014/main" id="{94D177CB-81F9-485B-B606-152BB3BB1B8C}"/>
+                </a:ext>
+              </a:extLst>
+            </p:cNvPr>
+            <p:cNvSpPr/>
+            <p:nvPr/>
+          </p:nvSpPr>
+          <p:spPr>
+            <a:xfrm rot="16200000">
+              <a:off x="3382219" y="4289057"/>
+              <a:ext cx="516140" cy="113762"/>
+            </a:xfrm>
+            <a:prstGeom prst="rightArrow">
+              <a:avLst>
+                <a:gd name="adj1" fmla="val 50000"/>
+                <a:gd name="adj2" fmla="val 58725"/>
+              </a:avLst>
+            </a:prstGeom>
+            <a:solidFill>
+              <a:srgbClr val="666666"/>
+            </a:solidFill>
+            <a:ln>
+              <a:noFill/>
+            </a:ln>
+          </p:spPr>
+          <p:style>
+            <a:lnRef idx="2">
+              <a:schemeClr val="accent1">
+                <a:shade val="50000"/>
+              </a:schemeClr>
+            </a:lnRef>
+            <a:fillRef idx="1">
+              <a:schemeClr val="accent1"/>
+            </a:fillRef>
+            <a:effectRef idx="0">
+              <a:schemeClr val="accent1"/>
+            </a:effectRef>
+            <a:fontRef idx="minor">
+              <a:schemeClr val="lt1"/>
+            </a:fontRef>
+          </p:style>
+          <p:txBody>
+            <a:bodyPr rtlCol="0" anchor="ctr"/>
+            <a:lstStyle/>
+            <a:p>
+              <a:pPr algn="ctr"/>
+              <a:endParaRPr lang="fr-FR"/>
+            </a:p>
+          </p:txBody>
+        </p:sp>
+      </p:grpSp>
+      <p:sp>
+        <p:nvSpPr>
+          <p:cNvPr id="130" name="Cylindre 129">
+            <a:extLst>
+              <a:ext uri="{FF2B5EF4-FFF2-40B4-BE49-F238E27FC236}">
+                <a16:creationId xmlns:a16="http://schemas.microsoft.com/office/drawing/2014/main" id="{62AD8951-101F-424E-834F-02B8C7ECBBDF}"/>
+              </a:ext>
+            </a:extLst>
+          </p:cNvPr>
+          <p:cNvSpPr/>
+          <p:nvPr/>
+        </p:nvSpPr>
+        <p:spPr>
+          <a:xfrm>
+            <a:off x="1839702" y="5633097"/>
+            <a:ext cx="322031" cy="252000"/>
+          </a:xfrm>
+          <a:prstGeom prst="can">
+            <a:avLst/>
+          </a:prstGeom>
+          <a:solidFill>
+            <a:schemeClr val="tx1"/>
+          </a:solidFill>
+          <a:ln w="19050">
+            <a:solidFill>
+              <a:schemeClr val="tx1"/>
+            </a:solidFill>
+          </a:ln>
+        </p:spPr>
+        <p:style>
+          <a:lnRef idx="2">
+            <a:schemeClr val="accent1">
+              <a:shade val="50000"/>
+            </a:schemeClr>
+          </a:lnRef>
+          <a:fillRef idx="1">
+            <a:schemeClr val="accent1"/>
+          </a:fillRef>
+          <a:effectRef idx="0">
+            <a:schemeClr val="accent1"/>
+          </a:effectRef>
+          <a:fontRef idx="minor">
+            <a:schemeClr val="lt1"/>
+          </a:fontRef>
+        </p:style>
+        <p:txBody>
+          <a:bodyPr rtlCol="0" anchor="ctr"/>
+          <a:lstStyle/>
+          <a:p>
+            <a:pPr algn="ctr"/>
+            <a:endParaRPr lang="fr-FR"/>
+          </a:p>
+        </p:txBody>
+      </p:sp>
+      <p:sp>
+        <p:nvSpPr>
+          <p:cNvPr id="132" name="Cylindre 131">
+            <a:extLst>
+              <a:ext uri="{FF2B5EF4-FFF2-40B4-BE49-F238E27FC236}">
+                <a16:creationId xmlns:a16="http://schemas.microsoft.com/office/drawing/2014/main" id="{9707654A-D0D8-4E96-A1DD-2711E4ABD0FC}"/>
+              </a:ext>
+            </a:extLst>
+          </p:cNvPr>
+          <p:cNvSpPr/>
+          <p:nvPr/>
+        </p:nvSpPr>
+        <p:spPr>
+          <a:xfrm>
+            <a:off x="1839702" y="5716507"/>
+            <a:ext cx="322031" cy="168274"/>
+          </a:xfrm>
+          <a:prstGeom prst="can">
+            <a:avLst>
+              <a:gd name="adj" fmla="val 50000"/>
+            </a:avLst>
+          </a:prstGeom>
+          <a:solidFill>
+            <a:schemeClr val="bg1"/>
+          </a:solidFill>
+          <a:ln w="19050">
+            <a:solidFill>
+              <a:schemeClr val="tx1"/>
+            </a:solidFill>
+          </a:ln>
+        </p:spPr>
+        <p:style>
+          <a:lnRef idx="2">
+            <a:schemeClr val="accent1">
+              <a:shade val="50000"/>
+            </a:schemeClr>
+          </a:lnRef>
+          <a:fillRef idx="1">
+            <a:schemeClr val="accent1"/>
+          </a:fillRef>
+          <a:effectRef idx="0">
+            <a:schemeClr val="accent1"/>
+          </a:effectRef>
+          <a:fontRef idx="minor">
+            <a:schemeClr val="lt1"/>
+          </a:fontRef>
+        </p:style>
+        <p:txBody>
+          <a:bodyPr rtlCol="0" anchor="ctr"/>
+          <a:lstStyle/>
+          <a:p>
+            <a:pPr algn="ctr"/>
+            <a:endParaRPr lang="fr-FR"/>
+          </a:p>
+        </p:txBody>
+      </p:sp>
+      <p:sp>
+        <p:nvSpPr>
+          <p:cNvPr id="133" name="Flèche : droite 132">
+            <a:extLst>
+              <a:ext uri="{FF2B5EF4-FFF2-40B4-BE49-F238E27FC236}">
+                <a16:creationId xmlns:a16="http://schemas.microsoft.com/office/drawing/2014/main" id="{BE14F408-2372-4282-B3CD-107EB571E51E}"/>
+              </a:ext>
+            </a:extLst>
+          </p:cNvPr>
+          <p:cNvSpPr/>
+          <p:nvPr/>
+        </p:nvSpPr>
+        <p:spPr>
+          <a:xfrm rot="5400000">
+            <a:off x="1937221" y="5657493"/>
+            <a:ext cx="126989" cy="113762"/>
+          </a:xfrm>
+          <a:prstGeom prst="rightArrow">
+            <a:avLst>
+              <a:gd name="adj1" fmla="val 50000"/>
+              <a:gd name="adj2" fmla="val 58725"/>
+            </a:avLst>
+          </a:prstGeom>
+          <a:solidFill>
+            <a:srgbClr val="666666"/>
+          </a:solidFill>
+          <a:ln>
+            <a:noFill/>
+          </a:ln>
+        </p:spPr>
+        <p:style>
+          <a:lnRef idx="2">
+            <a:schemeClr val="accent1">
+              <a:shade val="50000"/>
+            </a:schemeClr>
+          </a:lnRef>
+          <a:fillRef idx="1">
+            <a:schemeClr val="accent1"/>
+          </a:fillRef>
+          <a:effectRef idx="0">
+            <a:schemeClr val="accent1"/>
+          </a:effectRef>
+          <a:fontRef idx="minor">
+            <a:schemeClr val="lt1"/>
+          </a:fontRef>
+        </p:style>
+        <p:txBody>
+          <a:bodyPr rtlCol="0" anchor="ctr"/>
+          <a:lstStyle/>
+          <a:p>
+            <a:pPr algn="ctr"/>
+            <a:endParaRPr lang="fr-FR"/>
+          </a:p>
+        </p:txBody>
+      </p:sp>
+      <p:sp>
+        <p:nvSpPr>
+          <p:cNvPr id="135" name="Cylindre 134">
+            <a:extLst>
+              <a:ext uri="{FF2B5EF4-FFF2-40B4-BE49-F238E27FC236}">
+                <a16:creationId xmlns:a16="http://schemas.microsoft.com/office/drawing/2014/main" id="{45967A3C-6197-4FB5-95FB-0AF7F42B6A04}"/>
+              </a:ext>
+            </a:extLst>
+          </p:cNvPr>
+          <p:cNvSpPr/>
+          <p:nvPr/>
+        </p:nvSpPr>
+        <p:spPr>
+          <a:xfrm>
+            <a:off x="2755247" y="5380781"/>
+            <a:ext cx="322031" cy="504000"/>
+          </a:xfrm>
+          <a:prstGeom prst="can">
+            <a:avLst/>
+          </a:prstGeom>
+          <a:solidFill>
+            <a:schemeClr val="tx1"/>
+          </a:solidFill>
+          <a:ln w="19050">
+            <a:solidFill>
+              <a:schemeClr val="tx1"/>
+            </a:solidFill>
+          </a:ln>
+        </p:spPr>
+        <p:style>
+          <a:lnRef idx="2">
+            <a:schemeClr val="accent1">
+              <a:shade val="50000"/>
+            </a:schemeClr>
+          </a:lnRef>
+          <a:fillRef idx="1">
+            <a:schemeClr val="accent1"/>
+          </a:fillRef>
+          <a:effectRef idx="0">
+            <a:schemeClr val="accent1"/>
+          </a:effectRef>
+          <a:fontRef idx="minor">
+            <a:schemeClr val="lt1"/>
+          </a:fontRef>
+        </p:style>
+        <p:txBody>
+          <a:bodyPr rtlCol="0" anchor="ctr"/>
+          <a:lstStyle/>
+          <a:p>
+            <a:pPr algn="ctr"/>
+            <a:endParaRPr lang="fr-FR"/>
+          </a:p>
+        </p:txBody>
+      </p:sp>
+      <p:sp>
+        <p:nvSpPr>
+          <p:cNvPr id="136" name="Cylindre 135">
+            <a:extLst>
+              <a:ext uri="{FF2B5EF4-FFF2-40B4-BE49-F238E27FC236}">
+                <a16:creationId xmlns:a16="http://schemas.microsoft.com/office/drawing/2014/main" id="{9F743910-3689-4DA5-AFE1-C959F046B7EB}"/>
+              </a:ext>
+            </a:extLst>
+          </p:cNvPr>
+          <p:cNvSpPr/>
+          <p:nvPr/>
+        </p:nvSpPr>
+        <p:spPr>
+          <a:xfrm>
+            <a:off x="2753699" y="5716507"/>
+            <a:ext cx="322031" cy="168274"/>
+          </a:xfrm>
+          <a:prstGeom prst="can">
+            <a:avLst>
+              <a:gd name="adj" fmla="val 50000"/>
+            </a:avLst>
+          </a:prstGeom>
+          <a:solidFill>
+            <a:schemeClr val="bg1"/>
+          </a:solidFill>
+          <a:ln w="19050">
+            <a:solidFill>
+              <a:schemeClr val="tx1"/>
+            </a:solidFill>
+          </a:ln>
+        </p:spPr>
+        <p:style>
+          <a:lnRef idx="2">
+            <a:schemeClr val="accent1">
+              <a:shade val="50000"/>
+            </a:schemeClr>
+          </a:lnRef>
+          <a:fillRef idx="1">
+            <a:schemeClr val="accent1"/>
+          </a:fillRef>
+          <a:effectRef idx="0">
+            <a:schemeClr val="accent1"/>
+          </a:effectRef>
+          <a:fontRef idx="minor">
+            <a:schemeClr val="lt1"/>
+          </a:fontRef>
+        </p:style>
+        <p:txBody>
+          <a:bodyPr rtlCol="0" anchor="ctr"/>
+          <a:lstStyle/>
+          <a:p>
+            <a:pPr algn="ctr"/>
+            <a:endParaRPr lang="fr-FR"/>
+          </a:p>
+        </p:txBody>
+      </p:sp>
+      <p:sp>
+        <p:nvSpPr>
+          <p:cNvPr id="150" name="Flèche : droite 149">
+            <a:extLst>
+              <a:ext uri="{FF2B5EF4-FFF2-40B4-BE49-F238E27FC236}">
+                <a16:creationId xmlns:a16="http://schemas.microsoft.com/office/drawing/2014/main" id="{C62E9F4D-176A-4619-B5F3-12522A1206CC}"/>
+              </a:ext>
+            </a:extLst>
+          </p:cNvPr>
+          <p:cNvSpPr/>
+          <p:nvPr/>
+        </p:nvSpPr>
+        <p:spPr>
+          <a:xfrm rot="5400000">
+            <a:off x="2769053" y="5504299"/>
+            <a:ext cx="291319" cy="113762"/>
+          </a:xfrm>
+          <a:prstGeom prst="rightArrow">
+            <a:avLst>
+              <a:gd name="adj1" fmla="val 50000"/>
+              <a:gd name="adj2" fmla="val 58725"/>
+            </a:avLst>
+          </a:prstGeom>
+          <a:solidFill>
+            <a:srgbClr val="666666"/>
+          </a:solidFill>
+          <a:ln>
+            <a:noFill/>
+          </a:ln>
+        </p:spPr>
+        <p:style>
+          <a:lnRef idx="2">
+            <a:schemeClr val="accent1">
+              <a:shade val="50000"/>
+            </a:schemeClr>
+          </a:lnRef>
+          <a:fillRef idx="1">
+            <a:schemeClr val="accent1"/>
+          </a:fillRef>
+          <a:effectRef idx="0">
+            <a:schemeClr val="accent1"/>
+          </a:effectRef>
+          <a:fontRef idx="minor">
+            <a:schemeClr val="lt1"/>
+          </a:fontRef>
+        </p:style>
+        <p:txBody>
+          <a:bodyPr rtlCol="0" anchor="ctr"/>
+          <a:lstStyle/>
+          <a:p>
+            <a:pPr algn="ctr"/>
+            <a:endParaRPr lang="fr-FR"/>
+          </a:p>
+        </p:txBody>
+      </p:sp>
+      <p:sp>
+        <p:nvSpPr>
+          <p:cNvPr id="151" name="Cylindre 150">
+            <a:extLst>
+              <a:ext uri="{FF2B5EF4-FFF2-40B4-BE49-F238E27FC236}">
+                <a16:creationId xmlns:a16="http://schemas.microsoft.com/office/drawing/2014/main" id="{BA9D53D6-9787-4386-A763-EA21B4BB1712}"/>
+              </a:ext>
+            </a:extLst>
+          </p:cNvPr>
+          <p:cNvSpPr/>
+          <p:nvPr/>
+        </p:nvSpPr>
+        <p:spPr>
+          <a:xfrm>
+            <a:off x="2295153" y="5506781"/>
+            <a:ext cx="322031" cy="378000"/>
+          </a:xfrm>
+          <a:prstGeom prst="can">
+            <a:avLst/>
+          </a:prstGeom>
+          <a:solidFill>
+            <a:schemeClr val="tx1"/>
+          </a:solidFill>
+          <a:ln w="19050">
+            <a:solidFill>
+              <a:schemeClr val="tx1"/>
+            </a:solidFill>
+          </a:ln>
+        </p:spPr>
+        <p:style>
+          <a:lnRef idx="2">
+            <a:schemeClr val="accent1">
+              <a:shade val="50000"/>
+            </a:schemeClr>
+          </a:lnRef>
+          <a:fillRef idx="1">
+            <a:schemeClr val="accent1"/>
+          </a:fillRef>
+          <a:effectRef idx="0">
+            <a:schemeClr val="accent1"/>
+          </a:effectRef>
+          <a:fontRef idx="minor">
+            <a:schemeClr val="lt1"/>
+          </a:fontRef>
+        </p:style>
+        <p:txBody>
+          <a:bodyPr rtlCol="0" anchor="ctr"/>
+          <a:lstStyle/>
+          <a:p>
+            <a:pPr algn="ctr"/>
+            <a:endParaRPr lang="fr-FR"/>
+          </a:p>
+        </p:txBody>
+      </p:sp>
+      <p:sp>
+        <p:nvSpPr>
+          <p:cNvPr id="152" name="Cylindre 151">
+            <a:extLst>
+              <a:ext uri="{FF2B5EF4-FFF2-40B4-BE49-F238E27FC236}">
+                <a16:creationId xmlns:a16="http://schemas.microsoft.com/office/drawing/2014/main" id="{6798A070-26B5-41B2-AF29-8BF0A259F1EA}"/>
+              </a:ext>
+            </a:extLst>
+          </p:cNvPr>
+          <p:cNvSpPr/>
+          <p:nvPr/>
+        </p:nvSpPr>
+        <p:spPr>
+          <a:xfrm>
+            <a:off x="2295153" y="5716507"/>
+            <a:ext cx="322031" cy="168274"/>
+          </a:xfrm>
+          <a:prstGeom prst="can">
+            <a:avLst>
+              <a:gd name="adj" fmla="val 50000"/>
+            </a:avLst>
+          </a:prstGeom>
+          <a:solidFill>
+            <a:schemeClr val="bg1"/>
+          </a:solidFill>
+          <a:ln w="19050">
+            <a:solidFill>
+              <a:schemeClr val="tx1"/>
+            </a:solidFill>
+          </a:ln>
+        </p:spPr>
+        <p:style>
+          <a:lnRef idx="2">
+            <a:schemeClr val="accent1">
+              <a:shade val="50000"/>
+            </a:schemeClr>
+          </a:lnRef>
+          <a:fillRef idx="1">
+            <a:schemeClr val="accent1"/>
+          </a:fillRef>
+          <a:effectRef idx="0">
+            <a:schemeClr val="accent1"/>
+          </a:effectRef>
+          <a:fontRef idx="minor">
+            <a:schemeClr val="lt1"/>
+          </a:fontRef>
+        </p:style>
+        <p:txBody>
+          <a:bodyPr rtlCol="0" anchor="ctr"/>
+          <a:lstStyle/>
+          <a:p>
+            <a:pPr algn="ctr"/>
+            <a:endParaRPr lang="fr-FR"/>
+          </a:p>
+        </p:txBody>
+      </p:sp>
+      <p:sp>
+        <p:nvSpPr>
+          <p:cNvPr id="153" name="Flèche : droite 152">
+            <a:extLst>
+              <a:ext uri="{FF2B5EF4-FFF2-40B4-BE49-F238E27FC236}">
+                <a16:creationId xmlns:a16="http://schemas.microsoft.com/office/drawing/2014/main" id="{5FA2FB29-9D97-4AD6-98B3-68DAC23F0078}"/>
+              </a:ext>
+            </a:extLst>
+          </p:cNvPr>
+          <p:cNvSpPr/>
+          <p:nvPr/>
+        </p:nvSpPr>
+        <p:spPr>
+          <a:xfrm rot="5400000">
+            <a:off x="2367795" y="5561589"/>
+            <a:ext cx="176744" cy="113762"/>
+          </a:xfrm>
+          <a:prstGeom prst="rightArrow">
+            <a:avLst>
+              <a:gd name="adj1" fmla="val 50000"/>
+              <a:gd name="adj2" fmla="val 58725"/>
+            </a:avLst>
+          </a:prstGeom>
+          <a:solidFill>
+            <a:srgbClr val="666666"/>
+          </a:solidFill>
+          <a:ln>
+            <a:noFill/>
+          </a:ln>
+        </p:spPr>
+        <p:style>
+          <a:lnRef idx="2">
+            <a:schemeClr val="accent1">
+              <a:shade val="50000"/>
+            </a:schemeClr>
+          </a:lnRef>
+          <a:fillRef idx="1">
+            <a:schemeClr val="accent1"/>
+          </a:fillRef>
+          <a:effectRef idx="0">
+            <a:schemeClr val="accent1"/>
+          </a:effectRef>
+          <a:fontRef idx="minor">
+            <a:schemeClr val="lt1"/>
+          </a:fontRef>
+        </p:style>
+        <p:txBody>
+          <a:bodyPr rtlCol="0" anchor="ctr"/>
+          <a:lstStyle/>
+          <a:p>
+            <a:pPr algn="ctr"/>
+            <a:endParaRPr lang="fr-FR"/>
+          </a:p>
+        </p:txBody>
+      </p:sp>
+      <p:sp>
+        <p:nvSpPr>
+          <p:cNvPr id="154" name="Cylindre 153">
+            <a:extLst>
+              <a:ext uri="{FF2B5EF4-FFF2-40B4-BE49-F238E27FC236}">
+                <a16:creationId xmlns:a16="http://schemas.microsoft.com/office/drawing/2014/main" id="{6596E2F5-F860-4A82-A5C5-864E15A166F8}"/>
+              </a:ext>
+            </a:extLst>
+          </p:cNvPr>
+          <p:cNvSpPr/>
+          <p:nvPr/>
+        </p:nvSpPr>
+        <p:spPr>
+          <a:xfrm>
+            <a:off x="3220338" y="5248789"/>
+            <a:ext cx="322031" cy="630000"/>
+          </a:xfrm>
+          <a:prstGeom prst="can">
+            <a:avLst/>
+          </a:prstGeom>
+          <a:solidFill>
+            <a:schemeClr val="tx1"/>
+          </a:solidFill>
+          <a:ln w="19050">
+            <a:solidFill>
+              <a:schemeClr val="tx1"/>
+            </a:solidFill>
+          </a:ln>
+        </p:spPr>
+        <p:style>
+          <a:lnRef idx="2">
+            <a:schemeClr val="accent1">
+              <a:shade val="50000"/>
+            </a:schemeClr>
+          </a:lnRef>
+          <a:fillRef idx="1">
+            <a:schemeClr val="accent1"/>
+          </a:fillRef>
+          <a:effectRef idx="0">
+            <a:schemeClr val="accent1"/>
+          </a:effectRef>
+          <a:fontRef idx="minor">
+            <a:schemeClr val="lt1"/>
+          </a:fontRef>
+        </p:style>
+        <p:txBody>
+          <a:bodyPr rtlCol="0" anchor="ctr"/>
+          <a:lstStyle/>
+          <a:p>
+            <a:pPr algn="ctr"/>
+            <a:endParaRPr lang="fr-FR"/>
+          </a:p>
+        </p:txBody>
+      </p:sp>
+      <p:sp>
+        <p:nvSpPr>
+          <p:cNvPr id="155" name="Cylindre 154">
+            <a:extLst>
+              <a:ext uri="{FF2B5EF4-FFF2-40B4-BE49-F238E27FC236}">
+                <a16:creationId xmlns:a16="http://schemas.microsoft.com/office/drawing/2014/main" id="{00D7B90E-D1F7-4386-AC88-86E25E57B0E9}"/>
+              </a:ext>
+            </a:extLst>
+          </p:cNvPr>
+          <p:cNvSpPr/>
+          <p:nvPr/>
+        </p:nvSpPr>
+        <p:spPr>
+          <a:xfrm>
+            <a:off x="3220338" y="5710515"/>
+            <a:ext cx="322031" cy="168274"/>
+          </a:xfrm>
+          <a:prstGeom prst="can">
+            <a:avLst>
+              <a:gd name="adj" fmla="val 50000"/>
+            </a:avLst>
+          </a:prstGeom>
+          <a:solidFill>
+            <a:schemeClr val="bg1"/>
+          </a:solidFill>
+          <a:ln w="19050">
+            <a:solidFill>
+              <a:schemeClr val="tx1"/>
+            </a:solidFill>
+          </a:ln>
+        </p:spPr>
+        <p:style>
+          <a:lnRef idx="2">
+            <a:schemeClr val="accent1">
+              <a:shade val="50000"/>
+            </a:schemeClr>
+          </a:lnRef>
+          <a:fillRef idx="1">
+            <a:schemeClr val="accent1"/>
+          </a:fillRef>
+          <a:effectRef idx="0">
+            <a:schemeClr val="accent1"/>
+          </a:effectRef>
+          <a:fontRef idx="minor">
+            <a:schemeClr val="lt1"/>
+          </a:fontRef>
+        </p:style>
+        <p:txBody>
+          <a:bodyPr rtlCol="0" anchor="ctr"/>
+          <a:lstStyle/>
+          <a:p>
+            <a:pPr algn="ctr"/>
+            <a:endParaRPr lang="fr-FR"/>
+          </a:p>
+        </p:txBody>
+      </p:sp>
+      <p:sp>
+        <p:nvSpPr>
+          <p:cNvPr id="156" name="Flèche : droite 155">
+            <a:extLst>
+              <a:ext uri="{FF2B5EF4-FFF2-40B4-BE49-F238E27FC236}">
+                <a16:creationId xmlns:a16="http://schemas.microsoft.com/office/drawing/2014/main" id="{1EC75EC8-B428-4E1F-B83A-E964E59FE8D0}"/>
+              </a:ext>
+            </a:extLst>
+          </p:cNvPr>
+          <p:cNvSpPr/>
+          <p:nvPr/>
+        </p:nvSpPr>
+        <p:spPr>
+          <a:xfrm rot="5400000">
+            <a:off x="3172074" y="5440680"/>
+            <a:ext cx="418556" cy="113762"/>
+          </a:xfrm>
+          <a:prstGeom prst="rightArrow">
+            <a:avLst>
+              <a:gd name="adj1" fmla="val 50000"/>
+              <a:gd name="adj2" fmla="val 58725"/>
+            </a:avLst>
+          </a:prstGeom>
+          <a:solidFill>
+            <a:srgbClr val="666666"/>
+          </a:solidFill>
+          <a:ln>
+            <a:noFill/>
+          </a:ln>
+        </p:spPr>
+        <p:style>
+          <a:lnRef idx="2">
+            <a:schemeClr val="accent1">
+              <a:shade val="50000"/>
+            </a:schemeClr>
+          </a:lnRef>
+          <a:fillRef idx="1">
+            <a:schemeClr val="accent1"/>
+          </a:fillRef>
+          <a:effectRef idx="0">
+            <a:schemeClr val="accent1"/>
+          </a:effectRef>
+          <a:fontRef idx="minor">
+            <a:schemeClr val="lt1"/>
+          </a:fontRef>
+        </p:style>
+        <p:txBody>
+          <a:bodyPr rtlCol="0" anchor="ctr"/>
+          <a:lstStyle/>
+          <a:p>
+            <a:pPr algn="ctr"/>
+            <a:endParaRPr lang="fr-FR"/>
+          </a:p>
+        </p:txBody>
+      </p:sp>
+      <p:sp>
+        <p:nvSpPr>
+          <p:cNvPr id="157" name="Cylindre 156">
+            <a:extLst>
+              <a:ext uri="{FF2B5EF4-FFF2-40B4-BE49-F238E27FC236}">
+                <a16:creationId xmlns:a16="http://schemas.microsoft.com/office/drawing/2014/main" id="{08A8BC6E-E4CD-4B13-BD9A-7B401FF40800}"/>
+              </a:ext>
+            </a:extLst>
+          </p:cNvPr>
+          <p:cNvSpPr/>
+          <p:nvPr/>
+        </p:nvSpPr>
+        <p:spPr>
+          <a:xfrm>
+            <a:off x="3707228" y="5136528"/>
+            <a:ext cx="322031" cy="734400"/>
+          </a:xfrm>
+          <a:prstGeom prst="can">
+            <a:avLst/>
+          </a:prstGeom>
+          <a:solidFill>
+            <a:schemeClr val="tx1"/>
+          </a:solidFill>
+          <a:ln w="19050">
+            <a:solidFill>
+              <a:schemeClr val="tx1"/>
+            </a:solidFill>
+          </a:ln>
+        </p:spPr>
+        <p:style>
+          <a:lnRef idx="2">
+            <a:schemeClr val="accent1">
+              <a:shade val="50000"/>
+            </a:schemeClr>
+          </a:lnRef>
+          <a:fillRef idx="1">
+            <a:schemeClr val="accent1"/>
+          </a:fillRef>
+          <a:effectRef idx="0">
+            <a:schemeClr val="accent1"/>
+          </a:effectRef>
+          <a:fontRef idx="minor">
+            <a:schemeClr val="lt1"/>
+          </a:fontRef>
+        </p:style>
+        <p:txBody>
+          <a:bodyPr rtlCol="0" anchor="ctr"/>
+          <a:lstStyle/>
+          <a:p>
+            <a:pPr algn="ctr"/>
+            <a:endParaRPr lang="fr-FR"/>
+          </a:p>
+        </p:txBody>
+      </p:sp>
+      <p:sp>
+        <p:nvSpPr>
+          <p:cNvPr id="158" name="Cylindre 157">
+            <a:extLst>
+              <a:ext uri="{FF2B5EF4-FFF2-40B4-BE49-F238E27FC236}">
+                <a16:creationId xmlns:a16="http://schemas.microsoft.com/office/drawing/2014/main" id="{179FCEEE-8FAD-4B74-93E7-5BB3ACA87237}"/>
+              </a:ext>
+            </a:extLst>
+          </p:cNvPr>
+          <p:cNvSpPr/>
+          <p:nvPr/>
+        </p:nvSpPr>
+        <p:spPr>
+          <a:xfrm>
+            <a:off x="3707228" y="5706839"/>
+            <a:ext cx="322031" cy="168274"/>
+          </a:xfrm>
+          <a:prstGeom prst="can">
+            <a:avLst>
+              <a:gd name="adj" fmla="val 50000"/>
+            </a:avLst>
+          </a:prstGeom>
+          <a:solidFill>
+            <a:schemeClr val="bg1"/>
+          </a:solidFill>
+          <a:ln w="19050">
+            <a:solidFill>
+              <a:schemeClr val="tx1"/>
+            </a:solidFill>
+          </a:ln>
+        </p:spPr>
+        <p:style>
+          <a:lnRef idx="2">
+            <a:schemeClr val="accent1">
+              <a:shade val="50000"/>
+            </a:schemeClr>
+          </a:lnRef>
+          <a:fillRef idx="1">
+            <a:schemeClr val="accent1"/>
+          </a:fillRef>
+          <a:effectRef idx="0">
+            <a:schemeClr val="accent1"/>
+          </a:effectRef>
+          <a:fontRef idx="minor">
+            <a:schemeClr val="lt1"/>
+          </a:fontRef>
+        </p:style>
+        <p:txBody>
+          <a:bodyPr rtlCol="0" anchor="ctr"/>
+          <a:lstStyle/>
+          <a:p>
+            <a:pPr algn="ctr"/>
+            <a:endParaRPr lang="fr-FR"/>
+          </a:p>
+        </p:txBody>
+      </p:sp>
+      <p:sp>
+        <p:nvSpPr>
+          <p:cNvPr id="159" name="Flèche : droite 158">
+            <a:extLst>
+              <a:ext uri="{FF2B5EF4-FFF2-40B4-BE49-F238E27FC236}">
+                <a16:creationId xmlns:a16="http://schemas.microsoft.com/office/drawing/2014/main" id="{F53D2A71-9D08-45B0-8A4B-96B8CE34EE05}"/>
+              </a:ext>
+            </a:extLst>
+          </p:cNvPr>
+          <p:cNvSpPr/>
+          <p:nvPr/>
+        </p:nvSpPr>
+        <p:spPr>
+          <a:xfrm rot="5400000">
+            <a:off x="3602187" y="5383905"/>
+            <a:ext cx="532110" cy="113762"/>
+          </a:xfrm>
+          <a:prstGeom prst="rightArrow">
+            <a:avLst>
+              <a:gd name="adj1" fmla="val 50000"/>
+              <a:gd name="adj2" fmla="val 58725"/>
+            </a:avLst>
+          </a:prstGeom>
+          <a:solidFill>
+            <a:srgbClr val="666666"/>
+          </a:solidFill>
+          <a:ln>
+            <a:noFill/>
+          </a:ln>
+        </p:spPr>
+        <p:style>
+          <a:lnRef idx="2">
+            <a:schemeClr val="accent1">
+              <a:shade val="50000"/>
+            </a:schemeClr>
+          </a:lnRef>
+          <a:fillRef idx="1">
+            <a:schemeClr val="accent1"/>
+          </a:fillRef>
+          <a:effectRef idx="0">
+            <a:schemeClr val="accent1"/>
+          </a:effectRef>
+          <a:fontRef idx="minor">
+            <a:schemeClr val="lt1"/>
+          </a:fontRef>
+        </p:style>
+        <p:txBody>
+          <a:bodyPr rtlCol="0" anchor="ctr"/>
+          <a:lstStyle/>
+          <a:p>
+            <a:pPr algn="ctr"/>
+            <a:endParaRPr lang="fr-FR" dirty="0"/>
+          </a:p>
+        </p:txBody>
+      </p:sp>
+      <p:grpSp>
+        <p:nvGrpSpPr>
+          <p:cNvPr id="160" name="Groupe 159">
+            <a:extLst>
+              <a:ext uri="{FF2B5EF4-FFF2-40B4-BE49-F238E27FC236}">
+                <a16:creationId xmlns:a16="http://schemas.microsoft.com/office/drawing/2014/main" id="{DCCCAB1F-80E8-4916-BF72-ABB2E75DBE51}"/>
+              </a:ext>
+            </a:extLst>
+          </p:cNvPr>
+          <p:cNvGrpSpPr/>
+          <p:nvPr/>
+        </p:nvGrpSpPr>
+        <p:grpSpPr>
+          <a:xfrm>
+            <a:off x="1081563" y="3120223"/>
+            <a:ext cx="323579" cy="504000"/>
+            <a:chOff x="1081563" y="3120223"/>
+            <a:chExt cx="323579" cy="504000"/>
+          </a:xfrm>
+        </p:grpSpPr>
+        <p:sp>
+          <p:nvSpPr>
+            <p:cNvPr id="161" name="Cylindre 160">
+              <a:extLst>
+                <a:ext uri="{FF2B5EF4-FFF2-40B4-BE49-F238E27FC236}">
+                  <a16:creationId xmlns:a16="http://schemas.microsoft.com/office/drawing/2014/main" id="{98D8356C-FAEC-4C12-931B-65D90CA6870E}"/>
+                </a:ext>
+              </a:extLst>
+            </p:cNvPr>
+            <p:cNvSpPr/>
+            <p:nvPr/>
+          </p:nvSpPr>
+          <p:spPr>
+            <a:xfrm>
+              <a:off x="1083111" y="3120223"/>
+              <a:ext cx="322031" cy="504000"/>
+            </a:xfrm>
+            <a:prstGeom prst="can">
+              <a:avLst/>
+            </a:prstGeom>
+            <a:solidFill>
+              <a:schemeClr val="bg1"/>
+            </a:solidFill>
+            <a:ln w="19050">
+              <a:solidFill>
+                <a:schemeClr val="tx1"/>
+              </a:solidFill>
+            </a:ln>
+          </p:spPr>
+          <p:style>
+            <a:lnRef idx="2">
+              <a:schemeClr val="accent1">
+                <a:shade val="50000"/>
+              </a:schemeClr>
+            </a:lnRef>
+            <a:fillRef idx="1">
+              <a:schemeClr val="accent1"/>
+            </a:fillRef>
+            <a:effectRef idx="0">
+              <a:schemeClr val="accent1"/>
+            </a:effectRef>
+            <a:fontRef idx="minor">
+              <a:schemeClr val="lt1"/>
+            </a:fontRef>
+          </p:style>
+          <p:txBody>
+            <a:bodyPr rtlCol="0" anchor="ctr"/>
+            <a:lstStyle/>
+            <a:p>
+              <a:pPr algn="ctr"/>
+              <a:endParaRPr lang="fr-FR"/>
+            </a:p>
+          </p:txBody>
+        </p:sp>
+        <p:sp>
+          <p:nvSpPr>
+            <p:cNvPr id="162" name="Cylindre 161">
+              <a:extLst>
+                <a:ext uri="{FF2B5EF4-FFF2-40B4-BE49-F238E27FC236}">
+                  <a16:creationId xmlns:a16="http://schemas.microsoft.com/office/drawing/2014/main" id="{4F65ACF9-2CC5-48FC-99E5-2FD3FD77AB7D}"/>
+                </a:ext>
+              </a:extLst>
+            </p:cNvPr>
+            <p:cNvSpPr/>
+            <p:nvPr/>
+          </p:nvSpPr>
+          <p:spPr>
+            <a:xfrm>
+              <a:off x="1081563" y="3455949"/>
+              <a:ext cx="322031" cy="168274"/>
+            </a:xfrm>
+            <a:prstGeom prst="can">
+              <a:avLst>
+                <a:gd name="adj" fmla="val 50000"/>
+              </a:avLst>
+            </a:prstGeom>
+            <a:solidFill>
+              <a:srgbClr val="C0D0EB"/>
+            </a:solidFill>
+            <a:ln w="19050">
+              <a:solidFill>
+                <a:schemeClr val="tx1"/>
+              </a:solidFill>
+            </a:ln>
+          </p:spPr>
+          <p:style>
+            <a:lnRef idx="2">
+              <a:schemeClr val="accent1">
+                <a:shade val="50000"/>
+              </a:schemeClr>
+            </a:lnRef>
+            <a:fillRef idx="1">
+              <a:schemeClr val="accent1"/>
+            </a:fillRef>
+            <a:effectRef idx="0">
+              <a:schemeClr val="accent1"/>
+            </a:effectRef>
+            <a:fontRef idx="minor">
+              <a:schemeClr val="lt1"/>
+            </a:fontRef>
+          </p:style>
+          <p:txBody>
+            <a:bodyPr rtlCol="0" anchor="ctr"/>
+            <a:lstStyle/>
+            <a:p>
+              <a:pPr algn="ctr"/>
+              <a:endParaRPr lang="fr-FR"/>
+            </a:p>
+          </p:txBody>
+        </p:sp>
+        <p:sp>
+          <p:nvSpPr>
+            <p:cNvPr id="163" name="Flèche : droite 162">
+              <a:extLst>
+                <a:ext uri="{FF2B5EF4-FFF2-40B4-BE49-F238E27FC236}">
+                  <a16:creationId xmlns:a16="http://schemas.microsoft.com/office/drawing/2014/main" id="{03D22986-0CEC-4023-9301-AE9E6514D069}"/>
+                </a:ext>
+              </a:extLst>
+            </p:cNvPr>
+            <p:cNvSpPr/>
+            <p:nvPr/>
+          </p:nvSpPr>
+          <p:spPr>
+            <a:xfrm rot="16200000">
+              <a:off x="1063507" y="3277151"/>
+              <a:ext cx="358140" cy="113762"/>
+            </a:xfrm>
+            <a:prstGeom prst="rightArrow">
+              <a:avLst>
+                <a:gd name="adj1" fmla="val 50000"/>
+                <a:gd name="adj2" fmla="val 58725"/>
+              </a:avLst>
+            </a:prstGeom>
+            <a:solidFill>
+              <a:schemeClr val="tx1"/>
+            </a:solidFill>
+            <a:ln>
+              <a:solidFill>
+                <a:schemeClr val="bg1"/>
+              </a:solidFill>
+            </a:ln>
+          </p:spPr>
+          <p:style>
+            <a:lnRef idx="2">
+              <a:schemeClr val="accent1">
+                <a:shade val="50000"/>
+              </a:schemeClr>
+            </a:lnRef>
+            <a:fillRef idx="1">
+              <a:schemeClr val="accent1"/>
+            </a:fillRef>
+            <a:effectRef idx="0">
+              <a:schemeClr val="accent1"/>
+            </a:effectRef>
+            <a:fontRef idx="minor">
+              <a:schemeClr val="lt1"/>
+            </a:fontRef>
+          </p:style>
+          <p:txBody>
+            <a:bodyPr rtlCol="0" anchor="ctr"/>
+            <a:lstStyle/>
+            <a:p>
+              <a:pPr algn="ctr"/>
+              <a:endParaRPr lang="fr-FR"/>
+            </a:p>
+          </p:txBody>
+        </p:sp>
+      </p:grpSp>
+      <p:grpSp>
+        <p:nvGrpSpPr>
+          <p:cNvPr id="164" name="Groupe 163">
+            <a:extLst>
+              <a:ext uri="{FF2B5EF4-FFF2-40B4-BE49-F238E27FC236}">
+                <a16:creationId xmlns:a16="http://schemas.microsoft.com/office/drawing/2014/main" id="{C256D8C3-3E33-40E2-A6CD-33EC52939109}"/>
+              </a:ext>
+            </a:extLst>
+          </p:cNvPr>
+          <p:cNvGrpSpPr/>
+          <p:nvPr/>
+        </p:nvGrpSpPr>
+        <p:grpSpPr>
+          <a:xfrm>
+            <a:off x="1548202" y="2988231"/>
+            <a:ext cx="322031" cy="630000"/>
+            <a:chOff x="1548202" y="2988231"/>
+            <a:chExt cx="322031" cy="630000"/>
+          </a:xfrm>
+        </p:grpSpPr>
+        <p:sp>
+          <p:nvSpPr>
+            <p:cNvPr id="165" name="Cylindre 164">
+              <a:extLst>
+                <a:ext uri="{FF2B5EF4-FFF2-40B4-BE49-F238E27FC236}">
+                  <a16:creationId xmlns:a16="http://schemas.microsoft.com/office/drawing/2014/main" id="{ED092B9C-E954-4BA5-857D-9836C9DA3A5F}"/>
+                </a:ext>
+              </a:extLst>
+            </p:cNvPr>
+            <p:cNvSpPr/>
+            <p:nvPr/>
+          </p:nvSpPr>
+          <p:spPr>
+            <a:xfrm>
+              <a:off x="1548202" y="2988231"/>
+              <a:ext cx="322031" cy="630000"/>
+            </a:xfrm>
+            <a:prstGeom prst="can">
+              <a:avLst/>
+            </a:prstGeom>
+            <a:solidFill>
+              <a:schemeClr val="bg1"/>
+            </a:solidFill>
+            <a:ln w="19050">
+              <a:solidFill>
+                <a:schemeClr val="tx1"/>
+              </a:solidFill>
+            </a:ln>
+          </p:spPr>
+          <p:style>
+            <a:lnRef idx="2">
+              <a:schemeClr val="accent1">
+                <a:shade val="50000"/>
+              </a:schemeClr>
+            </a:lnRef>
+            <a:fillRef idx="1">
+              <a:schemeClr val="accent1"/>
+            </a:fillRef>
+            <a:effectRef idx="0">
+              <a:schemeClr val="accent1"/>
+            </a:effectRef>
+            <a:fontRef idx="minor">
+              <a:schemeClr val="lt1"/>
+            </a:fontRef>
+          </p:style>
+          <p:txBody>
+            <a:bodyPr rtlCol="0" anchor="ctr"/>
+            <a:lstStyle/>
+            <a:p>
+              <a:pPr algn="ctr"/>
+              <a:endParaRPr lang="fr-FR"/>
+            </a:p>
+          </p:txBody>
+        </p:sp>
+        <p:sp>
+          <p:nvSpPr>
+            <p:cNvPr id="166" name="Cylindre 165">
+              <a:extLst>
+                <a:ext uri="{FF2B5EF4-FFF2-40B4-BE49-F238E27FC236}">
+                  <a16:creationId xmlns:a16="http://schemas.microsoft.com/office/drawing/2014/main" id="{DC6FE4DA-27DE-4309-8249-8065BAD895AF}"/>
+                </a:ext>
+              </a:extLst>
+            </p:cNvPr>
+            <p:cNvSpPr/>
+            <p:nvPr/>
+          </p:nvSpPr>
+          <p:spPr>
+            <a:xfrm>
+              <a:off x="1548202" y="3449957"/>
+              <a:ext cx="322031" cy="168274"/>
+            </a:xfrm>
+            <a:prstGeom prst="can">
+              <a:avLst>
+                <a:gd name="adj" fmla="val 50000"/>
+              </a:avLst>
+            </a:prstGeom>
+            <a:solidFill>
+              <a:srgbClr val="C0D0EB"/>
+            </a:solidFill>
+            <a:ln w="19050">
+              <a:solidFill>
+                <a:schemeClr val="tx1"/>
+              </a:solidFill>
+            </a:ln>
+          </p:spPr>
+          <p:style>
+            <a:lnRef idx="2">
+              <a:schemeClr val="accent1">
+                <a:shade val="50000"/>
+              </a:schemeClr>
+            </a:lnRef>
+            <a:fillRef idx="1">
+              <a:schemeClr val="accent1"/>
+            </a:fillRef>
+            <a:effectRef idx="0">
+              <a:schemeClr val="accent1"/>
+            </a:effectRef>
+            <a:fontRef idx="minor">
+              <a:schemeClr val="lt1"/>
+            </a:fontRef>
+          </p:style>
+          <p:txBody>
+            <a:bodyPr rtlCol="0" anchor="ctr"/>
+            <a:lstStyle/>
+            <a:p>
+              <a:pPr algn="ctr"/>
+              <a:endParaRPr lang="fr-FR"/>
+            </a:p>
+          </p:txBody>
+        </p:sp>
+        <p:sp>
+          <p:nvSpPr>
+            <p:cNvPr id="167" name="Flèche : droite 166">
+              <a:extLst>
+                <a:ext uri="{FF2B5EF4-FFF2-40B4-BE49-F238E27FC236}">
+                  <a16:creationId xmlns:a16="http://schemas.microsoft.com/office/drawing/2014/main" id="{704D8E4B-4A3A-4BB3-879E-213BED4D409B}"/>
+                </a:ext>
+              </a:extLst>
+            </p:cNvPr>
+            <p:cNvSpPr/>
+            <p:nvPr/>
+          </p:nvSpPr>
+          <p:spPr>
+            <a:xfrm rot="16200000">
+              <a:off x="1460890" y="3201904"/>
+              <a:ext cx="496651" cy="113762"/>
+            </a:xfrm>
+            <a:prstGeom prst="rightArrow">
+              <a:avLst>
+                <a:gd name="adj1" fmla="val 50000"/>
+                <a:gd name="adj2" fmla="val 58725"/>
+              </a:avLst>
+            </a:prstGeom>
+            <a:solidFill>
+              <a:schemeClr val="tx1"/>
+            </a:solidFill>
+            <a:ln>
+              <a:solidFill>
+                <a:schemeClr val="bg1"/>
+              </a:solidFill>
+            </a:ln>
+          </p:spPr>
+          <p:style>
+            <a:lnRef idx="2">
+              <a:schemeClr val="accent1">
+                <a:shade val="50000"/>
+              </a:schemeClr>
+            </a:lnRef>
+            <a:fillRef idx="1">
+              <a:schemeClr val="accent1"/>
+            </a:fillRef>
+            <a:effectRef idx="0">
+              <a:schemeClr val="accent1"/>
+            </a:effectRef>
+            <a:fontRef idx="minor">
+              <a:schemeClr val="lt1"/>
+            </a:fontRef>
+          </p:style>
+          <p:txBody>
+            <a:bodyPr rtlCol="0" anchor="ctr"/>
+            <a:lstStyle/>
+            <a:p>
+              <a:pPr algn="ctr"/>
+              <a:endParaRPr lang="fr-FR"/>
+            </a:p>
+          </p:txBody>
+        </p:sp>
+      </p:grpSp>
+      <p:grpSp>
+        <p:nvGrpSpPr>
+          <p:cNvPr id="168" name="Groupe 167">
+            <a:extLst>
+              <a:ext uri="{FF2B5EF4-FFF2-40B4-BE49-F238E27FC236}">
+                <a16:creationId xmlns:a16="http://schemas.microsoft.com/office/drawing/2014/main" id="{2E4B18A3-BA7E-4134-A688-ECFF47A84071}"/>
+              </a:ext>
+            </a:extLst>
+          </p:cNvPr>
+          <p:cNvGrpSpPr/>
+          <p:nvPr/>
+        </p:nvGrpSpPr>
+        <p:grpSpPr>
+          <a:xfrm>
+            <a:off x="167566" y="4180681"/>
+            <a:ext cx="322031" cy="252000"/>
+            <a:chOff x="167566" y="4180681"/>
+            <a:chExt cx="322031" cy="252000"/>
+          </a:xfrm>
+        </p:grpSpPr>
+        <p:sp>
+          <p:nvSpPr>
+            <p:cNvPr id="169" name="Cylindre 168">
+              <a:extLst>
+                <a:ext uri="{FF2B5EF4-FFF2-40B4-BE49-F238E27FC236}">
+                  <a16:creationId xmlns:a16="http://schemas.microsoft.com/office/drawing/2014/main" id="{28A30052-E99A-4781-BA75-34D43A2ED6FD}"/>
+                </a:ext>
+              </a:extLst>
+            </p:cNvPr>
+            <p:cNvSpPr/>
+            <p:nvPr/>
+          </p:nvSpPr>
+          <p:spPr>
+            <a:xfrm>
+              <a:off x="167566" y="4180681"/>
+              <a:ext cx="322031" cy="252000"/>
+            </a:xfrm>
+            <a:prstGeom prst="can">
+              <a:avLst/>
+            </a:prstGeom>
+            <a:solidFill>
+              <a:srgbClr val="C5D4EC"/>
+            </a:solidFill>
+            <a:ln w="19050">
+              <a:solidFill>
+                <a:schemeClr val="tx1"/>
+              </a:solidFill>
+            </a:ln>
+          </p:spPr>
+          <p:style>
+            <a:lnRef idx="2">
+              <a:schemeClr val="accent1">
+                <a:shade val="50000"/>
+              </a:schemeClr>
+            </a:lnRef>
+            <a:fillRef idx="1">
+              <a:schemeClr val="accent1"/>
+            </a:fillRef>
+            <a:effectRef idx="0">
+              <a:schemeClr val="accent1"/>
+            </a:effectRef>
+            <a:fontRef idx="minor">
+              <a:schemeClr val="lt1"/>
+            </a:fontRef>
+          </p:style>
+          <p:txBody>
+            <a:bodyPr rtlCol="0" anchor="ctr"/>
+            <a:lstStyle/>
+            <a:p>
+              <a:pPr algn="ctr"/>
+              <a:endParaRPr lang="fr-FR"/>
+            </a:p>
+          </p:txBody>
+        </p:sp>
+        <p:sp>
+          <p:nvSpPr>
+            <p:cNvPr id="170" name="Cylindre 169">
+              <a:extLst>
+                <a:ext uri="{FF2B5EF4-FFF2-40B4-BE49-F238E27FC236}">
+                  <a16:creationId xmlns:a16="http://schemas.microsoft.com/office/drawing/2014/main" id="{A9191022-E450-42AC-B89E-EC326BB662F3}"/>
+                </a:ext>
+              </a:extLst>
+            </p:cNvPr>
+            <p:cNvSpPr/>
+            <p:nvPr/>
+          </p:nvSpPr>
+          <p:spPr>
+            <a:xfrm>
+              <a:off x="167566" y="4264091"/>
+              <a:ext cx="322031" cy="168274"/>
+            </a:xfrm>
+            <a:prstGeom prst="can">
+              <a:avLst>
+                <a:gd name="adj" fmla="val 50000"/>
+              </a:avLst>
+            </a:prstGeom>
+            <a:solidFill>
+              <a:schemeClr val="bg1"/>
+            </a:solidFill>
+            <a:ln w="19050">
+              <a:solidFill>
+                <a:schemeClr val="tx1"/>
+              </a:solidFill>
+            </a:ln>
+          </p:spPr>
+          <p:style>
+            <a:lnRef idx="2">
+              <a:schemeClr val="accent1">
+                <a:shade val="50000"/>
+              </a:schemeClr>
+            </a:lnRef>
+            <a:fillRef idx="1">
+              <a:schemeClr val="accent1"/>
+            </a:fillRef>
+            <a:effectRef idx="0">
+              <a:schemeClr val="accent1"/>
+            </a:effectRef>
+            <a:fontRef idx="minor">
+              <a:schemeClr val="lt1"/>
+            </a:fontRef>
+          </p:style>
+          <p:txBody>
+            <a:bodyPr rtlCol="0" anchor="ctr"/>
+            <a:lstStyle/>
+            <a:p>
+              <a:pPr algn="ctr"/>
+              <a:endParaRPr lang="fr-FR"/>
+            </a:p>
+          </p:txBody>
+        </p:sp>
+        <p:sp>
+          <p:nvSpPr>
+            <p:cNvPr id="171" name="Flèche : droite 170">
+              <a:extLst>
+                <a:ext uri="{FF2B5EF4-FFF2-40B4-BE49-F238E27FC236}">
+                  <a16:creationId xmlns:a16="http://schemas.microsoft.com/office/drawing/2014/main" id="{ED028B20-B422-4104-AC16-55412B63A1EE}"/>
+                </a:ext>
+              </a:extLst>
+            </p:cNvPr>
+            <p:cNvSpPr/>
+            <p:nvPr/>
+          </p:nvSpPr>
+          <p:spPr>
+            <a:xfrm rot="5400000">
+              <a:off x="267189" y="4202972"/>
+              <a:ext cx="122782" cy="113762"/>
+            </a:xfrm>
+            <a:prstGeom prst="rightArrow">
+              <a:avLst>
+                <a:gd name="adj1" fmla="val 50000"/>
+                <a:gd name="adj2" fmla="val 58725"/>
+              </a:avLst>
+            </a:prstGeom>
+            <a:solidFill>
+              <a:schemeClr val="tx1"/>
+            </a:solidFill>
+            <a:ln>
+              <a:solidFill>
+                <a:schemeClr val="bg1"/>
+              </a:solidFill>
+            </a:ln>
+          </p:spPr>
+          <p:style>
+            <a:lnRef idx="2">
+              <a:schemeClr val="accent1">
+                <a:shade val="50000"/>
+              </a:schemeClr>
+            </a:lnRef>
+            <a:fillRef idx="1">
+              <a:schemeClr val="accent1"/>
+            </a:fillRef>
+            <a:effectRef idx="0">
+              <a:schemeClr val="accent1"/>
+            </a:effectRef>
+            <a:fontRef idx="minor">
+              <a:schemeClr val="lt1"/>
+            </a:fontRef>
+          </p:style>
+          <p:txBody>
+            <a:bodyPr rtlCol="0" anchor="ctr"/>
+            <a:lstStyle/>
+            <a:p>
+              <a:pPr algn="ctr"/>
+              <a:endParaRPr lang="fr-FR"/>
+            </a:p>
+          </p:txBody>
+        </p:sp>
+      </p:grpSp>
+      <p:grpSp>
+        <p:nvGrpSpPr>
+          <p:cNvPr id="172" name="Groupe 171">
+            <a:extLst>
+              <a:ext uri="{FF2B5EF4-FFF2-40B4-BE49-F238E27FC236}">
+                <a16:creationId xmlns:a16="http://schemas.microsoft.com/office/drawing/2014/main" id="{D356D43F-C3E6-41F9-AE79-C8F913B5740A}"/>
+              </a:ext>
+            </a:extLst>
+          </p:cNvPr>
+          <p:cNvGrpSpPr/>
+          <p:nvPr/>
+        </p:nvGrpSpPr>
+        <p:grpSpPr>
+          <a:xfrm>
+            <a:off x="1081563" y="3928365"/>
+            <a:ext cx="323579" cy="504000"/>
+            <a:chOff x="1081563" y="3928365"/>
+            <a:chExt cx="323579" cy="504000"/>
+          </a:xfrm>
+        </p:grpSpPr>
+        <p:sp>
+          <p:nvSpPr>
+            <p:cNvPr id="173" name="Cylindre 172">
+              <a:extLst>
+                <a:ext uri="{FF2B5EF4-FFF2-40B4-BE49-F238E27FC236}">
+                  <a16:creationId xmlns:a16="http://schemas.microsoft.com/office/drawing/2014/main" id="{E53D1ACF-FE82-4108-9321-A2E5D9EC28F5}"/>
+                </a:ext>
+              </a:extLst>
+            </p:cNvPr>
+            <p:cNvSpPr/>
+            <p:nvPr/>
+          </p:nvSpPr>
+          <p:spPr>
+            <a:xfrm>
+              <a:off x="1083111" y="3928365"/>
+              <a:ext cx="322031" cy="504000"/>
+            </a:xfrm>
+            <a:prstGeom prst="can">
+              <a:avLst/>
+            </a:prstGeom>
+            <a:solidFill>
+              <a:srgbClr val="C5D4EC"/>
+            </a:solidFill>
+            <a:ln w="19050">
+              <a:solidFill>
+                <a:schemeClr val="tx1"/>
+              </a:solidFill>
+            </a:ln>
+          </p:spPr>
+          <p:style>
+            <a:lnRef idx="2">
+              <a:schemeClr val="accent1">
+                <a:shade val="50000"/>
+              </a:schemeClr>
+            </a:lnRef>
+            <a:fillRef idx="1">
+              <a:schemeClr val="accent1"/>
+            </a:fillRef>
+            <a:effectRef idx="0">
+              <a:schemeClr val="accent1"/>
+            </a:effectRef>
+            <a:fontRef idx="minor">
+              <a:schemeClr val="lt1"/>
+            </a:fontRef>
+          </p:style>
+          <p:txBody>
+            <a:bodyPr rtlCol="0" anchor="ctr"/>
+            <a:lstStyle/>
+            <a:p>
+              <a:pPr algn="ctr"/>
+              <a:endParaRPr lang="fr-FR"/>
+            </a:p>
+          </p:txBody>
+        </p:sp>
+        <p:sp>
+          <p:nvSpPr>
+            <p:cNvPr id="174" name="Cylindre 173">
+              <a:extLst>
+                <a:ext uri="{FF2B5EF4-FFF2-40B4-BE49-F238E27FC236}">
+                  <a16:creationId xmlns:a16="http://schemas.microsoft.com/office/drawing/2014/main" id="{D32F8248-41C3-428A-829E-A009E106F1BE}"/>
+                </a:ext>
+              </a:extLst>
+            </p:cNvPr>
+            <p:cNvSpPr/>
+            <p:nvPr/>
+          </p:nvSpPr>
+          <p:spPr>
+            <a:xfrm>
+              <a:off x="1081563" y="4264091"/>
+              <a:ext cx="322031" cy="168274"/>
+            </a:xfrm>
+            <a:prstGeom prst="can">
+              <a:avLst>
+                <a:gd name="adj" fmla="val 50000"/>
+              </a:avLst>
+            </a:prstGeom>
+            <a:solidFill>
+              <a:schemeClr val="bg1"/>
+            </a:solidFill>
+            <a:ln w="19050">
+              <a:solidFill>
+                <a:schemeClr val="tx1"/>
+              </a:solidFill>
+            </a:ln>
+          </p:spPr>
+          <p:style>
+            <a:lnRef idx="2">
+              <a:schemeClr val="accent1">
+                <a:shade val="50000"/>
+              </a:schemeClr>
+            </a:lnRef>
+            <a:fillRef idx="1">
+              <a:schemeClr val="accent1"/>
+            </a:fillRef>
+            <a:effectRef idx="0">
+              <a:schemeClr val="accent1"/>
+            </a:effectRef>
+            <a:fontRef idx="minor">
+              <a:schemeClr val="lt1"/>
+            </a:fontRef>
+          </p:style>
+          <p:txBody>
+            <a:bodyPr rtlCol="0" anchor="ctr"/>
+            <a:lstStyle/>
+            <a:p>
+              <a:pPr algn="ctr"/>
+              <a:endParaRPr lang="fr-FR"/>
+            </a:p>
+          </p:txBody>
+        </p:sp>
+        <p:sp>
+          <p:nvSpPr>
+            <p:cNvPr id="175" name="Flèche : droite 174">
+              <a:extLst>
+                <a:ext uri="{FF2B5EF4-FFF2-40B4-BE49-F238E27FC236}">
+                  <a16:creationId xmlns:a16="http://schemas.microsoft.com/office/drawing/2014/main" id="{14F3D1A1-4788-4530-A893-24C66C572EDB}"/>
+                </a:ext>
+              </a:extLst>
+            </p:cNvPr>
+            <p:cNvSpPr/>
+            <p:nvPr/>
+          </p:nvSpPr>
+          <p:spPr>
+            <a:xfrm rot="5400000">
+              <a:off x="1063507" y="4085293"/>
+              <a:ext cx="358140" cy="113762"/>
+            </a:xfrm>
+            <a:prstGeom prst="rightArrow">
+              <a:avLst>
+                <a:gd name="adj1" fmla="val 50000"/>
+                <a:gd name="adj2" fmla="val 58725"/>
+              </a:avLst>
+            </a:prstGeom>
+            <a:solidFill>
+              <a:schemeClr val="tx1"/>
+            </a:solidFill>
+            <a:ln>
+              <a:solidFill>
+                <a:schemeClr val="bg1"/>
+              </a:solidFill>
+            </a:ln>
+          </p:spPr>
+          <p:style>
+            <a:lnRef idx="2">
+              <a:schemeClr val="accent1">
+                <a:shade val="50000"/>
+              </a:schemeClr>
+            </a:lnRef>
+            <a:fillRef idx="1">
+              <a:schemeClr val="accent1"/>
+            </a:fillRef>
+            <a:effectRef idx="0">
+              <a:schemeClr val="accent1"/>
+            </a:effectRef>
+            <a:fontRef idx="minor">
+              <a:schemeClr val="lt1"/>
+            </a:fontRef>
+          </p:style>
+          <p:txBody>
+            <a:bodyPr rtlCol="0" anchor="ctr"/>
+            <a:lstStyle/>
+            <a:p>
+              <a:pPr algn="ctr"/>
+              <a:endParaRPr lang="fr-FR"/>
+            </a:p>
+          </p:txBody>
+        </p:sp>
+      </p:grpSp>
+      <p:grpSp>
+        <p:nvGrpSpPr>
+          <p:cNvPr id="176" name="Groupe 175">
+            <a:extLst>
+              <a:ext uri="{FF2B5EF4-FFF2-40B4-BE49-F238E27FC236}">
+                <a16:creationId xmlns:a16="http://schemas.microsoft.com/office/drawing/2014/main" id="{83A05132-4FF9-4E82-907B-7DFDDCAAA66E}"/>
+              </a:ext>
+            </a:extLst>
+          </p:cNvPr>
+          <p:cNvGrpSpPr/>
+          <p:nvPr/>
+        </p:nvGrpSpPr>
+        <p:grpSpPr>
+          <a:xfrm>
+            <a:off x="623017" y="4054365"/>
+            <a:ext cx="322031" cy="378000"/>
+            <a:chOff x="623017" y="4054365"/>
+            <a:chExt cx="322031" cy="378000"/>
+          </a:xfrm>
+        </p:grpSpPr>
+        <p:sp>
+          <p:nvSpPr>
+            <p:cNvPr id="177" name="Cylindre 176">
+              <a:extLst>
+                <a:ext uri="{FF2B5EF4-FFF2-40B4-BE49-F238E27FC236}">
+                  <a16:creationId xmlns:a16="http://schemas.microsoft.com/office/drawing/2014/main" id="{AF0234F9-1D13-4B1C-90B5-3D3B1FB7003A}"/>
+                </a:ext>
+              </a:extLst>
+            </p:cNvPr>
+            <p:cNvSpPr/>
+            <p:nvPr/>
+          </p:nvSpPr>
+          <p:spPr>
+            <a:xfrm>
+              <a:off x="623017" y="4054365"/>
+              <a:ext cx="322031" cy="378000"/>
+            </a:xfrm>
+            <a:prstGeom prst="can">
+              <a:avLst/>
+            </a:prstGeom>
+            <a:solidFill>
+              <a:srgbClr val="C5D4EC"/>
+            </a:solidFill>
+            <a:ln w="19050">
+              <a:solidFill>
+                <a:schemeClr val="tx1"/>
+              </a:solidFill>
+            </a:ln>
+          </p:spPr>
+          <p:style>
+            <a:lnRef idx="2">
+              <a:schemeClr val="accent1">
+                <a:shade val="50000"/>
+              </a:schemeClr>
+            </a:lnRef>
+            <a:fillRef idx="1">
+              <a:schemeClr val="accent1"/>
+            </a:fillRef>
+            <a:effectRef idx="0">
+              <a:schemeClr val="accent1"/>
+            </a:effectRef>
+            <a:fontRef idx="minor">
+              <a:schemeClr val="lt1"/>
+            </a:fontRef>
+          </p:style>
+          <p:txBody>
+            <a:bodyPr rtlCol="0" anchor="ctr"/>
+            <a:lstStyle/>
+            <a:p>
+              <a:pPr algn="ctr"/>
+              <a:endParaRPr lang="fr-FR"/>
+            </a:p>
+          </p:txBody>
+        </p:sp>
+        <p:sp>
+          <p:nvSpPr>
+            <p:cNvPr id="178" name="Cylindre 177">
+              <a:extLst>
+                <a:ext uri="{FF2B5EF4-FFF2-40B4-BE49-F238E27FC236}">
+                  <a16:creationId xmlns:a16="http://schemas.microsoft.com/office/drawing/2014/main" id="{87603D88-DC71-4EF5-A118-C9283E051036}"/>
+                </a:ext>
+              </a:extLst>
+            </p:cNvPr>
+            <p:cNvSpPr/>
+            <p:nvPr/>
+          </p:nvSpPr>
+          <p:spPr>
+            <a:xfrm>
+              <a:off x="623017" y="4264091"/>
+              <a:ext cx="322031" cy="168274"/>
+            </a:xfrm>
+            <a:prstGeom prst="can">
+              <a:avLst>
+                <a:gd name="adj" fmla="val 50000"/>
+              </a:avLst>
+            </a:prstGeom>
+            <a:solidFill>
+              <a:schemeClr val="bg1"/>
+            </a:solidFill>
+            <a:ln w="19050">
+              <a:solidFill>
+                <a:schemeClr val="tx1"/>
+              </a:solidFill>
+            </a:ln>
+          </p:spPr>
+          <p:style>
+            <a:lnRef idx="2">
+              <a:schemeClr val="accent1">
+                <a:shade val="50000"/>
+              </a:schemeClr>
+            </a:lnRef>
+            <a:fillRef idx="1">
+              <a:schemeClr val="accent1"/>
+            </a:fillRef>
+            <a:effectRef idx="0">
+              <a:schemeClr val="accent1"/>
+            </a:effectRef>
+            <a:fontRef idx="minor">
+              <a:schemeClr val="lt1"/>
+            </a:fontRef>
+          </p:style>
+          <p:txBody>
+            <a:bodyPr rtlCol="0" anchor="ctr"/>
+            <a:lstStyle/>
+            <a:p>
+              <a:pPr algn="ctr"/>
+              <a:endParaRPr lang="fr-FR"/>
+            </a:p>
+          </p:txBody>
+        </p:sp>
+        <p:sp>
+          <p:nvSpPr>
+            <p:cNvPr id="179" name="Flèche : droite 178">
+              <a:extLst>
+                <a:ext uri="{FF2B5EF4-FFF2-40B4-BE49-F238E27FC236}">
+                  <a16:creationId xmlns:a16="http://schemas.microsoft.com/office/drawing/2014/main" id="{DB917ED7-B066-48AD-A383-37F5C74A1D03}"/>
+                </a:ext>
+              </a:extLst>
+            </p:cNvPr>
+            <p:cNvSpPr/>
+            <p:nvPr/>
+          </p:nvSpPr>
+          <p:spPr>
+            <a:xfrm rot="5400000">
+              <a:off x="662249" y="4142581"/>
+              <a:ext cx="243563" cy="113762"/>
+            </a:xfrm>
+            <a:prstGeom prst="rightArrow">
+              <a:avLst>
+                <a:gd name="adj1" fmla="val 50000"/>
+                <a:gd name="adj2" fmla="val 58725"/>
+              </a:avLst>
+            </a:prstGeom>
+            <a:solidFill>
+              <a:schemeClr val="tx1"/>
+            </a:solidFill>
+            <a:ln>
+              <a:solidFill>
+                <a:schemeClr val="bg1"/>
+              </a:solidFill>
+            </a:ln>
+          </p:spPr>
+          <p:style>
+            <a:lnRef idx="2">
+              <a:schemeClr val="accent1">
+                <a:shade val="50000"/>
+              </a:schemeClr>
+            </a:lnRef>
+            <a:fillRef idx="1">
+              <a:schemeClr val="accent1"/>
+            </a:fillRef>
+            <a:effectRef idx="0">
+              <a:schemeClr val="accent1"/>
+            </a:effectRef>
+            <a:fontRef idx="minor">
+              <a:schemeClr val="lt1"/>
+            </a:fontRef>
+          </p:style>
+          <p:txBody>
+            <a:bodyPr rtlCol="0" anchor="ctr"/>
+            <a:lstStyle/>
+            <a:p>
+              <a:pPr algn="ctr"/>
+              <a:endParaRPr lang="fr-FR"/>
+            </a:p>
+          </p:txBody>
+        </p:sp>
+      </p:grpSp>
+      <p:grpSp>
+        <p:nvGrpSpPr>
+          <p:cNvPr id="180" name="Groupe 179">
+            <a:extLst>
+              <a:ext uri="{FF2B5EF4-FFF2-40B4-BE49-F238E27FC236}">
+                <a16:creationId xmlns:a16="http://schemas.microsoft.com/office/drawing/2014/main" id="{D46C84BA-F00F-4B41-B58B-BBD2D246AFA3}"/>
+              </a:ext>
+            </a:extLst>
+          </p:cNvPr>
+          <p:cNvGrpSpPr/>
+          <p:nvPr/>
+        </p:nvGrpSpPr>
+        <p:grpSpPr>
+          <a:xfrm>
+            <a:off x="1548202" y="3796373"/>
+            <a:ext cx="322031" cy="630000"/>
+            <a:chOff x="1548202" y="3796373"/>
+            <a:chExt cx="322031" cy="630000"/>
+          </a:xfrm>
+        </p:grpSpPr>
+        <p:sp>
+          <p:nvSpPr>
+            <p:cNvPr id="181" name="Cylindre 180">
+              <a:extLst>
+                <a:ext uri="{FF2B5EF4-FFF2-40B4-BE49-F238E27FC236}">
+                  <a16:creationId xmlns:a16="http://schemas.microsoft.com/office/drawing/2014/main" id="{89240111-5D57-453B-BDD5-1E33343E47E7}"/>
+                </a:ext>
+              </a:extLst>
+            </p:cNvPr>
+            <p:cNvSpPr/>
+            <p:nvPr/>
+          </p:nvSpPr>
+          <p:spPr>
+            <a:xfrm>
+              <a:off x="1548202" y="3796373"/>
+              <a:ext cx="322031" cy="630000"/>
+            </a:xfrm>
+            <a:prstGeom prst="can">
+              <a:avLst/>
+            </a:prstGeom>
+            <a:solidFill>
+              <a:srgbClr val="C5D4EC"/>
+            </a:solidFill>
+            <a:ln w="19050">
+              <a:solidFill>
+                <a:schemeClr val="tx1"/>
+              </a:solidFill>
+            </a:ln>
+          </p:spPr>
+          <p:style>
+            <a:lnRef idx="2">
+              <a:schemeClr val="accent1">
+                <a:shade val="50000"/>
+              </a:schemeClr>
+            </a:lnRef>
+            <a:fillRef idx="1">
+              <a:schemeClr val="accent1"/>
+            </a:fillRef>
+            <a:effectRef idx="0">
+              <a:schemeClr val="accent1"/>
+            </a:effectRef>
+            <a:fontRef idx="minor">
+              <a:schemeClr val="lt1"/>
+            </a:fontRef>
+          </p:style>
+          <p:txBody>
+            <a:bodyPr rtlCol="0" anchor="ctr"/>
+            <a:lstStyle/>
+            <a:p>
+              <a:pPr algn="ctr"/>
+              <a:endParaRPr lang="fr-FR"/>
+            </a:p>
+          </p:txBody>
+        </p:sp>
+        <p:sp>
+          <p:nvSpPr>
+            <p:cNvPr id="182" name="Cylindre 181">
+              <a:extLst>
+                <a:ext uri="{FF2B5EF4-FFF2-40B4-BE49-F238E27FC236}">
+                  <a16:creationId xmlns:a16="http://schemas.microsoft.com/office/drawing/2014/main" id="{2A122785-EC0F-4BDD-A3D3-737C5C7B7E76}"/>
+                </a:ext>
+              </a:extLst>
+            </p:cNvPr>
+            <p:cNvSpPr/>
+            <p:nvPr/>
+          </p:nvSpPr>
+          <p:spPr>
+            <a:xfrm>
+              <a:off x="1548202" y="4258099"/>
+              <a:ext cx="322031" cy="168274"/>
+            </a:xfrm>
+            <a:prstGeom prst="can">
+              <a:avLst>
+                <a:gd name="adj" fmla="val 50000"/>
+              </a:avLst>
+            </a:prstGeom>
+            <a:solidFill>
+              <a:schemeClr val="bg1"/>
+            </a:solidFill>
+            <a:ln w="19050">
+              <a:solidFill>
+                <a:schemeClr val="tx1"/>
+              </a:solidFill>
+            </a:ln>
+          </p:spPr>
+          <p:style>
+            <a:lnRef idx="2">
+              <a:schemeClr val="accent1">
+                <a:shade val="50000"/>
+              </a:schemeClr>
+            </a:lnRef>
+            <a:fillRef idx="1">
+              <a:schemeClr val="accent1"/>
+            </a:fillRef>
+            <a:effectRef idx="0">
+              <a:schemeClr val="accent1"/>
+            </a:effectRef>
+            <a:fontRef idx="minor">
+              <a:schemeClr val="lt1"/>
+            </a:fontRef>
+          </p:style>
+          <p:txBody>
+            <a:bodyPr rtlCol="0" anchor="ctr"/>
+            <a:lstStyle/>
+            <a:p>
+              <a:pPr algn="ctr"/>
+              <a:endParaRPr lang="fr-FR"/>
+            </a:p>
+          </p:txBody>
+        </p:sp>
+        <p:sp>
+          <p:nvSpPr>
+            <p:cNvPr id="183" name="Flèche : droite 182">
+              <a:extLst>
+                <a:ext uri="{FF2B5EF4-FFF2-40B4-BE49-F238E27FC236}">
+                  <a16:creationId xmlns:a16="http://schemas.microsoft.com/office/drawing/2014/main" id="{34CA1450-6DFE-4218-85C4-D8944925A995}"/>
+                </a:ext>
+              </a:extLst>
+            </p:cNvPr>
+            <p:cNvSpPr/>
+            <p:nvPr/>
+          </p:nvSpPr>
+          <p:spPr>
+            <a:xfrm rot="5400000">
+              <a:off x="1460890" y="4010046"/>
+              <a:ext cx="496651" cy="113762"/>
+            </a:xfrm>
+            <a:prstGeom prst="rightArrow">
+              <a:avLst>
+                <a:gd name="adj1" fmla="val 50000"/>
+                <a:gd name="adj2" fmla="val 58725"/>
+              </a:avLst>
+            </a:prstGeom>
+            <a:solidFill>
+              <a:schemeClr val="tx1"/>
+            </a:solidFill>
+            <a:ln>
+              <a:solidFill>
+                <a:schemeClr val="bg1"/>
+              </a:solidFill>
+            </a:ln>
+          </p:spPr>
+          <p:style>
+            <a:lnRef idx="2">
+              <a:schemeClr val="accent1">
+                <a:shade val="50000"/>
+              </a:schemeClr>
+            </a:lnRef>
+            <a:fillRef idx="1">
+              <a:schemeClr val="accent1"/>
+            </a:fillRef>
+            <a:effectRef idx="0">
+              <a:schemeClr val="accent1"/>
+            </a:effectRef>
+            <a:fontRef idx="minor">
+              <a:schemeClr val="lt1"/>
+            </a:fontRef>
+          </p:style>
+          <p:txBody>
+            <a:bodyPr rtlCol="0" anchor="ctr"/>
+            <a:lstStyle/>
+            <a:p>
+              <a:pPr algn="ctr"/>
+              <a:endParaRPr lang="fr-FR"/>
+            </a:p>
+          </p:txBody>
+        </p:sp>
+      </p:grpSp>
+      <p:grpSp>
+        <p:nvGrpSpPr>
+          <p:cNvPr id="184" name="Groupe 183">
+            <a:extLst>
+              <a:ext uri="{FF2B5EF4-FFF2-40B4-BE49-F238E27FC236}">
+                <a16:creationId xmlns:a16="http://schemas.microsoft.com/office/drawing/2014/main" id="{8B88077F-17D7-4BB6-A1CB-2D89320543C5}"/>
+              </a:ext>
+            </a:extLst>
+          </p:cNvPr>
+          <p:cNvGrpSpPr/>
+          <p:nvPr/>
+        </p:nvGrpSpPr>
+        <p:grpSpPr>
+          <a:xfrm>
+            <a:off x="2504553" y="2743925"/>
+            <a:ext cx="322031" cy="630000"/>
+            <a:chOff x="1548202" y="2988231"/>
+            <a:chExt cx="322031" cy="630000"/>
+          </a:xfrm>
+        </p:grpSpPr>
+        <p:sp>
+          <p:nvSpPr>
+            <p:cNvPr id="185" name="Cylindre 184">
+              <a:extLst>
+                <a:ext uri="{FF2B5EF4-FFF2-40B4-BE49-F238E27FC236}">
+                  <a16:creationId xmlns:a16="http://schemas.microsoft.com/office/drawing/2014/main" id="{869CD017-B24D-4FF9-BFD0-619CD3E2F00A}"/>
+                </a:ext>
+              </a:extLst>
+            </p:cNvPr>
+            <p:cNvSpPr/>
+            <p:nvPr/>
+          </p:nvSpPr>
+          <p:spPr>
+            <a:xfrm>
+              <a:off x="1548202" y="2988231"/>
+              <a:ext cx="322031" cy="630000"/>
+            </a:xfrm>
+            <a:prstGeom prst="can">
+              <a:avLst/>
+            </a:prstGeom>
+            <a:solidFill>
+              <a:schemeClr val="bg1"/>
+            </a:solidFill>
+            <a:ln w="19050">
+              <a:solidFill>
+                <a:schemeClr val="tx1"/>
+              </a:solidFill>
+            </a:ln>
+          </p:spPr>
+          <p:style>
+            <a:lnRef idx="2">
+              <a:schemeClr val="accent1">
+                <a:shade val="50000"/>
+              </a:schemeClr>
+            </a:lnRef>
+            <a:fillRef idx="1">
+              <a:schemeClr val="accent1"/>
+            </a:fillRef>
+            <a:effectRef idx="0">
+              <a:schemeClr val="accent1"/>
+            </a:effectRef>
+            <a:fontRef idx="minor">
+              <a:schemeClr val="lt1"/>
+            </a:fontRef>
+          </p:style>
+          <p:txBody>
+            <a:bodyPr rtlCol="0" anchor="ctr"/>
+            <a:lstStyle/>
+            <a:p>
+              <a:pPr algn="ctr"/>
+              <a:endParaRPr lang="fr-FR"/>
+            </a:p>
+          </p:txBody>
+        </p:sp>
+        <p:sp>
+          <p:nvSpPr>
+            <p:cNvPr id="186" name="Cylindre 185">
+              <a:extLst>
+                <a:ext uri="{FF2B5EF4-FFF2-40B4-BE49-F238E27FC236}">
+                  <a16:creationId xmlns:a16="http://schemas.microsoft.com/office/drawing/2014/main" id="{E89A4D38-F2D3-4574-B9CA-C69F7B2B8356}"/>
+                </a:ext>
+              </a:extLst>
+            </p:cNvPr>
+            <p:cNvSpPr/>
+            <p:nvPr/>
+          </p:nvSpPr>
+          <p:spPr>
+            <a:xfrm>
+              <a:off x="1548202" y="3449957"/>
+              <a:ext cx="322031" cy="168274"/>
+            </a:xfrm>
+            <a:prstGeom prst="can">
+              <a:avLst>
+                <a:gd name="adj" fmla="val 50000"/>
+              </a:avLst>
+            </a:prstGeom>
+            <a:solidFill>
+              <a:srgbClr val="C0D0EB"/>
+            </a:solidFill>
+            <a:ln w="19050">
+              <a:solidFill>
+                <a:schemeClr val="tx1"/>
+              </a:solidFill>
+            </a:ln>
+          </p:spPr>
+          <p:style>
+            <a:lnRef idx="2">
+              <a:schemeClr val="accent1">
+                <a:shade val="50000"/>
+              </a:schemeClr>
+            </a:lnRef>
+            <a:fillRef idx="1">
+              <a:schemeClr val="accent1"/>
+            </a:fillRef>
+            <a:effectRef idx="0">
+              <a:schemeClr val="accent1"/>
+            </a:effectRef>
+            <a:fontRef idx="minor">
+              <a:schemeClr val="lt1"/>
+            </a:fontRef>
+          </p:style>
+          <p:txBody>
+            <a:bodyPr rtlCol="0" anchor="ctr"/>
+            <a:lstStyle/>
+            <a:p>
+              <a:pPr algn="ctr"/>
+              <a:endParaRPr lang="fr-FR"/>
+            </a:p>
+          </p:txBody>
+        </p:sp>
+        <p:sp>
+          <p:nvSpPr>
+            <p:cNvPr id="187" name="Flèche : droite 186">
+              <a:extLst>
+                <a:ext uri="{FF2B5EF4-FFF2-40B4-BE49-F238E27FC236}">
+                  <a16:creationId xmlns:a16="http://schemas.microsoft.com/office/drawing/2014/main" id="{B9BADCAC-5F69-4D13-B716-44FC5455F970}"/>
+                </a:ext>
+              </a:extLst>
+            </p:cNvPr>
+            <p:cNvSpPr/>
+            <p:nvPr/>
+          </p:nvSpPr>
+          <p:spPr>
+            <a:xfrm rot="16200000">
+              <a:off x="1460890" y="3201904"/>
+              <a:ext cx="496651" cy="113762"/>
+            </a:xfrm>
+            <a:prstGeom prst="rightArrow">
+              <a:avLst>
+                <a:gd name="adj1" fmla="val 50000"/>
+                <a:gd name="adj2" fmla="val 58725"/>
+              </a:avLst>
+            </a:prstGeom>
+            <a:solidFill>
+              <a:schemeClr val="tx1"/>
+            </a:solidFill>
+            <a:ln>
+              <a:solidFill>
+                <a:schemeClr val="bg1"/>
+              </a:solidFill>
+            </a:ln>
+          </p:spPr>
+          <p:style>
+            <a:lnRef idx="2">
+              <a:schemeClr val="accent1">
+                <a:shade val="50000"/>
+              </a:schemeClr>
+            </a:lnRef>
+            <a:fillRef idx="1">
+              <a:schemeClr val="accent1"/>
+            </a:fillRef>
+            <a:effectRef idx="0">
+              <a:schemeClr val="accent1"/>
+            </a:effectRef>
+            <a:fontRef idx="minor">
+              <a:schemeClr val="lt1"/>
+            </a:fontRef>
+          </p:style>
+          <p:txBody>
+            <a:bodyPr rtlCol="0" anchor="ctr"/>
+            <a:lstStyle/>
+            <a:p>
+              <a:pPr algn="ctr"/>
+              <a:endParaRPr lang="fr-FR"/>
+            </a:p>
+          </p:txBody>
+        </p:sp>
+      </p:grpSp>
+      <p:sp>
+        <p:nvSpPr>
+          <p:cNvPr id="188" name="Ellipse 187">
+            <a:extLst>
+              <a:ext uri="{FF2B5EF4-FFF2-40B4-BE49-F238E27FC236}">
+                <a16:creationId xmlns:a16="http://schemas.microsoft.com/office/drawing/2014/main" id="{0FA92697-CB3B-47ED-8932-EBA7CA3C3843}"/>
+              </a:ext>
+            </a:extLst>
+          </p:cNvPr>
+          <p:cNvSpPr/>
+          <p:nvPr/>
+        </p:nvSpPr>
+        <p:spPr>
+          <a:xfrm>
+            <a:off x="9105562" y="121887"/>
+            <a:ext cx="1800000" cy="1800000"/>
+          </a:xfrm>
+          <a:prstGeom prst="ellipse">
+            <a:avLst/>
+          </a:prstGeom>
+          <a:solidFill>
+            <a:schemeClr val="bg1"/>
+          </a:solidFill>
+          <a:ln w="101600">
+            <a:noFill/>
+          </a:ln>
+        </p:spPr>
+        <p:style>
+          <a:lnRef idx="2">
+            <a:schemeClr val="accent1">
+              <a:shade val="50000"/>
+            </a:schemeClr>
+          </a:lnRef>
+          <a:fillRef idx="1">
+            <a:schemeClr val="accent1"/>
+          </a:fillRef>
+          <a:effectRef idx="0">
+            <a:schemeClr val="accent1"/>
+          </a:effectRef>
+          <a:fontRef idx="minor">
+            <a:schemeClr val="lt1"/>
+          </a:fontRef>
+        </p:style>
+        <p:txBody>
+          <a:bodyPr rtlCol="0" anchor="ctr"/>
+          <a:lstStyle/>
+          <a:p>
+            <a:pPr algn="ctr"/>
+            <a:endParaRPr lang="fr-FR" dirty="0"/>
+          </a:p>
+        </p:txBody>
+      </p:sp>
+      <p:sp>
+        <p:nvSpPr>
+          <p:cNvPr id="189" name="Ellipse 188">
+            <a:extLst>
+              <a:ext uri="{FF2B5EF4-FFF2-40B4-BE49-F238E27FC236}">
+                <a16:creationId xmlns:a16="http://schemas.microsoft.com/office/drawing/2014/main" id="{BF4DF6D5-70FE-4297-81DF-F5BDFE3659EB}"/>
+              </a:ext>
+            </a:extLst>
+          </p:cNvPr>
+          <p:cNvSpPr/>
+          <p:nvPr/>
+        </p:nvSpPr>
+        <p:spPr>
+          <a:xfrm>
+            <a:off x="9195562" y="211887"/>
+            <a:ext cx="1620000" cy="1620000"/>
+          </a:xfrm>
+          <a:prstGeom prst="ellipse">
+            <a:avLst/>
+          </a:prstGeom>
+          <a:solidFill>
+            <a:schemeClr val="bg1"/>
+          </a:solidFill>
+          <a:ln w="19050">
+            <a:solidFill>
+              <a:schemeClr val="tx1"/>
+            </a:solidFill>
+          </a:ln>
+        </p:spPr>
+        <p:style>
+          <a:lnRef idx="2">
+            <a:schemeClr val="accent1">
+              <a:shade val="50000"/>
+            </a:schemeClr>
+          </a:lnRef>
+          <a:fillRef idx="1">
+            <a:schemeClr val="accent1"/>
+          </a:fillRef>
+          <a:effectRef idx="0">
+            <a:schemeClr val="accent1"/>
+          </a:effectRef>
+          <a:fontRef idx="minor">
+            <a:schemeClr val="lt1"/>
+          </a:fontRef>
+        </p:style>
+        <p:txBody>
+          <a:bodyPr rtlCol="0" anchor="ctr"/>
+          <a:lstStyle/>
+          <a:p>
+            <a:pPr algn="ctr"/>
+            <a:endParaRPr lang="fr-FR" dirty="0"/>
+          </a:p>
+        </p:txBody>
+      </p:sp>
+      <p:grpSp>
+        <p:nvGrpSpPr>
+          <p:cNvPr id="190" name="Groupe 189">
+            <a:extLst>
+              <a:ext uri="{FF2B5EF4-FFF2-40B4-BE49-F238E27FC236}">
+                <a16:creationId xmlns:a16="http://schemas.microsoft.com/office/drawing/2014/main" id="{EB0AB117-C6ED-477C-A9A3-89974B9F8E3F}"/>
+              </a:ext>
+            </a:extLst>
+          </p:cNvPr>
+          <p:cNvGrpSpPr/>
+          <p:nvPr/>
+        </p:nvGrpSpPr>
+        <p:grpSpPr>
+          <a:xfrm>
+            <a:off x="9587495" y="545631"/>
+            <a:ext cx="836134" cy="952512"/>
+            <a:chOff x="9563308" y="720461"/>
+            <a:chExt cx="836134" cy="952512"/>
+          </a:xfrm>
+        </p:grpSpPr>
+        <p:sp>
+          <p:nvSpPr>
+            <p:cNvPr id="191" name="ZoneTexte 190">
+              <a:extLst>
+                <a:ext uri="{FF2B5EF4-FFF2-40B4-BE49-F238E27FC236}">
+                  <a16:creationId xmlns:a16="http://schemas.microsoft.com/office/drawing/2014/main" id="{4A02FCD8-C6CE-4E72-A5CC-EEAD2DCA7268}"/>
+                </a:ext>
+              </a:extLst>
+            </p:cNvPr>
+            <p:cNvSpPr txBox="1"/>
+            <p:nvPr/>
+          </p:nvSpPr>
+          <p:spPr>
+            <a:xfrm>
+              <a:off x="9563308" y="1334419"/>
+              <a:ext cx="836134" cy="338554"/>
+            </a:xfrm>
+            <a:prstGeom prst="rect">
+              <a:avLst/>
+            </a:prstGeom>
+            <a:noFill/>
+          </p:spPr>
+          <p:txBody>
+            <a:bodyPr wrap="square" rtlCol="0">
+              <a:spAutoFit/>
+            </a:bodyPr>
+            <a:lstStyle/>
+            <a:p>
+              <a:pPr algn="ctr"/>
+              <a:r>
+                <a:rPr lang="fr-FR" sz="1600" b="1" dirty="0"/>
+                <a:t>+ 12 cm</a:t>
+              </a:r>
+            </a:p>
+          </p:txBody>
+        </p:sp>
+        <p:grpSp>
+          <p:nvGrpSpPr>
+            <p:cNvPr id="192" name="Groupe 191">
+              <a:extLst>
+                <a:ext uri="{FF2B5EF4-FFF2-40B4-BE49-F238E27FC236}">
+                  <a16:creationId xmlns:a16="http://schemas.microsoft.com/office/drawing/2014/main" id="{5B406CCE-4DDB-4E3D-93A4-466CCF1C1347}"/>
+                </a:ext>
+              </a:extLst>
+            </p:cNvPr>
+            <p:cNvGrpSpPr/>
+            <p:nvPr/>
+          </p:nvGrpSpPr>
+          <p:grpSpPr>
+            <a:xfrm>
+              <a:off x="9820360" y="720461"/>
+              <a:ext cx="322031" cy="630000"/>
+              <a:chOff x="1548202" y="2988231"/>
+              <a:chExt cx="322031" cy="630000"/>
+            </a:xfrm>
+          </p:grpSpPr>
+          <p:sp>
+            <p:nvSpPr>
+              <p:cNvPr id="193" name="Cylindre 192">
+                <a:extLst>
+                  <a:ext uri="{FF2B5EF4-FFF2-40B4-BE49-F238E27FC236}">
+                    <a16:creationId xmlns:a16="http://schemas.microsoft.com/office/drawing/2014/main" id="{51E04481-3BBC-4171-8ECE-FFBAD4EDF745}"/>
+                  </a:ext>
+                </a:extLst>
+              </p:cNvPr>
+              <p:cNvSpPr/>
+              <p:nvPr/>
+            </p:nvSpPr>
+            <p:spPr>
+              <a:xfrm>
+                <a:off x="1548202" y="2988231"/>
+                <a:ext cx="322031" cy="630000"/>
+              </a:xfrm>
+              <a:prstGeom prst="can">
+                <a:avLst/>
+              </a:prstGeom>
+              <a:solidFill>
+                <a:schemeClr val="bg1"/>
+              </a:solidFill>
+              <a:ln w="19050">
+                <a:solidFill>
+                  <a:schemeClr val="tx1"/>
+                </a:solidFill>
+              </a:ln>
+            </p:spPr>
+            <p:style>
+              <a:lnRef idx="2">
+                <a:schemeClr val="accent1">
+                  <a:shade val="50000"/>
+                </a:schemeClr>
+              </a:lnRef>
+              <a:fillRef idx="1">
+                <a:schemeClr val="accent1"/>
+              </a:fillRef>
+              <a:effectRef idx="0">
+                <a:schemeClr val="accent1"/>
+              </a:effectRef>
+              <a:fontRef idx="minor">
+                <a:schemeClr val="lt1"/>
+              </a:fontRef>
+            </p:style>
+            <p:txBody>
+              <a:bodyPr rtlCol="0" anchor="ctr"/>
+              <a:lstStyle/>
+              <a:p>
+                <a:pPr algn="ctr"/>
+                <a:endParaRPr lang="fr-FR"/>
+              </a:p>
+            </p:txBody>
+          </p:sp>
+          <p:sp>
+            <p:nvSpPr>
+              <p:cNvPr id="194" name="Cylindre 193">
+                <a:extLst>
+                  <a:ext uri="{FF2B5EF4-FFF2-40B4-BE49-F238E27FC236}">
+                    <a16:creationId xmlns:a16="http://schemas.microsoft.com/office/drawing/2014/main" id="{EB0665BD-A288-4DE7-BE4B-A165FCDD3E41}"/>
+                  </a:ext>
+                </a:extLst>
+              </p:cNvPr>
+              <p:cNvSpPr/>
+              <p:nvPr/>
+            </p:nvSpPr>
+            <p:spPr>
+              <a:xfrm>
+                <a:off x="1548202" y="3449957"/>
+                <a:ext cx="322031" cy="168274"/>
+              </a:xfrm>
+              <a:prstGeom prst="can">
+                <a:avLst>
+                  <a:gd name="adj" fmla="val 50000"/>
+                </a:avLst>
+              </a:prstGeom>
+              <a:solidFill>
+                <a:srgbClr val="C0D0EB"/>
+              </a:solidFill>
+              <a:ln w="19050">
+                <a:solidFill>
+                  <a:schemeClr val="tx1"/>
+                </a:solidFill>
+              </a:ln>
+            </p:spPr>
+            <p:style>
+              <a:lnRef idx="2">
+                <a:schemeClr val="accent1">
+                  <a:shade val="50000"/>
+                </a:schemeClr>
+              </a:lnRef>
+              <a:fillRef idx="1">
+                <a:schemeClr val="accent1"/>
+              </a:fillRef>
+              <a:effectRef idx="0">
+                <a:schemeClr val="accent1"/>
+              </a:effectRef>
+              <a:fontRef idx="minor">
+                <a:schemeClr val="lt1"/>
+              </a:fontRef>
+            </p:style>
+            <p:txBody>
+              <a:bodyPr rtlCol="0" anchor="ctr"/>
+              <a:lstStyle/>
+              <a:p>
+                <a:pPr algn="ctr"/>
+                <a:endParaRPr lang="fr-FR"/>
+              </a:p>
+            </p:txBody>
+          </p:sp>
+          <p:sp>
+            <p:nvSpPr>
+              <p:cNvPr id="195" name="Flèche : droite 194">
+                <a:extLst>
+                  <a:ext uri="{FF2B5EF4-FFF2-40B4-BE49-F238E27FC236}">
+                    <a16:creationId xmlns:a16="http://schemas.microsoft.com/office/drawing/2014/main" id="{7C1F24D6-0298-4582-8104-8B6E7B50C0B7}"/>
+                  </a:ext>
+                </a:extLst>
+              </p:cNvPr>
+              <p:cNvSpPr/>
+              <p:nvPr/>
+            </p:nvSpPr>
+            <p:spPr>
+              <a:xfrm rot="16200000">
+                <a:off x="1460890" y="3201904"/>
+                <a:ext cx="496651" cy="113762"/>
+              </a:xfrm>
+              <a:prstGeom prst="rightArrow">
+                <a:avLst>
+                  <a:gd name="adj1" fmla="val 50000"/>
+                  <a:gd name="adj2" fmla="val 58725"/>
+                </a:avLst>
+              </a:prstGeom>
+              <a:solidFill>
+                <a:schemeClr val="tx1"/>
+              </a:solidFill>
+              <a:ln>
+                <a:solidFill>
+                  <a:schemeClr val="bg1"/>
+                </a:solidFill>
+              </a:ln>
+            </p:spPr>
+            <p:style>
+              <a:lnRef idx="2">
+                <a:schemeClr val="accent1">
+                  <a:shade val="50000"/>
+                </a:schemeClr>
+              </a:lnRef>
+              <a:fillRef idx="1">
+                <a:schemeClr val="accent1"/>
+              </a:fillRef>
+              <a:effectRef idx="0">
+                <a:schemeClr val="accent1"/>
+              </a:effectRef>
+              <a:fontRef idx="minor">
+                <a:schemeClr val="lt1"/>
+              </a:fontRef>
+            </p:style>
+            <p:txBody>
+              <a:bodyPr rtlCol="0" anchor="ctr"/>
+              <a:lstStyle/>
+              <a:p>
+                <a:pPr algn="ctr"/>
+                <a:endParaRPr lang="fr-FR"/>
+              </a:p>
+            </p:txBody>
+          </p:sp>
+        </p:grpSp>
+      </p:grpSp>
+      <p:sp>
+        <p:nvSpPr>
+          <p:cNvPr id="196" name="Ellipse 195">
+            <a:extLst>
+              <a:ext uri="{FF2B5EF4-FFF2-40B4-BE49-F238E27FC236}">
+                <a16:creationId xmlns:a16="http://schemas.microsoft.com/office/drawing/2014/main" id="{3855FB9C-C7E4-4EF6-AF77-CD94521A5201}"/>
+              </a:ext>
+            </a:extLst>
+          </p:cNvPr>
+          <p:cNvSpPr/>
+          <p:nvPr/>
+        </p:nvSpPr>
+        <p:spPr>
+          <a:xfrm>
+            <a:off x="3544531" y="210079"/>
+            <a:ext cx="1620000" cy="1620000"/>
+          </a:xfrm>
+          <a:prstGeom prst="ellipse">
+            <a:avLst/>
+          </a:prstGeom>
+          <a:solidFill>
+            <a:schemeClr val="bg1">
+              <a:lumMod val="50000"/>
+            </a:schemeClr>
+          </a:solidFill>
+          <a:ln w="19050">
+            <a:solidFill>
+              <a:schemeClr val="tx1"/>
+            </a:solidFill>
+          </a:ln>
+        </p:spPr>
+        <p:style>
+          <a:lnRef idx="2">
+            <a:schemeClr val="accent1">
+              <a:shade val="50000"/>
+            </a:schemeClr>
+          </a:lnRef>
+          <a:fillRef idx="1">
+            <a:schemeClr val="accent1"/>
+          </a:fillRef>
+          <a:effectRef idx="0">
+            <a:schemeClr val="accent1"/>
+          </a:effectRef>
+          <a:fontRef idx="minor">
+            <a:schemeClr val="lt1"/>
+          </a:fontRef>
+        </p:style>
+        <p:txBody>
+          <a:bodyPr rtlCol="0" anchor="ctr"/>
+          <a:lstStyle/>
+          <a:p>
+            <a:pPr algn="ctr"/>
+            <a:endParaRPr lang="fr-FR" dirty="0"/>
+          </a:p>
+        </p:txBody>
+      </p:sp>
+      <p:sp>
+        <p:nvSpPr>
+          <p:cNvPr id="197" name="ZoneTexte 196">
+            <a:extLst>
+              <a:ext uri="{FF2B5EF4-FFF2-40B4-BE49-F238E27FC236}">
+                <a16:creationId xmlns:a16="http://schemas.microsoft.com/office/drawing/2014/main" id="{AAD438B4-C82F-4DFB-81B7-31DC7A319911}"/>
+              </a:ext>
+            </a:extLst>
+          </p:cNvPr>
+          <p:cNvSpPr txBox="1"/>
+          <p:nvPr/>
+        </p:nvSpPr>
+        <p:spPr>
+          <a:xfrm>
+            <a:off x="3898438" y="1173873"/>
+            <a:ext cx="836134" cy="338554"/>
+          </a:xfrm>
+          <a:prstGeom prst="rect">
+            <a:avLst/>
+          </a:prstGeom>
+          <a:noFill/>
+        </p:spPr>
+        <p:txBody>
+          <a:bodyPr wrap="square" rtlCol="0">
+            <a:spAutoFit/>
+          </a:bodyPr>
+          <a:lstStyle/>
+          <a:p>
+            <a:pPr algn="ctr"/>
+            <a:r>
+              <a:rPr lang="fr-FR" sz="1600" b="1" dirty="0"/>
+              <a:t>+ 3 cm</a:t>
+            </a:r>
+          </a:p>
+        </p:txBody>
+      </p:sp>
+      <p:grpSp>
+        <p:nvGrpSpPr>
+          <p:cNvPr id="198" name="Groupe 197">
+            <a:extLst>
+              <a:ext uri="{FF2B5EF4-FFF2-40B4-BE49-F238E27FC236}">
+                <a16:creationId xmlns:a16="http://schemas.microsoft.com/office/drawing/2014/main" id="{7C469543-7DCB-4560-83B7-83B326C6A3B6}"/>
+              </a:ext>
+            </a:extLst>
+          </p:cNvPr>
+          <p:cNvGrpSpPr/>
+          <p:nvPr/>
+        </p:nvGrpSpPr>
+        <p:grpSpPr>
+          <a:xfrm>
+            <a:off x="4154152" y="935267"/>
+            <a:ext cx="322031" cy="252000"/>
+            <a:chOff x="167566" y="3372539"/>
+            <a:chExt cx="322031" cy="252000"/>
+          </a:xfrm>
+        </p:grpSpPr>
+        <p:sp>
+          <p:nvSpPr>
+            <p:cNvPr id="199" name="Cylindre 198">
+              <a:extLst>
+                <a:ext uri="{FF2B5EF4-FFF2-40B4-BE49-F238E27FC236}">
+                  <a16:creationId xmlns:a16="http://schemas.microsoft.com/office/drawing/2014/main" id="{4F85DD93-9EB7-4A87-A356-192AF544A903}"/>
+                </a:ext>
+              </a:extLst>
+            </p:cNvPr>
+            <p:cNvSpPr/>
+            <p:nvPr/>
+          </p:nvSpPr>
+          <p:spPr>
+            <a:xfrm>
+              <a:off x="167566" y="3372539"/>
+              <a:ext cx="322031" cy="252000"/>
+            </a:xfrm>
+            <a:prstGeom prst="can">
+              <a:avLst/>
+            </a:prstGeom>
+            <a:solidFill>
+              <a:schemeClr val="bg1"/>
+            </a:solidFill>
+            <a:ln w="19050">
+              <a:solidFill>
+                <a:schemeClr val="tx1"/>
+              </a:solidFill>
+            </a:ln>
+          </p:spPr>
+          <p:style>
+            <a:lnRef idx="2">
+              <a:schemeClr val="accent1">
+                <a:shade val="50000"/>
+              </a:schemeClr>
+            </a:lnRef>
+            <a:fillRef idx="1">
+              <a:schemeClr val="accent1"/>
+            </a:fillRef>
+            <a:effectRef idx="0">
+              <a:schemeClr val="accent1"/>
+            </a:effectRef>
+            <a:fontRef idx="minor">
+              <a:schemeClr val="lt1"/>
+            </a:fontRef>
+          </p:style>
+          <p:txBody>
+            <a:bodyPr rtlCol="0" anchor="ctr"/>
+            <a:lstStyle/>
+            <a:p>
+              <a:pPr algn="ctr"/>
+              <a:endParaRPr lang="fr-FR"/>
+            </a:p>
+          </p:txBody>
+        </p:sp>
+        <p:sp>
+          <p:nvSpPr>
+            <p:cNvPr id="200" name="Cylindre 199">
+              <a:extLst>
+                <a:ext uri="{FF2B5EF4-FFF2-40B4-BE49-F238E27FC236}">
+                  <a16:creationId xmlns:a16="http://schemas.microsoft.com/office/drawing/2014/main" id="{7D756370-24AA-4DDF-9739-0F19DDE93DB3}"/>
+                </a:ext>
+              </a:extLst>
+            </p:cNvPr>
+            <p:cNvSpPr/>
+            <p:nvPr/>
+          </p:nvSpPr>
+          <p:spPr>
+            <a:xfrm>
+              <a:off x="167566" y="3455949"/>
+              <a:ext cx="322031" cy="168274"/>
+            </a:xfrm>
+            <a:prstGeom prst="can">
+              <a:avLst>
+                <a:gd name="adj" fmla="val 50000"/>
+              </a:avLst>
+            </a:prstGeom>
+            <a:solidFill>
+              <a:srgbClr val="C0D0EB"/>
+            </a:solidFill>
+            <a:ln w="19050">
+              <a:solidFill>
+                <a:schemeClr val="tx1"/>
+              </a:solidFill>
+            </a:ln>
+          </p:spPr>
+          <p:style>
+            <a:lnRef idx="2">
+              <a:schemeClr val="accent1">
+                <a:shade val="50000"/>
+              </a:schemeClr>
+            </a:lnRef>
+            <a:fillRef idx="1">
+              <a:schemeClr val="accent1"/>
+            </a:fillRef>
+            <a:effectRef idx="0">
+              <a:schemeClr val="accent1"/>
+            </a:effectRef>
+            <a:fontRef idx="minor">
+              <a:schemeClr val="lt1"/>
+            </a:fontRef>
+          </p:style>
+          <p:txBody>
+            <a:bodyPr rtlCol="0" anchor="ctr"/>
+            <a:lstStyle/>
+            <a:p>
+              <a:pPr algn="ctr"/>
+              <a:endParaRPr lang="fr-FR"/>
+            </a:p>
+          </p:txBody>
+        </p:sp>
+        <p:sp>
+          <p:nvSpPr>
+            <p:cNvPr id="201" name="Flèche : droite 200">
+              <a:extLst>
+                <a:ext uri="{FF2B5EF4-FFF2-40B4-BE49-F238E27FC236}">
+                  <a16:creationId xmlns:a16="http://schemas.microsoft.com/office/drawing/2014/main" id="{0D42C591-9C36-4A3C-944C-E43B5B602010}"/>
+                </a:ext>
+              </a:extLst>
+            </p:cNvPr>
+            <p:cNvSpPr/>
+            <p:nvPr/>
+          </p:nvSpPr>
+          <p:spPr>
+            <a:xfrm rot="16200000">
+              <a:off x="267189" y="3394830"/>
+              <a:ext cx="122782" cy="113762"/>
+            </a:xfrm>
+            <a:prstGeom prst="rightArrow">
+              <a:avLst>
+                <a:gd name="adj1" fmla="val 50000"/>
+                <a:gd name="adj2" fmla="val 58725"/>
+              </a:avLst>
+            </a:prstGeom>
+            <a:solidFill>
+              <a:schemeClr val="tx1"/>
+            </a:solidFill>
+            <a:ln>
+              <a:solidFill>
+                <a:schemeClr val="bg1"/>
+              </a:solidFill>
+            </a:ln>
+          </p:spPr>
+          <p:style>
+            <a:lnRef idx="2">
+              <a:schemeClr val="accent1">
+                <a:shade val="50000"/>
+              </a:schemeClr>
+            </a:lnRef>
+            <a:fillRef idx="1">
+              <a:schemeClr val="accent1"/>
+            </a:fillRef>
+            <a:effectRef idx="0">
+              <a:schemeClr val="accent1"/>
+            </a:effectRef>
+            <a:fontRef idx="minor">
+              <a:schemeClr val="lt1"/>
+            </a:fontRef>
+          </p:style>
+          <p:txBody>
+            <a:bodyPr rtlCol="0" anchor="ctr"/>
+            <a:lstStyle/>
+            <a:p>
+              <a:pPr algn="ctr"/>
+              <a:endParaRPr lang="fr-FR"/>
+            </a:p>
+          </p:txBody>
+        </p:sp>
+      </p:grpSp>
+      <p:sp>
+        <p:nvSpPr>
+          <p:cNvPr id="202" name="Ellipse 201">
+            <a:extLst>
+              <a:ext uri="{FF2B5EF4-FFF2-40B4-BE49-F238E27FC236}">
+                <a16:creationId xmlns:a16="http://schemas.microsoft.com/office/drawing/2014/main" id="{45F9E702-146F-4358-856A-0C3FEBF84F06}"/>
+              </a:ext>
+            </a:extLst>
+          </p:cNvPr>
+          <p:cNvSpPr/>
+          <p:nvPr/>
+        </p:nvSpPr>
+        <p:spPr>
+          <a:xfrm>
+            <a:off x="5428690" y="150701"/>
+            <a:ext cx="1800000" cy="1800000"/>
+          </a:xfrm>
+          <a:prstGeom prst="ellipse">
+            <a:avLst/>
+          </a:prstGeom>
+          <a:solidFill>
+            <a:schemeClr val="bg1"/>
+          </a:solidFill>
+          <a:ln w="101600">
+            <a:noFill/>
+          </a:ln>
+        </p:spPr>
+        <p:style>
+          <a:lnRef idx="2">
+            <a:schemeClr val="accent1">
+              <a:shade val="50000"/>
+            </a:schemeClr>
+          </a:lnRef>
+          <a:fillRef idx="1">
+            <a:schemeClr val="accent1"/>
+          </a:fillRef>
+          <a:effectRef idx="0">
+            <a:schemeClr val="accent1"/>
+          </a:effectRef>
+          <a:fontRef idx="minor">
+            <a:schemeClr val="lt1"/>
+          </a:fontRef>
+        </p:style>
+        <p:txBody>
+          <a:bodyPr rtlCol="0" anchor="ctr"/>
+          <a:lstStyle/>
+          <a:p>
+            <a:pPr algn="ctr"/>
+            <a:endParaRPr lang="fr-FR" dirty="0"/>
+          </a:p>
+        </p:txBody>
+      </p:sp>
+      <p:sp>
+        <p:nvSpPr>
+          <p:cNvPr id="203" name="Ellipse 202">
+            <a:extLst>
+              <a:ext uri="{FF2B5EF4-FFF2-40B4-BE49-F238E27FC236}">
+                <a16:creationId xmlns:a16="http://schemas.microsoft.com/office/drawing/2014/main" id="{109F42F5-23C3-4926-A0EA-76916033149E}"/>
+              </a:ext>
+            </a:extLst>
+          </p:cNvPr>
+          <p:cNvSpPr/>
+          <p:nvPr/>
+        </p:nvSpPr>
+        <p:spPr>
+          <a:xfrm>
+            <a:off x="5518690" y="240701"/>
+            <a:ext cx="1620000" cy="1620000"/>
+          </a:xfrm>
+          <a:prstGeom prst="ellipse">
+            <a:avLst/>
+          </a:prstGeom>
+          <a:solidFill>
+            <a:schemeClr val="bg1">
+              <a:lumMod val="65000"/>
+            </a:schemeClr>
+          </a:solidFill>
+          <a:ln w="19050">
+            <a:solidFill>
+              <a:schemeClr val="tx1"/>
+            </a:solidFill>
+          </a:ln>
+        </p:spPr>
+        <p:style>
+          <a:lnRef idx="2">
+            <a:schemeClr val="accent1">
+              <a:shade val="50000"/>
+            </a:schemeClr>
+          </a:lnRef>
+          <a:fillRef idx="1">
+            <a:schemeClr val="accent1"/>
+          </a:fillRef>
+          <a:effectRef idx="0">
+            <a:schemeClr val="accent1"/>
+          </a:effectRef>
+          <a:fontRef idx="minor">
+            <a:schemeClr val="lt1"/>
+          </a:fontRef>
+        </p:style>
+        <p:txBody>
+          <a:bodyPr rtlCol="0" anchor="ctr"/>
+          <a:lstStyle/>
+          <a:p>
+            <a:pPr algn="ctr"/>
+            <a:endParaRPr lang="fr-FR" dirty="0"/>
+          </a:p>
+        </p:txBody>
+      </p:sp>
+      <p:sp>
+        <p:nvSpPr>
+          <p:cNvPr id="204" name="ZoneTexte 203">
+            <a:extLst>
+              <a:ext uri="{FF2B5EF4-FFF2-40B4-BE49-F238E27FC236}">
+                <a16:creationId xmlns:a16="http://schemas.microsoft.com/office/drawing/2014/main" id="{E21FB875-8FC9-4A4B-8189-B3090081764D}"/>
+              </a:ext>
+            </a:extLst>
+          </p:cNvPr>
+          <p:cNvSpPr txBox="1"/>
+          <p:nvPr/>
+        </p:nvSpPr>
+        <p:spPr>
+          <a:xfrm>
+            <a:off x="5882655" y="1201292"/>
+            <a:ext cx="836134" cy="338554"/>
+          </a:xfrm>
+          <a:prstGeom prst="rect">
+            <a:avLst/>
+          </a:prstGeom>
+          <a:noFill/>
+        </p:spPr>
+        <p:txBody>
+          <a:bodyPr wrap="square" rtlCol="0">
+            <a:spAutoFit/>
+          </a:bodyPr>
+          <a:lstStyle/>
+          <a:p>
+            <a:pPr algn="ctr"/>
+            <a:r>
+              <a:rPr lang="fr-FR" sz="1600" b="1" dirty="0"/>
+              <a:t>+ 6 cm</a:t>
+            </a:r>
+          </a:p>
+        </p:txBody>
+      </p:sp>
+      <p:grpSp>
+        <p:nvGrpSpPr>
+          <p:cNvPr id="205" name="Groupe 204">
+            <a:extLst>
+              <a:ext uri="{FF2B5EF4-FFF2-40B4-BE49-F238E27FC236}">
+                <a16:creationId xmlns:a16="http://schemas.microsoft.com/office/drawing/2014/main" id="{11FF456E-1F6F-4C4D-8FFA-50C1F7BD19A7}"/>
+              </a:ext>
+            </a:extLst>
+          </p:cNvPr>
+          <p:cNvGrpSpPr/>
+          <p:nvPr/>
+        </p:nvGrpSpPr>
+        <p:grpSpPr>
+          <a:xfrm>
+            <a:off x="6139962" y="844999"/>
+            <a:ext cx="322031" cy="378000"/>
+            <a:chOff x="623017" y="3246223"/>
+            <a:chExt cx="322031" cy="378000"/>
+          </a:xfrm>
+        </p:grpSpPr>
+        <p:sp>
+          <p:nvSpPr>
+            <p:cNvPr id="206" name="Cylindre 205">
+              <a:extLst>
+                <a:ext uri="{FF2B5EF4-FFF2-40B4-BE49-F238E27FC236}">
+                  <a16:creationId xmlns:a16="http://schemas.microsoft.com/office/drawing/2014/main" id="{BD6D4FF1-6BB1-47E2-87D1-643738B13815}"/>
+                </a:ext>
+              </a:extLst>
+            </p:cNvPr>
+            <p:cNvSpPr/>
+            <p:nvPr/>
+          </p:nvSpPr>
+          <p:spPr>
+            <a:xfrm>
+              <a:off x="623017" y="3246223"/>
+              <a:ext cx="322031" cy="378000"/>
+            </a:xfrm>
+            <a:prstGeom prst="can">
+              <a:avLst/>
+            </a:prstGeom>
+            <a:solidFill>
+              <a:schemeClr val="bg1"/>
+            </a:solidFill>
+            <a:ln w="19050">
+              <a:solidFill>
+                <a:schemeClr val="tx1"/>
+              </a:solidFill>
+            </a:ln>
+          </p:spPr>
+          <p:style>
+            <a:lnRef idx="2">
+              <a:schemeClr val="accent1">
+                <a:shade val="50000"/>
+              </a:schemeClr>
+            </a:lnRef>
+            <a:fillRef idx="1">
+              <a:schemeClr val="accent1"/>
+            </a:fillRef>
+            <a:effectRef idx="0">
+              <a:schemeClr val="accent1"/>
+            </a:effectRef>
+            <a:fontRef idx="minor">
+              <a:schemeClr val="lt1"/>
+            </a:fontRef>
+          </p:style>
+          <p:txBody>
+            <a:bodyPr rtlCol="0" anchor="ctr"/>
+            <a:lstStyle/>
+            <a:p>
+              <a:pPr algn="ctr"/>
+              <a:endParaRPr lang="fr-FR"/>
+            </a:p>
+          </p:txBody>
+        </p:sp>
+        <p:sp>
+          <p:nvSpPr>
+            <p:cNvPr id="207" name="Cylindre 206">
+              <a:extLst>
+                <a:ext uri="{FF2B5EF4-FFF2-40B4-BE49-F238E27FC236}">
+                  <a16:creationId xmlns:a16="http://schemas.microsoft.com/office/drawing/2014/main" id="{8484DCBF-00ED-425F-8B8A-3DC2A9520767}"/>
+                </a:ext>
+              </a:extLst>
+            </p:cNvPr>
+            <p:cNvSpPr/>
+            <p:nvPr/>
+          </p:nvSpPr>
+          <p:spPr>
+            <a:xfrm>
+              <a:off x="623017" y="3455949"/>
+              <a:ext cx="322031" cy="168274"/>
+            </a:xfrm>
+            <a:prstGeom prst="can">
+              <a:avLst>
+                <a:gd name="adj" fmla="val 50000"/>
+              </a:avLst>
+            </a:prstGeom>
+            <a:solidFill>
+              <a:srgbClr val="C0D0EB"/>
+            </a:solidFill>
+            <a:ln w="19050">
+              <a:solidFill>
+                <a:schemeClr val="tx1"/>
+              </a:solidFill>
+            </a:ln>
+          </p:spPr>
+          <p:style>
+            <a:lnRef idx="2">
+              <a:schemeClr val="accent1">
+                <a:shade val="50000"/>
+              </a:schemeClr>
+            </a:lnRef>
+            <a:fillRef idx="1">
+              <a:schemeClr val="accent1"/>
+            </a:fillRef>
+            <a:effectRef idx="0">
+              <a:schemeClr val="accent1"/>
+            </a:effectRef>
+            <a:fontRef idx="minor">
+              <a:schemeClr val="lt1"/>
+            </a:fontRef>
+          </p:style>
+          <p:txBody>
+            <a:bodyPr rtlCol="0" anchor="ctr"/>
+            <a:lstStyle/>
+            <a:p>
+              <a:pPr algn="ctr"/>
+              <a:endParaRPr lang="fr-FR" dirty="0"/>
+            </a:p>
+          </p:txBody>
+        </p:sp>
+        <p:sp>
+          <p:nvSpPr>
+            <p:cNvPr id="208" name="Flèche : droite 207">
+              <a:extLst>
+                <a:ext uri="{FF2B5EF4-FFF2-40B4-BE49-F238E27FC236}">
+                  <a16:creationId xmlns:a16="http://schemas.microsoft.com/office/drawing/2014/main" id="{606B6F22-0B2E-4765-8426-3FEBC4F7C2EE}"/>
+                </a:ext>
+              </a:extLst>
+            </p:cNvPr>
+            <p:cNvSpPr/>
+            <p:nvPr/>
+          </p:nvSpPr>
+          <p:spPr>
+            <a:xfrm rot="16200000">
+              <a:off x="662249" y="3334439"/>
+              <a:ext cx="243563" cy="113762"/>
+            </a:xfrm>
+            <a:prstGeom prst="rightArrow">
+              <a:avLst>
+                <a:gd name="adj1" fmla="val 50000"/>
+                <a:gd name="adj2" fmla="val 58725"/>
+              </a:avLst>
+            </a:prstGeom>
+            <a:solidFill>
+              <a:schemeClr val="tx1"/>
+            </a:solidFill>
+            <a:ln>
+              <a:solidFill>
+                <a:schemeClr val="bg1"/>
+              </a:solidFill>
+            </a:ln>
+          </p:spPr>
+          <p:style>
+            <a:lnRef idx="2">
+              <a:schemeClr val="accent1">
+                <a:shade val="50000"/>
+              </a:schemeClr>
+            </a:lnRef>
+            <a:fillRef idx="1">
+              <a:schemeClr val="accent1"/>
+            </a:fillRef>
+            <a:effectRef idx="0">
+              <a:schemeClr val="accent1"/>
+            </a:effectRef>
+            <a:fontRef idx="minor">
+              <a:schemeClr val="lt1"/>
+            </a:fontRef>
+          </p:style>
+          <p:txBody>
+            <a:bodyPr rtlCol="0" anchor="ctr"/>
+            <a:lstStyle/>
+            <a:p>
+              <a:pPr algn="ctr"/>
+              <a:endParaRPr lang="fr-FR"/>
+            </a:p>
+          </p:txBody>
+        </p:sp>
+      </p:grpSp>
+      <p:sp>
+        <p:nvSpPr>
+          <p:cNvPr id="209" name="Ellipse 208">
+            <a:extLst>
+              <a:ext uri="{FF2B5EF4-FFF2-40B4-BE49-F238E27FC236}">
+                <a16:creationId xmlns:a16="http://schemas.microsoft.com/office/drawing/2014/main" id="{1EDD3053-4FD3-4242-B779-D69EDA29F394}"/>
+              </a:ext>
+            </a:extLst>
+          </p:cNvPr>
+          <p:cNvSpPr/>
+          <p:nvPr/>
+        </p:nvSpPr>
+        <p:spPr>
+          <a:xfrm>
+            <a:off x="7242822" y="123794"/>
+            <a:ext cx="1800000" cy="1800000"/>
+          </a:xfrm>
+          <a:prstGeom prst="ellipse">
+            <a:avLst/>
+          </a:prstGeom>
+          <a:solidFill>
+            <a:schemeClr val="bg1"/>
+          </a:solidFill>
+          <a:ln w="101600">
+            <a:noFill/>
+          </a:ln>
+        </p:spPr>
+        <p:style>
+          <a:lnRef idx="2">
+            <a:schemeClr val="accent1">
+              <a:shade val="50000"/>
+            </a:schemeClr>
+          </a:lnRef>
+          <a:fillRef idx="1">
+            <a:schemeClr val="accent1"/>
+          </a:fillRef>
+          <a:effectRef idx="0">
+            <a:schemeClr val="accent1"/>
+          </a:effectRef>
+          <a:fontRef idx="minor">
+            <a:schemeClr val="lt1"/>
+          </a:fontRef>
+        </p:style>
+        <p:txBody>
+          <a:bodyPr rtlCol="0" anchor="ctr"/>
+          <a:lstStyle/>
+          <a:p>
+            <a:pPr algn="ctr"/>
+            <a:endParaRPr lang="fr-FR" dirty="0"/>
+          </a:p>
+        </p:txBody>
+      </p:sp>
+      <p:sp>
+        <p:nvSpPr>
+          <p:cNvPr id="210" name="Ellipse 209">
+            <a:extLst>
+              <a:ext uri="{FF2B5EF4-FFF2-40B4-BE49-F238E27FC236}">
+                <a16:creationId xmlns:a16="http://schemas.microsoft.com/office/drawing/2014/main" id="{EBF7EA81-D4AC-4284-BAE5-941DE71E5341}"/>
+              </a:ext>
+            </a:extLst>
+          </p:cNvPr>
+          <p:cNvSpPr/>
+          <p:nvPr/>
+        </p:nvSpPr>
+        <p:spPr>
+          <a:xfrm>
+            <a:off x="7332822" y="213794"/>
+            <a:ext cx="1620000" cy="1620000"/>
+          </a:xfrm>
+          <a:prstGeom prst="ellipse">
+            <a:avLst/>
+          </a:prstGeom>
+          <a:solidFill>
+            <a:schemeClr val="bg1">
+              <a:lumMod val="85000"/>
+            </a:schemeClr>
+          </a:solidFill>
+          <a:ln w="19050">
+            <a:solidFill>
+              <a:schemeClr val="tx1"/>
+            </a:solidFill>
+          </a:ln>
+        </p:spPr>
+        <p:style>
+          <a:lnRef idx="2">
+            <a:schemeClr val="accent1">
+              <a:shade val="50000"/>
+            </a:schemeClr>
+          </a:lnRef>
+          <a:fillRef idx="1">
+            <a:schemeClr val="accent1"/>
+          </a:fillRef>
+          <a:effectRef idx="0">
+            <a:schemeClr val="accent1"/>
+          </a:effectRef>
+          <a:fontRef idx="minor">
+            <a:schemeClr val="lt1"/>
+          </a:fontRef>
+        </p:style>
+        <p:txBody>
+          <a:bodyPr rtlCol="0" anchor="ctr"/>
+          <a:lstStyle/>
+          <a:p>
+            <a:pPr algn="ctr"/>
+            <a:endParaRPr lang="fr-FR" dirty="0"/>
+          </a:p>
+        </p:txBody>
+      </p:sp>
+      <p:sp>
+        <p:nvSpPr>
+          <p:cNvPr id="211" name="ZoneTexte 210">
+            <a:extLst>
+              <a:ext uri="{FF2B5EF4-FFF2-40B4-BE49-F238E27FC236}">
+                <a16:creationId xmlns:a16="http://schemas.microsoft.com/office/drawing/2014/main" id="{611A3742-39C4-42E1-AAF4-E018387D3634}"/>
+              </a:ext>
+            </a:extLst>
+          </p:cNvPr>
+          <p:cNvSpPr txBox="1"/>
+          <p:nvPr/>
+        </p:nvSpPr>
+        <p:spPr>
+          <a:xfrm>
+            <a:off x="7722835" y="1188403"/>
+            <a:ext cx="836134" cy="338554"/>
+          </a:xfrm>
+          <a:prstGeom prst="rect">
+            <a:avLst/>
+          </a:prstGeom>
+          <a:noFill/>
+        </p:spPr>
+        <p:txBody>
+          <a:bodyPr wrap="square" rtlCol="0">
+            <a:spAutoFit/>
+          </a:bodyPr>
+          <a:lstStyle/>
+          <a:p>
+            <a:pPr algn="ctr"/>
+            <a:r>
+              <a:rPr lang="fr-FR" sz="1600" b="1" dirty="0"/>
+              <a:t>+ 9 cm</a:t>
+            </a:r>
+          </a:p>
+        </p:txBody>
+      </p:sp>
+      <p:grpSp>
+        <p:nvGrpSpPr>
+          <p:cNvPr id="212" name="Groupe 211">
+            <a:extLst>
+              <a:ext uri="{FF2B5EF4-FFF2-40B4-BE49-F238E27FC236}">
+                <a16:creationId xmlns:a16="http://schemas.microsoft.com/office/drawing/2014/main" id="{112CAFFA-9815-41DA-817B-D108FAB91CE9}"/>
+              </a:ext>
+            </a:extLst>
+          </p:cNvPr>
+          <p:cNvGrpSpPr/>
+          <p:nvPr/>
+        </p:nvGrpSpPr>
+        <p:grpSpPr>
+          <a:xfrm>
+            <a:off x="7979110" y="701048"/>
+            <a:ext cx="323579" cy="504000"/>
+            <a:chOff x="1081563" y="3120223"/>
+            <a:chExt cx="323579" cy="504000"/>
+          </a:xfrm>
+        </p:grpSpPr>
+        <p:sp>
+          <p:nvSpPr>
+            <p:cNvPr id="213" name="Cylindre 212">
+              <a:extLst>
+                <a:ext uri="{FF2B5EF4-FFF2-40B4-BE49-F238E27FC236}">
+                  <a16:creationId xmlns:a16="http://schemas.microsoft.com/office/drawing/2014/main" id="{7D115198-61E1-4213-89BA-BDE0B853C5C9}"/>
+                </a:ext>
+              </a:extLst>
+            </p:cNvPr>
+            <p:cNvSpPr/>
+            <p:nvPr/>
+          </p:nvSpPr>
+          <p:spPr>
+            <a:xfrm>
+              <a:off x="1083111" y="3120223"/>
+              <a:ext cx="322031" cy="504000"/>
+            </a:xfrm>
+            <a:prstGeom prst="can">
+              <a:avLst/>
+            </a:prstGeom>
+            <a:solidFill>
+              <a:schemeClr val="bg1"/>
+            </a:solidFill>
+            <a:ln w="19050">
+              <a:solidFill>
+                <a:schemeClr val="tx1"/>
+              </a:solidFill>
+            </a:ln>
+          </p:spPr>
+          <p:style>
+            <a:lnRef idx="2">
+              <a:schemeClr val="accent1">
+                <a:shade val="50000"/>
+              </a:schemeClr>
+            </a:lnRef>
+            <a:fillRef idx="1">
+              <a:schemeClr val="accent1"/>
+            </a:fillRef>
+            <a:effectRef idx="0">
+              <a:schemeClr val="accent1"/>
+            </a:effectRef>
+            <a:fontRef idx="minor">
+              <a:schemeClr val="lt1"/>
+            </a:fontRef>
+          </p:style>
+          <p:txBody>
+            <a:bodyPr rtlCol="0" anchor="ctr"/>
+            <a:lstStyle/>
+            <a:p>
+              <a:pPr algn="ctr"/>
+              <a:endParaRPr lang="fr-FR"/>
+            </a:p>
+          </p:txBody>
+        </p:sp>
+        <p:sp>
+          <p:nvSpPr>
+            <p:cNvPr id="214" name="Cylindre 213">
+              <a:extLst>
+                <a:ext uri="{FF2B5EF4-FFF2-40B4-BE49-F238E27FC236}">
+                  <a16:creationId xmlns:a16="http://schemas.microsoft.com/office/drawing/2014/main" id="{3DD142A6-8061-4725-8143-CAE89A3605CF}"/>
+                </a:ext>
+              </a:extLst>
+            </p:cNvPr>
+            <p:cNvSpPr/>
+            <p:nvPr/>
+          </p:nvSpPr>
+          <p:spPr>
+            <a:xfrm>
+              <a:off x="1081563" y="3455949"/>
+              <a:ext cx="322031" cy="168274"/>
+            </a:xfrm>
+            <a:prstGeom prst="can">
+              <a:avLst>
+                <a:gd name="adj" fmla="val 50000"/>
+              </a:avLst>
+            </a:prstGeom>
+            <a:solidFill>
+              <a:srgbClr val="C0D0EB"/>
+            </a:solidFill>
+            <a:ln w="19050">
+              <a:solidFill>
+                <a:schemeClr val="tx1"/>
+              </a:solidFill>
+            </a:ln>
+          </p:spPr>
+          <p:style>
+            <a:lnRef idx="2">
+              <a:schemeClr val="accent1">
+                <a:shade val="50000"/>
+              </a:schemeClr>
+            </a:lnRef>
+            <a:fillRef idx="1">
+              <a:schemeClr val="accent1"/>
+            </a:fillRef>
+            <a:effectRef idx="0">
+              <a:schemeClr val="accent1"/>
+            </a:effectRef>
+            <a:fontRef idx="minor">
+              <a:schemeClr val="lt1"/>
+            </a:fontRef>
+          </p:style>
+          <p:txBody>
+            <a:bodyPr rtlCol="0" anchor="ctr"/>
+            <a:lstStyle/>
+            <a:p>
+              <a:pPr algn="ctr"/>
+              <a:endParaRPr lang="fr-FR"/>
+            </a:p>
+          </p:txBody>
+        </p:sp>
+        <p:sp>
+          <p:nvSpPr>
+            <p:cNvPr id="215" name="Flèche : droite 214">
+              <a:extLst>
+                <a:ext uri="{FF2B5EF4-FFF2-40B4-BE49-F238E27FC236}">
+                  <a16:creationId xmlns:a16="http://schemas.microsoft.com/office/drawing/2014/main" id="{6D244133-4C9E-4A8D-A651-2505D206E103}"/>
+                </a:ext>
+              </a:extLst>
+            </p:cNvPr>
+            <p:cNvSpPr/>
+            <p:nvPr/>
+          </p:nvSpPr>
+          <p:spPr>
+            <a:xfrm rot="16200000">
+              <a:off x="1063507" y="3277151"/>
+              <a:ext cx="358140" cy="113762"/>
+            </a:xfrm>
+            <a:prstGeom prst="rightArrow">
+              <a:avLst>
+                <a:gd name="adj1" fmla="val 50000"/>
+                <a:gd name="adj2" fmla="val 58725"/>
+              </a:avLst>
+            </a:prstGeom>
+            <a:solidFill>
+              <a:schemeClr val="tx1"/>
+            </a:solidFill>
+            <a:ln>
+              <a:solidFill>
+                <a:schemeClr val="bg1"/>
+              </a:solidFill>
+            </a:ln>
+          </p:spPr>
+          <p:style>
+            <a:lnRef idx="2">
+              <a:schemeClr val="accent1">
+                <a:shade val="50000"/>
+              </a:schemeClr>
+            </a:lnRef>
+            <a:fillRef idx="1">
+              <a:schemeClr val="accent1"/>
+            </a:fillRef>
+            <a:effectRef idx="0">
+              <a:schemeClr val="accent1"/>
+            </a:effectRef>
+            <a:fontRef idx="minor">
+              <a:schemeClr val="lt1"/>
+            </a:fontRef>
+          </p:style>
+          <p:txBody>
+            <a:bodyPr rtlCol="0" anchor="ctr"/>
+            <a:lstStyle/>
+            <a:p>
+              <a:pPr algn="ctr"/>
+              <a:endParaRPr lang="fr-FR"/>
+            </a:p>
+          </p:txBody>
+        </p:sp>
+      </p:grpSp>
+      <p:grpSp>
+        <p:nvGrpSpPr>
+          <p:cNvPr id="216" name="Groupe 215">
+            <a:extLst>
+              <a:ext uri="{FF2B5EF4-FFF2-40B4-BE49-F238E27FC236}">
+                <a16:creationId xmlns:a16="http://schemas.microsoft.com/office/drawing/2014/main" id="{1656BC22-1270-482F-9BE9-76D86777C7DC}"/>
+              </a:ext>
+            </a:extLst>
+          </p:cNvPr>
+          <p:cNvGrpSpPr/>
+          <p:nvPr/>
+        </p:nvGrpSpPr>
+        <p:grpSpPr>
+          <a:xfrm>
+            <a:off x="5730679" y="5128781"/>
+            <a:ext cx="323579" cy="504000"/>
+            <a:chOff x="1081563" y="3928365"/>
+            <a:chExt cx="323579" cy="504000"/>
+          </a:xfrm>
+        </p:grpSpPr>
+        <p:sp>
+          <p:nvSpPr>
+            <p:cNvPr id="217" name="Cylindre 216">
+              <a:extLst>
+                <a:ext uri="{FF2B5EF4-FFF2-40B4-BE49-F238E27FC236}">
+                  <a16:creationId xmlns:a16="http://schemas.microsoft.com/office/drawing/2014/main" id="{299604D1-164C-4C9F-AFBD-53BDF51C2CC2}"/>
+                </a:ext>
+              </a:extLst>
+            </p:cNvPr>
+            <p:cNvSpPr/>
+            <p:nvPr/>
+          </p:nvSpPr>
+          <p:spPr>
+            <a:xfrm>
+              <a:off x="1083111" y="3928365"/>
+              <a:ext cx="322031" cy="504000"/>
+            </a:xfrm>
+            <a:prstGeom prst="can">
+              <a:avLst/>
+            </a:prstGeom>
+            <a:solidFill>
+              <a:srgbClr val="C5D4EC"/>
+            </a:solidFill>
+            <a:ln w="19050">
+              <a:solidFill>
+                <a:schemeClr val="tx1"/>
+              </a:solidFill>
+            </a:ln>
+          </p:spPr>
+          <p:style>
+            <a:lnRef idx="2">
+              <a:schemeClr val="accent1">
+                <a:shade val="50000"/>
+              </a:schemeClr>
+            </a:lnRef>
+            <a:fillRef idx="1">
+              <a:schemeClr val="accent1"/>
+            </a:fillRef>
+            <a:effectRef idx="0">
+              <a:schemeClr val="accent1"/>
+            </a:effectRef>
+            <a:fontRef idx="minor">
+              <a:schemeClr val="lt1"/>
+            </a:fontRef>
+          </p:style>
+          <p:txBody>
+            <a:bodyPr rtlCol="0" anchor="ctr"/>
+            <a:lstStyle/>
+            <a:p>
+              <a:pPr algn="ctr"/>
+              <a:endParaRPr lang="fr-FR"/>
+            </a:p>
+          </p:txBody>
+        </p:sp>
+        <p:sp>
+          <p:nvSpPr>
+            <p:cNvPr id="218" name="Cylindre 217">
+              <a:extLst>
+                <a:ext uri="{FF2B5EF4-FFF2-40B4-BE49-F238E27FC236}">
+                  <a16:creationId xmlns:a16="http://schemas.microsoft.com/office/drawing/2014/main" id="{EC3C24C0-E17A-4230-9A96-CD265AAE7A1D}"/>
+                </a:ext>
+              </a:extLst>
+            </p:cNvPr>
+            <p:cNvSpPr/>
+            <p:nvPr/>
+          </p:nvSpPr>
+          <p:spPr>
+            <a:xfrm>
+              <a:off x="1081563" y="4264091"/>
+              <a:ext cx="322031" cy="168274"/>
+            </a:xfrm>
+            <a:prstGeom prst="can">
+              <a:avLst>
+                <a:gd name="adj" fmla="val 50000"/>
+              </a:avLst>
+            </a:prstGeom>
+            <a:solidFill>
+              <a:schemeClr val="bg1"/>
+            </a:solidFill>
+            <a:ln w="19050">
+              <a:solidFill>
+                <a:schemeClr val="tx1"/>
+              </a:solidFill>
+            </a:ln>
+          </p:spPr>
+          <p:style>
+            <a:lnRef idx="2">
+              <a:schemeClr val="accent1">
+                <a:shade val="50000"/>
+              </a:schemeClr>
+            </a:lnRef>
+            <a:fillRef idx="1">
+              <a:schemeClr val="accent1"/>
+            </a:fillRef>
+            <a:effectRef idx="0">
+              <a:schemeClr val="accent1"/>
+            </a:effectRef>
+            <a:fontRef idx="minor">
+              <a:schemeClr val="lt1"/>
+            </a:fontRef>
+          </p:style>
+          <p:txBody>
+            <a:bodyPr rtlCol="0" anchor="ctr"/>
+            <a:lstStyle/>
+            <a:p>
+              <a:pPr algn="ctr"/>
+              <a:endParaRPr lang="fr-FR"/>
+            </a:p>
+          </p:txBody>
+        </p:sp>
+        <p:sp>
+          <p:nvSpPr>
+            <p:cNvPr id="219" name="Flèche : droite 218">
+              <a:extLst>
+                <a:ext uri="{FF2B5EF4-FFF2-40B4-BE49-F238E27FC236}">
+                  <a16:creationId xmlns:a16="http://schemas.microsoft.com/office/drawing/2014/main" id="{04E0C0A0-F38A-4588-8C8C-B4597553EF8F}"/>
+                </a:ext>
+              </a:extLst>
+            </p:cNvPr>
+            <p:cNvSpPr/>
+            <p:nvPr/>
+          </p:nvSpPr>
+          <p:spPr>
+            <a:xfrm rot="5400000">
+              <a:off x="1063507" y="4085293"/>
+              <a:ext cx="358140" cy="113762"/>
+            </a:xfrm>
+            <a:prstGeom prst="rightArrow">
+              <a:avLst>
+                <a:gd name="adj1" fmla="val 50000"/>
+                <a:gd name="adj2" fmla="val 58725"/>
+              </a:avLst>
+            </a:prstGeom>
+            <a:solidFill>
+              <a:schemeClr val="tx1"/>
+            </a:solidFill>
+            <a:ln>
+              <a:solidFill>
+                <a:schemeClr val="bg1"/>
+              </a:solidFill>
+            </a:ln>
+          </p:spPr>
+          <p:style>
+            <a:lnRef idx="2">
+              <a:schemeClr val="accent1">
+                <a:shade val="50000"/>
+              </a:schemeClr>
+            </a:lnRef>
+            <a:fillRef idx="1">
+              <a:schemeClr val="accent1"/>
+            </a:fillRef>
+            <a:effectRef idx="0">
+              <a:schemeClr val="accent1"/>
+            </a:effectRef>
+            <a:fontRef idx="minor">
+              <a:schemeClr val="lt1"/>
+            </a:fontRef>
+          </p:style>
+          <p:txBody>
+            <a:bodyPr rtlCol="0" anchor="ctr"/>
+            <a:lstStyle/>
+            <a:p>
+              <a:pPr algn="ctr"/>
+              <a:endParaRPr lang="fr-FR"/>
+            </a:p>
+          </p:txBody>
+        </p:sp>
+      </p:grpSp>
+      <p:grpSp>
+        <p:nvGrpSpPr>
+          <p:cNvPr id="220" name="Groupe 219">
+            <a:extLst>
+              <a:ext uri="{FF2B5EF4-FFF2-40B4-BE49-F238E27FC236}">
+                <a16:creationId xmlns:a16="http://schemas.microsoft.com/office/drawing/2014/main" id="{D30AC3E2-4D73-4F39-8F78-3A33D4F75E09}"/>
+              </a:ext>
+            </a:extLst>
+          </p:cNvPr>
+          <p:cNvGrpSpPr/>
+          <p:nvPr/>
+        </p:nvGrpSpPr>
+        <p:grpSpPr>
+          <a:xfrm>
+            <a:off x="5272133" y="5254781"/>
+            <a:ext cx="322031" cy="378000"/>
+            <a:chOff x="623017" y="4054365"/>
+            <a:chExt cx="322031" cy="378000"/>
+          </a:xfrm>
+        </p:grpSpPr>
+        <p:sp>
+          <p:nvSpPr>
+            <p:cNvPr id="221" name="Cylindre 220">
+              <a:extLst>
+                <a:ext uri="{FF2B5EF4-FFF2-40B4-BE49-F238E27FC236}">
+                  <a16:creationId xmlns:a16="http://schemas.microsoft.com/office/drawing/2014/main" id="{350FD03D-89F7-4FF2-9DA2-31B7B6994FBE}"/>
+                </a:ext>
+              </a:extLst>
+            </p:cNvPr>
+            <p:cNvSpPr/>
+            <p:nvPr/>
+          </p:nvSpPr>
+          <p:spPr>
+            <a:xfrm>
+              <a:off x="623017" y="4054365"/>
+              <a:ext cx="322031" cy="378000"/>
+            </a:xfrm>
+            <a:prstGeom prst="can">
+              <a:avLst/>
+            </a:prstGeom>
+            <a:solidFill>
+              <a:srgbClr val="C5D4EC"/>
+            </a:solidFill>
+            <a:ln w="19050">
+              <a:solidFill>
+                <a:schemeClr val="tx1"/>
+              </a:solidFill>
+            </a:ln>
+          </p:spPr>
+          <p:style>
+            <a:lnRef idx="2">
+              <a:schemeClr val="accent1">
+                <a:shade val="50000"/>
+              </a:schemeClr>
+            </a:lnRef>
+            <a:fillRef idx="1">
+              <a:schemeClr val="accent1"/>
+            </a:fillRef>
+            <a:effectRef idx="0">
+              <a:schemeClr val="accent1"/>
+            </a:effectRef>
+            <a:fontRef idx="minor">
+              <a:schemeClr val="lt1"/>
+            </a:fontRef>
+          </p:style>
+          <p:txBody>
+            <a:bodyPr rtlCol="0" anchor="ctr"/>
+            <a:lstStyle/>
+            <a:p>
+              <a:pPr algn="ctr"/>
+              <a:endParaRPr lang="fr-FR"/>
+            </a:p>
+          </p:txBody>
+        </p:sp>
+        <p:sp>
+          <p:nvSpPr>
+            <p:cNvPr id="222" name="Cylindre 221">
+              <a:extLst>
+                <a:ext uri="{FF2B5EF4-FFF2-40B4-BE49-F238E27FC236}">
+                  <a16:creationId xmlns:a16="http://schemas.microsoft.com/office/drawing/2014/main" id="{0F44E342-48DA-48B1-B48C-087BA799A69C}"/>
+                </a:ext>
+              </a:extLst>
+            </p:cNvPr>
+            <p:cNvSpPr/>
+            <p:nvPr/>
+          </p:nvSpPr>
+          <p:spPr>
+            <a:xfrm>
+              <a:off x="623017" y="4264091"/>
+              <a:ext cx="322031" cy="168274"/>
+            </a:xfrm>
+            <a:prstGeom prst="can">
+              <a:avLst>
+                <a:gd name="adj" fmla="val 50000"/>
+              </a:avLst>
+            </a:prstGeom>
+            <a:solidFill>
+              <a:schemeClr val="bg1"/>
+            </a:solidFill>
+            <a:ln w="19050">
+              <a:solidFill>
+                <a:schemeClr val="tx1"/>
+              </a:solidFill>
+            </a:ln>
+          </p:spPr>
+          <p:style>
+            <a:lnRef idx="2">
+              <a:schemeClr val="accent1">
+                <a:shade val="50000"/>
+              </a:schemeClr>
+            </a:lnRef>
+            <a:fillRef idx="1">
+              <a:schemeClr val="accent1"/>
+            </a:fillRef>
+            <a:effectRef idx="0">
+              <a:schemeClr val="accent1"/>
+            </a:effectRef>
+            <a:fontRef idx="minor">
+              <a:schemeClr val="lt1"/>
+            </a:fontRef>
+          </p:style>
+          <p:txBody>
+            <a:bodyPr rtlCol="0" anchor="ctr"/>
+            <a:lstStyle/>
+            <a:p>
+              <a:pPr algn="ctr"/>
+              <a:endParaRPr lang="fr-FR"/>
+            </a:p>
+          </p:txBody>
+        </p:sp>
+        <p:sp>
+          <p:nvSpPr>
+            <p:cNvPr id="223" name="Flèche : droite 222">
+              <a:extLst>
+                <a:ext uri="{FF2B5EF4-FFF2-40B4-BE49-F238E27FC236}">
+                  <a16:creationId xmlns:a16="http://schemas.microsoft.com/office/drawing/2014/main" id="{3CE8B1C7-2F0D-4690-B178-73ED82503954}"/>
+                </a:ext>
+              </a:extLst>
+            </p:cNvPr>
+            <p:cNvSpPr/>
+            <p:nvPr/>
+          </p:nvSpPr>
+          <p:spPr>
+            <a:xfrm rot="5400000">
+              <a:off x="662249" y="4142581"/>
+              <a:ext cx="243563" cy="113762"/>
+            </a:xfrm>
+            <a:prstGeom prst="rightArrow">
+              <a:avLst>
+                <a:gd name="adj1" fmla="val 50000"/>
+                <a:gd name="adj2" fmla="val 58725"/>
+              </a:avLst>
+            </a:prstGeom>
+            <a:solidFill>
+              <a:schemeClr val="tx1"/>
+            </a:solidFill>
+            <a:ln>
+              <a:solidFill>
+                <a:schemeClr val="bg1"/>
+              </a:solidFill>
+            </a:ln>
+          </p:spPr>
+          <p:style>
+            <a:lnRef idx="2">
+              <a:schemeClr val="accent1">
+                <a:shade val="50000"/>
+              </a:schemeClr>
+            </a:lnRef>
+            <a:fillRef idx="1">
+              <a:schemeClr val="accent1"/>
+            </a:fillRef>
+            <a:effectRef idx="0">
+              <a:schemeClr val="accent1"/>
+            </a:effectRef>
+            <a:fontRef idx="minor">
+              <a:schemeClr val="lt1"/>
+            </a:fontRef>
+          </p:style>
+          <p:txBody>
+            <a:bodyPr rtlCol="0" anchor="ctr"/>
+            <a:lstStyle/>
+            <a:p>
+              <a:pPr algn="ctr"/>
+              <a:endParaRPr lang="fr-FR"/>
+            </a:p>
+          </p:txBody>
+        </p:sp>
+      </p:grpSp>
+      <p:grpSp>
+        <p:nvGrpSpPr>
+          <p:cNvPr id="224" name="Groupe 223">
+            <a:extLst>
+              <a:ext uri="{FF2B5EF4-FFF2-40B4-BE49-F238E27FC236}">
+                <a16:creationId xmlns:a16="http://schemas.microsoft.com/office/drawing/2014/main" id="{3AF5B81E-AAE9-445E-BC2F-A67866093BF5}"/>
+              </a:ext>
+            </a:extLst>
+          </p:cNvPr>
+          <p:cNvGrpSpPr/>
+          <p:nvPr/>
+        </p:nvGrpSpPr>
+        <p:grpSpPr>
+          <a:xfrm>
+            <a:off x="8883743" y="4813781"/>
+            <a:ext cx="322031" cy="630000"/>
+            <a:chOff x="1548202" y="3796373"/>
+            <a:chExt cx="322031" cy="630000"/>
+          </a:xfrm>
+        </p:grpSpPr>
+        <p:sp>
+          <p:nvSpPr>
+            <p:cNvPr id="225" name="Cylindre 224">
+              <a:extLst>
+                <a:ext uri="{FF2B5EF4-FFF2-40B4-BE49-F238E27FC236}">
+                  <a16:creationId xmlns:a16="http://schemas.microsoft.com/office/drawing/2014/main" id="{B307695C-26A6-4E60-A368-21F98F86814E}"/>
+                </a:ext>
+              </a:extLst>
+            </p:cNvPr>
+            <p:cNvSpPr/>
+            <p:nvPr/>
+          </p:nvSpPr>
+          <p:spPr>
+            <a:xfrm>
+              <a:off x="1548202" y="3796373"/>
+              <a:ext cx="322031" cy="630000"/>
+            </a:xfrm>
+            <a:prstGeom prst="can">
+              <a:avLst/>
+            </a:prstGeom>
+            <a:solidFill>
+              <a:srgbClr val="C5D4EC"/>
+            </a:solidFill>
+            <a:ln w="19050">
+              <a:solidFill>
+                <a:schemeClr val="tx1"/>
+              </a:solidFill>
+            </a:ln>
+          </p:spPr>
+          <p:style>
+            <a:lnRef idx="2">
+              <a:schemeClr val="accent1">
+                <a:shade val="50000"/>
+              </a:schemeClr>
+            </a:lnRef>
+            <a:fillRef idx="1">
+              <a:schemeClr val="accent1"/>
+            </a:fillRef>
+            <a:effectRef idx="0">
+              <a:schemeClr val="accent1"/>
+            </a:effectRef>
+            <a:fontRef idx="minor">
+              <a:schemeClr val="lt1"/>
+            </a:fontRef>
+          </p:style>
+          <p:txBody>
+            <a:bodyPr rtlCol="0" anchor="ctr"/>
+            <a:lstStyle/>
+            <a:p>
+              <a:pPr algn="ctr"/>
+              <a:endParaRPr lang="fr-FR"/>
+            </a:p>
+          </p:txBody>
+        </p:sp>
+        <p:sp>
+          <p:nvSpPr>
+            <p:cNvPr id="226" name="Cylindre 225">
+              <a:extLst>
+                <a:ext uri="{FF2B5EF4-FFF2-40B4-BE49-F238E27FC236}">
+                  <a16:creationId xmlns:a16="http://schemas.microsoft.com/office/drawing/2014/main" id="{96F7F290-CE02-4567-83AB-CF5518F19D41}"/>
+                </a:ext>
+              </a:extLst>
+            </p:cNvPr>
+            <p:cNvSpPr/>
+            <p:nvPr/>
+          </p:nvSpPr>
+          <p:spPr>
+            <a:xfrm>
+              <a:off x="1548202" y="4258099"/>
+              <a:ext cx="322031" cy="168274"/>
+            </a:xfrm>
+            <a:prstGeom prst="can">
+              <a:avLst>
+                <a:gd name="adj" fmla="val 50000"/>
+              </a:avLst>
+            </a:prstGeom>
+            <a:solidFill>
+              <a:schemeClr val="bg1"/>
+            </a:solidFill>
+            <a:ln w="19050">
+              <a:solidFill>
+                <a:schemeClr val="tx1"/>
+              </a:solidFill>
+            </a:ln>
+          </p:spPr>
+          <p:style>
+            <a:lnRef idx="2">
+              <a:schemeClr val="accent1">
+                <a:shade val="50000"/>
+              </a:schemeClr>
+            </a:lnRef>
+            <a:fillRef idx="1">
+              <a:schemeClr val="accent1"/>
+            </a:fillRef>
+            <a:effectRef idx="0">
+              <a:schemeClr val="accent1"/>
+            </a:effectRef>
+            <a:fontRef idx="minor">
+              <a:schemeClr val="lt1"/>
+            </a:fontRef>
+          </p:style>
+          <p:txBody>
+            <a:bodyPr rtlCol="0" anchor="ctr"/>
+            <a:lstStyle/>
+            <a:p>
+              <a:pPr algn="ctr"/>
+              <a:endParaRPr lang="fr-FR"/>
+            </a:p>
+          </p:txBody>
+        </p:sp>
+        <p:sp>
+          <p:nvSpPr>
+            <p:cNvPr id="227" name="Flèche : droite 226">
+              <a:extLst>
+                <a:ext uri="{FF2B5EF4-FFF2-40B4-BE49-F238E27FC236}">
+                  <a16:creationId xmlns:a16="http://schemas.microsoft.com/office/drawing/2014/main" id="{0D05F594-1634-4718-AB44-F6AAED094188}"/>
+                </a:ext>
+              </a:extLst>
+            </p:cNvPr>
+            <p:cNvSpPr/>
+            <p:nvPr/>
+          </p:nvSpPr>
+          <p:spPr>
+            <a:xfrm rot="5400000">
+              <a:off x="1460890" y="4010046"/>
+              <a:ext cx="496651" cy="113762"/>
+            </a:xfrm>
+            <a:prstGeom prst="rightArrow">
+              <a:avLst>
+                <a:gd name="adj1" fmla="val 50000"/>
+                <a:gd name="adj2" fmla="val 58725"/>
+              </a:avLst>
+            </a:prstGeom>
+            <a:solidFill>
+              <a:schemeClr val="tx1"/>
+            </a:solidFill>
+            <a:ln>
+              <a:solidFill>
+                <a:schemeClr val="bg1"/>
+              </a:solidFill>
+            </a:ln>
+          </p:spPr>
+          <p:style>
+            <a:lnRef idx="2">
+              <a:schemeClr val="accent1">
+                <a:shade val="50000"/>
+              </a:schemeClr>
+            </a:lnRef>
+            <a:fillRef idx="1">
+              <a:schemeClr val="accent1"/>
+            </a:fillRef>
+            <a:effectRef idx="0">
+              <a:schemeClr val="accent1"/>
+            </a:effectRef>
+            <a:fontRef idx="minor">
+              <a:schemeClr val="lt1"/>
+            </a:fontRef>
+          </p:style>
+          <p:txBody>
+            <a:bodyPr rtlCol="0" anchor="ctr"/>
+            <a:lstStyle/>
+            <a:p>
+              <a:pPr algn="ctr"/>
+              <a:endParaRPr lang="fr-FR"/>
+            </a:p>
+          </p:txBody>
+        </p:sp>
+      </p:grpSp>
+      <p:sp>
+        <p:nvSpPr>
+          <p:cNvPr id="228" name="Ellipse 227">
+            <a:extLst>
+              <a:ext uri="{FF2B5EF4-FFF2-40B4-BE49-F238E27FC236}">
+                <a16:creationId xmlns:a16="http://schemas.microsoft.com/office/drawing/2014/main" id="{F3FE0D3B-6AB6-43F1-8454-843469F19925}"/>
+              </a:ext>
+            </a:extLst>
+          </p:cNvPr>
+          <p:cNvSpPr/>
+          <p:nvPr/>
+        </p:nvSpPr>
+        <p:spPr>
+          <a:xfrm>
+            <a:off x="3481191" y="2166650"/>
+            <a:ext cx="1800000" cy="1800000"/>
+          </a:xfrm>
+          <a:prstGeom prst="ellipse">
+            <a:avLst/>
+          </a:prstGeom>
+          <a:solidFill>
+            <a:schemeClr val="bg1"/>
+          </a:solidFill>
+          <a:ln w="101600">
+            <a:noFill/>
+          </a:ln>
+        </p:spPr>
+        <p:style>
+          <a:lnRef idx="2">
+            <a:schemeClr val="accent1">
+              <a:shade val="50000"/>
+            </a:schemeClr>
+          </a:lnRef>
+          <a:fillRef idx="1">
+            <a:schemeClr val="accent1"/>
+          </a:fillRef>
+          <a:effectRef idx="0">
+            <a:schemeClr val="accent1"/>
+          </a:effectRef>
+          <a:fontRef idx="minor">
+            <a:schemeClr val="lt1"/>
+          </a:fontRef>
+        </p:style>
+        <p:txBody>
+          <a:bodyPr rtlCol="0" anchor="ctr"/>
+          <a:lstStyle/>
+          <a:p>
+            <a:pPr algn="ctr"/>
+            <a:endParaRPr lang="fr-FR" dirty="0"/>
+          </a:p>
+        </p:txBody>
+      </p:sp>
+      <p:sp>
+        <p:nvSpPr>
+          <p:cNvPr id="229" name="Ellipse 228">
+            <a:extLst>
+              <a:ext uri="{FF2B5EF4-FFF2-40B4-BE49-F238E27FC236}">
+                <a16:creationId xmlns:a16="http://schemas.microsoft.com/office/drawing/2014/main" id="{98B8D826-7D26-4072-9C34-4ECCA1E1C87E}"/>
+              </a:ext>
+            </a:extLst>
+          </p:cNvPr>
+          <p:cNvSpPr/>
+          <p:nvPr/>
+        </p:nvSpPr>
+        <p:spPr>
+          <a:xfrm>
+            <a:off x="3571191" y="2256650"/>
+            <a:ext cx="1620000" cy="1620000"/>
+          </a:xfrm>
+          <a:prstGeom prst="ellipse">
+            <a:avLst/>
+          </a:prstGeom>
+          <a:solidFill>
+            <a:schemeClr val="tx1">
+              <a:lumMod val="65000"/>
+              <a:lumOff val="35000"/>
+            </a:schemeClr>
+          </a:solidFill>
+          <a:ln w="19050">
+            <a:solidFill>
+              <a:schemeClr val="bg1"/>
+            </a:solidFill>
+          </a:ln>
+        </p:spPr>
+        <p:style>
+          <a:lnRef idx="2">
+            <a:schemeClr val="accent1">
+              <a:shade val="50000"/>
+            </a:schemeClr>
+          </a:lnRef>
+          <a:fillRef idx="1">
+            <a:schemeClr val="accent1"/>
+          </a:fillRef>
+          <a:effectRef idx="0">
+            <a:schemeClr val="accent1"/>
+          </a:effectRef>
+          <a:fontRef idx="minor">
+            <a:schemeClr val="lt1"/>
+          </a:fontRef>
+        </p:style>
+        <p:txBody>
+          <a:bodyPr rtlCol="0" anchor="ctr"/>
+          <a:lstStyle/>
+          <a:p>
+            <a:pPr algn="ctr"/>
+            <a:endParaRPr lang="fr-FR" dirty="0"/>
+          </a:p>
+        </p:txBody>
+      </p:sp>
+      <p:sp>
+        <p:nvSpPr>
+          <p:cNvPr id="230" name="ZoneTexte 229">
+            <a:extLst>
+              <a:ext uri="{FF2B5EF4-FFF2-40B4-BE49-F238E27FC236}">
+                <a16:creationId xmlns:a16="http://schemas.microsoft.com/office/drawing/2014/main" id="{D791F00B-43DA-43E3-901F-A7C623B86999}"/>
+              </a:ext>
+            </a:extLst>
+          </p:cNvPr>
+          <p:cNvSpPr txBox="1"/>
+          <p:nvPr/>
+        </p:nvSpPr>
+        <p:spPr>
+          <a:xfrm>
+            <a:off x="3963124" y="3204352"/>
+            <a:ext cx="836134" cy="338554"/>
+          </a:xfrm>
+          <a:prstGeom prst="rect">
+            <a:avLst/>
+          </a:prstGeom>
+          <a:noFill/>
+        </p:spPr>
+        <p:txBody>
+          <a:bodyPr wrap="square" rtlCol="0">
+            <a:spAutoFit/>
+          </a:bodyPr>
+          <a:lstStyle/>
+          <a:p>
+            <a:pPr algn="ctr"/>
+            <a:r>
+              <a:rPr lang="fr-FR" sz="1600" b="1" dirty="0">
+                <a:solidFill>
+                  <a:schemeClr val="bg1"/>
+                </a:solidFill>
+              </a:rPr>
+              <a:t>- 3 cm</a:t>
+            </a:r>
+          </a:p>
+        </p:txBody>
+      </p:sp>
+      <p:grpSp>
+        <p:nvGrpSpPr>
+          <p:cNvPr id="231" name="Groupe 230">
+            <a:extLst>
+              <a:ext uri="{FF2B5EF4-FFF2-40B4-BE49-F238E27FC236}">
+                <a16:creationId xmlns:a16="http://schemas.microsoft.com/office/drawing/2014/main" id="{50F33E2F-DAB6-4885-9145-2294D1420E26}"/>
+              </a:ext>
+            </a:extLst>
+          </p:cNvPr>
+          <p:cNvGrpSpPr/>
+          <p:nvPr/>
+        </p:nvGrpSpPr>
+        <p:grpSpPr>
+          <a:xfrm>
+            <a:off x="4216015" y="2968394"/>
+            <a:ext cx="322031" cy="252000"/>
+            <a:chOff x="167566" y="4180681"/>
+            <a:chExt cx="322031" cy="252000"/>
+          </a:xfrm>
+        </p:grpSpPr>
+        <p:sp>
+          <p:nvSpPr>
+            <p:cNvPr id="232" name="Cylindre 231">
+              <a:extLst>
+                <a:ext uri="{FF2B5EF4-FFF2-40B4-BE49-F238E27FC236}">
+                  <a16:creationId xmlns:a16="http://schemas.microsoft.com/office/drawing/2014/main" id="{46721587-9D94-414E-AC6E-59F0407358A1}"/>
+                </a:ext>
+              </a:extLst>
+            </p:cNvPr>
+            <p:cNvSpPr/>
+            <p:nvPr/>
+          </p:nvSpPr>
+          <p:spPr>
+            <a:xfrm>
+              <a:off x="167566" y="4180681"/>
+              <a:ext cx="322031" cy="252000"/>
+            </a:xfrm>
+            <a:prstGeom prst="can">
+              <a:avLst/>
+            </a:prstGeom>
+            <a:solidFill>
+              <a:srgbClr val="C5D4EC"/>
+            </a:solidFill>
+            <a:ln w="19050">
+              <a:solidFill>
+                <a:schemeClr val="tx1"/>
+              </a:solidFill>
+            </a:ln>
+          </p:spPr>
+          <p:style>
+            <a:lnRef idx="2">
+              <a:schemeClr val="accent1">
+                <a:shade val="50000"/>
+              </a:schemeClr>
+            </a:lnRef>
+            <a:fillRef idx="1">
+              <a:schemeClr val="accent1"/>
+            </a:fillRef>
+            <a:effectRef idx="0">
+              <a:schemeClr val="accent1"/>
+            </a:effectRef>
+            <a:fontRef idx="minor">
+              <a:schemeClr val="lt1"/>
+            </a:fontRef>
+          </p:style>
+          <p:txBody>
+            <a:bodyPr rtlCol="0" anchor="ctr"/>
+            <a:lstStyle/>
+            <a:p>
+              <a:pPr algn="ctr"/>
+              <a:endParaRPr lang="fr-FR"/>
+            </a:p>
+          </p:txBody>
+        </p:sp>
+        <p:sp>
+          <p:nvSpPr>
+            <p:cNvPr id="233" name="Cylindre 232">
+              <a:extLst>
+                <a:ext uri="{FF2B5EF4-FFF2-40B4-BE49-F238E27FC236}">
+                  <a16:creationId xmlns:a16="http://schemas.microsoft.com/office/drawing/2014/main" id="{5DE02B62-7F0E-4CF3-A1D6-DFAC8519B65E}"/>
+                </a:ext>
+              </a:extLst>
+            </p:cNvPr>
+            <p:cNvSpPr/>
+            <p:nvPr/>
+          </p:nvSpPr>
+          <p:spPr>
+            <a:xfrm>
+              <a:off x="167566" y="4264091"/>
+              <a:ext cx="322031" cy="168274"/>
+            </a:xfrm>
+            <a:prstGeom prst="can">
+              <a:avLst>
+                <a:gd name="adj" fmla="val 50000"/>
+              </a:avLst>
+            </a:prstGeom>
+            <a:solidFill>
+              <a:schemeClr val="bg1"/>
+            </a:solidFill>
+            <a:ln w="19050">
+              <a:solidFill>
+                <a:schemeClr val="tx1"/>
+              </a:solidFill>
+            </a:ln>
+          </p:spPr>
+          <p:style>
+            <a:lnRef idx="2">
+              <a:schemeClr val="accent1">
+                <a:shade val="50000"/>
+              </a:schemeClr>
+            </a:lnRef>
+            <a:fillRef idx="1">
+              <a:schemeClr val="accent1"/>
+            </a:fillRef>
+            <a:effectRef idx="0">
+              <a:schemeClr val="accent1"/>
+            </a:effectRef>
+            <a:fontRef idx="minor">
+              <a:schemeClr val="lt1"/>
+            </a:fontRef>
+          </p:style>
+          <p:txBody>
+            <a:bodyPr rtlCol="0" anchor="ctr"/>
+            <a:lstStyle/>
+            <a:p>
+              <a:pPr algn="ctr"/>
+              <a:endParaRPr lang="fr-FR"/>
+            </a:p>
+          </p:txBody>
+        </p:sp>
+        <p:sp>
+          <p:nvSpPr>
+            <p:cNvPr id="234" name="Flèche : droite 233">
+              <a:extLst>
+                <a:ext uri="{FF2B5EF4-FFF2-40B4-BE49-F238E27FC236}">
+                  <a16:creationId xmlns:a16="http://schemas.microsoft.com/office/drawing/2014/main" id="{6A3749FB-EAA5-4B99-ACFC-8CA1A579A017}"/>
+                </a:ext>
+              </a:extLst>
+            </p:cNvPr>
+            <p:cNvSpPr/>
+            <p:nvPr/>
+          </p:nvSpPr>
+          <p:spPr>
+            <a:xfrm rot="5400000">
+              <a:off x="267189" y="4202972"/>
+              <a:ext cx="122782" cy="113762"/>
+            </a:xfrm>
+            <a:prstGeom prst="rightArrow">
+              <a:avLst>
+                <a:gd name="adj1" fmla="val 50000"/>
+                <a:gd name="adj2" fmla="val 58725"/>
+              </a:avLst>
+            </a:prstGeom>
+            <a:solidFill>
+              <a:schemeClr val="tx1"/>
+            </a:solidFill>
+            <a:ln>
+              <a:solidFill>
+                <a:schemeClr val="bg1"/>
+              </a:solidFill>
+            </a:ln>
+          </p:spPr>
+          <p:style>
+            <a:lnRef idx="2">
+              <a:schemeClr val="accent1">
+                <a:shade val="50000"/>
+              </a:schemeClr>
+            </a:lnRef>
+            <a:fillRef idx="1">
+              <a:schemeClr val="accent1"/>
+            </a:fillRef>
+            <a:effectRef idx="0">
+              <a:schemeClr val="accent1"/>
+            </a:effectRef>
+            <a:fontRef idx="minor">
+              <a:schemeClr val="lt1"/>
+            </a:fontRef>
+          </p:style>
+          <p:txBody>
+            <a:bodyPr rtlCol="0" anchor="ctr"/>
+            <a:lstStyle/>
+            <a:p>
+              <a:pPr algn="ctr"/>
+              <a:endParaRPr lang="fr-FR"/>
+            </a:p>
+          </p:txBody>
+        </p:sp>
+      </p:grpSp>
+      <p:sp>
+        <p:nvSpPr>
+          <p:cNvPr id="235" name="Ellipse 234">
+            <a:extLst>
+              <a:ext uri="{FF2B5EF4-FFF2-40B4-BE49-F238E27FC236}">
+                <a16:creationId xmlns:a16="http://schemas.microsoft.com/office/drawing/2014/main" id="{69EED5CE-0AE1-4488-A1AF-C1C1C8371F92}"/>
+              </a:ext>
+            </a:extLst>
+          </p:cNvPr>
+          <p:cNvSpPr/>
+          <p:nvPr/>
+        </p:nvSpPr>
+        <p:spPr>
+          <a:xfrm>
+            <a:off x="5403085" y="2220223"/>
+            <a:ext cx="1800000" cy="1800000"/>
+          </a:xfrm>
+          <a:prstGeom prst="ellipse">
+            <a:avLst/>
+          </a:prstGeom>
+          <a:solidFill>
+            <a:schemeClr val="bg1"/>
+          </a:solidFill>
+          <a:ln w="101600">
+            <a:noFill/>
+          </a:ln>
+        </p:spPr>
+        <p:style>
+          <a:lnRef idx="2">
+            <a:schemeClr val="accent1">
+              <a:shade val="50000"/>
+            </a:schemeClr>
+          </a:lnRef>
+          <a:fillRef idx="1">
+            <a:schemeClr val="accent1"/>
+          </a:fillRef>
+          <a:effectRef idx="0">
+            <a:schemeClr val="accent1"/>
+          </a:effectRef>
+          <a:fontRef idx="minor">
+            <a:schemeClr val="lt1"/>
+          </a:fontRef>
+        </p:style>
+        <p:txBody>
+          <a:bodyPr rtlCol="0" anchor="ctr"/>
+          <a:lstStyle/>
+          <a:p>
+            <a:pPr algn="ctr"/>
+            <a:endParaRPr lang="fr-FR" dirty="0"/>
+          </a:p>
+        </p:txBody>
+      </p:sp>
+      <p:sp>
+        <p:nvSpPr>
+          <p:cNvPr id="236" name="Ellipse 235">
+            <a:extLst>
+              <a:ext uri="{FF2B5EF4-FFF2-40B4-BE49-F238E27FC236}">
+                <a16:creationId xmlns:a16="http://schemas.microsoft.com/office/drawing/2014/main" id="{44A1BDBD-6949-4DF9-91DC-2EEF38598AC4}"/>
+              </a:ext>
+            </a:extLst>
+          </p:cNvPr>
+          <p:cNvSpPr/>
+          <p:nvPr/>
+        </p:nvSpPr>
+        <p:spPr>
+          <a:xfrm>
+            <a:off x="5493085" y="2310223"/>
+            <a:ext cx="1620000" cy="1620000"/>
+          </a:xfrm>
+          <a:prstGeom prst="ellipse">
+            <a:avLst/>
+          </a:prstGeom>
+          <a:solidFill>
+            <a:schemeClr val="tx1">
+              <a:lumMod val="75000"/>
+              <a:lumOff val="25000"/>
+            </a:schemeClr>
+          </a:solidFill>
+          <a:ln w="19050">
+            <a:solidFill>
+              <a:schemeClr val="bg1"/>
+            </a:solidFill>
+          </a:ln>
+        </p:spPr>
+        <p:style>
+          <a:lnRef idx="2">
+            <a:schemeClr val="accent1">
+              <a:shade val="50000"/>
+            </a:schemeClr>
+          </a:lnRef>
+          <a:fillRef idx="1">
+            <a:schemeClr val="accent1"/>
+          </a:fillRef>
+          <a:effectRef idx="0">
+            <a:schemeClr val="accent1"/>
+          </a:effectRef>
+          <a:fontRef idx="minor">
+            <a:schemeClr val="lt1"/>
+          </a:fontRef>
+        </p:style>
+        <p:txBody>
+          <a:bodyPr rtlCol="0" anchor="ctr"/>
+          <a:lstStyle/>
+          <a:p>
+            <a:pPr algn="ctr"/>
+            <a:endParaRPr lang="fr-FR" dirty="0"/>
+          </a:p>
+        </p:txBody>
+      </p:sp>
+      <p:sp>
+        <p:nvSpPr>
+          <p:cNvPr id="237" name="ZoneTexte 236">
+            <a:extLst>
+              <a:ext uri="{FF2B5EF4-FFF2-40B4-BE49-F238E27FC236}">
+                <a16:creationId xmlns:a16="http://schemas.microsoft.com/office/drawing/2014/main" id="{F7335ABD-7E49-4D69-A53C-94AB3444A1E3}"/>
+              </a:ext>
+            </a:extLst>
+          </p:cNvPr>
+          <p:cNvSpPr txBox="1"/>
+          <p:nvPr/>
+        </p:nvSpPr>
+        <p:spPr>
+          <a:xfrm>
+            <a:off x="5885018" y="3257925"/>
+            <a:ext cx="836134" cy="338554"/>
+          </a:xfrm>
+          <a:prstGeom prst="rect">
+            <a:avLst/>
+          </a:prstGeom>
+          <a:noFill/>
+        </p:spPr>
+        <p:txBody>
+          <a:bodyPr wrap="square" rtlCol="0">
+            <a:spAutoFit/>
+          </a:bodyPr>
+          <a:lstStyle/>
+          <a:p>
+            <a:pPr algn="ctr"/>
+            <a:r>
+              <a:rPr lang="fr-FR" sz="1600" b="1" dirty="0">
+                <a:solidFill>
+                  <a:schemeClr val="bg1"/>
+                </a:solidFill>
+              </a:rPr>
+              <a:t>- 6 cm</a:t>
+            </a:r>
+          </a:p>
+        </p:txBody>
+      </p:sp>
+      <p:grpSp>
+        <p:nvGrpSpPr>
+          <p:cNvPr id="238" name="Groupe 237">
+            <a:extLst>
+              <a:ext uri="{FF2B5EF4-FFF2-40B4-BE49-F238E27FC236}">
+                <a16:creationId xmlns:a16="http://schemas.microsoft.com/office/drawing/2014/main" id="{20191107-C857-434F-848D-2B61FA751C82}"/>
+              </a:ext>
+            </a:extLst>
+          </p:cNvPr>
+          <p:cNvGrpSpPr/>
+          <p:nvPr/>
+        </p:nvGrpSpPr>
+        <p:grpSpPr>
+          <a:xfrm>
+            <a:off x="6140698" y="2895967"/>
+            <a:ext cx="322031" cy="378000"/>
+            <a:chOff x="623017" y="4054365"/>
+            <a:chExt cx="322031" cy="378000"/>
+          </a:xfrm>
+        </p:grpSpPr>
+        <p:sp>
+          <p:nvSpPr>
+            <p:cNvPr id="239" name="Cylindre 238">
+              <a:extLst>
+                <a:ext uri="{FF2B5EF4-FFF2-40B4-BE49-F238E27FC236}">
+                  <a16:creationId xmlns:a16="http://schemas.microsoft.com/office/drawing/2014/main" id="{D8FBF901-26EB-49A2-B1B4-23C7B77656C9}"/>
+                </a:ext>
+              </a:extLst>
+            </p:cNvPr>
+            <p:cNvSpPr/>
+            <p:nvPr/>
+          </p:nvSpPr>
+          <p:spPr>
+            <a:xfrm>
+              <a:off x="623017" y="4054365"/>
+              <a:ext cx="322031" cy="378000"/>
+            </a:xfrm>
+            <a:prstGeom prst="can">
+              <a:avLst/>
+            </a:prstGeom>
+            <a:solidFill>
+              <a:srgbClr val="C5D4EC"/>
+            </a:solidFill>
+            <a:ln w="19050">
+              <a:solidFill>
+                <a:schemeClr val="tx1"/>
+              </a:solidFill>
+            </a:ln>
+          </p:spPr>
+          <p:style>
+            <a:lnRef idx="2">
+              <a:schemeClr val="accent1">
+                <a:shade val="50000"/>
+              </a:schemeClr>
+            </a:lnRef>
+            <a:fillRef idx="1">
+              <a:schemeClr val="accent1"/>
+            </a:fillRef>
+            <a:effectRef idx="0">
+              <a:schemeClr val="accent1"/>
+            </a:effectRef>
+            <a:fontRef idx="minor">
+              <a:schemeClr val="lt1"/>
+            </a:fontRef>
+          </p:style>
+          <p:txBody>
+            <a:bodyPr rtlCol="0" anchor="ctr"/>
+            <a:lstStyle/>
+            <a:p>
+              <a:pPr algn="ctr"/>
+              <a:endParaRPr lang="fr-FR"/>
+            </a:p>
+          </p:txBody>
+        </p:sp>
+        <p:sp>
+          <p:nvSpPr>
+            <p:cNvPr id="240" name="Cylindre 239">
+              <a:extLst>
+                <a:ext uri="{FF2B5EF4-FFF2-40B4-BE49-F238E27FC236}">
+                  <a16:creationId xmlns:a16="http://schemas.microsoft.com/office/drawing/2014/main" id="{05127BF1-C68F-4FE5-9266-2F64C93AF235}"/>
+                </a:ext>
+              </a:extLst>
+            </p:cNvPr>
+            <p:cNvSpPr/>
+            <p:nvPr/>
+          </p:nvSpPr>
+          <p:spPr>
+            <a:xfrm>
+              <a:off x="623017" y="4264091"/>
+              <a:ext cx="322031" cy="168274"/>
+            </a:xfrm>
+            <a:prstGeom prst="can">
+              <a:avLst>
+                <a:gd name="adj" fmla="val 50000"/>
+              </a:avLst>
+            </a:prstGeom>
+            <a:solidFill>
+              <a:schemeClr val="bg1"/>
+            </a:solidFill>
+            <a:ln w="19050">
+              <a:solidFill>
+                <a:schemeClr val="tx1"/>
+              </a:solidFill>
+            </a:ln>
+          </p:spPr>
+          <p:style>
+            <a:lnRef idx="2">
+              <a:schemeClr val="accent1">
+                <a:shade val="50000"/>
+              </a:schemeClr>
+            </a:lnRef>
+            <a:fillRef idx="1">
+              <a:schemeClr val="accent1"/>
+            </a:fillRef>
+            <a:effectRef idx="0">
+              <a:schemeClr val="accent1"/>
+            </a:effectRef>
+            <a:fontRef idx="minor">
+              <a:schemeClr val="lt1"/>
+            </a:fontRef>
+          </p:style>
+          <p:txBody>
+            <a:bodyPr rtlCol="0" anchor="ctr"/>
+            <a:lstStyle/>
+            <a:p>
+              <a:pPr algn="ctr"/>
+              <a:endParaRPr lang="fr-FR"/>
+            </a:p>
+          </p:txBody>
+        </p:sp>
+        <p:sp>
+          <p:nvSpPr>
+            <p:cNvPr id="241" name="Flèche : droite 240">
+              <a:extLst>
+                <a:ext uri="{FF2B5EF4-FFF2-40B4-BE49-F238E27FC236}">
+                  <a16:creationId xmlns:a16="http://schemas.microsoft.com/office/drawing/2014/main" id="{E6C75715-9039-4381-B8AD-D75DFDCBD837}"/>
+                </a:ext>
+              </a:extLst>
+            </p:cNvPr>
+            <p:cNvSpPr/>
+            <p:nvPr/>
+          </p:nvSpPr>
+          <p:spPr>
+            <a:xfrm rot="5400000">
+              <a:off x="662249" y="4142581"/>
+              <a:ext cx="243563" cy="113762"/>
+            </a:xfrm>
+            <a:prstGeom prst="rightArrow">
+              <a:avLst>
+                <a:gd name="adj1" fmla="val 50000"/>
+                <a:gd name="adj2" fmla="val 58725"/>
+              </a:avLst>
+            </a:prstGeom>
+            <a:solidFill>
+              <a:schemeClr val="tx1"/>
+            </a:solidFill>
+            <a:ln>
+              <a:solidFill>
+                <a:schemeClr val="bg1"/>
+              </a:solidFill>
+            </a:ln>
+          </p:spPr>
+          <p:style>
+            <a:lnRef idx="2">
+              <a:schemeClr val="accent1">
+                <a:shade val="50000"/>
+              </a:schemeClr>
+            </a:lnRef>
+            <a:fillRef idx="1">
+              <a:schemeClr val="accent1"/>
+            </a:fillRef>
+            <a:effectRef idx="0">
+              <a:schemeClr val="accent1"/>
+            </a:effectRef>
+            <a:fontRef idx="minor">
+              <a:schemeClr val="lt1"/>
+            </a:fontRef>
+          </p:style>
+          <p:txBody>
+            <a:bodyPr rtlCol="0" anchor="ctr"/>
+            <a:lstStyle/>
+            <a:p>
+              <a:pPr algn="ctr"/>
+              <a:endParaRPr lang="fr-FR"/>
+            </a:p>
+          </p:txBody>
+        </p:sp>
+      </p:grpSp>
+      <p:sp>
+        <p:nvSpPr>
+          <p:cNvPr id="242" name="Ellipse 241">
+            <a:extLst>
+              <a:ext uri="{FF2B5EF4-FFF2-40B4-BE49-F238E27FC236}">
+                <a16:creationId xmlns:a16="http://schemas.microsoft.com/office/drawing/2014/main" id="{3BD81277-1A71-4CF4-9D63-5064DC844F31}"/>
+              </a:ext>
+            </a:extLst>
+          </p:cNvPr>
+          <p:cNvSpPr/>
+          <p:nvPr/>
+        </p:nvSpPr>
+        <p:spPr>
+          <a:xfrm>
+            <a:off x="7242822" y="2235941"/>
+            <a:ext cx="1800000" cy="1800000"/>
+          </a:xfrm>
+          <a:prstGeom prst="ellipse">
+            <a:avLst/>
+          </a:prstGeom>
+          <a:solidFill>
+            <a:schemeClr val="bg1"/>
+          </a:solidFill>
+          <a:ln w="101600">
+            <a:noFill/>
+          </a:ln>
+        </p:spPr>
+        <p:style>
+          <a:lnRef idx="2">
+            <a:schemeClr val="accent1">
+              <a:shade val="50000"/>
+            </a:schemeClr>
+          </a:lnRef>
+          <a:fillRef idx="1">
+            <a:schemeClr val="accent1"/>
+          </a:fillRef>
+          <a:effectRef idx="0">
+            <a:schemeClr val="accent1"/>
+          </a:effectRef>
+          <a:fontRef idx="minor">
+            <a:schemeClr val="lt1"/>
+          </a:fontRef>
+        </p:style>
+        <p:txBody>
+          <a:bodyPr rtlCol="0" anchor="ctr"/>
+          <a:lstStyle/>
+          <a:p>
+            <a:pPr algn="ctr"/>
+            <a:endParaRPr lang="fr-FR" dirty="0"/>
+          </a:p>
+        </p:txBody>
+      </p:sp>
+      <p:sp>
+        <p:nvSpPr>
+          <p:cNvPr id="243" name="Ellipse 242">
+            <a:extLst>
+              <a:ext uri="{FF2B5EF4-FFF2-40B4-BE49-F238E27FC236}">
+                <a16:creationId xmlns:a16="http://schemas.microsoft.com/office/drawing/2014/main" id="{B1019A5A-13E4-45C7-AE2F-BE24EE6E3EE9}"/>
+              </a:ext>
+            </a:extLst>
+          </p:cNvPr>
+          <p:cNvSpPr/>
+          <p:nvPr/>
+        </p:nvSpPr>
+        <p:spPr>
+          <a:xfrm>
+            <a:off x="7332822" y="2325941"/>
+            <a:ext cx="1620000" cy="1620000"/>
+          </a:xfrm>
+          <a:prstGeom prst="ellipse">
+            <a:avLst/>
+          </a:prstGeom>
+          <a:solidFill>
+            <a:schemeClr val="tx1">
+              <a:lumMod val="85000"/>
+              <a:lumOff val="15000"/>
+            </a:schemeClr>
+          </a:solidFill>
+          <a:ln w="19050">
+            <a:solidFill>
+              <a:schemeClr val="bg1"/>
+            </a:solidFill>
+          </a:ln>
+        </p:spPr>
+        <p:style>
+          <a:lnRef idx="2">
+            <a:schemeClr val="accent1">
+              <a:shade val="50000"/>
+            </a:schemeClr>
+          </a:lnRef>
+          <a:fillRef idx="1">
+            <a:schemeClr val="accent1"/>
+          </a:fillRef>
+          <a:effectRef idx="0">
+            <a:schemeClr val="accent1"/>
+          </a:effectRef>
+          <a:fontRef idx="minor">
+            <a:schemeClr val="lt1"/>
+          </a:fontRef>
+        </p:style>
+        <p:txBody>
+          <a:bodyPr rtlCol="0" anchor="ctr"/>
+          <a:lstStyle/>
+          <a:p>
+            <a:pPr algn="ctr"/>
+            <a:endParaRPr lang="fr-FR" dirty="0"/>
+          </a:p>
+        </p:txBody>
+      </p:sp>
+      <p:sp>
+        <p:nvSpPr>
+          <p:cNvPr id="244" name="ZoneTexte 243">
+            <a:extLst>
+              <a:ext uri="{FF2B5EF4-FFF2-40B4-BE49-F238E27FC236}">
+                <a16:creationId xmlns:a16="http://schemas.microsoft.com/office/drawing/2014/main" id="{752C8A00-221D-46A7-86A1-FEA1ABF144CD}"/>
+              </a:ext>
+            </a:extLst>
+          </p:cNvPr>
+          <p:cNvSpPr txBox="1"/>
+          <p:nvPr/>
+        </p:nvSpPr>
+        <p:spPr>
+          <a:xfrm>
+            <a:off x="7720945" y="3273643"/>
+            <a:ext cx="836134" cy="338554"/>
+          </a:xfrm>
+          <a:prstGeom prst="rect">
+            <a:avLst/>
+          </a:prstGeom>
+          <a:noFill/>
+        </p:spPr>
+        <p:txBody>
+          <a:bodyPr wrap="square" rtlCol="0">
+            <a:spAutoFit/>
+          </a:bodyPr>
+          <a:lstStyle/>
+          <a:p>
+            <a:pPr algn="ctr"/>
+            <a:r>
+              <a:rPr lang="fr-FR" sz="1600" b="1" dirty="0">
+                <a:solidFill>
+                  <a:schemeClr val="bg1"/>
+                </a:solidFill>
+              </a:rPr>
+              <a:t>- 9 cm</a:t>
+            </a:r>
+          </a:p>
+        </p:txBody>
+      </p:sp>
+      <p:grpSp>
+        <p:nvGrpSpPr>
+          <p:cNvPr id="245" name="Groupe 244">
+            <a:extLst>
+              <a:ext uri="{FF2B5EF4-FFF2-40B4-BE49-F238E27FC236}">
+                <a16:creationId xmlns:a16="http://schemas.microsoft.com/office/drawing/2014/main" id="{86579A5C-AE7F-40AF-8D61-15784994F6A7}"/>
+              </a:ext>
+            </a:extLst>
+          </p:cNvPr>
+          <p:cNvGrpSpPr/>
+          <p:nvPr/>
+        </p:nvGrpSpPr>
+        <p:grpSpPr>
+          <a:xfrm>
+            <a:off x="7977220" y="2787725"/>
+            <a:ext cx="323579" cy="504000"/>
+            <a:chOff x="1081563" y="3928365"/>
+            <a:chExt cx="323579" cy="504000"/>
+          </a:xfrm>
+        </p:grpSpPr>
+        <p:sp>
+          <p:nvSpPr>
+            <p:cNvPr id="246" name="Cylindre 245">
+              <a:extLst>
+                <a:ext uri="{FF2B5EF4-FFF2-40B4-BE49-F238E27FC236}">
+                  <a16:creationId xmlns:a16="http://schemas.microsoft.com/office/drawing/2014/main" id="{FFD1DB34-1C51-41B1-8FC2-44B743100121}"/>
+                </a:ext>
+              </a:extLst>
+            </p:cNvPr>
+            <p:cNvSpPr/>
+            <p:nvPr/>
+          </p:nvSpPr>
+          <p:spPr>
+            <a:xfrm>
+              <a:off x="1083111" y="3928365"/>
+              <a:ext cx="322031" cy="504000"/>
+            </a:xfrm>
+            <a:prstGeom prst="can">
+              <a:avLst/>
+            </a:prstGeom>
+            <a:solidFill>
+              <a:srgbClr val="C5D4EC"/>
+            </a:solidFill>
+            <a:ln w="19050">
+              <a:solidFill>
+                <a:schemeClr val="tx1"/>
+              </a:solidFill>
+            </a:ln>
+          </p:spPr>
+          <p:style>
+            <a:lnRef idx="2">
+              <a:schemeClr val="accent1">
+                <a:shade val="50000"/>
+              </a:schemeClr>
+            </a:lnRef>
+            <a:fillRef idx="1">
+              <a:schemeClr val="accent1"/>
+            </a:fillRef>
+            <a:effectRef idx="0">
+              <a:schemeClr val="accent1"/>
+            </a:effectRef>
+            <a:fontRef idx="minor">
+              <a:schemeClr val="lt1"/>
+            </a:fontRef>
+          </p:style>
+          <p:txBody>
+            <a:bodyPr rtlCol="0" anchor="ctr"/>
+            <a:lstStyle/>
+            <a:p>
+              <a:pPr algn="ctr"/>
+              <a:endParaRPr lang="fr-FR"/>
+            </a:p>
+          </p:txBody>
+        </p:sp>
+        <p:sp>
+          <p:nvSpPr>
+            <p:cNvPr id="247" name="Cylindre 246">
+              <a:extLst>
+                <a:ext uri="{FF2B5EF4-FFF2-40B4-BE49-F238E27FC236}">
+                  <a16:creationId xmlns:a16="http://schemas.microsoft.com/office/drawing/2014/main" id="{00047635-8516-4FEB-B208-2C7284EF3A2A}"/>
+                </a:ext>
+              </a:extLst>
+            </p:cNvPr>
+            <p:cNvSpPr/>
+            <p:nvPr/>
+          </p:nvSpPr>
+          <p:spPr>
+            <a:xfrm>
+              <a:off x="1081563" y="4264091"/>
+              <a:ext cx="322031" cy="168274"/>
+            </a:xfrm>
+            <a:prstGeom prst="can">
+              <a:avLst>
+                <a:gd name="adj" fmla="val 50000"/>
+              </a:avLst>
+            </a:prstGeom>
+            <a:solidFill>
+              <a:schemeClr val="bg1"/>
+            </a:solidFill>
+            <a:ln w="19050">
+              <a:solidFill>
+                <a:schemeClr val="tx1"/>
+              </a:solidFill>
+            </a:ln>
+          </p:spPr>
+          <p:style>
+            <a:lnRef idx="2">
+              <a:schemeClr val="accent1">
+                <a:shade val="50000"/>
+              </a:schemeClr>
+            </a:lnRef>
+            <a:fillRef idx="1">
+              <a:schemeClr val="accent1"/>
+            </a:fillRef>
+            <a:effectRef idx="0">
+              <a:schemeClr val="accent1"/>
+            </a:effectRef>
+            <a:fontRef idx="minor">
+              <a:schemeClr val="lt1"/>
+            </a:fontRef>
+          </p:style>
+          <p:txBody>
+            <a:bodyPr rtlCol="0" anchor="ctr"/>
+            <a:lstStyle/>
+            <a:p>
+              <a:pPr algn="ctr"/>
+              <a:endParaRPr lang="fr-FR"/>
+            </a:p>
+          </p:txBody>
+        </p:sp>
+        <p:sp>
+          <p:nvSpPr>
+            <p:cNvPr id="248" name="Flèche : droite 247">
+              <a:extLst>
+                <a:ext uri="{FF2B5EF4-FFF2-40B4-BE49-F238E27FC236}">
+                  <a16:creationId xmlns:a16="http://schemas.microsoft.com/office/drawing/2014/main" id="{936D51A4-1756-4C22-8B99-FE4A51829FB3}"/>
+                </a:ext>
+              </a:extLst>
+            </p:cNvPr>
+            <p:cNvSpPr/>
+            <p:nvPr/>
+          </p:nvSpPr>
+          <p:spPr>
+            <a:xfrm rot="5400000">
+              <a:off x="1063507" y="4085293"/>
+              <a:ext cx="358140" cy="113762"/>
+            </a:xfrm>
+            <a:prstGeom prst="rightArrow">
+              <a:avLst>
+                <a:gd name="adj1" fmla="val 50000"/>
+                <a:gd name="adj2" fmla="val 58725"/>
+              </a:avLst>
+            </a:prstGeom>
+            <a:solidFill>
+              <a:schemeClr val="tx1"/>
+            </a:solidFill>
+            <a:ln>
+              <a:solidFill>
+                <a:schemeClr val="bg1"/>
+              </a:solidFill>
+            </a:ln>
+          </p:spPr>
+          <p:style>
+            <a:lnRef idx="2">
+              <a:schemeClr val="accent1">
+                <a:shade val="50000"/>
+              </a:schemeClr>
+            </a:lnRef>
+            <a:fillRef idx="1">
+              <a:schemeClr val="accent1"/>
+            </a:fillRef>
+            <a:effectRef idx="0">
+              <a:schemeClr val="accent1"/>
+            </a:effectRef>
+            <a:fontRef idx="minor">
+              <a:schemeClr val="lt1"/>
+            </a:fontRef>
+          </p:style>
+          <p:txBody>
+            <a:bodyPr rtlCol="0" anchor="ctr"/>
+            <a:lstStyle/>
+            <a:p>
+              <a:pPr algn="ctr"/>
+              <a:endParaRPr lang="fr-FR"/>
+            </a:p>
+          </p:txBody>
+        </p:sp>
+      </p:grpSp>
+      <p:sp>
+        <p:nvSpPr>
+          <p:cNvPr id="249" name="Ellipse 248">
+            <a:extLst>
+              <a:ext uri="{FF2B5EF4-FFF2-40B4-BE49-F238E27FC236}">
+                <a16:creationId xmlns:a16="http://schemas.microsoft.com/office/drawing/2014/main" id="{187C04D8-845D-4DAD-A5EB-FCEDBCD864D4}"/>
+              </a:ext>
+            </a:extLst>
+          </p:cNvPr>
+          <p:cNvSpPr/>
+          <p:nvPr/>
+        </p:nvSpPr>
+        <p:spPr>
+          <a:xfrm>
+            <a:off x="9054059" y="2208957"/>
+            <a:ext cx="1800000" cy="1800000"/>
+          </a:xfrm>
+          <a:prstGeom prst="ellipse">
+            <a:avLst/>
+          </a:prstGeom>
+          <a:solidFill>
+            <a:schemeClr val="bg1"/>
+          </a:solidFill>
+          <a:ln w="101600">
+            <a:noFill/>
+          </a:ln>
+        </p:spPr>
+        <p:style>
+          <a:lnRef idx="2">
+            <a:schemeClr val="accent1">
+              <a:shade val="50000"/>
+            </a:schemeClr>
+          </a:lnRef>
+          <a:fillRef idx="1">
+            <a:schemeClr val="accent1"/>
+          </a:fillRef>
+          <a:effectRef idx="0">
+            <a:schemeClr val="accent1"/>
+          </a:effectRef>
+          <a:fontRef idx="minor">
+            <a:schemeClr val="lt1"/>
+          </a:fontRef>
+        </p:style>
+        <p:txBody>
+          <a:bodyPr rtlCol="0" anchor="ctr"/>
+          <a:lstStyle/>
+          <a:p>
+            <a:pPr algn="ctr"/>
+            <a:endParaRPr lang="fr-FR" dirty="0"/>
+          </a:p>
+        </p:txBody>
+      </p:sp>
+      <p:sp>
+        <p:nvSpPr>
+          <p:cNvPr id="250" name="Ellipse 249">
+            <a:extLst>
+              <a:ext uri="{FF2B5EF4-FFF2-40B4-BE49-F238E27FC236}">
+                <a16:creationId xmlns:a16="http://schemas.microsoft.com/office/drawing/2014/main" id="{E4A20D11-21D2-4F90-A846-0F6C987F0BA4}"/>
+              </a:ext>
+            </a:extLst>
+          </p:cNvPr>
+          <p:cNvSpPr/>
+          <p:nvPr/>
+        </p:nvSpPr>
+        <p:spPr>
+          <a:xfrm>
+            <a:off x="9144059" y="2298957"/>
+            <a:ext cx="1620000" cy="1620000"/>
+          </a:xfrm>
+          <a:prstGeom prst="ellipse">
+            <a:avLst/>
+          </a:prstGeom>
+          <a:solidFill>
+            <a:schemeClr val="tx1"/>
+          </a:solidFill>
+          <a:ln w="19050">
+            <a:solidFill>
+              <a:schemeClr val="bg1"/>
+            </a:solidFill>
+          </a:ln>
+        </p:spPr>
+        <p:style>
+          <a:lnRef idx="2">
+            <a:schemeClr val="accent1">
+              <a:shade val="50000"/>
+            </a:schemeClr>
+          </a:lnRef>
+          <a:fillRef idx="1">
+            <a:schemeClr val="accent1"/>
+          </a:fillRef>
+          <a:effectRef idx="0">
+            <a:schemeClr val="accent1"/>
+          </a:effectRef>
+          <a:fontRef idx="minor">
+            <a:schemeClr val="lt1"/>
+          </a:fontRef>
+        </p:style>
+        <p:txBody>
+          <a:bodyPr rtlCol="0" anchor="ctr"/>
+          <a:lstStyle/>
+          <a:p>
+            <a:pPr algn="ctr"/>
+            <a:endParaRPr lang="fr-FR" dirty="0"/>
+          </a:p>
+        </p:txBody>
+      </p:sp>
+      <p:grpSp>
+        <p:nvGrpSpPr>
+          <p:cNvPr id="251" name="Groupe 250">
+            <a:extLst>
+              <a:ext uri="{FF2B5EF4-FFF2-40B4-BE49-F238E27FC236}">
+                <a16:creationId xmlns:a16="http://schemas.microsoft.com/office/drawing/2014/main" id="{6A831CA4-8A15-4A42-9463-420D3D20E64A}"/>
+              </a:ext>
+            </a:extLst>
+          </p:cNvPr>
+          <p:cNvGrpSpPr/>
+          <p:nvPr/>
+        </p:nvGrpSpPr>
+        <p:grpSpPr>
+          <a:xfrm>
+            <a:off x="9535992" y="2626587"/>
+            <a:ext cx="836134" cy="958626"/>
+            <a:chOff x="9561154" y="2428925"/>
+            <a:chExt cx="836134" cy="958626"/>
+          </a:xfrm>
+        </p:grpSpPr>
+        <p:sp>
+          <p:nvSpPr>
+            <p:cNvPr id="252" name="ZoneTexte 251">
+              <a:extLst>
+                <a:ext uri="{FF2B5EF4-FFF2-40B4-BE49-F238E27FC236}">
+                  <a16:creationId xmlns:a16="http://schemas.microsoft.com/office/drawing/2014/main" id="{5929B6CC-EB25-442D-BFD4-FB503D9797A9}"/>
+                </a:ext>
+              </a:extLst>
+            </p:cNvPr>
+            <p:cNvSpPr txBox="1"/>
+            <p:nvPr/>
+          </p:nvSpPr>
+          <p:spPr>
+            <a:xfrm>
+              <a:off x="9561154" y="3048997"/>
+              <a:ext cx="836134" cy="338554"/>
+            </a:xfrm>
+            <a:prstGeom prst="rect">
+              <a:avLst/>
+            </a:prstGeom>
+            <a:noFill/>
+          </p:spPr>
+          <p:txBody>
+            <a:bodyPr wrap="square" rtlCol="0">
+              <a:spAutoFit/>
+            </a:bodyPr>
+            <a:lstStyle/>
+            <a:p>
+              <a:pPr algn="ctr"/>
+              <a:r>
+                <a:rPr lang="fr-FR" sz="1600" b="1" dirty="0">
+                  <a:solidFill>
+                    <a:schemeClr val="bg1"/>
+                  </a:solidFill>
+                </a:rPr>
+                <a:t>- 12 cm</a:t>
+              </a:r>
+            </a:p>
+          </p:txBody>
+        </p:sp>
+        <p:grpSp>
+          <p:nvGrpSpPr>
+            <p:cNvPr id="253" name="Groupe 252">
+              <a:extLst>
+                <a:ext uri="{FF2B5EF4-FFF2-40B4-BE49-F238E27FC236}">
+                  <a16:creationId xmlns:a16="http://schemas.microsoft.com/office/drawing/2014/main" id="{BC1CE715-54FE-4F8A-8C39-D3A651297387}"/>
+                </a:ext>
+              </a:extLst>
+            </p:cNvPr>
+            <p:cNvGrpSpPr/>
+            <p:nvPr/>
+          </p:nvGrpSpPr>
+          <p:grpSpPr>
+            <a:xfrm>
+              <a:off x="9818206" y="2428925"/>
+              <a:ext cx="322031" cy="630000"/>
+              <a:chOff x="1548202" y="3796373"/>
+              <a:chExt cx="322031" cy="630000"/>
+            </a:xfrm>
+          </p:grpSpPr>
+          <p:sp>
+            <p:nvSpPr>
+              <p:cNvPr id="254" name="Cylindre 253">
+                <a:extLst>
+                  <a:ext uri="{FF2B5EF4-FFF2-40B4-BE49-F238E27FC236}">
+                    <a16:creationId xmlns:a16="http://schemas.microsoft.com/office/drawing/2014/main" id="{FDD4A9EC-CEDA-497D-87D3-07286C7AD91E}"/>
+                  </a:ext>
+                </a:extLst>
+              </p:cNvPr>
+              <p:cNvSpPr/>
+              <p:nvPr/>
+            </p:nvSpPr>
+            <p:spPr>
+              <a:xfrm>
+                <a:off x="1548202" y="3796373"/>
+                <a:ext cx="322031" cy="630000"/>
+              </a:xfrm>
+              <a:prstGeom prst="can">
+                <a:avLst/>
+              </a:prstGeom>
+              <a:solidFill>
+                <a:srgbClr val="C5D4EC"/>
+              </a:solidFill>
+              <a:ln w="19050">
+                <a:solidFill>
+                  <a:schemeClr val="tx1"/>
+                </a:solidFill>
+              </a:ln>
+            </p:spPr>
+            <p:style>
+              <a:lnRef idx="2">
+                <a:schemeClr val="accent1">
+                  <a:shade val="50000"/>
+                </a:schemeClr>
+              </a:lnRef>
+              <a:fillRef idx="1">
+                <a:schemeClr val="accent1"/>
+              </a:fillRef>
+              <a:effectRef idx="0">
+                <a:schemeClr val="accent1"/>
+              </a:effectRef>
+              <a:fontRef idx="minor">
+                <a:schemeClr val="lt1"/>
+              </a:fontRef>
+            </p:style>
+            <p:txBody>
+              <a:bodyPr rtlCol="0" anchor="ctr"/>
+              <a:lstStyle/>
+              <a:p>
+                <a:pPr algn="ctr"/>
+                <a:endParaRPr lang="fr-FR"/>
+              </a:p>
+            </p:txBody>
+          </p:sp>
+          <p:sp>
+            <p:nvSpPr>
+              <p:cNvPr id="255" name="Cylindre 254">
+                <a:extLst>
+                  <a:ext uri="{FF2B5EF4-FFF2-40B4-BE49-F238E27FC236}">
+                    <a16:creationId xmlns:a16="http://schemas.microsoft.com/office/drawing/2014/main" id="{71C782F0-75A1-4781-91BB-1049184A60A7}"/>
+                  </a:ext>
+                </a:extLst>
+              </p:cNvPr>
+              <p:cNvSpPr/>
+              <p:nvPr/>
+            </p:nvSpPr>
+            <p:spPr>
+              <a:xfrm>
+                <a:off x="1548202" y="4258099"/>
+                <a:ext cx="322031" cy="168274"/>
+              </a:xfrm>
+              <a:prstGeom prst="can">
+                <a:avLst>
+                  <a:gd name="adj" fmla="val 50000"/>
+                </a:avLst>
+              </a:prstGeom>
+              <a:solidFill>
+                <a:schemeClr val="bg1"/>
+              </a:solidFill>
+              <a:ln w="19050">
+                <a:solidFill>
+                  <a:schemeClr val="tx1"/>
+                </a:solidFill>
+              </a:ln>
+            </p:spPr>
+            <p:style>
+              <a:lnRef idx="2">
+                <a:schemeClr val="accent1">
+                  <a:shade val="50000"/>
+                </a:schemeClr>
+              </a:lnRef>
+              <a:fillRef idx="1">
+                <a:schemeClr val="accent1"/>
+              </a:fillRef>
+              <a:effectRef idx="0">
+                <a:schemeClr val="accent1"/>
+              </a:effectRef>
+              <a:fontRef idx="minor">
+                <a:schemeClr val="lt1"/>
+              </a:fontRef>
+            </p:style>
+            <p:txBody>
+              <a:bodyPr rtlCol="0" anchor="ctr"/>
+              <a:lstStyle/>
+              <a:p>
+                <a:pPr algn="ctr"/>
+                <a:endParaRPr lang="fr-FR"/>
+              </a:p>
+            </p:txBody>
+          </p:sp>
+          <p:sp>
+            <p:nvSpPr>
+              <p:cNvPr id="256" name="Flèche : droite 255">
+                <a:extLst>
+                  <a:ext uri="{FF2B5EF4-FFF2-40B4-BE49-F238E27FC236}">
+                    <a16:creationId xmlns:a16="http://schemas.microsoft.com/office/drawing/2014/main" id="{5A9CE62B-14FC-4C88-9D93-41A50A02215B}"/>
+                  </a:ext>
+                </a:extLst>
+              </p:cNvPr>
+              <p:cNvSpPr/>
+              <p:nvPr/>
+            </p:nvSpPr>
+            <p:spPr>
+              <a:xfrm rot="5400000">
+                <a:off x="1460890" y="4010046"/>
+                <a:ext cx="496651" cy="113762"/>
+              </a:xfrm>
+              <a:prstGeom prst="rightArrow">
+                <a:avLst>
+                  <a:gd name="adj1" fmla="val 50000"/>
+                  <a:gd name="adj2" fmla="val 58725"/>
+                </a:avLst>
+              </a:prstGeom>
+              <a:solidFill>
+                <a:schemeClr val="tx1"/>
+              </a:solidFill>
+              <a:ln>
+                <a:solidFill>
+                  <a:schemeClr val="bg1"/>
+                </a:solidFill>
+              </a:ln>
+            </p:spPr>
+            <p:style>
+              <a:lnRef idx="2">
+                <a:schemeClr val="accent1">
+                  <a:shade val="50000"/>
+                </a:schemeClr>
+              </a:lnRef>
+              <a:fillRef idx="1">
+                <a:schemeClr val="accent1"/>
+              </a:fillRef>
+              <a:effectRef idx="0">
+                <a:schemeClr val="accent1"/>
+              </a:effectRef>
+              <a:fontRef idx="minor">
+                <a:schemeClr val="lt1"/>
+              </a:fontRef>
+            </p:style>
+            <p:txBody>
+              <a:bodyPr rtlCol="0" anchor="ctr"/>
+              <a:lstStyle/>
+              <a:p>
+                <a:pPr algn="ctr"/>
+                <a:endParaRPr lang="fr-FR"/>
+              </a:p>
+            </p:txBody>
+          </p:sp>
+        </p:grpSp>
+      </p:grpSp>
+      <p:grpSp>
+        <p:nvGrpSpPr>
+          <p:cNvPr id="257" name="Groupe 256">
+            <a:extLst>
+              <a:ext uri="{FF2B5EF4-FFF2-40B4-BE49-F238E27FC236}">
+                <a16:creationId xmlns:a16="http://schemas.microsoft.com/office/drawing/2014/main" id="{504D6FA4-5A9A-4334-A04E-7E53DAC2521B}"/>
+              </a:ext>
+            </a:extLst>
+          </p:cNvPr>
+          <p:cNvGrpSpPr/>
+          <p:nvPr/>
+        </p:nvGrpSpPr>
+        <p:grpSpPr>
+          <a:xfrm>
+            <a:off x="7774953" y="4828603"/>
+            <a:ext cx="322031" cy="630000"/>
+            <a:chOff x="1548202" y="3796373"/>
+            <a:chExt cx="322031" cy="630000"/>
+          </a:xfrm>
+        </p:grpSpPr>
+        <p:sp>
+          <p:nvSpPr>
+            <p:cNvPr id="258" name="Cylindre 257">
+              <a:extLst>
+                <a:ext uri="{FF2B5EF4-FFF2-40B4-BE49-F238E27FC236}">
+                  <a16:creationId xmlns:a16="http://schemas.microsoft.com/office/drawing/2014/main" id="{55CC5CE7-AF1E-40FF-99E9-29062AF7BFD7}"/>
+                </a:ext>
+              </a:extLst>
+            </p:cNvPr>
+            <p:cNvSpPr/>
+            <p:nvPr/>
+          </p:nvSpPr>
+          <p:spPr>
+            <a:xfrm>
+              <a:off x="1548202" y="3796373"/>
+              <a:ext cx="322031" cy="630000"/>
+            </a:xfrm>
+            <a:prstGeom prst="can">
+              <a:avLst/>
+            </a:prstGeom>
+            <a:solidFill>
+              <a:schemeClr val="bg1"/>
+            </a:solidFill>
+            <a:ln w="19050">
+              <a:solidFill>
+                <a:schemeClr val="tx1"/>
+              </a:solidFill>
+            </a:ln>
+          </p:spPr>
+          <p:style>
+            <a:lnRef idx="2">
+              <a:schemeClr val="accent1">
+                <a:shade val="50000"/>
+              </a:schemeClr>
+            </a:lnRef>
+            <a:fillRef idx="1">
+              <a:schemeClr val="accent1"/>
+            </a:fillRef>
+            <a:effectRef idx="0">
+              <a:schemeClr val="accent1"/>
+            </a:effectRef>
+            <a:fontRef idx="minor">
+              <a:schemeClr val="lt1"/>
+            </a:fontRef>
+          </p:style>
+          <p:txBody>
+            <a:bodyPr rtlCol="0" anchor="ctr"/>
+            <a:lstStyle/>
+            <a:p>
+              <a:pPr algn="ctr"/>
+              <a:endParaRPr lang="fr-FR"/>
+            </a:p>
+          </p:txBody>
+        </p:sp>
+        <p:sp>
+          <p:nvSpPr>
+            <p:cNvPr id="259" name="Cylindre 258">
+              <a:extLst>
+                <a:ext uri="{FF2B5EF4-FFF2-40B4-BE49-F238E27FC236}">
+                  <a16:creationId xmlns:a16="http://schemas.microsoft.com/office/drawing/2014/main" id="{369B9A6F-B4B8-4171-8878-261EA04A90BB}"/>
+                </a:ext>
+              </a:extLst>
+            </p:cNvPr>
+            <p:cNvSpPr/>
+            <p:nvPr/>
+          </p:nvSpPr>
+          <p:spPr>
+            <a:xfrm>
+              <a:off x="1548202" y="4258099"/>
+              <a:ext cx="322031" cy="168274"/>
+            </a:xfrm>
+            <a:prstGeom prst="can">
+              <a:avLst>
+                <a:gd name="adj" fmla="val 50000"/>
+              </a:avLst>
+            </a:prstGeom>
+            <a:solidFill>
+              <a:srgbClr val="DCE5F4"/>
+            </a:solidFill>
+            <a:ln w="19050">
+              <a:solidFill>
+                <a:schemeClr val="tx1"/>
+              </a:solidFill>
+            </a:ln>
+          </p:spPr>
+          <p:style>
+            <a:lnRef idx="2">
+              <a:schemeClr val="accent1">
+                <a:shade val="50000"/>
+              </a:schemeClr>
+            </a:lnRef>
+            <a:fillRef idx="1">
+              <a:schemeClr val="accent1"/>
+            </a:fillRef>
+            <a:effectRef idx="0">
+              <a:schemeClr val="accent1"/>
+            </a:effectRef>
+            <a:fontRef idx="minor">
+              <a:schemeClr val="lt1"/>
+            </a:fontRef>
+          </p:style>
+          <p:txBody>
+            <a:bodyPr rtlCol="0" anchor="ctr"/>
+            <a:lstStyle/>
+            <a:p>
+              <a:pPr algn="ctr"/>
+              <a:endParaRPr lang="fr-FR"/>
+            </a:p>
+          </p:txBody>
+        </p:sp>
+        <p:sp>
+          <p:nvSpPr>
+            <p:cNvPr id="260" name="Flèche : droite 259">
+              <a:extLst>
+                <a:ext uri="{FF2B5EF4-FFF2-40B4-BE49-F238E27FC236}">
+                  <a16:creationId xmlns:a16="http://schemas.microsoft.com/office/drawing/2014/main" id="{9F65CD97-B287-4629-92D6-E3B5152DB110}"/>
+                </a:ext>
+              </a:extLst>
+            </p:cNvPr>
+            <p:cNvSpPr/>
+            <p:nvPr/>
+          </p:nvSpPr>
+          <p:spPr>
+            <a:xfrm rot="16200000">
+              <a:off x="1460890" y="4010046"/>
+              <a:ext cx="496651" cy="113762"/>
+            </a:xfrm>
+            <a:prstGeom prst="rightArrow">
+              <a:avLst>
+                <a:gd name="adj1" fmla="val 50000"/>
+                <a:gd name="adj2" fmla="val 58725"/>
+              </a:avLst>
+            </a:prstGeom>
+            <a:solidFill>
+              <a:schemeClr val="tx1"/>
+            </a:solidFill>
+            <a:ln>
+              <a:solidFill>
+                <a:schemeClr val="bg1"/>
+              </a:solidFill>
+            </a:ln>
+          </p:spPr>
+          <p:style>
+            <a:lnRef idx="2">
+              <a:schemeClr val="accent1">
+                <a:shade val="50000"/>
+              </a:schemeClr>
+            </a:lnRef>
+            <a:fillRef idx="1">
+              <a:schemeClr val="accent1"/>
+            </a:fillRef>
+            <a:effectRef idx="0">
+              <a:schemeClr val="accent1"/>
+            </a:effectRef>
+            <a:fontRef idx="minor">
+              <a:schemeClr val="lt1"/>
+            </a:fontRef>
+          </p:style>
+          <p:txBody>
+            <a:bodyPr rtlCol="0" anchor="ctr"/>
+            <a:lstStyle/>
+            <a:p>
+              <a:pPr algn="ctr"/>
+              <a:endParaRPr lang="fr-FR"/>
+            </a:p>
+          </p:txBody>
+        </p:sp>
+      </p:grpSp>
+      <p:sp>
+        <p:nvSpPr>
+          <p:cNvPr id="261" name="ZoneTexte 260">
+            <a:extLst>
+              <a:ext uri="{FF2B5EF4-FFF2-40B4-BE49-F238E27FC236}">
+                <a16:creationId xmlns:a16="http://schemas.microsoft.com/office/drawing/2014/main" id="{C4F72258-6673-4A75-9BF1-D14239CB30A1}"/>
+              </a:ext>
+            </a:extLst>
+          </p:cNvPr>
+          <p:cNvSpPr txBox="1"/>
+          <p:nvPr/>
+        </p:nvSpPr>
+        <p:spPr>
+          <a:xfrm>
+            <a:off x="7517899" y="5491180"/>
+            <a:ext cx="836134" cy="338554"/>
+          </a:xfrm>
+          <a:prstGeom prst="rect">
+            <a:avLst/>
+          </a:prstGeom>
+          <a:noFill/>
+        </p:spPr>
+        <p:txBody>
+          <a:bodyPr wrap="square" rtlCol="0">
+            <a:spAutoFit/>
+          </a:bodyPr>
+          <a:lstStyle/>
+          <a:p>
+            <a:pPr algn="ctr"/>
+            <a:r>
+              <a:rPr lang="fr-FR" sz="1600" b="1" dirty="0">
+                <a:ln>
+                  <a:solidFill>
+                    <a:schemeClr val="tx1"/>
+                  </a:solidFill>
+                </a:ln>
+                <a:solidFill>
+                  <a:schemeClr val="bg1"/>
+                </a:solidFill>
+              </a:rPr>
+              <a:t>+ 3 cm</a:t>
+            </a:r>
+          </a:p>
+        </p:txBody>
+      </p:sp>
+      <p:sp>
+        <p:nvSpPr>
+          <p:cNvPr id="262" name="ZoneTexte 261">
+            <a:extLst>
+              <a:ext uri="{FF2B5EF4-FFF2-40B4-BE49-F238E27FC236}">
+                <a16:creationId xmlns:a16="http://schemas.microsoft.com/office/drawing/2014/main" id="{78FF3E6F-B467-44D4-922A-F4C3273FA922}"/>
+              </a:ext>
+            </a:extLst>
+          </p:cNvPr>
+          <p:cNvSpPr txBox="1"/>
+          <p:nvPr/>
+        </p:nvSpPr>
+        <p:spPr>
+          <a:xfrm>
+            <a:off x="8624755" y="5481602"/>
+            <a:ext cx="836134" cy="338554"/>
+          </a:xfrm>
+          <a:prstGeom prst="rect">
+            <a:avLst/>
+          </a:prstGeom>
+          <a:noFill/>
+        </p:spPr>
+        <p:txBody>
+          <a:bodyPr wrap="square" rtlCol="0">
+            <a:spAutoFit/>
+          </a:bodyPr>
+          <a:lstStyle/>
+          <a:p>
+            <a:pPr algn="ctr"/>
+            <a:r>
+              <a:rPr lang="fr-FR" sz="1600" b="1" dirty="0">
+                <a:ln>
+                  <a:solidFill>
+                    <a:schemeClr val="tx1"/>
+                  </a:solidFill>
+                </a:ln>
+                <a:solidFill>
+                  <a:schemeClr val="bg1"/>
+                </a:solidFill>
+              </a:rPr>
+              <a:t>+ 3 cm</a:t>
+            </a:r>
+          </a:p>
+        </p:txBody>
+      </p:sp>
+    </p:spTree>
+    <p:extLst>
+      <p:ext uri="{BB962C8B-B14F-4D97-AF65-F5344CB8AC3E}">
+        <p14:creationId xmlns:p14="http://schemas.microsoft.com/office/powerpoint/2010/main" val="4122987937"/>
+      </p:ext>
+    </p:extLst>
+  </p:cSld>
+  <p:clrMapOvr>
+    <a:masterClrMapping/>
+  </p:clrMapOvr>
+</p:sld>
+</file>
+
+<file path=ppt/slides/slide10.xml><?xml version="1.0" encoding="utf-8"?>
+<p:sld xmlns:a="http://schemas.openxmlformats.org/drawingml/2006/main" xmlns:r="http://schemas.openxmlformats.org/officeDocument/2006/relationships" xmlns:p="http://schemas.openxmlformats.org/presentationml/2006/main">
+  <p:cSld>
+    <p:spTree>
+      <p:nvGrpSpPr>
+        <p:cNvPr id="1" name=""/>
+        <p:cNvGrpSpPr/>
+        <p:nvPr/>
+      </p:nvGrpSpPr>
+      <p:grpSpPr>
+        <a:xfrm>
+          <a:off x="0" y="0"/>
+          <a:ext cx="0" cy="0"/>
+          <a:chOff x="0" y="0"/>
+          <a:chExt cx="0" cy="0"/>
+        </a:xfrm>
+      </p:grpSpPr>
+      <p:sp>
+        <p:nvSpPr>
+          <p:cNvPr id="7" name="Rectangle 6">
+            <a:extLst>
+              <a:ext uri="{FF2B5EF4-FFF2-40B4-BE49-F238E27FC236}">
+                <a16:creationId xmlns:a16="http://schemas.microsoft.com/office/drawing/2014/main" id="{18131312-7FDB-40C0-B08A-20472EC95847}"/>
+              </a:ext>
+            </a:extLst>
+          </p:cNvPr>
+          <p:cNvSpPr/>
+          <p:nvPr/>
+        </p:nvSpPr>
+        <p:spPr>
+          <a:xfrm>
+            <a:off x="1668092" y="2090252"/>
+            <a:ext cx="1743891" cy="1743891"/>
+          </a:xfrm>
+          <a:prstGeom prst="rect">
+            <a:avLst/>
+          </a:prstGeom>
+          <a:noFill/>
+          <a:ln>
+            <a:noFill/>
+          </a:ln>
+        </p:spPr>
+        <p:style>
+          <a:lnRef idx="2">
+            <a:schemeClr val="accent1">
+              <a:shade val="50000"/>
+            </a:schemeClr>
+          </a:lnRef>
+          <a:fillRef idx="1">
+            <a:schemeClr val="accent1"/>
+          </a:fillRef>
+          <a:effectRef idx="0">
+            <a:schemeClr val="accent1"/>
+          </a:effectRef>
+          <a:fontRef idx="minor">
+            <a:schemeClr val="lt1"/>
+          </a:fontRef>
+        </p:style>
+        <p:txBody>
+          <a:bodyPr rtlCol="0" anchor="ctr"/>
+          <a:lstStyle/>
+          <a:p>
+            <a:pPr algn="ctr"/>
+            <a:endParaRPr lang="fr-FR"/>
+          </a:p>
+        </p:txBody>
+      </p:sp>
+      <p:sp>
+        <p:nvSpPr>
+          <p:cNvPr id="12" name="Rectangle 11">
+            <a:extLst>
+              <a:ext uri="{FF2B5EF4-FFF2-40B4-BE49-F238E27FC236}">
+                <a16:creationId xmlns:a16="http://schemas.microsoft.com/office/drawing/2014/main" id="{606402D2-579D-427B-9423-52DDB9025559}"/>
+              </a:ext>
+            </a:extLst>
+          </p:cNvPr>
+          <p:cNvSpPr/>
+          <p:nvPr/>
+        </p:nvSpPr>
+        <p:spPr>
+          <a:xfrm>
+            <a:off x="3870960" y="1123601"/>
+            <a:ext cx="3014797" cy="3014797"/>
+          </a:xfrm>
+          <a:prstGeom prst="rect">
+            <a:avLst/>
+          </a:prstGeom>
+          <a:noFill/>
+          <a:ln>
+            <a:noFill/>
+          </a:ln>
+        </p:spPr>
+        <p:style>
+          <a:lnRef idx="2">
+            <a:schemeClr val="accent1">
+              <a:shade val="50000"/>
+            </a:schemeClr>
+          </a:lnRef>
+          <a:fillRef idx="1">
+            <a:schemeClr val="accent1"/>
+          </a:fillRef>
+          <a:effectRef idx="0">
+            <a:schemeClr val="accent1"/>
+          </a:effectRef>
+          <a:fontRef idx="minor">
+            <a:schemeClr val="lt1"/>
+          </a:fontRef>
+        </p:style>
+        <p:txBody>
+          <a:bodyPr rtlCol="0" anchor="ctr"/>
+          <a:lstStyle/>
+          <a:p>
+            <a:pPr algn="ctr"/>
+            <a:endParaRPr lang="fr-FR"/>
+          </a:p>
+        </p:txBody>
+      </p:sp>
+      <p:sp>
+        <p:nvSpPr>
+          <p:cNvPr id="18" name="Rectangle 17">
+            <a:extLst>
+              <a:ext uri="{FF2B5EF4-FFF2-40B4-BE49-F238E27FC236}">
+                <a16:creationId xmlns:a16="http://schemas.microsoft.com/office/drawing/2014/main" id="{F4285677-95B0-44FF-88A6-B2358CC7F1A0}"/>
+              </a:ext>
+            </a:extLst>
+          </p:cNvPr>
+          <p:cNvSpPr/>
+          <p:nvPr/>
+        </p:nvSpPr>
+        <p:spPr>
+          <a:xfrm>
+            <a:off x="2491923" y="686721"/>
+            <a:ext cx="3014797" cy="3014797"/>
+          </a:xfrm>
+          <a:prstGeom prst="rect">
+            <a:avLst/>
+          </a:prstGeom>
+          <a:noFill/>
+          <a:ln>
+            <a:noFill/>
+          </a:ln>
+        </p:spPr>
+        <p:style>
+          <a:lnRef idx="2">
+            <a:schemeClr val="accent1">
+              <a:shade val="50000"/>
+            </a:schemeClr>
+          </a:lnRef>
+          <a:fillRef idx="1">
+            <a:schemeClr val="accent1"/>
+          </a:fillRef>
+          <a:effectRef idx="0">
+            <a:schemeClr val="accent1"/>
+          </a:effectRef>
+          <a:fontRef idx="minor">
+            <a:schemeClr val="lt1"/>
+          </a:fontRef>
+        </p:style>
+        <p:txBody>
+          <a:bodyPr rtlCol="0" anchor="ctr"/>
+          <a:lstStyle/>
+          <a:p>
+            <a:pPr algn="ctr"/>
+            <a:endParaRPr lang="fr-FR"/>
+          </a:p>
+        </p:txBody>
+      </p:sp>
+      <p:grpSp>
+        <p:nvGrpSpPr>
+          <p:cNvPr id="25" name="Groupe 24">
+            <a:extLst>
+              <a:ext uri="{FF2B5EF4-FFF2-40B4-BE49-F238E27FC236}">
+                <a16:creationId xmlns:a16="http://schemas.microsoft.com/office/drawing/2014/main" id="{5DD6BAA2-5309-468D-8760-2827F13A16A4}"/>
+              </a:ext>
+            </a:extLst>
+          </p:cNvPr>
+          <p:cNvGrpSpPr/>
+          <p:nvPr/>
+        </p:nvGrpSpPr>
+        <p:grpSpPr>
+          <a:xfrm>
+            <a:off x="4085757" y="1595572"/>
+            <a:ext cx="3174732" cy="3174732"/>
+            <a:chOff x="4085757" y="1595572"/>
+            <a:chExt cx="3174732" cy="3174732"/>
+          </a:xfrm>
+        </p:grpSpPr>
+        <p:sp>
+          <p:nvSpPr>
+            <p:cNvPr id="23" name="Rectangle 22">
+              <a:extLst>
+                <a:ext uri="{FF2B5EF4-FFF2-40B4-BE49-F238E27FC236}">
+                  <a16:creationId xmlns:a16="http://schemas.microsoft.com/office/drawing/2014/main" id="{04070378-0759-45CE-B523-A318950D91EB}"/>
+                </a:ext>
+              </a:extLst>
+            </p:cNvPr>
+            <p:cNvSpPr/>
+            <p:nvPr/>
+          </p:nvSpPr>
+          <p:spPr>
+            <a:xfrm>
+              <a:off x="4085757" y="1595572"/>
+              <a:ext cx="3174732" cy="3174732"/>
+            </a:xfrm>
+            <a:prstGeom prst="rect">
+              <a:avLst/>
+            </a:prstGeom>
+            <a:noFill/>
+            <a:ln>
+              <a:noFill/>
+            </a:ln>
+          </p:spPr>
+          <p:style>
+            <a:lnRef idx="2">
+              <a:schemeClr val="accent1">
+                <a:shade val="50000"/>
+              </a:schemeClr>
+            </a:lnRef>
+            <a:fillRef idx="1">
+              <a:schemeClr val="accent1"/>
+            </a:fillRef>
+            <a:effectRef idx="0">
+              <a:schemeClr val="accent1"/>
+            </a:effectRef>
+            <a:fontRef idx="minor">
+              <a:schemeClr val="lt1"/>
+            </a:fontRef>
+          </p:style>
+          <p:txBody>
+            <a:bodyPr rtlCol="0" anchor="ctr"/>
+            <a:lstStyle/>
+            <a:p>
+              <a:pPr algn="ctr"/>
+              <a:endParaRPr lang="fr-FR"/>
+            </a:p>
+          </p:txBody>
+        </p:sp>
+        <p:sp>
+          <p:nvSpPr>
+            <p:cNvPr id="21" name="Ellipse 20">
+              <a:extLst>
+                <a:ext uri="{FF2B5EF4-FFF2-40B4-BE49-F238E27FC236}">
+                  <a16:creationId xmlns:a16="http://schemas.microsoft.com/office/drawing/2014/main" id="{C438287D-C490-4C64-8C14-E9E1345E943D}"/>
+                </a:ext>
+              </a:extLst>
+            </p:cNvPr>
+            <p:cNvSpPr/>
+            <p:nvPr/>
+          </p:nvSpPr>
+          <p:spPr>
+            <a:xfrm>
+              <a:off x="5289363" y="2799178"/>
+              <a:ext cx="767521" cy="767521"/>
+            </a:xfrm>
+            <a:prstGeom prst="ellipse">
+              <a:avLst/>
+            </a:prstGeom>
+            <a:solidFill>
+              <a:schemeClr val="tx1"/>
+            </a:solidFill>
+            <a:ln>
+              <a:solidFill>
+                <a:schemeClr val="tx1"/>
+              </a:solidFill>
+            </a:ln>
+          </p:spPr>
+          <p:style>
+            <a:lnRef idx="2">
+              <a:schemeClr val="accent1">
+                <a:shade val="50000"/>
+              </a:schemeClr>
+            </a:lnRef>
+            <a:fillRef idx="1">
+              <a:schemeClr val="accent1"/>
+            </a:fillRef>
+            <a:effectRef idx="0">
+              <a:schemeClr val="accent1"/>
+            </a:effectRef>
+            <a:fontRef idx="minor">
+              <a:schemeClr val="lt1"/>
+            </a:fontRef>
+          </p:style>
+          <p:txBody>
+            <a:bodyPr rtlCol="0" anchor="ctr"/>
+            <a:lstStyle/>
+            <a:p>
+              <a:pPr algn="ctr"/>
+              <a:endParaRPr lang="fr-FR"/>
+            </a:p>
+          </p:txBody>
+        </p:sp>
+        <p:sp>
+          <p:nvSpPr>
+            <p:cNvPr id="22" name="Rectangle 21">
+              <a:extLst>
+                <a:ext uri="{FF2B5EF4-FFF2-40B4-BE49-F238E27FC236}">
+                  <a16:creationId xmlns:a16="http://schemas.microsoft.com/office/drawing/2014/main" id="{57F330A7-5107-4343-A376-304489AFC2C6}"/>
+                </a:ext>
+              </a:extLst>
+            </p:cNvPr>
+            <p:cNvSpPr/>
+            <p:nvPr/>
+          </p:nvSpPr>
+          <p:spPr>
+            <a:xfrm rot="16200000">
+              <a:off x="4918457" y="2337459"/>
+              <a:ext cx="1521778" cy="169177"/>
+            </a:xfrm>
+            <a:prstGeom prst="rect">
+              <a:avLst/>
+            </a:prstGeom>
+            <a:solidFill>
+              <a:schemeClr val="tx1"/>
+            </a:solidFill>
+            <a:ln>
+              <a:solidFill>
+                <a:schemeClr val="tx1"/>
+              </a:solidFill>
+            </a:ln>
+          </p:spPr>
+          <p:style>
+            <a:lnRef idx="2">
+              <a:schemeClr val="accent1">
+                <a:shade val="50000"/>
+              </a:schemeClr>
+            </a:lnRef>
+            <a:fillRef idx="1">
+              <a:schemeClr val="accent1"/>
+            </a:fillRef>
+            <a:effectRef idx="0">
+              <a:schemeClr val="accent1"/>
+            </a:effectRef>
+            <a:fontRef idx="minor">
+              <a:schemeClr val="lt1"/>
+            </a:fontRef>
+          </p:style>
+          <p:txBody>
+            <a:bodyPr rtlCol="0" anchor="ctr"/>
+            <a:lstStyle/>
+            <a:p>
+              <a:pPr algn="ctr"/>
+              <a:endParaRPr lang="fr-FR"/>
+            </a:p>
+          </p:txBody>
+        </p:sp>
+      </p:grpSp>
+      <p:sp>
+        <p:nvSpPr>
+          <p:cNvPr id="13" name="Cercle : creux 12">
+            <a:extLst>
+              <a:ext uri="{FF2B5EF4-FFF2-40B4-BE49-F238E27FC236}">
+                <a16:creationId xmlns:a16="http://schemas.microsoft.com/office/drawing/2014/main" id="{CCFD3332-4140-4D8F-9269-90956DF874FB}"/>
+              </a:ext>
+            </a:extLst>
+          </p:cNvPr>
+          <p:cNvSpPr/>
+          <p:nvPr/>
+        </p:nvSpPr>
+        <p:spPr>
+          <a:xfrm>
+            <a:off x="3701958" y="3390069"/>
+            <a:ext cx="1676400" cy="1676400"/>
+          </a:xfrm>
+          <a:prstGeom prst="donut">
+            <a:avLst>
+              <a:gd name="adj" fmla="val 7230"/>
+            </a:avLst>
+          </a:prstGeom>
+          <a:solidFill>
+            <a:schemeClr val="tx1"/>
+          </a:solidFill>
+          <a:ln w="28575">
+            <a:noFill/>
+          </a:ln>
+        </p:spPr>
+        <p:style>
+          <a:lnRef idx="2">
+            <a:schemeClr val="accent1">
+              <a:shade val="50000"/>
+            </a:schemeClr>
+          </a:lnRef>
+          <a:fillRef idx="1">
+            <a:schemeClr val="accent1"/>
+          </a:fillRef>
+          <a:effectRef idx="0">
+            <a:schemeClr val="accent1"/>
+          </a:effectRef>
+          <a:fontRef idx="minor">
+            <a:schemeClr val="lt1"/>
+          </a:fontRef>
+        </p:style>
+        <p:txBody>
+          <a:bodyPr rtlCol="0" anchor="ctr"/>
+          <a:lstStyle/>
+          <a:p>
+            <a:pPr algn="ctr"/>
+            <a:endParaRPr lang="fr-FR" dirty="0">
+              <a:solidFill>
+                <a:schemeClr val="tx1"/>
+              </a:solidFill>
+            </a:endParaRPr>
+          </a:p>
+        </p:txBody>
+      </p:sp>
+      <p:grpSp>
+        <p:nvGrpSpPr>
+          <p:cNvPr id="3" name="Groupe 2">
+            <a:extLst>
+              <a:ext uri="{FF2B5EF4-FFF2-40B4-BE49-F238E27FC236}">
+                <a16:creationId xmlns:a16="http://schemas.microsoft.com/office/drawing/2014/main" id="{30BA3626-1E81-41DE-8DBF-EA143D7F357F}"/>
+              </a:ext>
+            </a:extLst>
+          </p:cNvPr>
+          <p:cNvGrpSpPr/>
+          <p:nvPr/>
+        </p:nvGrpSpPr>
+        <p:grpSpPr>
+          <a:xfrm>
+            <a:off x="7260489" y="2090252"/>
+            <a:ext cx="914400" cy="914400"/>
+            <a:chOff x="3315960" y="2422047"/>
+            <a:chExt cx="914400" cy="914400"/>
+          </a:xfrm>
+        </p:grpSpPr>
+        <p:sp>
+          <p:nvSpPr>
+            <p:cNvPr id="14" name="Arc plein 13">
+              <a:extLst>
+                <a:ext uri="{FF2B5EF4-FFF2-40B4-BE49-F238E27FC236}">
+                  <a16:creationId xmlns:a16="http://schemas.microsoft.com/office/drawing/2014/main" id="{ECA5F816-21B9-428B-AAA5-67CC3D183853}"/>
+                </a:ext>
+              </a:extLst>
+            </p:cNvPr>
+            <p:cNvSpPr/>
+            <p:nvPr/>
+          </p:nvSpPr>
+          <p:spPr>
+            <a:xfrm>
+              <a:off x="3315960" y="2422047"/>
+              <a:ext cx="914400" cy="914400"/>
+            </a:xfrm>
+            <a:prstGeom prst="blockArc">
+              <a:avLst>
+                <a:gd name="adj1" fmla="val 16200170"/>
+                <a:gd name="adj2" fmla="val 16195232"/>
+                <a:gd name="adj3" fmla="val 9944"/>
+              </a:avLst>
+            </a:prstGeom>
+            <a:solidFill>
+              <a:schemeClr val="bg1"/>
+            </a:solidFill>
+            <a:ln>
+              <a:solidFill>
+                <a:schemeClr val="tx1"/>
+              </a:solidFill>
+            </a:ln>
+          </p:spPr>
+          <p:style>
+            <a:lnRef idx="2">
+              <a:schemeClr val="accent1">
+                <a:shade val="50000"/>
+              </a:schemeClr>
+            </a:lnRef>
+            <a:fillRef idx="1">
+              <a:schemeClr val="accent1"/>
+            </a:fillRef>
+            <a:effectRef idx="0">
+              <a:schemeClr val="accent1"/>
+            </a:effectRef>
+            <a:fontRef idx="minor">
+              <a:schemeClr val="lt1"/>
+            </a:fontRef>
+          </p:style>
+          <p:txBody>
+            <a:bodyPr rtlCol="0" anchor="ctr"/>
+            <a:lstStyle/>
+            <a:p>
+              <a:pPr algn="ctr"/>
+              <a:endParaRPr lang="fr-FR">
+                <a:solidFill>
+                  <a:schemeClr val="tx1"/>
+                </a:solidFill>
+              </a:endParaRPr>
+            </a:p>
+          </p:txBody>
+        </p:sp>
+        <p:sp>
+          <p:nvSpPr>
+            <p:cNvPr id="2" name="Arc plein 1">
+              <a:extLst>
+                <a:ext uri="{FF2B5EF4-FFF2-40B4-BE49-F238E27FC236}">
+                  <a16:creationId xmlns:a16="http://schemas.microsoft.com/office/drawing/2014/main" id="{5FDA8EB4-F3C2-4218-A9EA-A42F6B5ECBB5}"/>
+                </a:ext>
+              </a:extLst>
+            </p:cNvPr>
+            <p:cNvSpPr/>
+            <p:nvPr/>
+          </p:nvSpPr>
+          <p:spPr>
+            <a:xfrm>
+              <a:off x="3315960" y="2422047"/>
+              <a:ext cx="914400" cy="914400"/>
+            </a:xfrm>
+            <a:prstGeom prst="blockArc">
+              <a:avLst>
+                <a:gd name="adj1" fmla="val 18988370"/>
+                <a:gd name="adj2" fmla="val 16195232"/>
+                <a:gd name="adj3" fmla="val 9944"/>
+              </a:avLst>
+            </a:prstGeom>
+            <a:solidFill>
+              <a:schemeClr val="tx1"/>
+            </a:solidFill>
+            <a:ln>
+              <a:solidFill>
+                <a:schemeClr val="tx1"/>
+              </a:solidFill>
+            </a:ln>
+          </p:spPr>
+          <p:style>
+            <a:lnRef idx="2">
+              <a:schemeClr val="accent1">
+                <a:shade val="50000"/>
+              </a:schemeClr>
+            </a:lnRef>
+            <a:fillRef idx="1">
+              <a:schemeClr val="accent1"/>
+            </a:fillRef>
+            <a:effectRef idx="0">
+              <a:schemeClr val="accent1"/>
+            </a:effectRef>
+            <a:fontRef idx="minor">
+              <a:schemeClr val="lt1"/>
+            </a:fontRef>
+          </p:style>
+          <p:txBody>
+            <a:bodyPr rtlCol="0" anchor="ctr"/>
+            <a:lstStyle/>
+            <a:p>
+              <a:pPr algn="ctr"/>
+              <a:endParaRPr lang="fr-FR">
+                <a:solidFill>
+                  <a:schemeClr val="tx1"/>
+                </a:solidFill>
+              </a:endParaRPr>
+            </a:p>
+          </p:txBody>
+        </p:sp>
+      </p:grpSp>
+    </p:spTree>
+    <p:extLst>
+      <p:ext uri="{BB962C8B-B14F-4D97-AF65-F5344CB8AC3E}">
+        <p14:creationId xmlns:p14="http://schemas.microsoft.com/office/powerpoint/2010/main" val="1411919251"/>
+      </p:ext>
+    </p:extLst>
+  </p:cSld>
+  <p:clrMapOvr>
+    <a:masterClrMapping/>
+  </p:clrMapOvr>
+</p:sld>
+</file>
+
+<file path=ppt/slides/slide11.xml><?xml version="1.0" encoding="utf-8"?>
+<p:sld xmlns:a="http://schemas.openxmlformats.org/drawingml/2006/main" xmlns:r="http://schemas.openxmlformats.org/officeDocument/2006/relationships" xmlns:p="http://schemas.openxmlformats.org/presentationml/2006/main">
+  <p:cSld>
+    <p:spTree>
+      <p:nvGrpSpPr>
+        <p:cNvPr id="1" name=""/>
+        <p:cNvGrpSpPr/>
+        <p:nvPr/>
+      </p:nvGrpSpPr>
+      <p:grpSpPr>
+        <a:xfrm>
+          <a:off x="0" y="0"/>
+          <a:ext cx="0" cy="0"/>
+          <a:chOff x="0" y="0"/>
+          <a:chExt cx="0" cy="0"/>
+        </a:xfrm>
+      </p:grpSpPr>
+      <p:grpSp>
+        <p:nvGrpSpPr>
+          <p:cNvPr id="15" name="Groupe 14">
+            <a:extLst>
+              <a:ext uri="{FF2B5EF4-FFF2-40B4-BE49-F238E27FC236}">
+                <a16:creationId xmlns:a16="http://schemas.microsoft.com/office/drawing/2014/main" id="{A6789ED9-B6F8-4007-BDDD-D4F1EBFDBA5D}"/>
+              </a:ext>
+            </a:extLst>
+          </p:cNvPr>
+          <p:cNvGrpSpPr/>
+          <p:nvPr/>
+        </p:nvGrpSpPr>
+        <p:grpSpPr>
+          <a:xfrm>
+            <a:off x="4727021" y="1572150"/>
+            <a:ext cx="3636000" cy="3636000"/>
+            <a:chOff x="4727021" y="1572150"/>
+            <a:chExt cx="3636000" cy="3636000"/>
+          </a:xfrm>
+        </p:grpSpPr>
+        <p:sp>
+          <p:nvSpPr>
+            <p:cNvPr id="12" name="Rectangle 11">
+              <a:extLst>
+                <a:ext uri="{FF2B5EF4-FFF2-40B4-BE49-F238E27FC236}">
+                  <a16:creationId xmlns:a16="http://schemas.microsoft.com/office/drawing/2014/main" id="{AE23F33D-6F12-46DA-A35F-2A5F55400E61}"/>
+                </a:ext>
+              </a:extLst>
+            </p:cNvPr>
+            <p:cNvSpPr/>
+            <p:nvPr/>
+          </p:nvSpPr>
+          <p:spPr>
+            <a:xfrm>
+              <a:off x="4727021" y="1572150"/>
+              <a:ext cx="3636000" cy="3636000"/>
+            </a:xfrm>
+            <a:prstGeom prst="rect">
+              <a:avLst/>
+            </a:prstGeom>
+            <a:solidFill>
+              <a:schemeClr val="tx1"/>
+            </a:solidFill>
+            <a:ln>
+              <a:noFill/>
+            </a:ln>
+          </p:spPr>
+          <p:style>
+            <a:lnRef idx="2">
+              <a:schemeClr val="accent1">
+                <a:shade val="50000"/>
+              </a:schemeClr>
+            </a:lnRef>
+            <a:fillRef idx="1">
+              <a:schemeClr val="accent1"/>
+            </a:fillRef>
+            <a:effectRef idx="0">
+              <a:schemeClr val="accent1"/>
+            </a:effectRef>
+            <a:fontRef idx="minor">
+              <a:schemeClr val="lt1"/>
+            </a:fontRef>
+          </p:style>
+          <p:txBody>
+            <a:bodyPr rtlCol="0" anchor="ctr"/>
+            <a:lstStyle/>
+            <a:p>
+              <a:pPr algn="ctr"/>
+              <a:endParaRPr lang="fr-FR"/>
+            </a:p>
+          </p:txBody>
+        </p:sp>
+        <p:grpSp>
+          <p:nvGrpSpPr>
+            <p:cNvPr id="13" name="Groupe 12">
+              <a:extLst>
+                <a:ext uri="{FF2B5EF4-FFF2-40B4-BE49-F238E27FC236}">
+                  <a16:creationId xmlns:a16="http://schemas.microsoft.com/office/drawing/2014/main" id="{8BF2658D-D83E-4D9D-8E98-71981EB68DC7}"/>
+                </a:ext>
+              </a:extLst>
+            </p:cNvPr>
+            <p:cNvGrpSpPr/>
+            <p:nvPr/>
+          </p:nvGrpSpPr>
+          <p:grpSpPr>
+            <a:xfrm>
+              <a:off x="4745021" y="1590150"/>
+              <a:ext cx="3600000" cy="3600000"/>
+              <a:chOff x="6007940" y="2026124"/>
+              <a:chExt cx="3600000" cy="3600000"/>
+            </a:xfrm>
+          </p:grpSpPr>
+          <p:sp>
+            <p:nvSpPr>
+              <p:cNvPr id="11" name="Ellipse 10">
+                <a:extLst>
+                  <a:ext uri="{FF2B5EF4-FFF2-40B4-BE49-F238E27FC236}">
+                    <a16:creationId xmlns:a16="http://schemas.microsoft.com/office/drawing/2014/main" id="{DBC8B671-1A25-4777-A600-44AD431F89CD}"/>
+                  </a:ext>
+                </a:extLst>
+              </p:cNvPr>
+              <p:cNvSpPr/>
+              <p:nvPr/>
+            </p:nvSpPr>
+            <p:spPr>
+              <a:xfrm>
+                <a:off x="6007940" y="2026124"/>
+                <a:ext cx="3600000" cy="3600000"/>
+              </a:xfrm>
+              <a:prstGeom prst="ellipse">
+                <a:avLst/>
+              </a:prstGeom>
+              <a:solidFill>
+                <a:schemeClr val="bg1"/>
+              </a:solidFill>
+              <a:ln>
+                <a:noFill/>
+              </a:ln>
+            </p:spPr>
+            <p:style>
+              <a:lnRef idx="2">
+                <a:schemeClr val="accent1">
+                  <a:shade val="50000"/>
+                </a:schemeClr>
+              </a:lnRef>
+              <a:fillRef idx="1">
+                <a:schemeClr val="accent1"/>
+              </a:fillRef>
+              <a:effectRef idx="0">
+                <a:schemeClr val="accent1"/>
+              </a:effectRef>
+              <a:fontRef idx="minor">
+                <a:schemeClr val="lt1"/>
+              </a:fontRef>
+            </p:style>
+            <p:txBody>
+              <a:bodyPr rtlCol="0" anchor="ctr"/>
+              <a:lstStyle/>
+              <a:p>
+                <a:pPr algn="ctr"/>
+                <a:endParaRPr lang="fr-FR"/>
+              </a:p>
+            </p:txBody>
+          </p:sp>
+          <p:sp>
+            <p:nvSpPr>
+              <p:cNvPr id="10" name="Ellipse 9">
+                <a:extLst>
+                  <a:ext uri="{FF2B5EF4-FFF2-40B4-BE49-F238E27FC236}">
+                    <a16:creationId xmlns:a16="http://schemas.microsoft.com/office/drawing/2014/main" id="{2C5F0C84-5482-460C-B43A-C184BE99E216}"/>
+                  </a:ext>
+                </a:extLst>
+              </p:cNvPr>
+              <p:cNvSpPr/>
+              <p:nvPr/>
+            </p:nvSpPr>
+            <p:spPr>
+              <a:xfrm>
+                <a:off x="6187940" y="2206124"/>
+                <a:ext cx="3240000" cy="3240000"/>
+              </a:xfrm>
+              <a:prstGeom prst="ellipse">
+                <a:avLst/>
+              </a:prstGeom>
+              <a:solidFill>
+                <a:schemeClr val="bg1">
+                  <a:lumMod val="95000"/>
+                </a:schemeClr>
+              </a:solidFill>
+              <a:ln>
+                <a:noFill/>
+              </a:ln>
+            </p:spPr>
+            <p:style>
+              <a:lnRef idx="2">
+                <a:schemeClr val="accent1">
+                  <a:shade val="50000"/>
+                </a:schemeClr>
+              </a:lnRef>
+              <a:fillRef idx="1">
+                <a:schemeClr val="accent1"/>
+              </a:fillRef>
+              <a:effectRef idx="0">
+                <a:schemeClr val="accent1"/>
+              </a:effectRef>
+              <a:fontRef idx="minor">
+                <a:schemeClr val="lt1"/>
+              </a:fontRef>
+            </p:style>
+            <p:txBody>
+              <a:bodyPr rtlCol="0" anchor="ctr"/>
+              <a:lstStyle/>
+              <a:p>
+                <a:pPr algn="ctr"/>
+                <a:endParaRPr lang="fr-FR"/>
+              </a:p>
+            </p:txBody>
+          </p:sp>
+          <p:sp>
+            <p:nvSpPr>
+              <p:cNvPr id="9" name="Ellipse 8">
+                <a:extLst>
+                  <a:ext uri="{FF2B5EF4-FFF2-40B4-BE49-F238E27FC236}">
+                    <a16:creationId xmlns:a16="http://schemas.microsoft.com/office/drawing/2014/main" id="{913C6E18-6CBA-4EE1-A4D4-820D9DD9865F}"/>
+                  </a:ext>
+                </a:extLst>
+              </p:cNvPr>
+              <p:cNvSpPr/>
+              <p:nvPr/>
+            </p:nvSpPr>
+            <p:spPr>
+              <a:xfrm>
+                <a:off x="6367940" y="2386124"/>
+                <a:ext cx="2880000" cy="2880000"/>
+              </a:xfrm>
+              <a:prstGeom prst="ellipse">
+                <a:avLst/>
+              </a:prstGeom>
+              <a:solidFill>
+                <a:schemeClr val="bg1">
+                  <a:lumMod val="85000"/>
+                </a:schemeClr>
+              </a:solidFill>
+              <a:ln>
+                <a:noFill/>
+              </a:ln>
+            </p:spPr>
+            <p:style>
+              <a:lnRef idx="2">
+                <a:schemeClr val="accent1">
+                  <a:shade val="50000"/>
+                </a:schemeClr>
+              </a:lnRef>
+              <a:fillRef idx="1">
+                <a:schemeClr val="accent1"/>
+              </a:fillRef>
+              <a:effectRef idx="0">
+                <a:schemeClr val="accent1"/>
+              </a:effectRef>
+              <a:fontRef idx="minor">
+                <a:schemeClr val="lt1"/>
+              </a:fontRef>
+            </p:style>
+            <p:txBody>
+              <a:bodyPr rtlCol="0" anchor="ctr"/>
+              <a:lstStyle/>
+              <a:p>
+                <a:pPr algn="ctr"/>
+                <a:endParaRPr lang="fr-FR"/>
+              </a:p>
+            </p:txBody>
+          </p:sp>
+          <p:sp>
+            <p:nvSpPr>
+              <p:cNvPr id="8" name="Ellipse 7">
+                <a:extLst>
+                  <a:ext uri="{FF2B5EF4-FFF2-40B4-BE49-F238E27FC236}">
+                    <a16:creationId xmlns:a16="http://schemas.microsoft.com/office/drawing/2014/main" id="{01C3BB7F-B814-4C03-956F-9F7EC964AD87}"/>
+                  </a:ext>
+                </a:extLst>
+              </p:cNvPr>
+              <p:cNvSpPr/>
+              <p:nvPr/>
+            </p:nvSpPr>
+            <p:spPr>
+              <a:xfrm>
+                <a:off x="6547940" y="2566124"/>
+                <a:ext cx="2520000" cy="2520000"/>
+              </a:xfrm>
+              <a:prstGeom prst="ellipse">
+                <a:avLst/>
+              </a:prstGeom>
+              <a:solidFill>
+                <a:schemeClr val="bg1">
+                  <a:lumMod val="75000"/>
+                </a:schemeClr>
+              </a:solidFill>
+              <a:ln>
+                <a:noFill/>
+              </a:ln>
+            </p:spPr>
+            <p:style>
+              <a:lnRef idx="2">
+                <a:schemeClr val="accent1">
+                  <a:shade val="50000"/>
+                </a:schemeClr>
+              </a:lnRef>
+              <a:fillRef idx="1">
+                <a:schemeClr val="accent1"/>
+              </a:fillRef>
+              <a:effectRef idx="0">
+                <a:schemeClr val="accent1"/>
+              </a:effectRef>
+              <a:fontRef idx="minor">
+                <a:schemeClr val="lt1"/>
+              </a:fontRef>
+            </p:style>
+            <p:txBody>
+              <a:bodyPr rtlCol="0" anchor="ctr"/>
+              <a:lstStyle/>
+              <a:p>
+                <a:pPr algn="ctr"/>
+                <a:endParaRPr lang="fr-FR"/>
+              </a:p>
+            </p:txBody>
+          </p:sp>
+          <p:sp>
+            <p:nvSpPr>
+              <p:cNvPr id="7" name="Ellipse 6">
+                <a:extLst>
+                  <a:ext uri="{FF2B5EF4-FFF2-40B4-BE49-F238E27FC236}">
+                    <a16:creationId xmlns:a16="http://schemas.microsoft.com/office/drawing/2014/main" id="{550DF727-EEA3-4CB4-9BE0-DF7EA7757911}"/>
+                  </a:ext>
+                </a:extLst>
+              </p:cNvPr>
+              <p:cNvSpPr/>
+              <p:nvPr/>
+            </p:nvSpPr>
+            <p:spPr>
+              <a:xfrm>
+                <a:off x="6727940" y="2746124"/>
+                <a:ext cx="2160000" cy="2160000"/>
+              </a:xfrm>
+              <a:prstGeom prst="ellipse">
+                <a:avLst/>
+              </a:prstGeom>
+              <a:solidFill>
+                <a:schemeClr val="bg1">
+                  <a:lumMod val="65000"/>
+                </a:schemeClr>
+              </a:solidFill>
+              <a:ln>
+                <a:noFill/>
+              </a:ln>
+            </p:spPr>
+            <p:style>
+              <a:lnRef idx="2">
+                <a:schemeClr val="accent1">
+                  <a:shade val="50000"/>
+                </a:schemeClr>
+              </a:lnRef>
+              <a:fillRef idx="1">
+                <a:schemeClr val="accent1"/>
+              </a:fillRef>
+              <a:effectRef idx="0">
+                <a:schemeClr val="accent1"/>
+              </a:effectRef>
+              <a:fontRef idx="minor">
+                <a:schemeClr val="lt1"/>
+              </a:fontRef>
+            </p:style>
+            <p:txBody>
+              <a:bodyPr rtlCol="0" anchor="ctr"/>
+              <a:lstStyle/>
+              <a:p>
+                <a:pPr algn="ctr"/>
+                <a:endParaRPr lang="fr-FR"/>
+              </a:p>
+            </p:txBody>
+          </p:sp>
+          <p:sp>
+            <p:nvSpPr>
+              <p:cNvPr id="6" name="Ellipse 5">
+                <a:extLst>
+                  <a:ext uri="{FF2B5EF4-FFF2-40B4-BE49-F238E27FC236}">
+                    <a16:creationId xmlns:a16="http://schemas.microsoft.com/office/drawing/2014/main" id="{F2868239-5037-4C7E-8D88-F1193CA19BCA}"/>
+                  </a:ext>
+                </a:extLst>
+              </p:cNvPr>
+              <p:cNvSpPr/>
+              <p:nvPr/>
+            </p:nvSpPr>
+            <p:spPr>
+              <a:xfrm>
+                <a:off x="6907940" y="2926124"/>
+                <a:ext cx="1800000" cy="1800000"/>
+              </a:xfrm>
+              <a:prstGeom prst="ellipse">
+                <a:avLst/>
+              </a:prstGeom>
+              <a:solidFill>
+                <a:schemeClr val="tx1">
+                  <a:lumMod val="50000"/>
+                  <a:lumOff val="50000"/>
+                </a:schemeClr>
+              </a:solidFill>
+              <a:ln>
+                <a:noFill/>
+              </a:ln>
+            </p:spPr>
+            <p:style>
+              <a:lnRef idx="2">
+                <a:schemeClr val="accent1">
+                  <a:shade val="50000"/>
+                </a:schemeClr>
+              </a:lnRef>
+              <a:fillRef idx="1">
+                <a:schemeClr val="accent1"/>
+              </a:fillRef>
+              <a:effectRef idx="0">
+                <a:schemeClr val="accent1"/>
+              </a:effectRef>
+              <a:fontRef idx="minor">
+                <a:schemeClr val="lt1"/>
+              </a:fontRef>
+            </p:style>
+            <p:txBody>
+              <a:bodyPr rtlCol="0" anchor="ctr"/>
+              <a:lstStyle/>
+              <a:p>
+                <a:pPr algn="ctr"/>
+                <a:endParaRPr lang="fr-FR"/>
+              </a:p>
+            </p:txBody>
+          </p:sp>
+          <p:sp>
+            <p:nvSpPr>
+              <p:cNvPr id="5" name="Ellipse 4">
+                <a:extLst>
+                  <a:ext uri="{FF2B5EF4-FFF2-40B4-BE49-F238E27FC236}">
+                    <a16:creationId xmlns:a16="http://schemas.microsoft.com/office/drawing/2014/main" id="{74200F42-0D5C-4153-82F1-48FA5CEAF5D2}"/>
+                  </a:ext>
+                </a:extLst>
+              </p:cNvPr>
+              <p:cNvSpPr/>
+              <p:nvPr/>
+            </p:nvSpPr>
+            <p:spPr>
+              <a:xfrm>
+                <a:off x="7087940" y="3106124"/>
+                <a:ext cx="1440000" cy="1440000"/>
+              </a:xfrm>
+              <a:prstGeom prst="ellipse">
+                <a:avLst/>
+              </a:prstGeom>
+              <a:solidFill>
+                <a:schemeClr val="tx1">
+                  <a:lumMod val="65000"/>
+                  <a:lumOff val="35000"/>
+                </a:schemeClr>
+              </a:solidFill>
+              <a:ln>
+                <a:noFill/>
+              </a:ln>
+            </p:spPr>
+            <p:style>
+              <a:lnRef idx="2">
+                <a:schemeClr val="accent1">
+                  <a:shade val="50000"/>
+                </a:schemeClr>
+              </a:lnRef>
+              <a:fillRef idx="1">
+                <a:schemeClr val="accent1"/>
+              </a:fillRef>
+              <a:effectRef idx="0">
+                <a:schemeClr val="accent1"/>
+              </a:effectRef>
+              <a:fontRef idx="minor">
+                <a:schemeClr val="lt1"/>
+              </a:fontRef>
+            </p:style>
+            <p:txBody>
+              <a:bodyPr rtlCol="0" anchor="ctr"/>
+              <a:lstStyle/>
+              <a:p>
+                <a:pPr algn="ctr"/>
+                <a:endParaRPr lang="fr-FR"/>
+              </a:p>
+            </p:txBody>
+          </p:sp>
+          <p:sp>
+            <p:nvSpPr>
+              <p:cNvPr id="4" name="Ellipse 3">
+                <a:extLst>
+                  <a:ext uri="{FF2B5EF4-FFF2-40B4-BE49-F238E27FC236}">
+                    <a16:creationId xmlns:a16="http://schemas.microsoft.com/office/drawing/2014/main" id="{5652CB0D-9EA7-4308-9FE3-F91157BDAB3C}"/>
+                  </a:ext>
+                </a:extLst>
+              </p:cNvPr>
+              <p:cNvSpPr/>
+              <p:nvPr/>
+            </p:nvSpPr>
+            <p:spPr>
+              <a:xfrm>
+                <a:off x="7267940" y="3286124"/>
+                <a:ext cx="1080000" cy="1080000"/>
+              </a:xfrm>
+              <a:prstGeom prst="ellipse">
+                <a:avLst/>
+              </a:prstGeom>
+              <a:solidFill>
+                <a:schemeClr val="tx1">
+                  <a:lumMod val="75000"/>
+                  <a:lumOff val="25000"/>
+                </a:schemeClr>
+              </a:solidFill>
+              <a:ln>
+                <a:noFill/>
+              </a:ln>
+            </p:spPr>
+            <p:style>
+              <a:lnRef idx="2">
+                <a:schemeClr val="accent1">
+                  <a:shade val="50000"/>
+                </a:schemeClr>
+              </a:lnRef>
+              <a:fillRef idx="1">
+                <a:schemeClr val="accent1"/>
+              </a:fillRef>
+              <a:effectRef idx="0">
+                <a:schemeClr val="accent1"/>
+              </a:effectRef>
+              <a:fontRef idx="minor">
+                <a:schemeClr val="lt1"/>
+              </a:fontRef>
+            </p:style>
+            <p:txBody>
+              <a:bodyPr rtlCol="0" anchor="ctr"/>
+              <a:lstStyle/>
+              <a:p>
+                <a:pPr algn="ctr"/>
+                <a:endParaRPr lang="fr-FR"/>
+              </a:p>
+            </p:txBody>
+          </p:sp>
+          <p:sp>
+            <p:nvSpPr>
+              <p:cNvPr id="3" name="Ellipse 2">
+                <a:extLst>
+                  <a:ext uri="{FF2B5EF4-FFF2-40B4-BE49-F238E27FC236}">
+                    <a16:creationId xmlns:a16="http://schemas.microsoft.com/office/drawing/2014/main" id="{EEEDBD5E-5AD0-400D-82D8-EC827B67A320}"/>
+                  </a:ext>
+                </a:extLst>
+              </p:cNvPr>
+              <p:cNvSpPr/>
+              <p:nvPr/>
+            </p:nvSpPr>
+            <p:spPr>
+              <a:xfrm>
+                <a:off x="7447940" y="3466124"/>
+                <a:ext cx="720000" cy="720000"/>
+              </a:xfrm>
+              <a:prstGeom prst="ellipse">
+                <a:avLst/>
+              </a:prstGeom>
+              <a:solidFill>
+                <a:schemeClr val="tx1">
+                  <a:lumMod val="85000"/>
+                  <a:lumOff val="15000"/>
+                </a:schemeClr>
+              </a:solidFill>
+              <a:ln>
+                <a:noFill/>
+              </a:ln>
+            </p:spPr>
+            <p:style>
+              <a:lnRef idx="2">
+                <a:schemeClr val="accent1">
+                  <a:shade val="50000"/>
+                </a:schemeClr>
+              </a:lnRef>
+              <a:fillRef idx="1">
+                <a:schemeClr val="accent1"/>
+              </a:fillRef>
+              <a:effectRef idx="0">
+                <a:schemeClr val="accent1"/>
+              </a:effectRef>
+              <a:fontRef idx="minor">
+                <a:schemeClr val="lt1"/>
+              </a:fontRef>
+            </p:style>
+            <p:txBody>
+              <a:bodyPr rtlCol="0" anchor="ctr"/>
+              <a:lstStyle/>
+              <a:p>
+                <a:pPr algn="ctr"/>
+                <a:endParaRPr lang="fr-FR"/>
+              </a:p>
+            </p:txBody>
+          </p:sp>
+          <p:sp>
+            <p:nvSpPr>
+              <p:cNvPr id="2" name="Ellipse 1">
+                <a:extLst>
+                  <a:ext uri="{FF2B5EF4-FFF2-40B4-BE49-F238E27FC236}">
+                    <a16:creationId xmlns:a16="http://schemas.microsoft.com/office/drawing/2014/main" id="{ED2094FE-C153-4CC7-A4CC-CF09C2503C81}"/>
+                  </a:ext>
+                </a:extLst>
+              </p:cNvPr>
+              <p:cNvSpPr/>
+              <p:nvPr/>
+            </p:nvSpPr>
+            <p:spPr>
+              <a:xfrm>
+                <a:off x="7627940" y="3646124"/>
+                <a:ext cx="360000" cy="360000"/>
+              </a:xfrm>
+              <a:prstGeom prst="ellipse">
+                <a:avLst/>
+              </a:prstGeom>
+              <a:solidFill>
+                <a:schemeClr val="tx1"/>
+              </a:solidFill>
+              <a:ln>
+                <a:noFill/>
+              </a:ln>
+            </p:spPr>
+            <p:style>
+              <a:lnRef idx="2">
+                <a:schemeClr val="accent1">
+                  <a:shade val="50000"/>
+                </a:schemeClr>
+              </a:lnRef>
+              <a:fillRef idx="1">
+                <a:schemeClr val="accent1"/>
+              </a:fillRef>
+              <a:effectRef idx="0">
+                <a:schemeClr val="accent1"/>
+              </a:effectRef>
+              <a:fontRef idx="minor">
+                <a:schemeClr val="lt1"/>
+              </a:fontRef>
+            </p:style>
+            <p:txBody>
+              <a:bodyPr rtlCol="0" anchor="ctr"/>
+              <a:lstStyle/>
+              <a:p>
+                <a:pPr algn="ctr"/>
+                <a:endParaRPr lang="fr-FR"/>
+              </a:p>
+            </p:txBody>
+          </p:sp>
+        </p:grpSp>
+      </p:grpSp>
+      <p:sp>
+        <p:nvSpPr>
+          <p:cNvPr id="17" name="Rectangle 16">
+            <a:extLst>
+              <a:ext uri="{FF2B5EF4-FFF2-40B4-BE49-F238E27FC236}">
+                <a16:creationId xmlns:a16="http://schemas.microsoft.com/office/drawing/2014/main" id="{62336D2F-5B33-426B-A4AB-7EB03C41901E}"/>
+              </a:ext>
+            </a:extLst>
+          </p:cNvPr>
+          <p:cNvSpPr/>
+          <p:nvPr/>
+        </p:nvSpPr>
+        <p:spPr>
+          <a:xfrm>
+            <a:off x="1677134" y="1629000"/>
+            <a:ext cx="1800000" cy="1800000"/>
+          </a:xfrm>
+          <a:prstGeom prst="rect">
+            <a:avLst/>
+          </a:prstGeom>
+          <a:solidFill>
+            <a:schemeClr val="tx1"/>
+          </a:solidFill>
+          <a:ln>
+            <a:noFill/>
+          </a:ln>
+        </p:spPr>
+        <p:style>
+          <a:lnRef idx="2">
+            <a:schemeClr val="accent1">
+              <a:shade val="50000"/>
+            </a:schemeClr>
+          </a:lnRef>
+          <a:fillRef idx="1">
+            <a:schemeClr val="accent1"/>
+          </a:fillRef>
+          <a:effectRef idx="0">
+            <a:schemeClr val="accent1"/>
+          </a:effectRef>
+          <a:fontRef idx="minor">
+            <a:schemeClr val="lt1"/>
+          </a:fontRef>
+        </p:style>
+        <p:txBody>
+          <a:bodyPr rtlCol="0" anchor="ctr"/>
+          <a:lstStyle/>
+          <a:p>
+            <a:pPr algn="ctr"/>
+            <a:endParaRPr lang="fr-FR"/>
+          </a:p>
+        </p:txBody>
+      </p:sp>
+      <p:sp>
+        <p:nvSpPr>
+          <p:cNvPr id="18" name="Ellipse 17">
+            <a:extLst>
+              <a:ext uri="{FF2B5EF4-FFF2-40B4-BE49-F238E27FC236}">
+                <a16:creationId xmlns:a16="http://schemas.microsoft.com/office/drawing/2014/main" id="{0B8F4A86-851A-4B18-B6DA-A202A7D5A655}"/>
+              </a:ext>
+            </a:extLst>
+          </p:cNvPr>
+          <p:cNvSpPr/>
+          <p:nvPr/>
+        </p:nvSpPr>
+        <p:spPr>
+          <a:xfrm>
+            <a:off x="1857134" y="1723160"/>
+            <a:ext cx="1440000" cy="1440000"/>
+          </a:xfrm>
+          <a:prstGeom prst="ellipse">
+            <a:avLst/>
+          </a:prstGeom>
+          <a:gradFill flip="none" rotWithShape="1">
+            <a:gsLst>
+              <a:gs pos="60000">
+                <a:schemeClr val="bg1"/>
+              </a:gs>
+              <a:gs pos="0">
+                <a:schemeClr val="tx1"/>
+              </a:gs>
+              <a:gs pos="100000">
+                <a:schemeClr val="bg1"/>
+              </a:gs>
+            </a:gsLst>
+            <a:path path="circle">
+              <a:fillToRect l="50000" t="50000" r="50000" b="50000"/>
+            </a:path>
+            <a:tileRect/>
+          </a:gradFill>
+          <a:ln>
+            <a:noFill/>
+          </a:ln>
+        </p:spPr>
+        <p:style>
+          <a:lnRef idx="2">
+            <a:schemeClr val="accent1">
+              <a:shade val="50000"/>
+            </a:schemeClr>
+          </a:lnRef>
+          <a:fillRef idx="1">
+            <a:schemeClr val="accent1"/>
+          </a:fillRef>
+          <a:effectRef idx="0">
+            <a:schemeClr val="accent1"/>
+          </a:effectRef>
+          <a:fontRef idx="minor">
+            <a:schemeClr val="lt1"/>
+          </a:fontRef>
+        </p:style>
+        <p:txBody>
+          <a:bodyPr rtlCol="0" anchor="ctr"/>
+          <a:lstStyle/>
+          <a:p>
+            <a:pPr algn="ctr"/>
+            <a:endParaRPr lang="fr-FR"/>
+          </a:p>
+        </p:txBody>
+      </p:sp>
+    </p:spTree>
+    <p:extLst>
+      <p:ext uri="{BB962C8B-B14F-4D97-AF65-F5344CB8AC3E}">
+        <p14:creationId xmlns:p14="http://schemas.microsoft.com/office/powerpoint/2010/main" val="2297619306"/>
+      </p:ext>
+    </p:extLst>
+  </p:cSld>
+  <p:clrMapOvr>
+    <a:masterClrMapping/>
+  </p:clrMapOvr>
+</p:sld>
+</file>
+
+<file path=ppt/slides/slide2.xml><?xml version="1.0" encoding="utf-8"?>
+<p:sld xmlns:a="http://schemas.openxmlformats.org/drawingml/2006/main" xmlns:r="http://schemas.openxmlformats.org/officeDocument/2006/relationships" xmlns:p="http://schemas.openxmlformats.org/presentationml/2006/main">
+  <p:cSld>
+    <p:spTree>
+      <p:nvGrpSpPr>
+        <p:cNvPr id="1" name=""/>
+        <p:cNvGrpSpPr/>
+        <p:nvPr/>
+      </p:nvGrpSpPr>
+      <p:grpSpPr>
+        <a:xfrm>
+          <a:off x="0" y="0"/>
+          <a:ext cx="0" cy="0"/>
+          <a:chOff x="0" y="0"/>
+          <a:chExt cx="0" cy="0"/>
+        </a:xfrm>
+      </p:grpSpPr>
+      <p:sp>
+        <p:nvSpPr>
           <p:cNvPr id="146" name="Signe Plus 145">
             <a:extLst>
               <a:ext uri="{FF2B5EF4-FFF2-40B4-BE49-F238E27FC236}">
@@ -8166,7 +16083,7 @@
     </p:spTree>
     <p:extLst>
       <p:ext uri="{BB962C8B-B14F-4D97-AF65-F5344CB8AC3E}">
-        <p14:creationId xmlns:p14="http://schemas.microsoft.com/office/powerpoint/2010/main" val="4122987937"/>
+        <p14:creationId xmlns:p14="http://schemas.microsoft.com/office/powerpoint/2010/main" val="881329120"/>
       </p:ext>
     </p:extLst>
   </p:cSld>
@@ -8176,789 +16093,7 @@
 </p:sld>
 </file>
 
-<file path=ppt/slides/slide10.xml><?xml version="1.0" encoding="utf-8"?>
-<p:sld xmlns:a="http://schemas.openxmlformats.org/drawingml/2006/main" xmlns:r="http://schemas.openxmlformats.org/officeDocument/2006/relationships" xmlns:p="http://schemas.openxmlformats.org/presentationml/2006/main">
-  <p:cSld>
-    <p:spTree>
-      <p:nvGrpSpPr>
-        <p:cNvPr id="1" name=""/>
-        <p:cNvGrpSpPr/>
-        <p:nvPr/>
-      </p:nvGrpSpPr>
-      <p:grpSpPr>
-        <a:xfrm>
-          <a:off x="0" y="0"/>
-          <a:ext cx="0" cy="0"/>
-          <a:chOff x="0" y="0"/>
-          <a:chExt cx="0" cy="0"/>
-        </a:xfrm>
-      </p:grpSpPr>
-      <p:grpSp>
-        <p:nvGrpSpPr>
-          <p:cNvPr id="15" name="Groupe 14">
-            <a:extLst>
-              <a:ext uri="{FF2B5EF4-FFF2-40B4-BE49-F238E27FC236}">
-                <a16:creationId xmlns:a16="http://schemas.microsoft.com/office/drawing/2014/main" id="{A6789ED9-B6F8-4007-BDDD-D4F1EBFDBA5D}"/>
-              </a:ext>
-            </a:extLst>
-          </p:cNvPr>
-          <p:cNvGrpSpPr/>
-          <p:nvPr/>
-        </p:nvGrpSpPr>
-        <p:grpSpPr>
-          <a:xfrm>
-            <a:off x="4727021" y="1572150"/>
-            <a:ext cx="3636000" cy="3636000"/>
-            <a:chOff x="4727021" y="1572150"/>
-            <a:chExt cx="3636000" cy="3636000"/>
-          </a:xfrm>
-        </p:grpSpPr>
-        <p:sp>
-          <p:nvSpPr>
-            <p:cNvPr id="12" name="Rectangle 11">
-              <a:extLst>
-                <a:ext uri="{FF2B5EF4-FFF2-40B4-BE49-F238E27FC236}">
-                  <a16:creationId xmlns:a16="http://schemas.microsoft.com/office/drawing/2014/main" id="{AE23F33D-6F12-46DA-A35F-2A5F55400E61}"/>
-                </a:ext>
-              </a:extLst>
-            </p:cNvPr>
-            <p:cNvSpPr/>
-            <p:nvPr/>
-          </p:nvSpPr>
-          <p:spPr>
-            <a:xfrm>
-              <a:off x="4727021" y="1572150"/>
-              <a:ext cx="3636000" cy="3636000"/>
-            </a:xfrm>
-            <a:prstGeom prst="rect">
-              <a:avLst/>
-            </a:prstGeom>
-            <a:solidFill>
-              <a:schemeClr val="tx1"/>
-            </a:solidFill>
-            <a:ln>
-              <a:noFill/>
-            </a:ln>
-          </p:spPr>
-          <p:style>
-            <a:lnRef idx="2">
-              <a:schemeClr val="accent1">
-                <a:shade val="50000"/>
-              </a:schemeClr>
-            </a:lnRef>
-            <a:fillRef idx="1">
-              <a:schemeClr val="accent1"/>
-            </a:fillRef>
-            <a:effectRef idx="0">
-              <a:schemeClr val="accent1"/>
-            </a:effectRef>
-            <a:fontRef idx="minor">
-              <a:schemeClr val="lt1"/>
-            </a:fontRef>
-          </p:style>
-          <p:txBody>
-            <a:bodyPr rtlCol="0" anchor="ctr"/>
-            <a:lstStyle/>
-            <a:p>
-              <a:pPr algn="ctr"/>
-              <a:endParaRPr lang="fr-FR"/>
-            </a:p>
-          </p:txBody>
-        </p:sp>
-        <p:grpSp>
-          <p:nvGrpSpPr>
-            <p:cNvPr id="13" name="Groupe 12">
-              <a:extLst>
-                <a:ext uri="{FF2B5EF4-FFF2-40B4-BE49-F238E27FC236}">
-                  <a16:creationId xmlns:a16="http://schemas.microsoft.com/office/drawing/2014/main" id="{8BF2658D-D83E-4D9D-8E98-71981EB68DC7}"/>
-                </a:ext>
-              </a:extLst>
-            </p:cNvPr>
-            <p:cNvGrpSpPr/>
-            <p:nvPr/>
-          </p:nvGrpSpPr>
-          <p:grpSpPr>
-            <a:xfrm>
-              <a:off x="4745021" y="1590150"/>
-              <a:ext cx="3600000" cy="3600000"/>
-              <a:chOff x="6007940" y="2026124"/>
-              <a:chExt cx="3600000" cy="3600000"/>
-            </a:xfrm>
-          </p:grpSpPr>
-          <p:sp>
-            <p:nvSpPr>
-              <p:cNvPr id="11" name="Ellipse 10">
-                <a:extLst>
-                  <a:ext uri="{FF2B5EF4-FFF2-40B4-BE49-F238E27FC236}">
-                    <a16:creationId xmlns:a16="http://schemas.microsoft.com/office/drawing/2014/main" id="{DBC8B671-1A25-4777-A600-44AD431F89CD}"/>
-                  </a:ext>
-                </a:extLst>
-              </p:cNvPr>
-              <p:cNvSpPr/>
-              <p:nvPr/>
-            </p:nvSpPr>
-            <p:spPr>
-              <a:xfrm>
-                <a:off x="6007940" y="2026124"/>
-                <a:ext cx="3600000" cy="3600000"/>
-              </a:xfrm>
-              <a:prstGeom prst="ellipse">
-                <a:avLst/>
-              </a:prstGeom>
-              <a:solidFill>
-                <a:schemeClr val="bg1"/>
-              </a:solidFill>
-              <a:ln>
-                <a:noFill/>
-              </a:ln>
-            </p:spPr>
-            <p:style>
-              <a:lnRef idx="2">
-                <a:schemeClr val="accent1">
-                  <a:shade val="50000"/>
-                </a:schemeClr>
-              </a:lnRef>
-              <a:fillRef idx="1">
-                <a:schemeClr val="accent1"/>
-              </a:fillRef>
-              <a:effectRef idx="0">
-                <a:schemeClr val="accent1"/>
-              </a:effectRef>
-              <a:fontRef idx="minor">
-                <a:schemeClr val="lt1"/>
-              </a:fontRef>
-            </p:style>
-            <p:txBody>
-              <a:bodyPr rtlCol="0" anchor="ctr"/>
-              <a:lstStyle/>
-              <a:p>
-                <a:pPr algn="ctr"/>
-                <a:endParaRPr lang="fr-FR"/>
-              </a:p>
-            </p:txBody>
-          </p:sp>
-          <p:sp>
-            <p:nvSpPr>
-              <p:cNvPr id="10" name="Ellipse 9">
-                <a:extLst>
-                  <a:ext uri="{FF2B5EF4-FFF2-40B4-BE49-F238E27FC236}">
-                    <a16:creationId xmlns:a16="http://schemas.microsoft.com/office/drawing/2014/main" id="{2C5F0C84-5482-460C-B43A-C184BE99E216}"/>
-                  </a:ext>
-                </a:extLst>
-              </p:cNvPr>
-              <p:cNvSpPr/>
-              <p:nvPr/>
-            </p:nvSpPr>
-            <p:spPr>
-              <a:xfrm>
-                <a:off x="6187940" y="2206124"/>
-                <a:ext cx="3240000" cy="3240000"/>
-              </a:xfrm>
-              <a:prstGeom prst="ellipse">
-                <a:avLst/>
-              </a:prstGeom>
-              <a:solidFill>
-                <a:schemeClr val="bg1">
-                  <a:lumMod val="95000"/>
-                </a:schemeClr>
-              </a:solidFill>
-              <a:ln>
-                <a:noFill/>
-              </a:ln>
-            </p:spPr>
-            <p:style>
-              <a:lnRef idx="2">
-                <a:schemeClr val="accent1">
-                  <a:shade val="50000"/>
-                </a:schemeClr>
-              </a:lnRef>
-              <a:fillRef idx="1">
-                <a:schemeClr val="accent1"/>
-              </a:fillRef>
-              <a:effectRef idx="0">
-                <a:schemeClr val="accent1"/>
-              </a:effectRef>
-              <a:fontRef idx="minor">
-                <a:schemeClr val="lt1"/>
-              </a:fontRef>
-            </p:style>
-            <p:txBody>
-              <a:bodyPr rtlCol="0" anchor="ctr"/>
-              <a:lstStyle/>
-              <a:p>
-                <a:pPr algn="ctr"/>
-                <a:endParaRPr lang="fr-FR"/>
-              </a:p>
-            </p:txBody>
-          </p:sp>
-          <p:sp>
-            <p:nvSpPr>
-              <p:cNvPr id="9" name="Ellipse 8">
-                <a:extLst>
-                  <a:ext uri="{FF2B5EF4-FFF2-40B4-BE49-F238E27FC236}">
-                    <a16:creationId xmlns:a16="http://schemas.microsoft.com/office/drawing/2014/main" id="{913C6E18-6CBA-4EE1-A4D4-820D9DD9865F}"/>
-                  </a:ext>
-                </a:extLst>
-              </p:cNvPr>
-              <p:cNvSpPr/>
-              <p:nvPr/>
-            </p:nvSpPr>
-            <p:spPr>
-              <a:xfrm>
-                <a:off x="6367940" y="2386124"/>
-                <a:ext cx="2880000" cy="2880000"/>
-              </a:xfrm>
-              <a:prstGeom prst="ellipse">
-                <a:avLst/>
-              </a:prstGeom>
-              <a:solidFill>
-                <a:schemeClr val="bg1">
-                  <a:lumMod val="85000"/>
-                </a:schemeClr>
-              </a:solidFill>
-              <a:ln>
-                <a:noFill/>
-              </a:ln>
-            </p:spPr>
-            <p:style>
-              <a:lnRef idx="2">
-                <a:schemeClr val="accent1">
-                  <a:shade val="50000"/>
-                </a:schemeClr>
-              </a:lnRef>
-              <a:fillRef idx="1">
-                <a:schemeClr val="accent1"/>
-              </a:fillRef>
-              <a:effectRef idx="0">
-                <a:schemeClr val="accent1"/>
-              </a:effectRef>
-              <a:fontRef idx="minor">
-                <a:schemeClr val="lt1"/>
-              </a:fontRef>
-            </p:style>
-            <p:txBody>
-              <a:bodyPr rtlCol="0" anchor="ctr"/>
-              <a:lstStyle/>
-              <a:p>
-                <a:pPr algn="ctr"/>
-                <a:endParaRPr lang="fr-FR"/>
-              </a:p>
-            </p:txBody>
-          </p:sp>
-          <p:sp>
-            <p:nvSpPr>
-              <p:cNvPr id="8" name="Ellipse 7">
-                <a:extLst>
-                  <a:ext uri="{FF2B5EF4-FFF2-40B4-BE49-F238E27FC236}">
-                    <a16:creationId xmlns:a16="http://schemas.microsoft.com/office/drawing/2014/main" id="{01C3BB7F-B814-4C03-956F-9F7EC964AD87}"/>
-                  </a:ext>
-                </a:extLst>
-              </p:cNvPr>
-              <p:cNvSpPr/>
-              <p:nvPr/>
-            </p:nvSpPr>
-            <p:spPr>
-              <a:xfrm>
-                <a:off x="6547940" y="2566124"/>
-                <a:ext cx="2520000" cy="2520000"/>
-              </a:xfrm>
-              <a:prstGeom prst="ellipse">
-                <a:avLst/>
-              </a:prstGeom>
-              <a:solidFill>
-                <a:schemeClr val="bg1">
-                  <a:lumMod val="75000"/>
-                </a:schemeClr>
-              </a:solidFill>
-              <a:ln>
-                <a:noFill/>
-              </a:ln>
-            </p:spPr>
-            <p:style>
-              <a:lnRef idx="2">
-                <a:schemeClr val="accent1">
-                  <a:shade val="50000"/>
-                </a:schemeClr>
-              </a:lnRef>
-              <a:fillRef idx="1">
-                <a:schemeClr val="accent1"/>
-              </a:fillRef>
-              <a:effectRef idx="0">
-                <a:schemeClr val="accent1"/>
-              </a:effectRef>
-              <a:fontRef idx="minor">
-                <a:schemeClr val="lt1"/>
-              </a:fontRef>
-            </p:style>
-            <p:txBody>
-              <a:bodyPr rtlCol="0" anchor="ctr"/>
-              <a:lstStyle/>
-              <a:p>
-                <a:pPr algn="ctr"/>
-                <a:endParaRPr lang="fr-FR"/>
-              </a:p>
-            </p:txBody>
-          </p:sp>
-          <p:sp>
-            <p:nvSpPr>
-              <p:cNvPr id="7" name="Ellipse 6">
-                <a:extLst>
-                  <a:ext uri="{FF2B5EF4-FFF2-40B4-BE49-F238E27FC236}">
-                    <a16:creationId xmlns:a16="http://schemas.microsoft.com/office/drawing/2014/main" id="{550DF727-EEA3-4CB4-9BE0-DF7EA7757911}"/>
-                  </a:ext>
-                </a:extLst>
-              </p:cNvPr>
-              <p:cNvSpPr/>
-              <p:nvPr/>
-            </p:nvSpPr>
-            <p:spPr>
-              <a:xfrm>
-                <a:off x="6727940" y="2746124"/>
-                <a:ext cx="2160000" cy="2160000"/>
-              </a:xfrm>
-              <a:prstGeom prst="ellipse">
-                <a:avLst/>
-              </a:prstGeom>
-              <a:solidFill>
-                <a:schemeClr val="bg1">
-                  <a:lumMod val="65000"/>
-                </a:schemeClr>
-              </a:solidFill>
-              <a:ln>
-                <a:noFill/>
-              </a:ln>
-            </p:spPr>
-            <p:style>
-              <a:lnRef idx="2">
-                <a:schemeClr val="accent1">
-                  <a:shade val="50000"/>
-                </a:schemeClr>
-              </a:lnRef>
-              <a:fillRef idx="1">
-                <a:schemeClr val="accent1"/>
-              </a:fillRef>
-              <a:effectRef idx="0">
-                <a:schemeClr val="accent1"/>
-              </a:effectRef>
-              <a:fontRef idx="minor">
-                <a:schemeClr val="lt1"/>
-              </a:fontRef>
-            </p:style>
-            <p:txBody>
-              <a:bodyPr rtlCol="0" anchor="ctr"/>
-              <a:lstStyle/>
-              <a:p>
-                <a:pPr algn="ctr"/>
-                <a:endParaRPr lang="fr-FR"/>
-              </a:p>
-            </p:txBody>
-          </p:sp>
-          <p:sp>
-            <p:nvSpPr>
-              <p:cNvPr id="6" name="Ellipse 5">
-                <a:extLst>
-                  <a:ext uri="{FF2B5EF4-FFF2-40B4-BE49-F238E27FC236}">
-                    <a16:creationId xmlns:a16="http://schemas.microsoft.com/office/drawing/2014/main" id="{F2868239-5037-4C7E-8D88-F1193CA19BCA}"/>
-                  </a:ext>
-                </a:extLst>
-              </p:cNvPr>
-              <p:cNvSpPr/>
-              <p:nvPr/>
-            </p:nvSpPr>
-            <p:spPr>
-              <a:xfrm>
-                <a:off x="6907940" y="2926124"/>
-                <a:ext cx="1800000" cy="1800000"/>
-              </a:xfrm>
-              <a:prstGeom prst="ellipse">
-                <a:avLst/>
-              </a:prstGeom>
-              <a:solidFill>
-                <a:schemeClr val="tx1">
-                  <a:lumMod val="50000"/>
-                  <a:lumOff val="50000"/>
-                </a:schemeClr>
-              </a:solidFill>
-              <a:ln>
-                <a:noFill/>
-              </a:ln>
-            </p:spPr>
-            <p:style>
-              <a:lnRef idx="2">
-                <a:schemeClr val="accent1">
-                  <a:shade val="50000"/>
-                </a:schemeClr>
-              </a:lnRef>
-              <a:fillRef idx="1">
-                <a:schemeClr val="accent1"/>
-              </a:fillRef>
-              <a:effectRef idx="0">
-                <a:schemeClr val="accent1"/>
-              </a:effectRef>
-              <a:fontRef idx="minor">
-                <a:schemeClr val="lt1"/>
-              </a:fontRef>
-            </p:style>
-            <p:txBody>
-              <a:bodyPr rtlCol="0" anchor="ctr"/>
-              <a:lstStyle/>
-              <a:p>
-                <a:pPr algn="ctr"/>
-                <a:endParaRPr lang="fr-FR"/>
-              </a:p>
-            </p:txBody>
-          </p:sp>
-          <p:sp>
-            <p:nvSpPr>
-              <p:cNvPr id="5" name="Ellipse 4">
-                <a:extLst>
-                  <a:ext uri="{FF2B5EF4-FFF2-40B4-BE49-F238E27FC236}">
-                    <a16:creationId xmlns:a16="http://schemas.microsoft.com/office/drawing/2014/main" id="{74200F42-0D5C-4153-82F1-48FA5CEAF5D2}"/>
-                  </a:ext>
-                </a:extLst>
-              </p:cNvPr>
-              <p:cNvSpPr/>
-              <p:nvPr/>
-            </p:nvSpPr>
-            <p:spPr>
-              <a:xfrm>
-                <a:off x="7087940" y="3106124"/>
-                <a:ext cx="1440000" cy="1440000"/>
-              </a:xfrm>
-              <a:prstGeom prst="ellipse">
-                <a:avLst/>
-              </a:prstGeom>
-              <a:solidFill>
-                <a:schemeClr val="tx1">
-                  <a:lumMod val="65000"/>
-                  <a:lumOff val="35000"/>
-                </a:schemeClr>
-              </a:solidFill>
-              <a:ln>
-                <a:noFill/>
-              </a:ln>
-            </p:spPr>
-            <p:style>
-              <a:lnRef idx="2">
-                <a:schemeClr val="accent1">
-                  <a:shade val="50000"/>
-                </a:schemeClr>
-              </a:lnRef>
-              <a:fillRef idx="1">
-                <a:schemeClr val="accent1"/>
-              </a:fillRef>
-              <a:effectRef idx="0">
-                <a:schemeClr val="accent1"/>
-              </a:effectRef>
-              <a:fontRef idx="minor">
-                <a:schemeClr val="lt1"/>
-              </a:fontRef>
-            </p:style>
-            <p:txBody>
-              <a:bodyPr rtlCol="0" anchor="ctr"/>
-              <a:lstStyle/>
-              <a:p>
-                <a:pPr algn="ctr"/>
-                <a:endParaRPr lang="fr-FR"/>
-              </a:p>
-            </p:txBody>
-          </p:sp>
-          <p:sp>
-            <p:nvSpPr>
-              <p:cNvPr id="4" name="Ellipse 3">
-                <a:extLst>
-                  <a:ext uri="{FF2B5EF4-FFF2-40B4-BE49-F238E27FC236}">
-                    <a16:creationId xmlns:a16="http://schemas.microsoft.com/office/drawing/2014/main" id="{5652CB0D-9EA7-4308-9FE3-F91157BDAB3C}"/>
-                  </a:ext>
-                </a:extLst>
-              </p:cNvPr>
-              <p:cNvSpPr/>
-              <p:nvPr/>
-            </p:nvSpPr>
-            <p:spPr>
-              <a:xfrm>
-                <a:off x="7267940" y="3286124"/>
-                <a:ext cx="1080000" cy="1080000"/>
-              </a:xfrm>
-              <a:prstGeom prst="ellipse">
-                <a:avLst/>
-              </a:prstGeom>
-              <a:solidFill>
-                <a:schemeClr val="tx1">
-                  <a:lumMod val="75000"/>
-                  <a:lumOff val="25000"/>
-                </a:schemeClr>
-              </a:solidFill>
-              <a:ln>
-                <a:noFill/>
-              </a:ln>
-            </p:spPr>
-            <p:style>
-              <a:lnRef idx="2">
-                <a:schemeClr val="accent1">
-                  <a:shade val="50000"/>
-                </a:schemeClr>
-              </a:lnRef>
-              <a:fillRef idx="1">
-                <a:schemeClr val="accent1"/>
-              </a:fillRef>
-              <a:effectRef idx="0">
-                <a:schemeClr val="accent1"/>
-              </a:effectRef>
-              <a:fontRef idx="minor">
-                <a:schemeClr val="lt1"/>
-              </a:fontRef>
-            </p:style>
-            <p:txBody>
-              <a:bodyPr rtlCol="0" anchor="ctr"/>
-              <a:lstStyle/>
-              <a:p>
-                <a:pPr algn="ctr"/>
-                <a:endParaRPr lang="fr-FR"/>
-              </a:p>
-            </p:txBody>
-          </p:sp>
-          <p:sp>
-            <p:nvSpPr>
-              <p:cNvPr id="3" name="Ellipse 2">
-                <a:extLst>
-                  <a:ext uri="{FF2B5EF4-FFF2-40B4-BE49-F238E27FC236}">
-                    <a16:creationId xmlns:a16="http://schemas.microsoft.com/office/drawing/2014/main" id="{EEEDBD5E-5AD0-400D-82D8-EC827B67A320}"/>
-                  </a:ext>
-                </a:extLst>
-              </p:cNvPr>
-              <p:cNvSpPr/>
-              <p:nvPr/>
-            </p:nvSpPr>
-            <p:spPr>
-              <a:xfrm>
-                <a:off x="7447940" y="3466124"/>
-                <a:ext cx="720000" cy="720000"/>
-              </a:xfrm>
-              <a:prstGeom prst="ellipse">
-                <a:avLst/>
-              </a:prstGeom>
-              <a:solidFill>
-                <a:schemeClr val="tx1">
-                  <a:lumMod val="85000"/>
-                  <a:lumOff val="15000"/>
-                </a:schemeClr>
-              </a:solidFill>
-              <a:ln>
-                <a:noFill/>
-              </a:ln>
-            </p:spPr>
-            <p:style>
-              <a:lnRef idx="2">
-                <a:schemeClr val="accent1">
-                  <a:shade val="50000"/>
-                </a:schemeClr>
-              </a:lnRef>
-              <a:fillRef idx="1">
-                <a:schemeClr val="accent1"/>
-              </a:fillRef>
-              <a:effectRef idx="0">
-                <a:schemeClr val="accent1"/>
-              </a:effectRef>
-              <a:fontRef idx="minor">
-                <a:schemeClr val="lt1"/>
-              </a:fontRef>
-            </p:style>
-            <p:txBody>
-              <a:bodyPr rtlCol="0" anchor="ctr"/>
-              <a:lstStyle/>
-              <a:p>
-                <a:pPr algn="ctr"/>
-                <a:endParaRPr lang="fr-FR"/>
-              </a:p>
-            </p:txBody>
-          </p:sp>
-          <p:sp>
-            <p:nvSpPr>
-              <p:cNvPr id="2" name="Ellipse 1">
-                <a:extLst>
-                  <a:ext uri="{FF2B5EF4-FFF2-40B4-BE49-F238E27FC236}">
-                    <a16:creationId xmlns:a16="http://schemas.microsoft.com/office/drawing/2014/main" id="{ED2094FE-C153-4CC7-A4CC-CF09C2503C81}"/>
-                  </a:ext>
-                </a:extLst>
-              </p:cNvPr>
-              <p:cNvSpPr/>
-              <p:nvPr/>
-            </p:nvSpPr>
-            <p:spPr>
-              <a:xfrm>
-                <a:off x="7627940" y="3646124"/>
-                <a:ext cx="360000" cy="360000"/>
-              </a:xfrm>
-              <a:prstGeom prst="ellipse">
-                <a:avLst/>
-              </a:prstGeom>
-              <a:solidFill>
-                <a:schemeClr val="tx1"/>
-              </a:solidFill>
-              <a:ln>
-                <a:noFill/>
-              </a:ln>
-            </p:spPr>
-            <p:style>
-              <a:lnRef idx="2">
-                <a:schemeClr val="accent1">
-                  <a:shade val="50000"/>
-                </a:schemeClr>
-              </a:lnRef>
-              <a:fillRef idx="1">
-                <a:schemeClr val="accent1"/>
-              </a:fillRef>
-              <a:effectRef idx="0">
-                <a:schemeClr val="accent1"/>
-              </a:effectRef>
-              <a:fontRef idx="minor">
-                <a:schemeClr val="lt1"/>
-              </a:fontRef>
-            </p:style>
-            <p:txBody>
-              <a:bodyPr rtlCol="0" anchor="ctr"/>
-              <a:lstStyle/>
-              <a:p>
-                <a:pPr algn="ctr"/>
-                <a:endParaRPr lang="fr-FR"/>
-              </a:p>
-            </p:txBody>
-          </p:sp>
-        </p:grpSp>
-      </p:grpSp>
-      <p:sp>
-        <p:nvSpPr>
-          <p:cNvPr id="17" name="Rectangle 16">
-            <a:extLst>
-              <a:ext uri="{FF2B5EF4-FFF2-40B4-BE49-F238E27FC236}">
-                <a16:creationId xmlns:a16="http://schemas.microsoft.com/office/drawing/2014/main" id="{62336D2F-5B33-426B-A4AB-7EB03C41901E}"/>
-              </a:ext>
-            </a:extLst>
-          </p:cNvPr>
-          <p:cNvSpPr/>
-          <p:nvPr/>
-        </p:nvSpPr>
-        <p:spPr>
-          <a:xfrm>
-            <a:off x="1677134" y="1629000"/>
-            <a:ext cx="1800000" cy="1800000"/>
-          </a:xfrm>
-          <a:prstGeom prst="rect">
-            <a:avLst/>
-          </a:prstGeom>
-          <a:solidFill>
-            <a:schemeClr val="tx1"/>
-          </a:solidFill>
-          <a:ln>
-            <a:noFill/>
-          </a:ln>
-        </p:spPr>
-        <p:style>
-          <a:lnRef idx="2">
-            <a:schemeClr val="accent1">
-              <a:shade val="50000"/>
-            </a:schemeClr>
-          </a:lnRef>
-          <a:fillRef idx="1">
-            <a:schemeClr val="accent1"/>
-          </a:fillRef>
-          <a:effectRef idx="0">
-            <a:schemeClr val="accent1"/>
-          </a:effectRef>
-          <a:fontRef idx="minor">
-            <a:schemeClr val="lt1"/>
-          </a:fontRef>
-        </p:style>
-        <p:txBody>
-          <a:bodyPr rtlCol="0" anchor="ctr"/>
-          <a:lstStyle/>
-          <a:p>
-            <a:pPr algn="ctr"/>
-            <a:endParaRPr lang="fr-FR"/>
-          </a:p>
-        </p:txBody>
-      </p:sp>
-      <p:sp>
-        <p:nvSpPr>
-          <p:cNvPr id="18" name="Ellipse 17">
-            <a:extLst>
-              <a:ext uri="{FF2B5EF4-FFF2-40B4-BE49-F238E27FC236}">
-                <a16:creationId xmlns:a16="http://schemas.microsoft.com/office/drawing/2014/main" id="{0B8F4A86-851A-4B18-B6DA-A202A7D5A655}"/>
-              </a:ext>
-            </a:extLst>
-          </p:cNvPr>
-          <p:cNvSpPr/>
-          <p:nvPr/>
-        </p:nvSpPr>
-        <p:spPr>
-          <a:xfrm>
-            <a:off x="1857134" y="1723160"/>
-            <a:ext cx="1440000" cy="1440000"/>
-          </a:xfrm>
-          <a:prstGeom prst="ellipse">
-            <a:avLst/>
-          </a:prstGeom>
-          <a:gradFill flip="none" rotWithShape="1">
-            <a:gsLst>
-              <a:gs pos="60000">
-                <a:schemeClr val="bg1"/>
-              </a:gs>
-              <a:gs pos="0">
-                <a:schemeClr val="tx1"/>
-              </a:gs>
-              <a:gs pos="100000">
-                <a:schemeClr val="bg1"/>
-              </a:gs>
-            </a:gsLst>
-            <a:path path="circle">
-              <a:fillToRect l="50000" t="50000" r="50000" b="50000"/>
-            </a:path>
-            <a:tileRect/>
-          </a:gradFill>
-          <a:ln>
-            <a:noFill/>
-          </a:ln>
-        </p:spPr>
-        <p:style>
-          <a:lnRef idx="2">
-            <a:schemeClr val="accent1">
-              <a:shade val="50000"/>
-            </a:schemeClr>
-          </a:lnRef>
-          <a:fillRef idx="1">
-            <a:schemeClr val="accent1"/>
-          </a:fillRef>
-          <a:effectRef idx="0">
-            <a:schemeClr val="accent1"/>
-          </a:effectRef>
-          <a:fontRef idx="minor">
-            <a:schemeClr val="lt1"/>
-          </a:fontRef>
-        </p:style>
-        <p:txBody>
-          <a:bodyPr rtlCol="0" anchor="ctr"/>
-          <a:lstStyle/>
-          <a:p>
-            <a:pPr algn="ctr"/>
-            <a:endParaRPr lang="fr-FR"/>
-          </a:p>
-        </p:txBody>
-      </p:sp>
-    </p:spTree>
-    <p:extLst>
-      <p:ext uri="{BB962C8B-B14F-4D97-AF65-F5344CB8AC3E}">
-        <p14:creationId xmlns:p14="http://schemas.microsoft.com/office/powerpoint/2010/main" val="2297619306"/>
-      </p:ext>
-    </p:extLst>
-  </p:cSld>
-  <p:clrMapOvr>
-    <a:masterClrMapping/>
-  </p:clrMapOvr>
-</p:sld>
-</file>
-
-<file path=ppt/slides/slide2.xml><?xml version="1.0" encoding="utf-8"?>
+<file path=ppt/slides/slide3.xml><?xml version="1.0" encoding="utf-8"?>
 <p:sld xmlns:a="http://schemas.openxmlformats.org/drawingml/2006/main" xmlns:r="http://schemas.openxmlformats.org/officeDocument/2006/relationships" xmlns:p="http://schemas.openxmlformats.org/presentationml/2006/main">
   <p:cSld>
     <p:spTree>
@@ -13182,7 +20317,7 @@
 </p:sld>
 </file>
 
-<file path=ppt/slides/slide3.xml><?xml version="1.0" encoding="utf-8"?>
+<file path=ppt/slides/slide4.xml><?xml version="1.0" encoding="utf-8"?>
 <p:sld xmlns:a="http://schemas.openxmlformats.org/drawingml/2006/main" xmlns:r="http://schemas.openxmlformats.org/officeDocument/2006/relationships" xmlns:p="http://schemas.openxmlformats.org/presentationml/2006/main">
   <p:cSld>
     <p:spTree>
@@ -19248,7 +26383,7 @@
 </p:sld>
 </file>
 
-<file path=ppt/slides/slide4.xml><?xml version="1.0" encoding="utf-8"?>
+<file path=ppt/slides/slide5.xml><?xml version="1.0" encoding="utf-8"?>
 <p:sld xmlns:a="http://schemas.openxmlformats.org/drawingml/2006/main" xmlns:r="http://schemas.openxmlformats.org/officeDocument/2006/relationships" xmlns:p="http://schemas.openxmlformats.org/presentationml/2006/main">
   <p:cSld>
     <p:spTree>
@@ -23166,7 +30301,7 @@
 </p:sld>
 </file>
 
-<file path=ppt/slides/slide5.xml><?xml version="1.0" encoding="utf-8"?>
+<file path=ppt/slides/slide6.xml><?xml version="1.0" encoding="utf-8"?>
 <p:sld xmlns:a="http://schemas.openxmlformats.org/drawingml/2006/main" xmlns:r="http://schemas.openxmlformats.org/officeDocument/2006/relationships" xmlns:p="http://schemas.openxmlformats.org/presentationml/2006/main">
   <p:cSld>
     <p:spTree>
@@ -26747,7 +33882,7 @@
 </p:sld>
 </file>
 
-<file path=ppt/slides/slide6.xml><?xml version="1.0" encoding="utf-8"?>
+<file path=ppt/slides/slide7.xml><?xml version="1.0" encoding="utf-8"?>
 <p:sld xmlns:a="http://schemas.openxmlformats.org/drawingml/2006/main" xmlns:r="http://schemas.openxmlformats.org/officeDocument/2006/relationships" xmlns:p="http://schemas.openxmlformats.org/presentationml/2006/main">
   <p:cSld>
     <p:spTree>
@@ -32941,7 +40076,7 @@
 </p:sld>
 </file>
 
-<file path=ppt/slides/slide7.xml><?xml version="1.0" encoding="utf-8"?>
+<file path=ppt/slides/slide8.xml><?xml version="1.0" encoding="utf-8"?>
 <p:sld xmlns:a="http://schemas.openxmlformats.org/drawingml/2006/main" xmlns:r="http://schemas.openxmlformats.org/officeDocument/2006/relationships" xmlns:p="http://schemas.openxmlformats.org/presentationml/2006/main">
   <p:cSld>
     <p:spTree>
@@ -35431,7 +42566,7 @@
 </p:sld>
 </file>
 
-<file path=ppt/slides/slide8.xml><?xml version="1.0" encoding="utf-8"?>
+<file path=ppt/slides/slide9.xml><?xml version="1.0" encoding="utf-8"?>
 <p:sld xmlns:a="http://schemas.openxmlformats.org/drawingml/2006/main" xmlns:r="http://schemas.openxmlformats.org/officeDocument/2006/relationships" xmlns:p="http://schemas.openxmlformats.org/presentationml/2006/main">
   <p:cSld>
     <p:spTree>
@@ -38069,568 +45204,6 @@
 </p:sld>
 </file>
 
-<file path=ppt/slides/slide9.xml><?xml version="1.0" encoding="utf-8"?>
-<p:sld xmlns:a="http://schemas.openxmlformats.org/drawingml/2006/main" xmlns:r="http://schemas.openxmlformats.org/officeDocument/2006/relationships" xmlns:p="http://schemas.openxmlformats.org/presentationml/2006/main">
-  <p:cSld>
-    <p:spTree>
-      <p:nvGrpSpPr>
-        <p:cNvPr id="1" name=""/>
-        <p:cNvGrpSpPr/>
-        <p:nvPr/>
-      </p:nvGrpSpPr>
-      <p:grpSpPr>
-        <a:xfrm>
-          <a:off x="0" y="0"/>
-          <a:ext cx="0" cy="0"/>
-          <a:chOff x="0" y="0"/>
-          <a:chExt cx="0" cy="0"/>
-        </a:xfrm>
-      </p:grpSpPr>
-      <p:sp>
-        <p:nvSpPr>
-          <p:cNvPr id="7" name="Rectangle 6">
-            <a:extLst>
-              <a:ext uri="{FF2B5EF4-FFF2-40B4-BE49-F238E27FC236}">
-                <a16:creationId xmlns:a16="http://schemas.microsoft.com/office/drawing/2014/main" id="{18131312-7FDB-40C0-B08A-20472EC95847}"/>
-              </a:ext>
-            </a:extLst>
-          </p:cNvPr>
-          <p:cNvSpPr/>
-          <p:nvPr/>
-        </p:nvSpPr>
-        <p:spPr>
-          <a:xfrm>
-            <a:off x="1668092" y="2090252"/>
-            <a:ext cx="1743891" cy="1743891"/>
-          </a:xfrm>
-          <a:prstGeom prst="rect">
-            <a:avLst/>
-          </a:prstGeom>
-          <a:noFill/>
-          <a:ln>
-            <a:noFill/>
-          </a:ln>
-        </p:spPr>
-        <p:style>
-          <a:lnRef idx="2">
-            <a:schemeClr val="accent1">
-              <a:shade val="50000"/>
-            </a:schemeClr>
-          </a:lnRef>
-          <a:fillRef idx="1">
-            <a:schemeClr val="accent1"/>
-          </a:fillRef>
-          <a:effectRef idx="0">
-            <a:schemeClr val="accent1"/>
-          </a:effectRef>
-          <a:fontRef idx="minor">
-            <a:schemeClr val="lt1"/>
-          </a:fontRef>
-        </p:style>
-        <p:txBody>
-          <a:bodyPr rtlCol="0" anchor="ctr"/>
-          <a:lstStyle/>
-          <a:p>
-            <a:pPr algn="ctr"/>
-            <a:endParaRPr lang="fr-FR"/>
-          </a:p>
-        </p:txBody>
-      </p:sp>
-      <p:sp>
-        <p:nvSpPr>
-          <p:cNvPr id="12" name="Rectangle 11">
-            <a:extLst>
-              <a:ext uri="{FF2B5EF4-FFF2-40B4-BE49-F238E27FC236}">
-                <a16:creationId xmlns:a16="http://schemas.microsoft.com/office/drawing/2014/main" id="{606402D2-579D-427B-9423-52DDB9025559}"/>
-              </a:ext>
-            </a:extLst>
-          </p:cNvPr>
-          <p:cNvSpPr/>
-          <p:nvPr/>
-        </p:nvSpPr>
-        <p:spPr>
-          <a:xfrm>
-            <a:off x="3870960" y="1123601"/>
-            <a:ext cx="3014797" cy="3014797"/>
-          </a:xfrm>
-          <a:prstGeom prst="rect">
-            <a:avLst/>
-          </a:prstGeom>
-          <a:noFill/>
-          <a:ln>
-            <a:noFill/>
-          </a:ln>
-        </p:spPr>
-        <p:style>
-          <a:lnRef idx="2">
-            <a:schemeClr val="accent1">
-              <a:shade val="50000"/>
-            </a:schemeClr>
-          </a:lnRef>
-          <a:fillRef idx="1">
-            <a:schemeClr val="accent1"/>
-          </a:fillRef>
-          <a:effectRef idx="0">
-            <a:schemeClr val="accent1"/>
-          </a:effectRef>
-          <a:fontRef idx="minor">
-            <a:schemeClr val="lt1"/>
-          </a:fontRef>
-        </p:style>
-        <p:txBody>
-          <a:bodyPr rtlCol="0" anchor="ctr"/>
-          <a:lstStyle/>
-          <a:p>
-            <a:pPr algn="ctr"/>
-            <a:endParaRPr lang="fr-FR"/>
-          </a:p>
-        </p:txBody>
-      </p:sp>
-      <p:sp>
-        <p:nvSpPr>
-          <p:cNvPr id="18" name="Rectangle 17">
-            <a:extLst>
-              <a:ext uri="{FF2B5EF4-FFF2-40B4-BE49-F238E27FC236}">
-                <a16:creationId xmlns:a16="http://schemas.microsoft.com/office/drawing/2014/main" id="{F4285677-95B0-44FF-88A6-B2358CC7F1A0}"/>
-              </a:ext>
-            </a:extLst>
-          </p:cNvPr>
-          <p:cNvSpPr/>
-          <p:nvPr/>
-        </p:nvSpPr>
-        <p:spPr>
-          <a:xfrm>
-            <a:off x="2491923" y="686721"/>
-            <a:ext cx="3014797" cy="3014797"/>
-          </a:xfrm>
-          <a:prstGeom prst="rect">
-            <a:avLst/>
-          </a:prstGeom>
-          <a:noFill/>
-          <a:ln>
-            <a:noFill/>
-          </a:ln>
-        </p:spPr>
-        <p:style>
-          <a:lnRef idx="2">
-            <a:schemeClr val="accent1">
-              <a:shade val="50000"/>
-            </a:schemeClr>
-          </a:lnRef>
-          <a:fillRef idx="1">
-            <a:schemeClr val="accent1"/>
-          </a:fillRef>
-          <a:effectRef idx="0">
-            <a:schemeClr val="accent1"/>
-          </a:effectRef>
-          <a:fontRef idx="minor">
-            <a:schemeClr val="lt1"/>
-          </a:fontRef>
-        </p:style>
-        <p:txBody>
-          <a:bodyPr rtlCol="0" anchor="ctr"/>
-          <a:lstStyle/>
-          <a:p>
-            <a:pPr algn="ctr"/>
-            <a:endParaRPr lang="fr-FR"/>
-          </a:p>
-        </p:txBody>
-      </p:sp>
-      <p:grpSp>
-        <p:nvGrpSpPr>
-          <p:cNvPr id="25" name="Groupe 24">
-            <a:extLst>
-              <a:ext uri="{FF2B5EF4-FFF2-40B4-BE49-F238E27FC236}">
-                <a16:creationId xmlns:a16="http://schemas.microsoft.com/office/drawing/2014/main" id="{5DD6BAA2-5309-468D-8760-2827F13A16A4}"/>
-              </a:ext>
-            </a:extLst>
-          </p:cNvPr>
-          <p:cNvGrpSpPr/>
-          <p:nvPr/>
-        </p:nvGrpSpPr>
-        <p:grpSpPr>
-          <a:xfrm>
-            <a:off x="4085757" y="1595572"/>
-            <a:ext cx="3174732" cy="3174732"/>
-            <a:chOff x="4085757" y="1595572"/>
-            <a:chExt cx="3174732" cy="3174732"/>
-          </a:xfrm>
-        </p:grpSpPr>
-        <p:sp>
-          <p:nvSpPr>
-            <p:cNvPr id="23" name="Rectangle 22">
-              <a:extLst>
-                <a:ext uri="{FF2B5EF4-FFF2-40B4-BE49-F238E27FC236}">
-                  <a16:creationId xmlns:a16="http://schemas.microsoft.com/office/drawing/2014/main" id="{04070378-0759-45CE-B523-A318950D91EB}"/>
-                </a:ext>
-              </a:extLst>
-            </p:cNvPr>
-            <p:cNvSpPr/>
-            <p:nvPr/>
-          </p:nvSpPr>
-          <p:spPr>
-            <a:xfrm>
-              <a:off x="4085757" y="1595572"/>
-              <a:ext cx="3174732" cy="3174732"/>
-            </a:xfrm>
-            <a:prstGeom prst="rect">
-              <a:avLst/>
-            </a:prstGeom>
-            <a:noFill/>
-            <a:ln>
-              <a:noFill/>
-            </a:ln>
-          </p:spPr>
-          <p:style>
-            <a:lnRef idx="2">
-              <a:schemeClr val="accent1">
-                <a:shade val="50000"/>
-              </a:schemeClr>
-            </a:lnRef>
-            <a:fillRef idx="1">
-              <a:schemeClr val="accent1"/>
-            </a:fillRef>
-            <a:effectRef idx="0">
-              <a:schemeClr val="accent1"/>
-            </a:effectRef>
-            <a:fontRef idx="minor">
-              <a:schemeClr val="lt1"/>
-            </a:fontRef>
-          </p:style>
-          <p:txBody>
-            <a:bodyPr rtlCol="0" anchor="ctr"/>
-            <a:lstStyle/>
-            <a:p>
-              <a:pPr algn="ctr"/>
-              <a:endParaRPr lang="fr-FR"/>
-            </a:p>
-          </p:txBody>
-        </p:sp>
-        <p:sp>
-          <p:nvSpPr>
-            <p:cNvPr id="21" name="Ellipse 20">
-              <a:extLst>
-                <a:ext uri="{FF2B5EF4-FFF2-40B4-BE49-F238E27FC236}">
-                  <a16:creationId xmlns:a16="http://schemas.microsoft.com/office/drawing/2014/main" id="{C438287D-C490-4C64-8C14-E9E1345E943D}"/>
-                </a:ext>
-              </a:extLst>
-            </p:cNvPr>
-            <p:cNvSpPr/>
-            <p:nvPr/>
-          </p:nvSpPr>
-          <p:spPr>
-            <a:xfrm>
-              <a:off x="5289363" y="2799178"/>
-              <a:ext cx="767521" cy="767521"/>
-            </a:xfrm>
-            <a:prstGeom prst="ellipse">
-              <a:avLst/>
-            </a:prstGeom>
-            <a:solidFill>
-              <a:schemeClr val="tx1"/>
-            </a:solidFill>
-            <a:ln>
-              <a:solidFill>
-                <a:schemeClr val="tx1"/>
-              </a:solidFill>
-            </a:ln>
-          </p:spPr>
-          <p:style>
-            <a:lnRef idx="2">
-              <a:schemeClr val="accent1">
-                <a:shade val="50000"/>
-              </a:schemeClr>
-            </a:lnRef>
-            <a:fillRef idx="1">
-              <a:schemeClr val="accent1"/>
-            </a:fillRef>
-            <a:effectRef idx="0">
-              <a:schemeClr val="accent1"/>
-            </a:effectRef>
-            <a:fontRef idx="minor">
-              <a:schemeClr val="lt1"/>
-            </a:fontRef>
-          </p:style>
-          <p:txBody>
-            <a:bodyPr rtlCol="0" anchor="ctr"/>
-            <a:lstStyle/>
-            <a:p>
-              <a:pPr algn="ctr"/>
-              <a:endParaRPr lang="fr-FR"/>
-            </a:p>
-          </p:txBody>
-        </p:sp>
-        <p:sp>
-          <p:nvSpPr>
-            <p:cNvPr id="22" name="Rectangle 21">
-              <a:extLst>
-                <a:ext uri="{FF2B5EF4-FFF2-40B4-BE49-F238E27FC236}">
-                  <a16:creationId xmlns:a16="http://schemas.microsoft.com/office/drawing/2014/main" id="{57F330A7-5107-4343-A376-304489AFC2C6}"/>
-                </a:ext>
-              </a:extLst>
-            </p:cNvPr>
-            <p:cNvSpPr/>
-            <p:nvPr/>
-          </p:nvSpPr>
-          <p:spPr>
-            <a:xfrm rot="16200000">
-              <a:off x="4918457" y="2337459"/>
-              <a:ext cx="1521778" cy="169177"/>
-            </a:xfrm>
-            <a:prstGeom prst="rect">
-              <a:avLst/>
-            </a:prstGeom>
-            <a:solidFill>
-              <a:schemeClr val="tx1"/>
-            </a:solidFill>
-            <a:ln>
-              <a:solidFill>
-                <a:schemeClr val="tx1"/>
-              </a:solidFill>
-            </a:ln>
-          </p:spPr>
-          <p:style>
-            <a:lnRef idx="2">
-              <a:schemeClr val="accent1">
-                <a:shade val="50000"/>
-              </a:schemeClr>
-            </a:lnRef>
-            <a:fillRef idx="1">
-              <a:schemeClr val="accent1"/>
-            </a:fillRef>
-            <a:effectRef idx="0">
-              <a:schemeClr val="accent1"/>
-            </a:effectRef>
-            <a:fontRef idx="minor">
-              <a:schemeClr val="lt1"/>
-            </a:fontRef>
-          </p:style>
-          <p:txBody>
-            <a:bodyPr rtlCol="0" anchor="ctr"/>
-            <a:lstStyle/>
-            <a:p>
-              <a:pPr algn="ctr"/>
-              <a:endParaRPr lang="fr-FR"/>
-            </a:p>
-          </p:txBody>
-        </p:sp>
-      </p:grpSp>
-      <p:sp>
-        <p:nvSpPr>
-          <p:cNvPr id="13" name="Cercle : creux 12">
-            <a:extLst>
-              <a:ext uri="{FF2B5EF4-FFF2-40B4-BE49-F238E27FC236}">
-                <a16:creationId xmlns:a16="http://schemas.microsoft.com/office/drawing/2014/main" id="{CCFD3332-4140-4D8F-9269-90956DF874FB}"/>
-              </a:ext>
-            </a:extLst>
-          </p:cNvPr>
-          <p:cNvSpPr/>
-          <p:nvPr/>
-        </p:nvSpPr>
-        <p:spPr>
-          <a:xfrm>
-            <a:off x="3701958" y="3390069"/>
-            <a:ext cx="1676400" cy="1676400"/>
-          </a:xfrm>
-          <a:prstGeom prst="donut">
-            <a:avLst>
-              <a:gd name="adj" fmla="val 7230"/>
-            </a:avLst>
-          </a:prstGeom>
-          <a:solidFill>
-            <a:schemeClr val="tx1"/>
-          </a:solidFill>
-          <a:ln w="28575">
-            <a:noFill/>
-          </a:ln>
-        </p:spPr>
-        <p:style>
-          <a:lnRef idx="2">
-            <a:schemeClr val="accent1">
-              <a:shade val="50000"/>
-            </a:schemeClr>
-          </a:lnRef>
-          <a:fillRef idx="1">
-            <a:schemeClr val="accent1"/>
-          </a:fillRef>
-          <a:effectRef idx="0">
-            <a:schemeClr val="accent1"/>
-          </a:effectRef>
-          <a:fontRef idx="minor">
-            <a:schemeClr val="lt1"/>
-          </a:fontRef>
-        </p:style>
-        <p:txBody>
-          <a:bodyPr rtlCol="0" anchor="ctr"/>
-          <a:lstStyle/>
-          <a:p>
-            <a:pPr algn="ctr"/>
-            <a:endParaRPr lang="fr-FR" dirty="0">
-              <a:solidFill>
-                <a:schemeClr val="tx1"/>
-              </a:solidFill>
-            </a:endParaRPr>
-          </a:p>
-        </p:txBody>
-      </p:sp>
-      <p:grpSp>
-        <p:nvGrpSpPr>
-          <p:cNvPr id="3" name="Groupe 2">
-            <a:extLst>
-              <a:ext uri="{FF2B5EF4-FFF2-40B4-BE49-F238E27FC236}">
-                <a16:creationId xmlns:a16="http://schemas.microsoft.com/office/drawing/2014/main" id="{30BA3626-1E81-41DE-8DBF-EA143D7F357F}"/>
-              </a:ext>
-            </a:extLst>
-          </p:cNvPr>
-          <p:cNvGrpSpPr/>
-          <p:nvPr/>
-        </p:nvGrpSpPr>
-        <p:grpSpPr>
-          <a:xfrm>
-            <a:off x="7260489" y="2090252"/>
-            <a:ext cx="914400" cy="914400"/>
-            <a:chOff x="3315960" y="2422047"/>
-            <a:chExt cx="914400" cy="914400"/>
-          </a:xfrm>
-        </p:grpSpPr>
-        <p:sp>
-          <p:nvSpPr>
-            <p:cNvPr id="14" name="Arc plein 13">
-              <a:extLst>
-                <a:ext uri="{FF2B5EF4-FFF2-40B4-BE49-F238E27FC236}">
-                  <a16:creationId xmlns:a16="http://schemas.microsoft.com/office/drawing/2014/main" id="{ECA5F816-21B9-428B-AAA5-67CC3D183853}"/>
-                </a:ext>
-              </a:extLst>
-            </p:cNvPr>
-            <p:cNvSpPr/>
-            <p:nvPr/>
-          </p:nvSpPr>
-          <p:spPr>
-            <a:xfrm>
-              <a:off x="3315960" y="2422047"/>
-              <a:ext cx="914400" cy="914400"/>
-            </a:xfrm>
-            <a:prstGeom prst="blockArc">
-              <a:avLst>
-                <a:gd name="adj1" fmla="val 16200170"/>
-                <a:gd name="adj2" fmla="val 16195232"/>
-                <a:gd name="adj3" fmla="val 9944"/>
-              </a:avLst>
-            </a:prstGeom>
-            <a:solidFill>
-              <a:schemeClr val="bg1"/>
-            </a:solidFill>
-            <a:ln>
-              <a:solidFill>
-                <a:schemeClr val="tx1"/>
-              </a:solidFill>
-            </a:ln>
-          </p:spPr>
-          <p:style>
-            <a:lnRef idx="2">
-              <a:schemeClr val="accent1">
-                <a:shade val="50000"/>
-              </a:schemeClr>
-            </a:lnRef>
-            <a:fillRef idx="1">
-              <a:schemeClr val="accent1"/>
-            </a:fillRef>
-            <a:effectRef idx="0">
-              <a:schemeClr val="accent1"/>
-            </a:effectRef>
-            <a:fontRef idx="minor">
-              <a:schemeClr val="lt1"/>
-            </a:fontRef>
-          </p:style>
-          <p:txBody>
-            <a:bodyPr rtlCol="0" anchor="ctr"/>
-            <a:lstStyle/>
-            <a:p>
-              <a:pPr algn="ctr"/>
-              <a:endParaRPr lang="fr-FR">
-                <a:solidFill>
-                  <a:schemeClr val="tx1"/>
-                </a:solidFill>
-              </a:endParaRPr>
-            </a:p>
-          </p:txBody>
-        </p:sp>
-        <p:sp>
-          <p:nvSpPr>
-            <p:cNvPr id="2" name="Arc plein 1">
-              <a:extLst>
-                <a:ext uri="{FF2B5EF4-FFF2-40B4-BE49-F238E27FC236}">
-                  <a16:creationId xmlns:a16="http://schemas.microsoft.com/office/drawing/2014/main" id="{5FDA8EB4-F3C2-4218-A9EA-A42F6B5ECBB5}"/>
-                </a:ext>
-              </a:extLst>
-            </p:cNvPr>
-            <p:cNvSpPr/>
-            <p:nvPr/>
-          </p:nvSpPr>
-          <p:spPr>
-            <a:xfrm>
-              <a:off x="3315960" y="2422047"/>
-              <a:ext cx="914400" cy="914400"/>
-            </a:xfrm>
-            <a:prstGeom prst="blockArc">
-              <a:avLst>
-                <a:gd name="adj1" fmla="val 18988370"/>
-                <a:gd name="adj2" fmla="val 16195232"/>
-                <a:gd name="adj3" fmla="val 9944"/>
-              </a:avLst>
-            </a:prstGeom>
-            <a:solidFill>
-              <a:schemeClr val="tx1"/>
-            </a:solidFill>
-            <a:ln>
-              <a:solidFill>
-                <a:schemeClr val="tx1"/>
-              </a:solidFill>
-            </a:ln>
-          </p:spPr>
-          <p:style>
-            <a:lnRef idx="2">
-              <a:schemeClr val="accent1">
-                <a:shade val="50000"/>
-              </a:schemeClr>
-            </a:lnRef>
-            <a:fillRef idx="1">
-              <a:schemeClr val="accent1"/>
-            </a:fillRef>
-            <a:effectRef idx="0">
-              <a:schemeClr val="accent1"/>
-            </a:effectRef>
-            <a:fontRef idx="minor">
-              <a:schemeClr val="lt1"/>
-            </a:fontRef>
-          </p:style>
-          <p:txBody>
-            <a:bodyPr rtlCol="0" anchor="ctr"/>
-            <a:lstStyle/>
-            <a:p>
-              <a:pPr algn="ctr"/>
-              <a:endParaRPr lang="fr-FR">
-                <a:solidFill>
-                  <a:schemeClr val="tx1"/>
-                </a:solidFill>
-              </a:endParaRPr>
-            </a:p>
-          </p:txBody>
-        </p:sp>
-      </p:grpSp>
-    </p:spTree>
-    <p:extLst>
-      <p:ext uri="{BB962C8B-B14F-4D97-AF65-F5344CB8AC3E}">
-        <p14:creationId xmlns:p14="http://schemas.microsoft.com/office/powerpoint/2010/main" val="1411919251"/>
-      </p:ext>
-    </p:extLst>
-  </p:cSld>
-  <p:clrMapOvr>
-    <a:masterClrMapping/>
-  </p:clrMapOvr>
-</p:sld>
-</file>
-
 <file path=ppt/theme/theme1.xml><?xml version="1.0" encoding="utf-8"?>
 <a:theme xmlns:a="http://schemas.openxmlformats.org/drawingml/2006/main" name="Thème Office">
   <a:themeElements>

--- a/Texture.pptx
+++ b/Texture.pptx
@@ -10475,239 +10475,6 @@
           </p:sp>
         </p:grpSp>
       </p:grpSp>
-      <p:grpSp>
-        <p:nvGrpSpPr>
-          <p:cNvPr id="257" name="Groupe 256">
-            <a:extLst>
-              <a:ext uri="{FF2B5EF4-FFF2-40B4-BE49-F238E27FC236}">
-                <a16:creationId xmlns:a16="http://schemas.microsoft.com/office/drawing/2014/main" id="{504D6FA4-5A9A-4334-A04E-7E53DAC2521B}"/>
-              </a:ext>
-            </a:extLst>
-          </p:cNvPr>
-          <p:cNvGrpSpPr/>
-          <p:nvPr/>
-        </p:nvGrpSpPr>
-        <p:grpSpPr>
-          <a:xfrm>
-            <a:off x="7774953" y="4828603"/>
-            <a:ext cx="322031" cy="630000"/>
-            <a:chOff x="1548202" y="3796373"/>
-            <a:chExt cx="322031" cy="630000"/>
-          </a:xfrm>
-        </p:grpSpPr>
-        <p:sp>
-          <p:nvSpPr>
-            <p:cNvPr id="258" name="Cylindre 257">
-              <a:extLst>
-                <a:ext uri="{FF2B5EF4-FFF2-40B4-BE49-F238E27FC236}">
-                  <a16:creationId xmlns:a16="http://schemas.microsoft.com/office/drawing/2014/main" id="{55CC5CE7-AF1E-40FF-99E9-29062AF7BFD7}"/>
-                </a:ext>
-              </a:extLst>
-            </p:cNvPr>
-            <p:cNvSpPr/>
-            <p:nvPr/>
-          </p:nvSpPr>
-          <p:spPr>
-            <a:xfrm>
-              <a:off x="1548202" y="3796373"/>
-              <a:ext cx="322031" cy="630000"/>
-            </a:xfrm>
-            <a:prstGeom prst="can">
-              <a:avLst/>
-            </a:prstGeom>
-            <a:solidFill>
-              <a:schemeClr val="bg1"/>
-            </a:solidFill>
-            <a:ln w="19050">
-              <a:solidFill>
-                <a:schemeClr val="tx1"/>
-              </a:solidFill>
-            </a:ln>
-          </p:spPr>
-          <p:style>
-            <a:lnRef idx="2">
-              <a:schemeClr val="accent1">
-                <a:shade val="50000"/>
-              </a:schemeClr>
-            </a:lnRef>
-            <a:fillRef idx="1">
-              <a:schemeClr val="accent1"/>
-            </a:fillRef>
-            <a:effectRef idx="0">
-              <a:schemeClr val="accent1"/>
-            </a:effectRef>
-            <a:fontRef idx="minor">
-              <a:schemeClr val="lt1"/>
-            </a:fontRef>
-          </p:style>
-          <p:txBody>
-            <a:bodyPr rtlCol="0" anchor="ctr"/>
-            <a:lstStyle/>
-            <a:p>
-              <a:pPr algn="ctr"/>
-              <a:endParaRPr lang="fr-FR"/>
-            </a:p>
-          </p:txBody>
-        </p:sp>
-        <p:sp>
-          <p:nvSpPr>
-            <p:cNvPr id="259" name="Cylindre 258">
-              <a:extLst>
-                <a:ext uri="{FF2B5EF4-FFF2-40B4-BE49-F238E27FC236}">
-                  <a16:creationId xmlns:a16="http://schemas.microsoft.com/office/drawing/2014/main" id="{369B9A6F-B4B8-4171-8878-261EA04A90BB}"/>
-                </a:ext>
-              </a:extLst>
-            </p:cNvPr>
-            <p:cNvSpPr/>
-            <p:nvPr/>
-          </p:nvSpPr>
-          <p:spPr>
-            <a:xfrm>
-              <a:off x="1548202" y="4258099"/>
-              <a:ext cx="322031" cy="168274"/>
-            </a:xfrm>
-            <a:prstGeom prst="can">
-              <a:avLst>
-                <a:gd name="adj" fmla="val 50000"/>
-              </a:avLst>
-            </a:prstGeom>
-            <a:solidFill>
-              <a:srgbClr val="DCE5F4"/>
-            </a:solidFill>
-            <a:ln w="19050">
-              <a:solidFill>
-                <a:schemeClr val="tx1"/>
-              </a:solidFill>
-            </a:ln>
-          </p:spPr>
-          <p:style>
-            <a:lnRef idx="2">
-              <a:schemeClr val="accent1">
-                <a:shade val="50000"/>
-              </a:schemeClr>
-            </a:lnRef>
-            <a:fillRef idx="1">
-              <a:schemeClr val="accent1"/>
-            </a:fillRef>
-            <a:effectRef idx="0">
-              <a:schemeClr val="accent1"/>
-            </a:effectRef>
-            <a:fontRef idx="minor">
-              <a:schemeClr val="lt1"/>
-            </a:fontRef>
-          </p:style>
-          <p:txBody>
-            <a:bodyPr rtlCol="0" anchor="ctr"/>
-            <a:lstStyle/>
-            <a:p>
-              <a:pPr algn="ctr"/>
-              <a:endParaRPr lang="fr-FR"/>
-            </a:p>
-          </p:txBody>
-        </p:sp>
-        <p:sp>
-          <p:nvSpPr>
-            <p:cNvPr id="260" name="Flèche : droite 259">
-              <a:extLst>
-                <a:ext uri="{FF2B5EF4-FFF2-40B4-BE49-F238E27FC236}">
-                  <a16:creationId xmlns:a16="http://schemas.microsoft.com/office/drawing/2014/main" id="{9F65CD97-B287-4629-92D6-E3B5152DB110}"/>
-                </a:ext>
-              </a:extLst>
-            </p:cNvPr>
-            <p:cNvSpPr/>
-            <p:nvPr/>
-          </p:nvSpPr>
-          <p:spPr>
-            <a:xfrm rot="16200000">
-              <a:off x="1460890" y="4010046"/>
-              <a:ext cx="496651" cy="113762"/>
-            </a:xfrm>
-            <a:prstGeom prst="rightArrow">
-              <a:avLst>
-                <a:gd name="adj1" fmla="val 50000"/>
-                <a:gd name="adj2" fmla="val 58725"/>
-              </a:avLst>
-            </a:prstGeom>
-            <a:solidFill>
-              <a:schemeClr val="tx1"/>
-            </a:solidFill>
-            <a:ln>
-              <a:solidFill>
-                <a:schemeClr val="bg1"/>
-              </a:solidFill>
-            </a:ln>
-          </p:spPr>
-          <p:style>
-            <a:lnRef idx="2">
-              <a:schemeClr val="accent1">
-                <a:shade val="50000"/>
-              </a:schemeClr>
-            </a:lnRef>
-            <a:fillRef idx="1">
-              <a:schemeClr val="accent1"/>
-            </a:fillRef>
-            <a:effectRef idx="0">
-              <a:schemeClr val="accent1"/>
-            </a:effectRef>
-            <a:fontRef idx="minor">
-              <a:schemeClr val="lt1"/>
-            </a:fontRef>
-          </p:style>
-          <p:txBody>
-            <a:bodyPr rtlCol="0" anchor="ctr"/>
-            <a:lstStyle/>
-            <a:p>
-              <a:pPr algn="ctr"/>
-              <a:endParaRPr lang="fr-FR"/>
-            </a:p>
-          </p:txBody>
-        </p:sp>
-      </p:grpSp>
-      <p:sp>
-        <p:nvSpPr>
-          <p:cNvPr id="261" name="ZoneTexte 260">
-            <a:extLst>
-              <a:ext uri="{FF2B5EF4-FFF2-40B4-BE49-F238E27FC236}">
-                <a16:creationId xmlns:a16="http://schemas.microsoft.com/office/drawing/2014/main" id="{C4F72258-6673-4A75-9BF1-D14239CB30A1}"/>
-              </a:ext>
-            </a:extLst>
-          </p:cNvPr>
-          <p:cNvSpPr txBox="1"/>
-          <p:nvPr/>
-        </p:nvSpPr>
-        <p:spPr>
-          <a:xfrm>
-            <a:off x="7517899" y="5491180"/>
-            <a:ext cx="836134" cy="338554"/>
-          </a:xfrm>
-          <a:prstGeom prst="rect">
-            <a:avLst/>
-          </a:prstGeom>
-          <a:noFill/>
-        </p:spPr>
-        <p:txBody>
-          <a:bodyPr wrap="square" rtlCol="0">
-            <a:spAutoFit/>
-          </a:bodyPr>
-          <a:lstStyle/>
-          <a:p>
-            <a:pPr algn="ctr"/>
-            <a:r>
-              <a:rPr lang="fr-FR" sz="1600" b="1" dirty="0">
-                <a:ln>
-                  <a:solidFill>
-                    <a:schemeClr val="tx1"/>
-                  </a:solidFill>
-                </a:ln>
-                <a:solidFill>
-                  <a:schemeClr val="bg1"/>
-                </a:solidFill>
-              </a:rPr>
-              <a:t>+ 3 cm</a:t>
-            </a:r>
-          </a:p>
-        </p:txBody>
-      </p:sp>
       <p:sp>
         <p:nvSpPr>
           <p:cNvPr id="262" name="ZoneTexte 261">
@@ -10753,6 +10520,1363 @@
           </a:p>
         </p:txBody>
       </p:sp>
+      <p:grpSp>
+        <p:nvGrpSpPr>
+          <p:cNvPr id="3" name="Groupe 2">
+            <a:extLst>
+              <a:ext uri="{FF2B5EF4-FFF2-40B4-BE49-F238E27FC236}">
+                <a16:creationId xmlns:a16="http://schemas.microsoft.com/office/drawing/2014/main" id="{A0F20150-1AB7-42DA-8F0A-97A0E7DBAB0D}"/>
+              </a:ext>
+            </a:extLst>
+          </p:cNvPr>
+          <p:cNvGrpSpPr/>
+          <p:nvPr/>
+        </p:nvGrpSpPr>
+        <p:grpSpPr>
+          <a:xfrm>
+            <a:off x="6728656" y="4482007"/>
+            <a:ext cx="1340630" cy="1340630"/>
+            <a:chOff x="7233380" y="4605192"/>
+            <a:chExt cx="1340630" cy="1340630"/>
+          </a:xfrm>
+        </p:grpSpPr>
+        <p:grpSp>
+          <p:nvGrpSpPr>
+            <p:cNvPr id="2" name="Groupe 1">
+              <a:extLst>
+                <a:ext uri="{FF2B5EF4-FFF2-40B4-BE49-F238E27FC236}">
+                  <a16:creationId xmlns:a16="http://schemas.microsoft.com/office/drawing/2014/main" id="{2DB00417-6203-4732-9210-226EC159734A}"/>
+                </a:ext>
+              </a:extLst>
+            </p:cNvPr>
+            <p:cNvGrpSpPr/>
+            <p:nvPr/>
+          </p:nvGrpSpPr>
+          <p:grpSpPr>
+            <a:xfrm>
+              <a:off x="7485628" y="4774942"/>
+              <a:ext cx="836134" cy="1001131"/>
+              <a:chOff x="7517899" y="4828603"/>
+              <a:chExt cx="836134" cy="1001131"/>
+            </a:xfrm>
+          </p:grpSpPr>
+          <p:grpSp>
+            <p:nvGrpSpPr>
+              <p:cNvPr id="257" name="Groupe 256">
+                <a:extLst>
+                  <a:ext uri="{FF2B5EF4-FFF2-40B4-BE49-F238E27FC236}">
+                    <a16:creationId xmlns:a16="http://schemas.microsoft.com/office/drawing/2014/main" id="{504D6FA4-5A9A-4334-A04E-7E53DAC2521B}"/>
+                  </a:ext>
+                </a:extLst>
+              </p:cNvPr>
+              <p:cNvGrpSpPr/>
+              <p:nvPr/>
+            </p:nvGrpSpPr>
+            <p:grpSpPr>
+              <a:xfrm>
+                <a:off x="7774953" y="4828603"/>
+                <a:ext cx="322031" cy="630000"/>
+                <a:chOff x="1548202" y="3796373"/>
+                <a:chExt cx="322031" cy="630000"/>
+              </a:xfrm>
+            </p:grpSpPr>
+            <p:sp>
+              <p:nvSpPr>
+                <p:cNvPr id="258" name="Cylindre 257">
+                  <a:extLst>
+                    <a:ext uri="{FF2B5EF4-FFF2-40B4-BE49-F238E27FC236}">
+                      <a16:creationId xmlns:a16="http://schemas.microsoft.com/office/drawing/2014/main" id="{55CC5CE7-AF1E-40FF-99E9-29062AF7BFD7}"/>
+                    </a:ext>
+                  </a:extLst>
+                </p:cNvPr>
+                <p:cNvSpPr/>
+                <p:nvPr/>
+              </p:nvSpPr>
+              <p:spPr>
+                <a:xfrm>
+                  <a:off x="1548202" y="3796373"/>
+                  <a:ext cx="322031" cy="630000"/>
+                </a:xfrm>
+                <a:prstGeom prst="can">
+                  <a:avLst/>
+                </a:prstGeom>
+                <a:solidFill>
+                  <a:schemeClr val="bg1"/>
+                </a:solidFill>
+                <a:ln w="19050">
+                  <a:solidFill>
+                    <a:schemeClr val="tx1"/>
+                  </a:solidFill>
+                </a:ln>
+              </p:spPr>
+              <p:style>
+                <a:lnRef idx="2">
+                  <a:schemeClr val="accent1">
+                    <a:shade val="50000"/>
+                  </a:schemeClr>
+                </a:lnRef>
+                <a:fillRef idx="1">
+                  <a:schemeClr val="accent1"/>
+                </a:fillRef>
+                <a:effectRef idx="0">
+                  <a:schemeClr val="accent1"/>
+                </a:effectRef>
+                <a:fontRef idx="minor">
+                  <a:schemeClr val="lt1"/>
+                </a:fontRef>
+              </p:style>
+              <p:txBody>
+                <a:bodyPr rtlCol="0" anchor="ctr"/>
+                <a:lstStyle/>
+                <a:p>
+                  <a:pPr algn="ctr"/>
+                  <a:endParaRPr lang="fr-FR"/>
+                </a:p>
+              </p:txBody>
+            </p:sp>
+            <p:sp>
+              <p:nvSpPr>
+                <p:cNvPr id="259" name="Cylindre 258">
+                  <a:extLst>
+                    <a:ext uri="{FF2B5EF4-FFF2-40B4-BE49-F238E27FC236}">
+                      <a16:creationId xmlns:a16="http://schemas.microsoft.com/office/drawing/2014/main" id="{369B9A6F-B4B8-4171-8878-261EA04A90BB}"/>
+                    </a:ext>
+                  </a:extLst>
+                </p:cNvPr>
+                <p:cNvSpPr/>
+                <p:nvPr/>
+              </p:nvSpPr>
+              <p:spPr>
+                <a:xfrm>
+                  <a:off x="1548202" y="4258099"/>
+                  <a:ext cx="322031" cy="168274"/>
+                </a:xfrm>
+                <a:prstGeom prst="can">
+                  <a:avLst>
+                    <a:gd name="adj" fmla="val 50000"/>
+                  </a:avLst>
+                </a:prstGeom>
+                <a:solidFill>
+                  <a:srgbClr val="DCE5F4"/>
+                </a:solidFill>
+                <a:ln w="19050">
+                  <a:solidFill>
+                    <a:schemeClr val="tx1"/>
+                  </a:solidFill>
+                </a:ln>
+              </p:spPr>
+              <p:style>
+                <a:lnRef idx="2">
+                  <a:schemeClr val="accent1">
+                    <a:shade val="50000"/>
+                  </a:schemeClr>
+                </a:lnRef>
+                <a:fillRef idx="1">
+                  <a:schemeClr val="accent1"/>
+                </a:fillRef>
+                <a:effectRef idx="0">
+                  <a:schemeClr val="accent1"/>
+                </a:effectRef>
+                <a:fontRef idx="minor">
+                  <a:schemeClr val="lt1"/>
+                </a:fontRef>
+              </p:style>
+              <p:txBody>
+                <a:bodyPr rtlCol="0" anchor="ctr"/>
+                <a:lstStyle/>
+                <a:p>
+                  <a:pPr algn="ctr"/>
+                  <a:endParaRPr lang="fr-FR"/>
+                </a:p>
+              </p:txBody>
+            </p:sp>
+            <p:sp>
+              <p:nvSpPr>
+                <p:cNvPr id="260" name="Flèche : droite 259">
+                  <a:extLst>
+                    <a:ext uri="{FF2B5EF4-FFF2-40B4-BE49-F238E27FC236}">
+                      <a16:creationId xmlns:a16="http://schemas.microsoft.com/office/drawing/2014/main" id="{9F65CD97-B287-4629-92D6-E3B5152DB110}"/>
+                    </a:ext>
+                  </a:extLst>
+                </p:cNvPr>
+                <p:cNvSpPr/>
+                <p:nvPr/>
+              </p:nvSpPr>
+              <p:spPr>
+                <a:xfrm rot="16200000">
+                  <a:off x="1460890" y="4010046"/>
+                  <a:ext cx="496651" cy="113762"/>
+                </a:xfrm>
+                <a:prstGeom prst="rightArrow">
+                  <a:avLst>
+                    <a:gd name="adj1" fmla="val 50000"/>
+                    <a:gd name="adj2" fmla="val 58725"/>
+                  </a:avLst>
+                </a:prstGeom>
+                <a:solidFill>
+                  <a:schemeClr val="tx1"/>
+                </a:solidFill>
+                <a:ln>
+                  <a:solidFill>
+                    <a:schemeClr val="bg1"/>
+                  </a:solidFill>
+                </a:ln>
+              </p:spPr>
+              <p:style>
+                <a:lnRef idx="2">
+                  <a:schemeClr val="accent1">
+                    <a:shade val="50000"/>
+                  </a:schemeClr>
+                </a:lnRef>
+                <a:fillRef idx="1">
+                  <a:schemeClr val="accent1"/>
+                </a:fillRef>
+                <a:effectRef idx="0">
+                  <a:schemeClr val="accent1"/>
+                </a:effectRef>
+                <a:fontRef idx="minor">
+                  <a:schemeClr val="lt1"/>
+                </a:fontRef>
+              </p:style>
+              <p:txBody>
+                <a:bodyPr rtlCol="0" anchor="ctr"/>
+                <a:lstStyle/>
+                <a:p>
+                  <a:pPr algn="ctr"/>
+                  <a:endParaRPr lang="fr-FR"/>
+                </a:p>
+              </p:txBody>
+            </p:sp>
+          </p:grpSp>
+          <p:sp>
+            <p:nvSpPr>
+              <p:cNvPr id="261" name="ZoneTexte 260">
+                <a:extLst>
+                  <a:ext uri="{FF2B5EF4-FFF2-40B4-BE49-F238E27FC236}">
+                    <a16:creationId xmlns:a16="http://schemas.microsoft.com/office/drawing/2014/main" id="{C4F72258-6673-4A75-9BF1-D14239CB30A1}"/>
+                  </a:ext>
+                </a:extLst>
+              </p:cNvPr>
+              <p:cNvSpPr txBox="1"/>
+              <p:nvPr/>
+            </p:nvSpPr>
+            <p:spPr>
+              <a:xfrm>
+                <a:off x="7517899" y="5491180"/>
+                <a:ext cx="836134" cy="338554"/>
+              </a:xfrm>
+              <a:prstGeom prst="rect">
+                <a:avLst/>
+              </a:prstGeom>
+              <a:noFill/>
+            </p:spPr>
+            <p:txBody>
+              <a:bodyPr wrap="square" rtlCol="0">
+                <a:spAutoFit/>
+              </a:bodyPr>
+              <a:lstStyle/>
+              <a:p>
+                <a:pPr algn="ctr"/>
+                <a:r>
+                  <a:rPr lang="fr-FR" sz="1600" b="1" dirty="0">
+                    <a:ln>
+                      <a:solidFill>
+                        <a:schemeClr val="tx1"/>
+                      </a:solidFill>
+                    </a:ln>
+                    <a:solidFill>
+                      <a:schemeClr val="bg1"/>
+                    </a:solidFill>
+                  </a:rPr>
+                  <a:t>+ 3 cm</a:t>
+                </a:r>
+              </a:p>
+            </p:txBody>
+          </p:sp>
+        </p:grpSp>
+        <p:sp>
+          <p:nvSpPr>
+            <p:cNvPr id="138" name="Rectangle 137">
+              <a:extLst>
+                <a:ext uri="{FF2B5EF4-FFF2-40B4-BE49-F238E27FC236}">
+                  <a16:creationId xmlns:a16="http://schemas.microsoft.com/office/drawing/2014/main" id="{47432A07-4145-405B-AF61-852BD74E3B7E}"/>
+                </a:ext>
+              </a:extLst>
+            </p:cNvPr>
+            <p:cNvSpPr/>
+            <p:nvPr/>
+          </p:nvSpPr>
+          <p:spPr>
+            <a:xfrm>
+              <a:off x="7233380" y="4605192"/>
+              <a:ext cx="1340630" cy="1340630"/>
+            </a:xfrm>
+            <a:prstGeom prst="rect">
+              <a:avLst/>
+            </a:prstGeom>
+            <a:noFill/>
+            <a:ln>
+              <a:noFill/>
+            </a:ln>
+          </p:spPr>
+          <p:style>
+            <a:lnRef idx="2">
+              <a:schemeClr val="accent1">
+                <a:shade val="50000"/>
+              </a:schemeClr>
+            </a:lnRef>
+            <a:fillRef idx="1">
+              <a:schemeClr val="accent1"/>
+            </a:fillRef>
+            <a:effectRef idx="0">
+              <a:schemeClr val="accent1"/>
+            </a:effectRef>
+            <a:fontRef idx="minor">
+              <a:schemeClr val="lt1"/>
+            </a:fontRef>
+          </p:style>
+          <p:txBody>
+            <a:bodyPr rtlCol="0" anchor="ctr"/>
+            <a:lstStyle/>
+            <a:p>
+              <a:pPr algn="ctr"/>
+              <a:endParaRPr lang="fr-FR"/>
+            </a:p>
+          </p:txBody>
+        </p:sp>
+      </p:grpSp>
+      <p:grpSp>
+        <p:nvGrpSpPr>
+          <p:cNvPr id="4" name="Groupe 3">
+            <a:extLst>
+              <a:ext uri="{FF2B5EF4-FFF2-40B4-BE49-F238E27FC236}">
+                <a16:creationId xmlns:a16="http://schemas.microsoft.com/office/drawing/2014/main" id="{34220DF1-04B3-42E5-99EC-90619B9F5156}"/>
+              </a:ext>
+            </a:extLst>
+          </p:cNvPr>
+          <p:cNvGrpSpPr/>
+          <p:nvPr/>
+        </p:nvGrpSpPr>
+        <p:grpSpPr>
+          <a:xfrm>
+            <a:off x="6169069" y="5714778"/>
+            <a:ext cx="1078837" cy="1078837"/>
+            <a:chOff x="6169069" y="5722716"/>
+            <a:chExt cx="1078837" cy="1078837"/>
+          </a:xfrm>
+        </p:grpSpPr>
+        <p:grpSp>
+          <p:nvGrpSpPr>
+            <p:cNvPr id="143" name="Groupe 142">
+              <a:extLst>
+                <a:ext uri="{FF2B5EF4-FFF2-40B4-BE49-F238E27FC236}">
+                  <a16:creationId xmlns:a16="http://schemas.microsoft.com/office/drawing/2014/main" id="{74A74941-E91D-47DE-B369-9F6D98DBDACB}"/>
+                </a:ext>
+              </a:extLst>
+            </p:cNvPr>
+            <p:cNvGrpSpPr/>
+            <p:nvPr/>
+          </p:nvGrpSpPr>
+          <p:grpSpPr>
+            <a:xfrm>
+              <a:off x="6547472" y="5947134"/>
+              <a:ext cx="322031" cy="630000"/>
+              <a:chOff x="1548202" y="3796373"/>
+              <a:chExt cx="322031" cy="630000"/>
+            </a:xfrm>
+          </p:grpSpPr>
+          <p:sp>
+            <p:nvSpPr>
+              <p:cNvPr id="145" name="Cylindre 144">
+                <a:extLst>
+                  <a:ext uri="{FF2B5EF4-FFF2-40B4-BE49-F238E27FC236}">
+                    <a16:creationId xmlns:a16="http://schemas.microsoft.com/office/drawing/2014/main" id="{699D0E33-550B-4A94-80D7-B38773ADBEBE}"/>
+                  </a:ext>
+                </a:extLst>
+              </p:cNvPr>
+              <p:cNvSpPr/>
+              <p:nvPr/>
+            </p:nvSpPr>
+            <p:spPr>
+              <a:xfrm>
+                <a:off x="1548202" y="3796373"/>
+                <a:ext cx="322031" cy="630000"/>
+              </a:xfrm>
+              <a:prstGeom prst="can">
+                <a:avLst/>
+              </a:prstGeom>
+              <a:solidFill>
+                <a:schemeClr val="bg1"/>
+              </a:solidFill>
+              <a:ln w="19050">
+                <a:solidFill>
+                  <a:schemeClr val="tx1"/>
+                </a:solidFill>
+              </a:ln>
+            </p:spPr>
+            <p:style>
+              <a:lnRef idx="2">
+                <a:schemeClr val="accent1">
+                  <a:shade val="50000"/>
+                </a:schemeClr>
+              </a:lnRef>
+              <a:fillRef idx="1">
+                <a:schemeClr val="accent1"/>
+              </a:fillRef>
+              <a:effectRef idx="0">
+                <a:schemeClr val="accent1"/>
+              </a:effectRef>
+              <a:fontRef idx="minor">
+                <a:schemeClr val="lt1"/>
+              </a:fontRef>
+            </p:style>
+            <p:txBody>
+              <a:bodyPr rtlCol="0" anchor="ctr"/>
+              <a:lstStyle/>
+              <a:p>
+                <a:pPr algn="ctr"/>
+                <a:endParaRPr lang="fr-FR"/>
+              </a:p>
+            </p:txBody>
+          </p:sp>
+          <p:sp>
+            <p:nvSpPr>
+              <p:cNvPr id="146" name="Cylindre 145">
+                <a:extLst>
+                  <a:ext uri="{FF2B5EF4-FFF2-40B4-BE49-F238E27FC236}">
+                    <a16:creationId xmlns:a16="http://schemas.microsoft.com/office/drawing/2014/main" id="{30923F25-7782-4A5B-9A90-1949DBA29469}"/>
+                  </a:ext>
+                </a:extLst>
+              </p:cNvPr>
+              <p:cNvSpPr/>
+              <p:nvPr/>
+            </p:nvSpPr>
+            <p:spPr>
+              <a:xfrm>
+                <a:off x="1548202" y="4258099"/>
+                <a:ext cx="322031" cy="168274"/>
+              </a:xfrm>
+              <a:prstGeom prst="can">
+                <a:avLst>
+                  <a:gd name="adj" fmla="val 50000"/>
+                </a:avLst>
+              </a:prstGeom>
+              <a:solidFill>
+                <a:srgbClr val="DCE5F4"/>
+              </a:solidFill>
+              <a:ln w="19050">
+                <a:solidFill>
+                  <a:schemeClr val="tx1"/>
+                </a:solidFill>
+              </a:ln>
+            </p:spPr>
+            <p:style>
+              <a:lnRef idx="2">
+                <a:schemeClr val="accent1">
+                  <a:shade val="50000"/>
+                </a:schemeClr>
+              </a:lnRef>
+              <a:fillRef idx="1">
+                <a:schemeClr val="accent1"/>
+              </a:fillRef>
+              <a:effectRef idx="0">
+                <a:schemeClr val="accent1"/>
+              </a:effectRef>
+              <a:fontRef idx="minor">
+                <a:schemeClr val="lt1"/>
+              </a:fontRef>
+            </p:style>
+            <p:txBody>
+              <a:bodyPr rtlCol="0" anchor="ctr"/>
+              <a:lstStyle/>
+              <a:p>
+                <a:pPr algn="ctr"/>
+                <a:endParaRPr lang="fr-FR" dirty="0"/>
+              </a:p>
+            </p:txBody>
+          </p:sp>
+          <p:sp>
+            <p:nvSpPr>
+              <p:cNvPr id="147" name="Flèche : droite 146">
+                <a:extLst>
+                  <a:ext uri="{FF2B5EF4-FFF2-40B4-BE49-F238E27FC236}">
+                    <a16:creationId xmlns:a16="http://schemas.microsoft.com/office/drawing/2014/main" id="{AFC8E1FB-F41F-4415-8E3B-8D6EDBB65EEF}"/>
+                  </a:ext>
+                </a:extLst>
+              </p:cNvPr>
+              <p:cNvSpPr/>
+              <p:nvPr/>
+            </p:nvSpPr>
+            <p:spPr>
+              <a:xfrm rot="16200000">
+                <a:off x="1460890" y="4010046"/>
+                <a:ext cx="496651" cy="113762"/>
+              </a:xfrm>
+              <a:prstGeom prst="rightArrow">
+                <a:avLst>
+                  <a:gd name="adj1" fmla="val 50000"/>
+                  <a:gd name="adj2" fmla="val 58725"/>
+                </a:avLst>
+              </a:prstGeom>
+              <a:solidFill>
+                <a:schemeClr val="tx1"/>
+              </a:solidFill>
+              <a:ln>
+                <a:solidFill>
+                  <a:schemeClr val="bg1"/>
+                </a:solidFill>
+              </a:ln>
+            </p:spPr>
+            <p:style>
+              <a:lnRef idx="2">
+                <a:schemeClr val="accent1">
+                  <a:shade val="50000"/>
+                </a:schemeClr>
+              </a:lnRef>
+              <a:fillRef idx="1">
+                <a:schemeClr val="accent1"/>
+              </a:fillRef>
+              <a:effectRef idx="0">
+                <a:schemeClr val="accent1"/>
+              </a:effectRef>
+              <a:fontRef idx="minor">
+                <a:schemeClr val="lt1"/>
+              </a:fontRef>
+            </p:style>
+            <p:txBody>
+              <a:bodyPr rtlCol="0" anchor="ctr"/>
+              <a:lstStyle/>
+              <a:p>
+                <a:pPr algn="ctr"/>
+                <a:endParaRPr lang="fr-FR" dirty="0"/>
+              </a:p>
+            </p:txBody>
+          </p:sp>
+        </p:grpSp>
+        <p:sp>
+          <p:nvSpPr>
+            <p:cNvPr id="142" name="Rectangle 141">
+              <a:extLst>
+                <a:ext uri="{FF2B5EF4-FFF2-40B4-BE49-F238E27FC236}">
+                  <a16:creationId xmlns:a16="http://schemas.microsoft.com/office/drawing/2014/main" id="{4E697776-B480-460B-9C72-6795CE8D3D44}"/>
+                </a:ext>
+              </a:extLst>
+            </p:cNvPr>
+            <p:cNvSpPr/>
+            <p:nvPr/>
+          </p:nvSpPr>
+          <p:spPr>
+            <a:xfrm>
+              <a:off x="6169069" y="5722716"/>
+              <a:ext cx="1078837" cy="1078837"/>
+            </a:xfrm>
+            <a:prstGeom prst="rect">
+              <a:avLst/>
+            </a:prstGeom>
+            <a:noFill/>
+            <a:ln>
+              <a:noFill/>
+            </a:ln>
+          </p:spPr>
+          <p:style>
+            <a:lnRef idx="2">
+              <a:schemeClr val="accent1">
+                <a:shade val="50000"/>
+              </a:schemeClr>
+            </a:lnRef>
+            <a:fillRef idx="1">
+              <a:schemeClr val="accent1"/>
+            </a:fillRef>
+            <a:effectRef idx="0">
+              <a:schemeClr val="accent1"/>
+            </a:effectRef>
+            <a:fontRef idx="minor">
+              <a:schemeClr val="lt1"/>
+            </a:fontRef>
+          </p:style>
+          <p:txBody>
+            <a:bodyPr rtlCol="0" anchor="ctr"/>
+            <a:lstStyle/>
+            <a:p>
+              <a:pPr algn="ctr"/>
+              <a:endParaRPr lang="fr-FR"/>
+            </a:p>
+          </p:txBody>
+        </p:sp>
+      </p:grpSp>
+      <p:grpSp>
+        <p:nvGrpSpPr>
+          <p:cNvPr id="5" name="Groupe 4">
+            <a:extLst>
+              <a:ext uri="{FF2B5EF4-FFF2-40B4-BE49-F238E27FC236}">
+                <a16:creationId xmlns:a16="http://schemas.microsoft.com/office/drawing/2014/main" id="{B48E7F89-C605-43E1-8B31-10AC777D73FE}"/>
+              </a:ext>
+            </a:extLst>
+          </p:cNvPr>
+          <p:cNvGrpSpPr/>
+          <p:nvPr/>
+        </p:nvGrpSpPr>
+        <p:grpSpPr>
+          <a:xfrm>
+            <a:off x="7141218" y="5714778"/>
+            <a:ext cx="1078837" cy="1078837"/>
+            <a:chOff x="7116278" y="5695781"/>
+            <a:chExt cx="1078837" cy="1078837"/>
+          </a:xfrm>
+        </p:grpSpPr>
+        <p:sp>
+          <p:nvSpPr>
+            <p:cNvPr id="264" name="Rectangle 263">
+              <a:extLst>
+                <a:ext uri="{FF2B5EF4-FFF2-40B4-BE49-F238E27FC236}">
+                  <a16:creationId xmlns:a16="http://schemas.microsoft.com/office/drawing/2014/main" id="{8FE9F387-7453-4AA1-802B-86D62A4D7967}"/>
+                </a:ext>
+              </a:extLst>
+            </p:cNvPr>
+            <p:cNvSpPr/>
+            <p:nvPr/>
+          </p:nvSpPr>
+          <p:spPr>
+            <a:xfrm>
+              <a:off x="7116278" y="5695781"/>
+              <a:ext cx="1078837" cy="1078837"/>
+            </a:xfrm>
+            <a:prstGeom prst="rect">
+              <a:avLst/>
+            </a:prstGeom>
+            <a:noFill/>
+            <a:ln>
+              <a:noFill/>
+            </a:ln>
+          </p:spPr>
+          <p:style>
+            <a:lnRef idx="2">
+              <a:schemeClr val="accent1">
+                <a:shade val="50000"/>
+              </a:schemeClr>
+            </a:lnRef>
+            <a:fillRef idx="1">
+              <a:schemeClr val="accent1"/>
+            </a:fillRef>
+            <a:effectRef idx="0">
+              <a:schemeClr val="accent1"/>
+            </a:effectRef>
+            <a:fontRef idx="minor">
+              <a:schemeClr val="lt1"/>
+            </a:fontRef>
+          </p:style>
+          <p:txBody>
+            <a:bodyPr rtlCol="0" anchor="ctr"/>
+            <a:lstStyle/>
+            <a:p>
+              <a:pPr algn="ctr"/>
+              <a:endParaRPr lang="fr-FR"/>
+            </a:p>
+          </p:txBody>
+        </p:sp>
+        <p:grpSp>
+          <p:nvGrpSpPr>
+            <p:cNvPr id="272" name="Groupe 271">
+              <a:extLst>
+                <a:ext uri="{FF2B5EF4-FFF2-40B4-BE49-F238E27FC236}">
+                  <a16:creationId xmlns:a16="http://schemas.microsoft.com/office/drawing/2014/main" id="{B8D9016C-1F7C-493D-B0F4-CDDEAE9DED98}"/>
+                </a:ext>
+              </a:extLst>
+            </p:cNvPr>
+            <p:cNvGrpSpPr/>
+            <p:nvPr/>
+          </p:nvGrpSpPr>
+          <p:grpSpPr>
+            <a:xfrm>
+              <a:off x="7494681" y="5920199"/>
+              <a:ext cx="322031" cy="630000"/>
+              <a:chOff x="1548202" y="3796373"/>
+              <a:chExt cx="322031" cy="630000"/>
+            </a:xfrm>
+          </p:grpSpPr>
+          <p:sp>
+            <p:nvSpPr>
+              <p:cNvPr id="273" name="Cylindre 272">
+                <a:extLst>
+                  <a:ext uri="{FF2B5EF4-FFF2-40B4-BE49-F238E27FC236}">
+                    <a16:creationId xmlns:a16="http://schemas.microsoft.com/office/drawing/2014/main" id="{20E2AF45-8ECC-40A0-904F-25E05F06B6F1}"/>
+                  </a:ext>
+                </a:extLst>
+              </p:cNvPr>
+              <p:cNvSpPr/>
+              <p:nvPr/>
+            </p:nvSpPr>
+            <p:spPr>
+              <a:xfrm>
+                <a:off x="1548202" y="3796373"/>
+                <a:ext cx="322031" cy="630000"/>
+              </a:xfrm>
+              <a:prstGeom prst="can">
+                <a:avLst/>
+              </a:prstGeom>
+              <a:solidFill>
+                <a:srgbClr val="C5D4EC"/>
+              </a:solidFill>
+              <a:ln w="19050">
+                <a:solidFill>
+                  <a:schemeClr val="tx1"/>
+                </a:solidFill>
+              </a:ln>
+            </p:spPr>
+            <p:style>
+              <a:lnRef idx="2">
+                <a:schemeClr val="accent1">
+                  <a:shade val="50000"/>
+                </a:schemeClr>
+              </a:lnRef>
+              <a:fillRef idx="1">
+                <a:schemeClr val="accent1"/>
+              </a:fillRef>
+              <a:effectRef idx="0">
+                <a:schemeClr val="accent1"/>
+              </a:effectRef>
+              <a:fontRef idx="minor">
+                <a:schemeClr val="lt1"/>
+              </a:fontRef>
+            </p:style>
+            <p:txBody>
+              <a:bodyPr rtlCol="0" anchor="ctr"/>
+              <a:lstStyle/>
+              <a:p>
+                <a:pPr algn="ctr"/>
+                <a:endParaRPr lang="fr-FR"/>
+              </a:p>
+            </p:txBody>
+          </p:sp>
+          <p:sp>
+            <p:nvSpPr>
+              <p:cNvPr id="274" name="Cylindre 273">
+                <a:extLst>
+                  <a:ext uri="{FF2B5EF4-FFF2-40B4-BE49-F238E27FC236}">
+                    <a16:creationId xmlns:a16="http://schemas.microsoft.com/office/drawing/2014/main" id="{6F27CACA-5EC1-42DD-B847-8962B1385791}"/>
+                  </a:ext>
+                </a:extLst>
+              </p:cNvPr>
+              <p:cNvSpPr/>
+              <p:nvPr/>
+            </p:nvSpPr>
+            <p:spPr>
+              <a:xfrm>
+                <a:off x="1548202" y="4258099"/>
+                <a:ext cx="322031" cy="168274"/>
+              </a:xfrm>
+              <a:prstGeom prst="can">
+                <a:avLst>
+                  <a:gd name="adj" fmla="val 50000"/>
+                </a:avLst>
+              </a:prstGeom>
+              <a:solidFill>
+                <a:schemeClr val="bg1"/>
+              </a:solidFill>
+              <a:ln w="19050">
+                <a:solidFill>
+                  <a:schemeClr val="tx1"/>
+                </a:solidFill>
+              </a:ln>
+            </p:spPr>
+            <p:style>
+              <a:lnRef idx="2">
+                <a:schemeClr val="accent1">
+                  <a:shade val="50000"/>
+                </a:schemeClr>
+              </a:lnRef>
+              <a:fillRef idx="1">
+                <a:schemeClr val="accent1"/>
+              </a:fillRef>
+              <a:effectRef idx="0">
+                <a:schemeClr val="accent1"/>
+              </a:effectRef>
+              <a:fontRef idx="minor">
+                <a:schemeClr val="lt1"/>
+              </a:fontRef>
+            </p:style>
+            <p:txBody>
+              <a:bodyPr rtlCol="0" anchor="ctr"/>
+              <a:lstStyle/>
+              <a:p>
+                <a:pPr algn="ctr"/>
+                <a:endParaRPr lang="fr-FR"/>
+              </a:p>
+            </p:txBody>
+          </p:sp>
+          <p:sp>
+            <p:nvSpPr>
+              <p:cNvPr id="275" name="Flèche : droite 274">
+                <a:extLst>
+                  <a:ext uri="{FF2B5EF4-FFF2-40B4-BE49-F238E27FC236}">
+                    <a16:creationId xmlns:a16="http://schemas.microsoft.com/office/drawing/2014/main" id="{262C1B99-1AE6-4AC9-A08F-A52B573F579D}"/>
+                  </a:ext>
+                </a:extLst>
+              </p:cNvPr>
+              <p:cNvSpPr/>
+              <p:nvPr/>
+            </p:nvSpPr>
+            <p:spPr>
+              <a:xfrm rot="5400000">
+                <a:off x="1460890" y="4010046"/>
+                <a:ext cx="496651" cy="113762"/>
+              </a:xfrm>
+              <a:prstGeom prst="rightArrow">
+                <a:avLst>
+                  <a:gd name="adj1" fmla="val 50000"/>
+                  <a:gd name="adj2" fmla="val 58725"/>
+                </a:avLst>
+              </a:prstGeom>
+              <a:solidFill>
+                <a:schemeClr val="tx1"/>
+              </a:solidFill>
+              <a:ln>
+                <a:solidFill>
+                  <a:schemeClr val="bg1"/>
+                </a:solidFill>
+              </a:ln>
+            </p:spPr>
+            <p:style>
+              <a:lnRef idx="2">
+                <a:schemeClr val="accent1">
+                  <a:shade val="50000"/>
+                </a:schemeClr>
+              </a:lnRef>
+              <a:fillRef idx="1">
+                <a:schemeClr val="accent1"/>
+              </a:fillRef>
+              <a:effectRef idx="0">
+                <a:schemeClr val="accent1"/>
+              </a:effectRef>
+              <a:fontRef idx="minor">
+                <a:schemeClr val="lt1"/>
+              </a:fontRef>
+            </p:style>
+            <p:txBody>
+              <a:bodyPr rtlCol="0" anchor="ctr"/>
+              <a:lstStyle/>
+              <a:p>
+                <a:pPr algn="ctr"/>
+                <a:endParaRPr lang="fr-FR" dirty="0"/>
+              </a:p>
+            </p:txBody>
+          </p:sp>
+        </p:grpSp>
+      </p:grpSp>
+      <p:grpSp>
+        <p:nvGrpSpPr>
+          <p:cNvPr id="276" name="Groupe 275">
+            <a:extLst>
+              <a:ext uri="{FF2B5EF4-FFF2-40B4-BE49-F238E27FC236}">
+                <a16:creationId xmlns:a16="http://schemas.microsoft.com/office/drawing/2014/main" id="{39783797-274A-40BF-998E-7F679F369C0C}"/>
+              </a:ext>
+            </a:extLst>
+          </p:cNvPr>
+          <p:cNvGrpSpPr/>
+          <p:nvPr/>
+        </p:nvGrpSpPr>
+        <p:grpSpPr>
+          <a:xfrm>
+            <a:off x="7990584" y="5768708"/>
+            <a:ext cx="1078837" cy="1078837"/>
+            <a:chOff x="6169069" y="5722716"/>
+            <a:chExt cx="1078837" cy="1078837"/>
+          </a:xfrm>
+        </p:grpSpPr>
+        <p:grpSp>
+          <p:nvGrpSpPr>
+            <p:cNvPr id="277" name="Groupe 276">
+              <a:extLst>
+                <a:ext uri="{FF2B5EF4-FFF2-40B4-BE49-F238E27FC236}">
+                  <a16:creationId xmlns:a16="http://schemas.microsoft.com/office/drawing/2014/main" id="{6839DE50-D667-4B53-953B-A326C74F4492}"/>
+                </a:ext>
+              </a:extLst>
+            </p:cNvPr>
+            <p:cNvGrpSpPr/>
+            <p:nvPr/>
+          </p:nvGrpSpPr>
+          <p:grpSpPr>
+            <a:xfrm>
+              <a:off x="6547472" y="5947134"/>
+              <a:ext cx="322031" cy="630000"/>
+              <a:chOff x="1548202" y="3796373"/>
+              <a:chExt cx="322031" cy="630000"/>
+            </a:xfrm>
+          </p:grpSpPr>
+          <p:sp>
+            <p:nvSpPr>
+              <p:cNvPr id="279" name="Cylindre 278">
+                <a:extLst>
+                  <a:ext uri="{FF2B5EF4-FFF2-40B4-BE49-F238E27FC236}">
+                    <a16:creationId xmlns:a16="http://schemas.microsoft.com/office/drawing/2014/main" id="{4F78AF1E-40BE-4F4B-9CA1-4FB9A0C52239}"/>
+                  </a:ext>
+                </a:extLst>
+              </p:cNvPr>
+              <p:cNvSpPr/>
+              <p:nvPr/>
+            </p:nvSpPr>
+            <p:spPr>
+              <a:xfrm>
+                <a:off x="1548202" y="3796373"/>
+                <a:ext cx="322031" cy="630000"/>
+              </a:xfrm>
+              <a:prstGeom prst="can">
+                <a:avLst/>
+              </a:prstGeom>
+              <a:noFill/>
+              <a:ln w="19050">
+                <a:solidFill>
+                  <a:schemeClr val="tx1"/>
+                </a:solidFill>
+              </a:ln>
+            </p:spPr>
+            <p:style>
+              <a:lnRef idx="2">
+                <a:schemeClr val="accent1">
+                  <a:shade val="50000"/>
+                </a:schemeClr>
+              </a:lnRef>
+              <a:fillRef idx="1">
+                <a:schemeClr val="accent1"/>
+              </a:fillRef>
+              <a:effectRef idx="0">
+                <a:schemeClr val="accent1"/>
+              </a:effectRef>
+              <a:fontRef idx="minor">
+                <a:schemeClr val="lt1"/>
+              </a:fontRef>
+            </p:style>
+            <p:txBody>
+              <a:bodyPr rtlCol="0" anchor="ctr"/>
+              <a:lstStyle/>
+              <a:p>
+                <a:pPr algn="ctr"/>
+                <a:endParaRPr lang="fr-FR"/>
+              </a:p>
+            </p:txBody>
+          </p:sp>
+          <p:sp>
+            <p:nvSpPr>
+              <p:cNvPr id="280" name="Cylindre 279">
+                <a:extLst>
+                  <a:ext uri="{FF2B5EF4-FFF2-40B4-BE49-F238E27FC236}">
+                    <a16:creationId xmlns:a16="http://schemas.microsoft.com/office/drawing/2014/main" id="{C4871CDD-8333-41EF-A512-EF343BC85441}"/>
+                  </a:ext>
+                </a:extLst>
+              </p:cNvPr>
+              <p:cNvSpPr/>
+              <p:nvPr/>
+            </p:nvSpPr>
+            <p:spPr>
+              <a:xfrm>
+                <a:off x="1548202" y="4258099"/>
+                <a:ext cx="322031" cy="168274"/>
+              </a:xfrm>
+              <a:prstGeom prst="can">
+                <a:avLst>
+                  <a:gd name="adj" fmla="val 50000"/>
+                </a:avLst>
+              </a:prstGeom>
+              <a:solidFill>
+                <a:schemeClr val="bg1"/>
+              </a:solidFill>
+              <a:ln w="19050">
+                <a:solidFill>
+                  <a:schemeClr val="tx1"/>
+                </a:solidFill>
+              </a:ln>
+            </p:spPr>
+            <p:style>
+              <a:lnRef idx="2">
+                <a:schemeClr val="accent1">
+                  <a:shade val="50000"/>
+                </a:schemeClr>
+              </a:lnRef>
+              <a:fillRef idx="1">
+                <a:schemeClr val="accent1"/>
+              </a:fillRef>
+              <a:effectRef idx="0">
+                <a:schemeClr val="accent1"/>
+              </a:effectRef>
+              <a:fontRef idx="minor">
+                <a:schemeClr val="lt1"/>
+              </a:fontRef>
+            </p:style>
+            <p:txBody>
+              <a:bodyPr rtlCol="0" anchor="ctr"/>
+              <a:lstStyle/>
+              <a:p>
+                <a:pPr algn="ctr"/>
+                <a:endParaRPr lang="fr-FR" dirty="0"/>
+              </a:p>
+            </p:txBody>
+          </p:sp>
+          <p:sp>
+            <p:nvSpPr>
+              <p:cNvPr id="281" name="Flèche : droite 280">
+                <a:extLst>
+                  <a:ext uri="{FF2B5EF4-FFF2-40B4-BE49-F238E27FC236}">
+                    <a16:creationId xmlns:a16="http://schemas.microsoft.com/office/drawing/2014/main" id="{B62F5EC0-C661-4B7E-94FB-51BE85CAB57A}"/>
+                  </a:ext>
+                </a:extLst>
+              </p:cNvPr>
+              <p:cNvSpPr/>
+              <p:nvPr/>
+            </p:nvSpPr>
+            <p:spPr>
+              <a:xfrm rot="16200000">
+                <a:off x="1460890" y="3972171"/>
+                <a:ext cx="496651" cy="189512"/>
+              </a:xfrm>
+              <a:prstGeom prst="rightArrow">
+                <a:avLst>
+                  <a:gd name="adj1" fmla="val 50000"/>
+                  <a:gd name="adj2" fmla="val 58725"/>
+                </a:avLst>
+              </a:prstGeom>
+              <a:solidFill>
+                <a:schemeClr val="tx1"/>
+              </a:solidFill>
+              <a:ln>
+                <a:solidFill>
+                  <a:schemeClr val="bg1"/>
+                </a:solidFill>
+              </a:ln>
+            </p:spPr>
+            <p:style>
+              <a:lnRef idx="2">
+                <a:schemeClr val="accent1">
+                  <a:shade val="50000"/>
+                </a:schemeClr>
+              </a:lnRef>
+              <a:fillRef idx="1">
+                <a:schemeClr val="accent1"/>
+              </a:fillRef>
+              <a:effectRef idx="0">
+                <a:schemeClr val="accent1"/>
+              </a:effectRef>
+              <a:fontRef idx="minor">
+                <a:schemeClr val="lt1"/>
+              </a:fontRef>
+            </p:style>
+            <p:txBody>
+              <a:bodyPr rtlCol="0" anchor="ctr"/>
+              <a:lstStyle/>
+              <a:p>
+                <a:pPr algn="ctr"/>
+                <a:endParaRPr lang="fr-FR" dirty="0"/>
+              </a:p>
+            </p:txBody>
+          </p:sp>
+        </p:grpSp>
+        <p:sp>
+          <p:nvSpPr>
+            <p:cNvPr id="278" name="Rectangle 277">
+              <a:extLst>
+                <a:ext uri="{FF2B5EF4-FFF2-40B4-BE49-F238E27FC236}">
+                  <a16:creationId xmlns:a16="http://schemas.microsoft.com/office/drawing/2014/main" id="{952F2A19-02D9-4E97-A1BA-E141B5468482}"/>
+                </a:ext>
+              </a:extLst>
+            </p:cNvPr>
+            <p:cNvSpPr/>
+            <p:nvPr/>
+          </p:nvSpPr>
+          <p:spPr>
+            <a:xfrm>
+              <a:off x="6169069" y="5722716"/>
+              <a:ext cx="1078837" cy="1078837"/>
+            </a:xfrm>
+            <a:prstGeom prst="rect">
+              <a:avLst/>
+            </a:prstGeom>
+            <a:noFill/>
+            <a:ln>
+              <a:noFill/>
+            </a:ln>
+          </p:spPr>
+          <p:style>
+            <a:lnRef idx="2">
+              <a:schemeClr val="accent1">
+                <a:shade val="50000"/>
+              </a:schemeClr>
+            </a:lnRef>
+            <a:fillRef idx="1">
+              <a:schemeClr val="accent1"/>
+            </a:fillRef>
+            <a:effectRef idx="0">
+              <a:schemeClr val="accent1"/>
+            </a:effectRef>
+            <a:fontRef idx="minor">
+              <a:schemeClr val="lt1"/>
+            </a:fontRef>
+          </p:style>
+          <p:txBody>
+            <a:bodyPr rtlCol="0" anchor="ctr"/>
+            <a:lstStyle/>
+            <a:p>
+              <a:pPr algn="ctr"/>
+              <a:endParaRPr lang="fr-FR"/>
+            </a:p>
+          </p:txBody>
+        </p:sp>
+      </p:grpSp>
+      <p:grpSp>
+        <p:nvGrpSpPr>
+          <p:cNvPr id="7" name="Groupe 6">
+            <a:extLst>
+              <a:ext uri="{FF2B5EF4-FFF2-40B4-BE49-F238E27FC236}">
+                <a16:creationId xmlns:a16="http://schemas.microsoft.com/office/drawing/2014/main" id="{C88CB88E-60A5-40AC-B9BA-2D49A02E8B22}"/>
+              </a:ext>
+            </a:extLst>
+          </p:cNvPr>
+          <p:cNvGrpSpPr/>
+          <p:nvPr/>
+        </p:nvGrpSpPr>
+        <p:grpSpPr>
+          <a:xfrm>
+            <a:off x="8962733" y="5768708"/>
+            <a:ext cx="1078837" cy="1078837"/>
+            <a:chOff x="8962733" y="5768708"/>
+            <a:chExt cx="1078837" cy="1078837"/>
+          </a:xfrm>
+        </p:grpSpPr>
+        <p:sp>
+          <p:nvSpPr>
+            <p:cNvPr id="283" name="Rectangle 282">
+              <a:extLst>
+                <a:ext uri="{FF2B5EF4-FFF2-40B4-BE49-F238E27FC236}">
+                  <a16:creationId xmlns:a16="http://schemas.microsoft.com/office/drawing/2014/main" id="{517C7140-2ADA-44C4-923E-AC7DA0185034}"/>
+                </a:ext>
+              </a:extLst>
+            </p:cNvPr>
+            <p:cNvSpPr/>
+            <p:nvPr/>
+          </p:nvSpPr>
+          <p:spPr>
+            <a:xfrm>
+              <a:off x="8962733" y="5768708"/>
+              <a:ext cx="1078837" cy="1078837"/>
+            </a:xfrm>
+            <a:prstGeom prst="rect">
+              <a:avLst/>
+            </a:prstGeom>
+            <a:noFill/>
+            <a:ln>
+              <a:noFill/>
+            </a:ln>
+          </p:spPr>
+          <p:style>
+            <a:lnRef idx="2">
+              <a:schemeClr val="accent1">
+                <a:shade val="50000"/>
+              </a:schemeClr>
+            </a:lnRef>
+            <a:fillRef idx="1">
+              <a:schemeClr val="accent1"/>
+            </a:fillRef>
+            <a:effectRef idx="0">
+              <a:schemeClr val="accent1"/>
+            </a:effectRef>
+            <a:fontRef idx="minor">
+              <a:schemeClr val="lt1"/>
+            </a:fontRef>
+          </p:style>
+          <p:txBody>
+            <a:bodyPr rtlCol="0" anchor="ctr"/>
+            <a:lstStyle/>
+            <a:p>
+              <a:pPr algn="ctr"/>
+              <a:endParaRPr lang="fr-FR"/>
+            </a:p>
+          </p:txBody>
+        </p:sp>
+        <p:grpSp>
+          <p:nvGrpSpPr>
+            <p:cNvPr id="6" name="Groupe 5">
+              <a:extLst>
+                <a:ext uri="{FF2B5EF4-FFF2-40B4-BE49-F238E27FC236}">
+                  <a16:creationId xmlns:a16="http://schemas.microsoft.com/office/drawing/2014/main" id="{7AC4DB1D-5E16-410A-B908-6E77DECBB1F7}"/>
+                </a:ext>
+              </a:extLst>
+            </p:cNvPr>
+            <p:cNvGrpSpPr/>
+            <p:nvPr/>
+          </p:nvGrpSpPr>
+          <p:grpSpPr>
+            <a:xfrm>
+              <a:off x="9341136" y="5993126"/>
+              <a:ext cx="322031" cy="630000"/>
+              <a:chOff x="9341136" y="5993126"/>
+              <a:chExt cx="322031" cy="630000"/>
+            </a:xfrm>
+          </p:grpSpPr>
+          <p:sp>
+            <p:nvSpPr>
+              <p:cNvPr id="285" name="Cylindre 284">
+                <a:extLst>
+                  <a:ext uri="{FF2B5EF4-FFF2-40B4-BE49-F238E27FC236}">
+                    <a16:creationId xmlns:a16="http://schemas.microsoft.com/office/drawing/2014/main" id="{B285A1A2-899F-4D5B-8C3F-42A615C13360}"/>
+                  </a:ext>
+                </a:extLst>
+              </p:cNvPr>
+              <p:cNvSpPr/>
+              <p:nvPr/>
+            </p:nvSpPr>
+            <p:spPr>
+              <a:xfrm>
+                <a:off x="9341136" y="5993126"/>
+                <a:ext cx="322031" cy="630000"/>
+              </a:xfrm>
+              <a:prstGeom prst="can">
+                <a:avLst/>
+              </a:prstGeom>
+              <a:noFill/>
+              <a:ln w="19050">
+                <a:solidFill>
+                  <a:schemeClr val="tx1"/>
+                </a:solidFill>
+              </a:ln>
+            </p:spPr>
+            <p:style>
+              <a:lnRef idx="2">
+                <a:schemeClr val="accent1">
+                  <a:shade val="50000"/>
+                </a:schemeClr>
+              </a:lnRef>
+              <a:fillRef idx="1">
+                <a:schemeClr val="accent1"/>
+              </a:fillRef>
+              <a:effectRef idx="0">
+                <a:schemeClr val="accent1"/>
+              </a:effectRef>
+              <a:fontRef idx="minor">
+                <a:schemeClr val="lt1"/>
+              </a:fontRef>
+            </p:style>
+            <p:txBody>
+              <a:bodyPr rtlCol="0" anchor="ctr"/>
+              <a:lstStyle/>
+              <a:p>
+                <a:pPr algn="ctr"/>
+                <a:endParaRPr lang="fr-FR" dirty="0"/>
+              </a:p>
+            </p:txBody>
+          </p:sp>
+          <p:sp>
+            <p:nvSpPr>
+              <p:cNvPr id="286" name="Cylindre 285">
+                <a:extLst>
+                  <a:ext uri="{FF2B5EF4-FFF2-40B4-BE49-F238E27FC236}">
+                    <a16:creationId xmlns:a16="http://schemas.microsoft.com/office/drawing/2014/main" id="{D8F4FA28-439E-4B68-8877-9FDF558DAFFC}"/>
+                  </a:ext>
+                </a:extLst>
+              </p:cNvPr>
+              <p:cNvSpPr/>
+              <p:nvPr/>
+            </p:nvSpPr>
+            <p:spPr>
+              <a:xfrm>
+                <a:off x="9341136" y="6454852"/>
+                <a:ext cx="322031" cy="168274"/>
+              </a:xfrm>
+              <a:prstGeom prst="can">
+                <a:avLst>
+                  <a:gd name="adj" fmla="val 50000"/>
+                </a:avLst>
+              </a:prstGeom>
+              <a:solidFill>
+                <a:schemeClr val="bg1"/>
+              </a:solidFill>
+              <a:ln w="19050">
+                <a:solidFill>
+                  <a:schemeClr val="tx1"/>
+                </a:solidFill>
+              </a:ln>
+            </p:spPr>
+            <p:style>
+              <a:lnRef idx="2">
+                <a:schemeClr val="accent1">
+                  <a:shade val="50000"/>
+                </a:schemeClr>
+              </a:lnRef>
+              <a:fillRef idx="1">
+                <a:schemeClr val="accent1"/>
+              </a:fillRef>
+              <a:effectRef idx="0">
+                <a:schemeClr val="accent1"/>
+              </a:effectRef>
+              <a:fontRef idx="minor">
+                <a:schemeClr val="lt1"/>
+              </a:fontRef>
+            </p:style>
+            <p:txBody>
+              <a:bodyPr rtlCol="0" anchor="ctr"/>
+              <a:lstStyle/>
+              <a:p>
+                <a:pPr algn="ctr"/>
+                <a:endParaRPr lang="fr-FR"/>
+              </a:p>
+            </p:txBody>
+          </p:sp>
+          <p:sp>
+            <p:nvSpPr>
+              <p:cNvPr id="287" name="Flèche : droite 286">
+                <a:extLst>
+                  <a:ext uri="{FF2B5EF4-FFF2-40B4-BE49-F238E27FC236}">
+                    <a16:creationId xmlns:a16="http://schemas.microsoft.com/office/drawing/2014/main" id="{20DE48BD-EC31-4AC2-A241-41567C38BEDE}"/>
+                  </a:ext>
+                </a:extLst>
+              </p:cNvPr>
+              <p:cNvSpPr/>
+              <p:nvPr/>
+            </p:nvSpPr>
+            <p:spPr>
+              <a:xfrm rot="5400000">
+                <a:off x="9253826" y="6168282"/>
+                <a:ext cx="496651" cy="190800"/>
+              </a:xfrm>
+              <a:prstGeom prst="rightArrow">
+                <a:avLst>
+                  <a:gd name="adj1" fmla="val 50000"/>
+                  <a:gd name="adj2" fmla="val 58725"/>
+                </a:avLst>
+              </a:prstGeom>
+              <a:solidFill>
+                <a:schemeClr val="tx1"/>
+              </a:solidFill>
+              <a:ln>
+                <a:solidFill>
+                  <a:schemeClr val="bg1"/>
+                </a:solidFill>
+              </a:ln>
+            </p:spPr>
+            <p:style>
+              <a:lnRef idx="2">
+                <a:schemeClr val="accent1">
+                  <a:shade val="50000"/>
+                </a:schemeClr>
+              </a:lnRef>
+              <a:fillRef idx="1">
+                <a:schemeClr val="accent1"/>
+              </a:fillRef>
+              <a:effectRef idx="0">
+                <a:schemeClr val="accent1"/>
+              </a:effectRef>
+              <a:fontRef idx="minor">
+                <a:schemeClr val="lt1"/>
+              </a:fontRef>
+            </p:style>
+            <p:txBody>
+              <a:bodyPr rtlCol="0" anchor="ctr"/>
+              <a:lstStyle/>
+              <a:p>
+                <a:pPr algn="ctr"/>
+                <a:endParaRPr lang="fr-FR" dirty="0"/>
+              </a:p>
+            </p:txBody>
+          </p:sp>
+        </p:grpSp>
+      </p:grpSp>
     </p:spTree>
     <p:extLst>
       <p:ext uri="{BB962C8B-B14F-4D97-AF65-F5344CB8AC3E}">
